--- a/ProyectoRuby/Libros/PresentacionRuby.pptx
+++ b/ProyectoRuby/Libros/PresentacionRuby.pptx
@@ -354,7 +354,7 @@
             <a:fld id="{B61BEF0D-F0BB-DE4B-95CE-6DB70DBA9567}" type="datetimeFigureOut">
               <a:rPr lang="en-US" dirty="0"/>
               <a:pPr/>
-              <a:t>5/25/2018</a:t>
+              <a:t>6/1/2018</a:t>
             </a:fld>
             <a:endParaRPr lang="en-US" dirty="0"/>
           </a:p>
@@ -689,7 +689,7 @@
             <a:fld id="{B61BEF0D-F0BB-DE4B-95CE-6DB70DBA9567}" type="datetimeFigureOut">
               <a:rPr lang="en-US" dirty="0"/>
               <a:pPr/>
-              <a:t>5/25/2018</a:t>
+              <a:t>6/1/2018</a:t>
             </a:fld>
             <a:endParaRPr lang="en-US" dirty="0"/>
           </a:p>
@@ -1087,7 +1087,7 @@
             <a:fld id="{B61BEF0D-F0BB-DE4B-95CE-6DB70DBA9567}" type="datetimeFigureOut">
               <a:rPr lang="en-US" dirty="0"/>
               <a:pPr/>
-              <a:t>5/25/2018</a:t>
+              <a:t>6/1/2018</a:t>
             </a:fld>
             <a:endParaRPr lang="en-US" dirty="0"/>
           </a:p>
@@ -1420,7 +1420,7 @@
             <a:fld id="{B61BEF0D-F0BB-DE4B-95CE-6DB70DBA9567}" type="datetimeFigureOut">
               <a:rPr lang="en-US" dirty="0"/>
               <a:pPr/>
-              <a:t>5/25/2018</a:t>
+              <a:t>6/1/2018</a:t>
             </a:fld>
             <a:endParaRPr lang="en-US" dirty="0"/>
           </a:p>
@@ -1737,7 +1737,7 @@
             <a:fld id="{B61BEF0D-F0BB-DE4B-95CE-6DB70DBA9567}" type="datetimeFigureOut">
               <a:rPr lang="en-US" dirty="0"/>
               <a:pPr/>
-              <a:t>5/25/2018</a:t>
+              <a:t>6/1/2018</a:t>
             </a:fld>
             <a:endParaRPr lang="en-US" dirty="0"/>
           </a:p>
@@ -2130,7 +2130,7 @@
             <a:fld id="{B61BEF0D-F0BB-DE4B-95CE-6DB70DBA9567}" type="datetimeFigureOut">
               <a:rPr lang="en-US" dirty="0"/>
               <a:pPr/>
-              <a:t>5/25/2018</a:t>
+              <a:t>6/1/2018</a:t>
             </a:fld>
             <a:endParaRPr lang="en-US" dirty="0"/>
           </a:p>
@@ -2384,7 +2384,7 @@
             <a:fld id="{B61BEF0D-F0BB-DE4B-95CE-6DB70DBA9567}" type="datetimeFigureOut">
               <a:rPr lang="en-US" dirty="0"/>
               <a:pPr/>
-              <a:t>5/25/2018</a:t>
+              <a:t>6/1/2018</a:t>
             </a:fld>
             <a:endParaRPr lang="en-US" dirty="0"/>
           </a:p>
@@ -2643,7 +2643,7 @@
             <a:fld id="{B61BEF0D-F0BB-DE4B-95CE-6DB70DBA9567}" type="datetimeFigureOut">
               <a:rPr lang="en-US" dirty="0"/>
               <a:pPr/>
-              <a:t>5/25/2018</a:t>
+              <a:t>6/1/2018</a:t>
             </a:fld>
             <a:endParaRPr lang="en-US" dirty="0"/>
           </a:p>
@@ -2902,7 +2902,7 @@
             <a:fld id="{B61BEF0D-F0BB-DE4B-95CE-6DB70DBA9567}" type="datetimeFigureOut">
               <a:rPr lang="en-US" dirty="0"/>
               <a:pPr/>
-              <a:t>5/25/2018</a:t>
+              <a:t>6/1/2018</a:t>
             </a:fld>
             <a:endParaRPr lang="en-US" dirty="0"/>
           </a:p>
@@ -3228,7 +3228,7 @@
             <a:fld id="{B61BEF0D-F0BB-DE4B-95CE-6DB70DBA9567}" type="datetimeFigureOut">
               <a:rPr lang="en-US" dirty="0"/>
               <a:pPr/>
-              <a:t>5/25/2018</a:t>
+              <a:t>6/1/2018</a:t>
             </a:fld>
             <a:endParaRPr lang="en-US" dirty="0"/>
           </a:p>
@@ -3548,7 +3548,7 @@
             <a:fld id="{B61BEF0D-F0BB-DE4B-95CE-6DB70DBA9567}" type="datetimeFigureOut">
               <a:rPr lang="en-US" dirty="0"/>
               <a:pPr/>
-              <a:t>5/25/2018</a:t>
+              <a:t>6/1/2018</a:t>
             </a:fld>
             <a:endParaRPr lang="en-US" dirty="0"/>
           </a:p>
@@ -4002,7 +4002,7 @@
             <a:fld id="{B61BEF0D-F0BB-DE4B-95CE-6DB70DBA9567}" type="datetimeFigureOut">
               <a:rPr lang="en-US" dirty="0"/>
               <a:pPr/>
-              <a:t>5/25/2018</a:t>
+              <a:t>6/1/2018</a:t>
             </a:fld>
             <a:endParaRPr lang="en-US" dirty="0"/>
           </a:p>
@@ -4204,7 +4204,7 @@
             <a:fld id="{B61BEF0D-F0BB-DE4B-95CE-6DB70DBA9567}" type="datetimeFigureOut">
               <a:rPr lang="en-US" dirty="0"/>
               <a:pPr/>
-              <a:t>5/25/2018</a:t>
+              <a:t>6/1/2018</a:t>
             </a:fld>
             <a:endParaRPr lang="en-US" dirty="0"/>
           </a:p>
@@ -4378,7 +4378,7 @@
             <a:fld id="{B61BEF0D-F0BB-DE4B-95CE-6DB70DBA9567}" type="datetimeFigureOut">
               <a:rPr lang="en-US" dirty="0"/>
               <a:pPr/>
-              <a:t>5/25/2018</a:t>
+              <a:t>6/1/2018</a:t>
             </a:fld>
             <a:endParaRPr lang="en-US" dirty="0"/>
           </a:p>
@@ -4708,7 +4708,7 @@
             <a:fld id="{B61BEF0D-F0BB-DE4B-95CE-6DB70DBA9567}" type="datetimeFigureOut">
               <a:rPr lang="en-US" dirty="0"/>
               <a:pPr/>
-              <a:t>5/25/2018</a:t>
+              <a:t>6/1/2018</a:t>
             </a:fld>
             <a:endParaRPr lang="en-US" dirty="0"/>
           </a:p>
@@ -5050,7 +5050,7 @@
             <a:fld id="{B61BEF0D-F0BB-DE4B-95CE-6DB70DBA9567}" type="datetimeFigureOut">
               <a:rPr lang="en-US" dirty="0"/>
               <a:pPr/>
-              <a:t>5/25/2018</a:t>
+              <a:t>6/1/2018</a:t>
             </a:fld>
             <a:endParaRPr lang="en-US" dirty="0"/>
           </a:p>
@@ -7164,7 +7164,7 @@
             <a:fld id="{B61BEF0D-F0BB-DE4B-95CE-6DB70DBA9567}" type="datetimeFigureOut">
               <a:rPr lang="en-US" dirty="0"/>
               <a:pPr/>
-              <a:t>5/25/2018</a:t>
+              <a:t>6/1/2018</a:t>
             </a:fld>
             <a:endParaRPr lang="en-US" dirty="0"/>
           </a:p>
@@ -7701,7 +7701,14 @@
           <a:p>
             <a:r>
               <a:rPr lang="es-CO" dirty="0"/>
-              <a:t>     Ruby</a:t>
+              <a:t>     </a:t>
+            </a:r>
+            <a:r>
+              <a:rPr lang="es-CO" dirty="0">
+                <a:latin typeface="Helvetica" panose="020B0604020202020204" pitchFamily="34" charset="0"/>
+                <a:cs typeface="Helvetica" panose="020B0604020202020204" pitchFamily="34" charset="0"/>
+              </a:rPr>
+              <a:t>Ruby</a:t>
             </a:r>
           </a:p>
         </p:txBody>
@@ -7728,40 +7735,57 @@
           <a:lstStyle/>
           <a:p>
             <a:r>
-              <a:rPr lang="es-CO" dirty="0"/>
+              <a:rPr lang="es-CO" dirty="0">
+                <a:latin typeface="Helvetica" panose="020B0604020202020204" pitchFamily="34" charset="0"/>
+                <a:cs typeface="Helvetica" panose="020B0604020202020204" pitchFamily="34" charset="0"/>
+              </a:rPr>
               <a:t>Un lenguaje de programación dinámico y de código abierto enfocado en la simplicidad y productividad</a:t>
             </a:r>
           </a:p>
           <a:p>
             <a:r>
-              <a:rPr lang="es-CO" dirty="0"/>
+              <a:rPr lang="es-CO" dirty="0">
+                <a:latin typeface="Helvetica" panose="020B0604020202020204" pitchFamily="34" charset="0"/>
+                <a:cs typeface="Helvetica" panose="020B0604020202020204" pitchFamily="34" charset="0"/>
+              </a:rPr>
               <a:t> </a:t>
             </a:r>
             <a:r>
               <a:rPr lang="es-CO" u="sng" dirty="0" err="1">
+                <a:latin typeface="Helvetica" panose="020B0604020202020204" pitchFamily="34" charset="0"/>
+                <a:cs typeface="Helvetica" panose="020B0604020202020204" pitchFamily="34" charset="0"/>
                 <a:hlinkClick r:id="rId2"/>
               </a:rPr>
               <a:t>Yukihiro</a:t>
             </a:r>
             <a:r>
               <a:rPr lang="es-CO" u="sng" dirty="0">
+                <a:latin typeface="Helvetica" panose="020B0604020202020204" pitchFamily="34" charset="0"/>
+                <a:cs typeface="Helvetica" panose="020B0604020202020204" pitchFamily="34" charset="0"/>
                 <a:hlinkClick r:id="rId2"/>
               </a:rPr>
               <a:t> “</a:t>
             </a:r>
             <a:r>
               <a:rPr lang="es-CO" u="sng" dirty="0" err="1">
+                <a:latin typeface="Helvetica" panose="020B0604020202020204" pitchFamily="34" charset="0"/>
+                <a:cs typeface="Helvetica" panose="020B0604020202020204" pitchFamily="34" charset="0"/>
                 <a:hlinkClick r:id="rId2"/>
               </a:rPr>
               <a:t>Matz</a:t>
             </a:r>
             <a:r>
               <a:rPr lang="es-CO" u="sng" dirty="0">
+                <a:latin typeface="Helvetica" panose="020B0604020202020204" pitchFamily="34" charset="0"/>
+                <a:cs typeface="Helvetica" panose="020B0604020202020204" pitchFamily="34" charset="0"/>
                 <a:hlinkClick r:id="rId2"/>
               </a:rPr>
               <a:t>” Matsumoto</a:t>
             </a:r>
-            <a:endParaRPr lang="es-CO" dirty="0"/>
+            <a:endParaRPr lang="es-CO" dirty="0">
+              <a:latin typeface="Helvetica" panose="020B0604020202020204" pitchFamily="34" charset="0"/>
+              <a:cs typeface="Helvetica" panose="020B0604020202020204" pitchFamily="34" charset="0"/>
+            </a:endParaRPr>
           </a:p>
         </p:txBody>
       </p:sp>
@@ -7847,7 +7871,10 @@
           <a:lstStyle/>
           <a:p>
             <a:r>
-              <a:rPr lang="es-CO" dirty="0"/>
+              <a:rPr lang="es-CO" dirty="0">
+                <a:latin typeface="Helvetica" panose="020B0604020202020204" pitchFamily="34" charset="0"/>
+                <a:cs typeface="Helvetica" panose="020B0604020202020204" pitchFamily="34" charset="0"/>
+              </a:rPr>
               <a:t>Variables</a:t>
             </a:r>
           </a:p>
@@ -8197,7 +8224,10 @@
               </a:spcBef>
             </a:pPr>
             <a:r>
-              <a:rPr lang="en-US" sz="2900" dirty="0"/>
+              <a:rPr lang="en-US" sz="2900" dirty="0">
+                <a:latin typeface="Helvetica" panose="020B0604020202020204" pitchFamily="34" charset="0"/>
+                <a:cs typeface="Helvetica" panose="020B0604020202020204" pitchFamily="34" charset="0"/>
+              </a:rPr>
               <a:t>On the first line, Ruby creates a new string object with the value Tim. A reference to this object is placed in the local variable person. A quick check shows that the variable has indeed taken on the personality of a string, with an object ID, a class, and a value.</a:t>
             </a:r>
           </a:p>
@@ -8211,23 +8241,38 @@
               </a:spcBef>
             </a:pPr>
             <a:r>
-              <a:rPr lang="en-US" sz="2900" dirty="0"/>
+              <a:rPr lang="en-US" sz="2900" dirty="0">
+                <a:latin typeface="Helvetica" panose="020B0604020202020204" pitchFamily="34" charset="0"/>
+                <a:cs typeface="Helvetica" panose="020B0604020202020204" pitchFamily="34" charset="0"/>
+              </a:rPr>
               <a:t>So, is a variable an object? In Ruby, the answer is “no.” A variable is simply a reference to </a:t>
             </a:r>
             <a:r>
-              <a:rPr lang="es-CO" sz="2900" dirty="0" err="1"/>
+              <a:rPr lang="es-CO" sz="2900" dirty="0" err="1">
+                <a:latin typeface="Helvetica" panose="020B0604020202020204" pitchFamily="34" charset="0"/>
+                <a:cs typeface="Helvetica" panose="020B0604020202020204" pitchFamily="34" charset="0"/>
+              </a:rPr>
               <a:t>an</a:t>
             </a:r>
             <a:r>
-              <a:rPr lang="es-CO" sz="2900" dirty="0"/>
+              <a:rPr lang="es-CO" sz="2900" dirty="0">
+                <a:latin typeface="Helvetica" panose="020B0604020202020204" pitchFamily="34" charset="0"/>
+                <a:cs typeface="Helvetica" panose="020B0604020202020204" pitchFamily="34" charset="0"/>
+              </a:rPr>
               <a:t> </a:t>
             </a:r>
             <a:r>
-              <a:rPr lang="es-CO" sz="2900" dirty="0" err="1"/>
+              <a:rPr lang="es-CO" sz="2900" dirty="0" err="1">
+                <a:latin typeface="Helvetica" panose="020B0604020202020204" pitchFamily="34" charset="0"/>
+                <a:cs typeface="Helvetica" panose="020B0604020202020204" pitchFamily="34" charset="0"/>
+              </a:rPr>
               <a:t>object</a:t>
             </a:r>
             <a:r>
-              <a:rPr lang="es-CO" sz="2900" dirty="0"/>
+              <a:rPr lang="es-CO" sz="2900" dirty="0">
+                <a:latin typeface="Helvetica" panose="020B0604020202020204" pitchFamily="34" charset="0"/>
+                <a:cs typeface="Helvetica" panose="020B0604020202020204" pitchFamily="34" charset="0"/>
+              </a:rPr>
               <a:t>.</a:t>
             </a:r>
           </a:p>
@@ -8285,7 +8330,10 @@
           <a:lstStyle/>
           <a:p>
             <a:r>
-              <a:rPr lang="es-CO" dirty="0"/>
+              <a:rPr lang="es-CO" dirty="0">
+                <a:latin typeface="Helvetica" panose="020B0604020202020204" pitchFamily="34" charset="0"/>
+                <a:cs typeface="Helvetica" panose="020B0604020202020204" pitchFamily="34" charset="0"/>
+              </a:rPr>
               <a:t>Variables</a:t>
             </a:r>
           </a:p>
@@ -9829,18 +9877,30 @@
           <a:lstStyle/>
           <a:p>
             <a:r>
-              <a:rPr lang="es-CO" dirty="0" err="1"/>
+              <a:rPr lang="es-CO" dirty="0" err="1">
+                <a:latin typeface="Helvetica" panose="020B0604020202020204" pitchFamily="34" charset="0"/>
+                <a:cs typeface="Helvetica" panose="020B0604020202020204" pitchFamily="34" charset="0"/>
+              </a:rPr>
               <a:t>Containers</a:t>
             </a:r>
             <a:r>
-              <a:rPr lang="es-CO" dirty="0"/>
+              <a:rPr lang="es-CO" dirty="0">
+                <a:latin typeface="Helvetica" panose="020B0604020202020204" pitchFamily="34" charset="0"/>
+                <a:cs typeface="Helvetica" panose="020B0604020202020204" pitchFamily="34" charset="0"/>
+              </a:rPr>
               <a:t>, Blocks, and </a:t>
             </a:r>
             <a:r>
-              <a:rPr lang="es-CO" dirty="0" err="1"/>
+              <a:rPr lang="es-CO" dirty="0" err="1">
+                <a:latin typeface="Helvetica" panose="020B0604020202020204" pitchFamily="34" charset="0"/>
+                <a:cs typeface="Helvetica" panose="020B0604020202020204" pitchFamily="34" charset="0"/>
+              </a:rPr>
               <a:t>Iterators</a:t>
             </a:r>
-            <a:endParaRPr lang="es-CO" dirty="0"/>
+            <a:endParaRPr lang="es-CO" dirty="0">
+              <a:latin typeface="Helvetica" panose="020B0604020202020204" pitchFamily="34" charset="0"/>
+              <a:cs typeface="Helvetica" panose="020B0604020202020204" pitchFamily="34" charset="0"/>
+            </a:endParaRPr>
           </a:p>
         </p:txBody>
       </p:sp>
@@ -9866,7 +9926,10 @@
           <a:lstStyle/>
           <a:p>
             <a:r>
-              <a:rPr lang="en-US" dirty="0"/>
+              <a:rPr lang="en-US" dirty="0">
+                <a:latin typeface="Helvetica" panose="020B0604020202020204" pitchFamily="34" charset="0"/>
+                <a:cs typeface="Helvetica" panose="020B0604020202020204" pitchFamily="34" charset="0"/>
+              </a:rPr>
               <a:t>Ruby comes with two built-in classes to handle these collections</a:t>
             </a:r>
             <a:r>
@@ -9877,21 +9940,32 @@
                     <a:lumOff val="40000"/>
                   </a:schemeClr>
                 </a:solidFill>
+                <a:latin typeface="Helvetica" panose="020B0604020202020204" pitchFamily="34" charset="0"/>
+                <a:cs typeface="Helvetica" panose="020B0604020202020204" pitchFamily="34" charset="0"/>
               </a:rPr>
               <a:t>: arrays and hashes</a:t>
             </a:r>
             <a:r>
-              <a:rPr lang="en-US" dirty="0"/>
+              <a:rPr lang="en-US" dirty="0">
+                <a:latin typeface="Helvetica" panose="020B0604020202020204" pitchFamily="34" charset="0"/>
+                <a:cs typeface="Helvetica" panose="020B0604020202020204" pitchFamily="34" charset="0"/>
+              </a:rPr>
               <a:t>. Mastery of these two classes is key to being an effective Ruby programmer. This mastery may take some time, because both classes have large interfaces</a:t>
             </a:r>
           </a:p>
           <a:p>
             <a:r>
-              <a:rPr lang="es-CO" dirty="0"/>
+              <a:rPr lang="es-CO" dirty="0">
+                <a:latin typeface="Helvetica" panose="020B0604020202020204" pitchFamily="34" charset="0"/>
+                <a:cs typeface="Helvetica" panose="020B0604020202020204" pitchFamily="34" charset="0"/>
+              </a:rPr>
               <a:t>Ruby </a:t>
             </a:r>
             <a:r>
-              <a:rPr lang="en-US" dirty="0"/>
+              <a:rPr lang="en-US" dirty="0">
+                <a:latin typeface="Helvetica" panose="020B0604020202020204" pitchFamily="34" charset="0"/>
+                <a:cs typeface="Helvetica" panose="020B0604020202020204" pitchFamily="34" charset="0"/>
+              </a:rPr>
               <a:t>also has a </a:t>
             </a:r>
             <a:r>
@@ -9902,16 +9976,24 @@
                     <a:lumOff val="40000"/>
                   </a:schemeClr>
                 </a:solidFill>
+                <a:latin typeface="Helvetica" panose="020B0604020202020204" pitchFamily="34" charset="0"/>
+                <a:cs typeface="Helvetica" panose="020B0604020202020204" pitchFamily="34" charset="0"/>
               </a:rPr>
               <a:t>block syntax </a:t>
             </a:r>
             <a:r>
-              <a:rPr lang="en-US" dirty="0"/>
+              <a:rPr lang="en-US" dirty="0">
+                <a:latin typeface="Helvetica" panose="020B0604020202020204" pitchFamily="34" charset="0"/>
+                <a:cs typeface="Helvetica" panose="020B0604020202020204" pitchFamily="34" charset="0"/>
+              </a:rPr>
               <a:t>that lets you encapsulate chunks of code. When paired with collections, these blocks become powerful iterator constructs.  blocks and iterators.</a:t>
             </a:r>
           </a:p>
           <a:p>
-            <a:endParaRPr lang="es-CO" dirty="0"/>
+            <a:endParaRPr lang="es-CO" dirty="0">
+              <a:latin typeface="Helvetica" panose="020B0604020202020204" pitchFamily="34" charset="0"/>
+              <a:cs typeface="Helvetica" panose="020B0604020202020204" pitchFamily="34" charset="0"/>
+            </a:endParaRPr>
           </a:p>
         </p:txBody>
       </p:sp>
@@ -9972,10 +10054,16 @@
           <a:lstStyle/>
           <a:p>
             <a:r>
-              <a:rPr lang="es-CO" dirty="0" err="1"/>
+              <a:rPr lang="es-CO" dirty="0" err="1">
+                <a:latin typeface="Helvetica" panose="020B0604020202020204" pitchFamily="34" charset="0"/>
+                <a:cs typeface="Helvetica" panose="020B0604020202020204" pitchFamily="34" charset="0"/>
+              </a:rPr>
               <a:t>Arrays</a:t>
             </a:r>
-            <a:endParaRPr lang="es-CO" dirty="0"/>
+            <a:endParaRPr lang="es-CO" dirty="0">
+              <a:latin typeface="Helvetica" panose="020B0604020202020204" pitchFamily="34" charset="0"/>
+              <a:cs typeface="Helvetica" panose="020B0604020202020204" pitchFamily="34" charset="0"/>
+            </a:endParaRPr>
           </a:p>
         </p:txBody>
       </p:sp>
@@ -10011,7 +10099,8 @@
                 <a:solidFill>
                   <a:srgbClr val="000000"/>
                 </a:solidFill>
-                <a:latin typeface="DejaVuSansMono"/>
+                <a:latin typeface="DejaVuSansMono-Bold"/>
+                <a:cs typeface="Helvetica" panose="020B0604020202020204" pitchFamily="34" charset="0"/>
               </a:rPr>
               <a:t>a = [ 3.14159, </a:t>
             </a:r>
@@ -10020,7 +10109,8 @@
                 <a:solidFill>
                   <a:srgbClr val="191191"/>
                 </a:solidFill>
-                <a:latin typeface="DejaVuSansMono-Oblique"/>
+                <a:latin typeface="DejaVuSansMono-Bold"/>
+                <a:cs typeface="Helvetica" panose="020B0604020202020204" pitchFamily="34" charset="0"/>
               </a:rPr>
               <a:t>"pie"</a:t>
             </a:r>
@@ -10029,7 +10119,8 @@
                 <a:solidFill>
                   <a:srgbClr val="000000"/>
                 </a:solidFill>
-                <a:latin typeface="DejaVuSansMono"/>
+                <a:latin typeface="DejaVuSansMono-Bold"/>
+                <a:cs typeface="Helvetica" panose="020B0604020202020204" pitchFamily="34" charset="0"/>
               </a:rPr>
               <a:t>, 99 ]</a:t>
             </a:r>
@@ -10040,7 +10131,8 @@
                 <a:solidFill>
                   <a:srgbClr val="000000"/>
                 </a:solidFill>
-                <a:latin typeface="DejaVuSansMono"/>
+                <a:latin typeface="DejaVuSansMono-Bold"/>
+                <a:cs typeface="Helvetica" panose="020B0604020202020204" pitchFamily="34" charset="0"/>
               </a:rPr>
               <a:t>a.class</a:t>
             </a:r>
@@ -10049,7 +10141,8 @@
                 <a:solidFill>
                   <a:srgbClr val="000000"/>
                 </a:solidFill>
-                <a:latin typeface="DejaVuSansMono"/>
+                <a:latin typeface="DejaVuSansMono-Bold"/>
+                <a:cs typeface="Helvetica" panose="020B0604020202020204" pitchFamily="34" charset="0"/>
               </a:rPr>
               <a:t> </a:t>
             </a:r>
@@ -10058,7 +10151,8 @@
                 <a:solidFill>
                   <a:srgbClr val="0F7C0F"/>
                 </a:solidFill>
-                <a:latin typeface="DejaVuSansMono-Oblique"/>
+                <a:latin typeface="DejaVuSansMono-Bold"/>
+                <a:cs typeface="Helvetica" panose="020B0604020202020204" pitchFamily="34" charset="0"/>
               </a:rPr>
               <a:t># =&gt; Array</a:t>
             </a:r>
@@ -10069,7 +10163,8 @@
                 <a:solidFill>
                   <a:srgbClr val="000000"/>
                 </a:solidFill>
-                <a:latin typeface="DejaVuSansMono"/>
+                <a:latin typeface="DejaVuSansMono-Bold"/>
+                <a:cs typeface="Helvetica" panose="020B0604020202020204" pitchFamily="34" charset="0"/>
               </a:rPr>
               <a:t>a.length</a:t>
             </a:r>
@@ -10078,7 +10173,8 @@
                 <a:solidFill>
                   <a:srgbClr val="000000"/>
                 </a:solidFill>
-                <a:latin typeface="DejaVuSansMono"/>
+                <a:latin typeface="DejaVuSansMono-Bold"/>
+                <a:cs typeface="Helvetica" panose="020B0604020202020204" pitchFamily="34" charset="0"/>
               </a:rPr>
               <a:t> </a:t>
             </a:r>
@@ -10087,7 +10183,8 @@
                 <a:solidFill>
                   <a:srgbClr val="0F7C0F"/>
                 </a:solidFill>
-                <a:latin typeface="DejaVuSansMono-Oblique"/>
+                <a:latin typeface="DejaVuSansMono-Bold"/>
+                <a:cs typeface="Helvetica" panose="020B0604020202020204" pitchFamily="34" charset="0"/>
               </a:rPr>
               <a:t># =&gt; 3</a:t>
             </a:r>
@@ -10098,7 +10195,8 @@
                 <a:solidFill>
                   <a:srgbClr val="000000"/>
                 </a:solidFill>
-                <a:latin typeface="DejaVuSansMono"/>
+                <a:latin typeface="DejaVuSansMono-Bold"/>
+                <a:cs typeface="Helvetica" panose="020B0604020202020204" pitchFamily="34" charset="0"/>
               </a:rPr>
               <a:t>a[0] </a:t>
             </a:r>
@@ -10107,7 +10205,8 @@
                 <a:solidFill>
                   <a:srgbClr val="0F7C0F"/>
                 </a:solidFill>
-                <a:latin typeface="DejaVuSansMono-Oblique"/>
+                <a:latin typeface="DejaVuSansMono-Bold"/>
+                <a:cs typeface="Helvetica" panose="020B0604020202020204" pitchFamily="34" charset="0"/>
               </a:rPr>
               <a:t># =&gt; 3.14159</a:t>
             </a:r>
@@ -10118,7 +10217,8 @@
                 <a:solidFill>
                   <a:srgbClr val="000000"/>
                 </a:solidFill>
-                <a:latin typeface="DejaVuSansMono"/>
+                <a:latin typeface="DejaVuSansMono-Bold"/>
+                <a:cs typeface="Helvetica" panose="020B0604020202020204" pitchFamily="34" charset="0"/>
               </a:rPr>
               <a:t>a[1] </a:t>
             </a:r>
@@ -10127,7 +10227,8 @@
                 <a:solidFill>
                   <a:srgbClr val="0F7C0F"/>
                 </a:solidFill>
-                <a:latin typeface="DejaVuSansMono-Oblique"/>
+                <a:latin typeface="DejaVuSansMono-Bold"/>
+                <a:cs typeface="Helvetica" panose="020B0604020202020204" pitchFamily="34" charset="0"/>
               </a:rPr>
               <a:t># =&gt; "pie"</a:t>
             </a:r>
@@ -10138,7 +10239,8 @@
                 <a:solidFill>
                   <a:srgbClr val="000000"/>
                 </a:solidFill>
-                <a:latin typeface="DejaVuSansMono"/>
+                <a:latin typeface="DejaVuSansMono-Bold"/>
+                <a:cs typeface="Helvetica" panose="020B0604020202020204" pitchFamily="34" charset="0"/>
               </a:rPr>
               <a:t>a[2] </a:t>
             </a:r>
@@ -10147,7 +10249,8 @@
                 <a:solidFill>
                   <a:srgbClr val="0F7C0F"/>
                 </a:solidFill>
-                <a:latin typeface="DejaVuSansMono-Oblique"/>
+                <a:latin typeface="DejaVuSansMono-Bold"/>
+                <a:cs typeface="Helvetica" panose="020B0604020202020204" pitchFamily="34" charset="0"/>
               </a:rPr>
               <a:t># =&gt; 99</a:t>
             </a:r>
@@ -10158,7 +10261,8 @@
                 <a:solidFill>
                   <a:srgbClr val="000000"/>
                 </a:solidFill>
-                <a:latin typeface="DejaVuSansMono"/>
+                <a:latin typeface="DejaVuSansMono-Bold"/>
+                <a:cs typeface="Helvetica" panose="020B0604020202020204" pitchFamily="34" charset="0"/>
               </a:rPr>
               <a:t>a[3] </a:t>
             </a:r>
@@ -10167,7 +10271,8 @@
                 <a:solidFill>
                   <a:srgbClr val="0F7C0F"/>
                 </a:solidFill>
-                <a:latin typeface="DejaVuSansMono-Oblique"/>
+                <a:latin typeface="DejaVuSansMono-Bold"/>
+                <a:cs typeface="Helvetica" panose="020B0604020202020204" pitchFamily="34" charset="0"/>
               </a:rPr>
               <a:t># =&gt; </a:t>
             </a:r>
@@ -10176,7 +10281,8 @@
                 <a:solidFill>
                   <a:srgbClr val="0F7C0F"/>
                 </a:solidFill>
-                <a:latin typeface="DejaVuSansMono-Oblique"/>
+                <a:latin typeface="DejaVuSansMono-Bold"/>
+                <a:cs typeface="Helvetica" panose="020B0604020202020204" pitchFamily="34" charset="0"/>
               </a:rPr>
               <a:t>nil</a:t>
             </a:r>
@@ -10184,7 +10290,8 @@
               <a:solidFill>
                 <a:srgbClr val="0F7C0F"/>
               </a:solidFill>
-              <a:latin typeface="DejaVuSansMono-Oblique"/>
+              <a:latin typeface="DejaVuSansMono-Bold"/>
+              <a:cs typeface="Helvetica" panose="020B0604020202020204" pitchFamily="34" charset="0"/>
             </a:endParaRPr>
           </a:p>
           <a:p>
@@ -10193,7 +10300,8 @@
                 <a:solidFill>
                   <a:srgbClr val="000000"/>
                 </a:solidFill>
-                <a:latin typeface="DejaVuSansMono"/>
+                <a:latin typeface="DejaVuSansMono-Bold"/>
+                <a:cs typeface="Helvetica" panose="020B0604020202020204" pitchFamily="34" charset="0"/>
               </a:rPr>
               <a:t>b = </a:t>
             </a:r>
@@ -10202,7 +10310,8 @@
                 <a:solidFill>
                   <a:srgbClr val="000000"/>
                 </a:solidFill>
-                <a:latin typeface="DejaVuSansMono"/>
+                <a:latin typeface="DejaVuSansMono-Bold"/>
+                <a:cs typeface="Helvetica" panose="020B0604020202020204" pitchFamily="34" charset="0"/>
               </a:rPr>
               <a:t>Array.new</a:t>
             </a:r>
@@ -10210,7 +10319,8 @@
               <a:solidFill>
                 <a:srgbClr val="000000"/>
               </a:solidFill>
-              <a:latin typeface="DejaVuSansMono"/>
+              <a:latin typeface="DejaVuSansMono-Bold"/>
+              <a:cs typeface="Helvetica" panose="020B0604020202020204" pitchFamily="34" charset="0"/>
             </a:endParaRPr>
           </a:p>
           <a:p>
@@ -10219,7 +10329,8 @@
                 <a:solidFill>
                   <a:srgbClr val="000000"/>
                 </a:solidFill>
-                <a:latin typeface="DejaVuSansMono"/>
+                <a:latin typeface="DejaVuSansMono-Bold"/>
+                <a:cs typeface="Helvetica" panose="020B0604020202020204" pitchFamily="34" charset="0"/>
               </a:rPr>
               <a:t>b.class</a:t>
             </a:r>
@@ -10228,7 +10339,8 @@
                 <a:solidFill>
                   <a:srgbClr val="000000"/>
                 </a:solidFill>
-                <a:latin typeface="DejaVuSansMono"/>
+                <a:latin typeface="DejaVuSansMono-Bold"/>
+                <a:cs typeface="Helvetica" panose="020B0604020202020204" pitchFamily="34" charset="0"/>
               </a:rPr>
               <a:t> </a:t>
             </a:r>
@@ -10237,7 +10349,8 @@
                 <a:solidFill>
                   <a:srgbClr val="0F7C0F"/>
                 </a:solidFill>
-                <a:latin typeface="DejaVuSansMono-Oblique"/>
+                <a:latin typeface="DejaVuSansMono-Bold"/>
+                <a:cs typeface="Helvetica" panose="020B0604020202020204" pitchFamily="34" charset="0"/>
               </a:rPr>
               <a:t># =&gt; Array</a:t>
             </a:r>
@@ -10248,7 +10361,8 @@
                 <a:solidFill>
                   <a:srgbClr val="000000"/>
                 </a:solidFill>
-                <a:latin typeface="DejaVuSansMono"/>
+                <a:latin typeface="DejaVuSansMono-Bold"/>
+                <a:cs typeface="Helvetica" panose="020B0604020202020204" pitchFamily="34" charset="0"/>
               </a:rPr>
               <a:t>b.length</a:t>
             </a:r>
@@ -10257,7 +10371,8 @@
                 <a:solidFill>
                   <a:srgbClr val="000000"/>
                 </a:solidFill>
-                <a:latin typeface="DejaVuSansMono"/>
+                <a:latin typeface="DejaVuSansMono-Bold"/>
+                <a:cs typeface="Helvetica" panose="020B0604020202020204" pitchFamily="34" charset="0"/>
               </a:rPr>
               <a:t> </a:t>
             </a:r>
@@ -10266,7 +10381,8 @@
                 <a:solidFill>
                   <a:srgbClr val="0F7C0F"/>
                 </a:solidFill>
-                <a:latin typeface="DejaVuSansMono-Oblique"/>
+                <a:latin typeface="DejaVuSansMono-Bold"/>
+                <a:cs typeface="Helvetica" panose="020B0604020202020204" pitchFamily="34" charset="0"/>
               </a:rPr>
               <a:t># =&gt; 0</a:t>
             </a:r>
@@ -10277,7 +10393,8 @@
                 <a:solidFill>
                   <a:srgbClr val="000000"/>
                 </a:solidFill>
-                <a:latin typeface="DejaVuSansMono"/>
+                <a:latin typeface="DejaVuSansMono-Bold"/>
+                <a:cs typeface="Helvetica" panose="020B0604020202020204" pitchFamily="34" charset="0"/>
               </a:rPr>
               <a:t>b[0] = </a:t>
             </a:r>
@@ -10286,7 +10403,8 @@
                 <a:solidFill>
                   <a:srgbClr val="191191"/>
                 </a:solidFill>
-                <a:latin typeface="DejaVuSansMono-Oblique"/>
+                <a:latin typeface="DejaVuSansMono-Bold"/>
+                <a:cs typeface="Helvetica" panose="020B0604020202020204" pitchFamily="34" charset="0"/>
               </a:rPr>
               <a:t>"</a:t>
             </a:r>
@@ -10295,7 +10413,8 @@
                 <a:solidFill>
                   <a:srgbClr val="191191"/>
                 </a:solidFill>
-                <a:latin typeface="DejaVuSansMono-Oblique"/>
+                <a:latin typeface="DejaVuSansMono-Bold"/>
+                <a:cs typeface="Helvetica" panose="020B0604020202020204" pitchFamily="34" charset="0"/>
               </a:rPr>
               <a:t>second</a:t>
             </a:r>
@@ -10304,7 +10423,8 @@
                 <a:solidFill>
                   <a:srgbClr val="191191"/>
                 </a:solidFill>
-                <a:latin typeface="DejaVuSansMono-Oblique"/>
+                <a:latin typeface="DejaVuSansMono-Bold"/>
+                <a:cs typeface="Helvetica" panose="020B0604020202020204" pitchFamily="34" charset="0"/>
               </a:rPr>
               <a:t>"</a:t>
             </a:r>
@@ -10315,7 +10435,8 @@
                 <a:solidFill>
                   <a:srgbClr val="000000"/>
                 </a:solidFill>
-                <a:latin typeface="DejaVuSansMono"/>
+                <a:latin typeface="DejaVuSansMono-Bold"/>
+                <a:cs typeface="Helvetica" panose="020B0604020202020204" pitchFamily="34" charset="0"/>
               </a:rPr>
               <a:t>b[1] = </a:t>
             </a:r>
@@ -10324,7 +10445,8 @@
                 <a:solidFill>
                   <a:srgbClr val="191191"/>
                 </a:solidFill>
-                <a:latin typeface="DejaVuSansMono-Oblique"/>
+                <a:latin typeface="DejaVuSansMono-Bold"/>
+                <a:cs typeface="Helvetica" panose="020B0604020202020204" pitchFamily="34" charset="0"/>
               </a:rPr>
               <a:t>"array"</a:t>
             </a:r>
@@ -10335,7 +10457,8 @@
                 <a:solidFill>
                   <a:srgbClr val="000000"/>
                 </a:solidFill>
-                <a:latin typeface="DejaVuSansMono"/>
+                <a:latin typeface="DejaVuSansMono-Bold"/>
+                <a:cs typeface="Helvetica" panose="020B0604020202020204" pitchFamily="34" charset="0"/>
               </a:rPr>
               <a:t>b </a:t>
             </a:r>
@@ -10344,7 +10467,8 @@
                 <a:solidFill>
                   <a:srgbClr val="0F7C0F"/>
                 </a:solidFill>
-                <a:latin typeface="DejaVuSansMono-Oblique"/>
+                <a:latin typeface="DejaVuSansMono-Bold"/>
+                <a:cs typeface="Helvetica" panose="020B0604020202020204" pitchFamily="34" charset="0"/>
               </a:rPr>
               <a:t># =&gt; ["</a:t>
             </a:r>
@@ -10353,7 +10477,8 @@
                 <a:solidFill>
                   <a:srgbClr val="0F7C0F"/>
                 </a:solidFill>
-                <a:latin typeface="DejaVuSansMono-Oblique"/>
+                <a:latin typeface="DejaVuSansMono-Bold"/>
+                <a:cs typeface="Helvetica" panose="020B0604020202020204" pitchFamily="34" charset="0"/>
               </a:rPr>
               <a:t>second</a:t>
             </a:r>
@@ -10362,11 +10487,15 @@
                 <a:solidFill>
                   <a:srgbClr val="0F7C0F"/>
                 </a:solidFill>
-                <a:latin typeface="DejaVuSansMono-Oblique"/>
+                <a:latin typeface="DejaVuSansMono-Bold"/>
+                <a:cs typeface="Helvetica" panose="020B0604020202020204" pitchFamily="34" charset="0"/>
               </a:rPr>
               <a:t>", "array"]</a:t>
             </a:r>
-            <a:endParaRPr lang="es-CO" dirty="0"/>
+            <a:endParaRPr lang="es-CO" dirty="0">
+              <a:latin typeface="DejaVuSansMono-Bold"/>
+              <a:cs typeface="Helvetica" panose="020B0604020202020204" pitchFamily="34" charset="0"/>
+            </a:endParaRPr>
           </a:p>
         </p:txBody>
       </p:sp>
@@ -10402,7 +10531,8 @@
                 <a:solidFill>
                   <a:srgbClr val="000000"/>
                 </a:solidFill>
-                <a:latin typeface="DejaVuSansMono"/>
+                <a:latin typeface="DejaVuSansMono-Bold"/>
+                <a:cs typeface="Helvetica" panose="020B0604020202020204" pitchFamily="34" charset="0"/>
               </a:rPr>
               <a:t>a = [ 1, 3, 5, 7, 9 ]</a:t>
             </a:r>
@@ -10413,7 +10543,8 @@
                 <a:solidFill>
                   <a:srgbClr val="000000"/>
                 </a:solidFill>
-                <a:latin typeface="DejaVuSansMono"/>
+                <a:latin typeface="DejaVuSansMono-Bold"/>
+                <a:cs typeface="Helvetica" panose="020B0604020202020204" pitchFamily="34" charset="0"/>
               </a:rPr>
               <a:t>a[-1] </a:t>
             </a:r>
@@ -10422,7 +10553,8 @@
                 <a:solidFill>
                   <a:srgbClr val="0F7C0F"/>
                 </a:solidFill>
-                <a:latin typeface="DejaVuSansMono-Oblique"/>
+                <a:latin typeface="DejaVuSansMono-Bold"/>
+                <a:cs typeface="Helvetica" panose="020B0604020202020204" pitchFamily="34" charset="0"/>
               </a:rPr>
               <a:t># =&gt; 9</a:t>
             </a:r>
@@ -10433,7 +10565,8 @@
                 <a:solidFill>
                   <a:srgbClr val="000000"/>
                 </a:solidFill>
-                <a:latin typeface="DejaVuSansMono"/>
+                <a:latin typeface="DejaVuSansMono-Bold"/>
+                <a:cs typeface="Helvetica" panose="020B0604020202020204" pitchFamily="34" charset="0"/>
               </a:rPr>
               <a:t>a[-2] </a:t>
             </a:r>
@@ -10442,7 +10575,8 @@
                 <a:solidFill>
                   <a:srgbClr val="0F7C0F"/>
                 </a:solidFill>
-                <a:latin typeface="DejaVuSansMono-Oblique"/>
+                <a:latin typeface="DejaVuSansMono-Bold"/>
+                <a:cs typeface="Helvetica" panose="020B0604020202020204" pitchFamily="34" charset="0"/>
               </a:rPr>
               <a:t># =&gt; 7</a:t>
             </a:r>
@@ -10453,7 +10587,8 @@
                 <a:solidFill>
                   <a:srgbClr val="000000"/>
                 </a:solidFill>
-                <a:latin typeface="DejaVuSansMono"/>
+                <a:latin typeface="DejaVuSansMono-Bold"/>
+                <a:cs typeface="Helvetica" panose="020B0604020202020204" pitchFamily="34" charset="0"/>
               </a:rPr>
               <a:t>a[-99] </a:t>
             </a:r>
@@ -10462,7 +10597,8 @@
                 <a:solidFill>
                   <a:srgbClr val="0F7C0F"/>
                 </a:solidFill>
-                <a:latin typeface="DejaVuSansMono-Oblique"/>
+                <a:latin typeface="DejaVuSansMono-Bold"/>
+                <a:cs typeface="Helvetica" panose="020B0604020202020204" pitchFamily="34" charset="0"/>
               </a:rPr>
               <a:t># =&gt; </a:t>
             </a:r>
@@ -10471,11 +10607,15 @@
                 <a:solidFill>
                   <a:srgbClr val="0F7C0F"/>
                 </a:solidFill>
-                <a:latin typeface="DejaVuSansMono-Oblique"/>
+                <a:latin typeface="DejaVuSansMono-Bold"/>
+                <a:cs typeface="Helvetica" panose="020B0604020202020204" pitchFamily="34" charset="0"/>
               </a:rPr>
               <a:t>nil</a:t>
             </a:r>
-            <a:endParaRPr lang="es-CO" sz="1400" dirty="0"/>
+            <a:endParaRPr lang="es-CO" sz="1400" dirty="0">
+              <a:latin typeface="DejaVuSansMono-Bold"/>
+              <a:cs typeface="Helvetica" panose="020B0604020202020204" pitchFamily="34" charset="0"/>
+            </a:endParaRPr>
           </a:p>
         </p:txBody>
       </p:sp>
@@ -10514,6 +10654,8 @@
                     <a:lumOff val="25000"/>
                   </a:schemeClr>
                 </a:solidFill>
+                <a:latin typeface="Helvetica" panose="020B0604020202020204" pitchFamily="34" charset="0"/>
+                <a:cs typeface="Helvetica" panose="020B0604020202020204" pitchFamily="34" charset="0"/>
               </a:rPr>
               <a:t>Index</a:t>
             </a:r>
@@ -10525,6 +10667,8 @@
                     <a:lumOff val="25000"/>
                   </a:schemeClr>
                 </a:solidFill>
+                <a:latin typeface="Helvetica" panose="020B0604020202020204" pitchFamily="34" charset="0"/>
+                <a:cs typeface="Helvetica" panose="020B0604020202020204" pitchFamily="34" charset="0"/>
               </a:rPr>
               <a:t> </a:t>
             </a:r>
@@ -10536,6 +10680,8 @@
                     <a:lumOff val="25000"/>
                   </a:schemeClr>
                 </a:solidFill>
+                <a:latin typeface="Helvetica" panose="020B0604020202020204" pitchFamily="34" charset="0"/>
+                <a:cs typeface="Helvetica" panose="020B0604020202020204" pitchFamily="34" charset="0"/>
               </a:rPr>
               <a:t>an</a:t>
             </a:r>
@@ -10547,6 +10693,8 @@
                     <a:lumOff val="25000"/>
                   </a:schemeClr>
                 </a:solidFill>
+                <a:latin typeface="Helvetica" panose="020B0604020202020204" pitchFamily="34" charset="0"/>
+                <a:cs typeface="Helvetica" panose="020B0604020202020204" pitchFamily="34" charset="0"/>
               </a:rPr>
               <a:t> array </a:t>
             </a:r>
@@ -10558,6 +10706,8 @@
                     <a:lumOff val="25000"/>
                   </a:schemeClr>
                 </a:solidFill>
+                <a:latin typeface="Helvetica" panose="020B0604020202020204" pitchFamily="34" charset="0"/>
+                <a:cs typeface="Helvetica" panose="020B0604020202020204" pitchFamily="34" charset="0"/>
               </a:rPr>
               <a:t>with</a:t>
             </a:r>
@@ -10568,6 +10718,8 @@
                   <a:lumOff val="25000"/>
                 </a:schemeClr>
               </a:solidFill>
+              <a:latin typeface="Helvetica" panose="020B0604020202020204" pitchFamily="34" charset="0"/>
+              <a:cs typeface="Helvetica" panose="020B0604020202020204" pitchFamily="34" charset="0"/>
             </a:endParaRPr>
           </a:p>
           <a:p>
@@ -10579,6 +10731,8 @@
                     <a:lumOff val="25000"/>
                   </a:schemeClr>
                 </a:solidFill>
+                <a:latin typeface="Helvetica" panose="020B0604020202020204" pitchFamily="34" charset="0"/>
+                <a:cs typeface="Helvetica" panose="020B0604020202020204" pitchFamily="34" charset="0"/>
               </a:rPr>
               <a:t>a negative integer, and it counts from the end.</a:t>
             </a:r>
@@ -10589,6 +10743,8 @@
                   <a:lumOff val="25000"/>
                 </a:schemeClr>
               </a:solidFill>
+              <a:latin typeface="Helvetica" panose="020B0604020202020204" pitchFamily="34" charset="0"/>
+              <a:cs typeface="Helvetica" panose="020B0604020202020204" pitchFamily="34" charset="0"/>
             </a:endParaRPr>
           </a:p>
         </p:txBody>
@@ -10625,7 +10781,8 @@
                 <a:solidFill>
                   <a:srgbClr val="000000"/>
                 </a:solidFill>
-                <a:latin typeface="DejaVuSansMono"/>
+                <a:latin typeface="DejaVuSansMono-Bold"/>
+                <a:cs typeface="Helvetica" panose="020B0604020202020204" pitchFamily="34" charset="0"/>
               </a:rPr>
               <a:t>a = [ 1, 3, 5, 7, 9 ]</a:t>
             </a:r>
@@ -10636,7 +10793,8 @@
                 <a:solidFill>
                   <a:srgbClr val="000000"/>
                 </a:solidFill>
-                <a:latin typeface="DejaVuSansMono"/>
+                <a:latin typeface="DejaVuSansMono-Bold"/>
+                <a:cs typeface="Helvetica" panose="020B0604020202020204" pitchFamily="34" charset="0"/>
               </a:rPr>
               <a:t>a[1, 3] </a:t>
             </a:r>
@@ -10645,7 +10803,8 @@
                 <a:solidFill>
                   <a:srgbClr val="0F7C0F"/>
                 </a:solidFill>
-                <a:latin typeface="DejaVuSansMono-Oblique"/>
+                <a:latin typeface="DejaVuSansMono-Bold"/>
+                <a:cs typeface="Helvetica" panose="020B0604020202020204" pitchFamily="34" charset="0"/>
               </a:rPr>
               <a:t># =&gt; [3, 5, 7]</a:t>
             </a:r>
@@ -10656,7 +10815,8 @@
                 <a:solidFill>
                   <a:srgbClr val="000000"/>
                 </a:solidFill>
-                <a:latin typeface="DejaVuSansMono"/>
+                <a:latin typeface="DejaVuSansMono-Bold"/>
+                <a:cs typeface="Helvetica" panose="020B0604020202020204" pitchFamily="34" charset="0"/>
               </a:rPr>
               <a:t>a[3, 1] </a:t>
             </a:r>
@@ -10665,7 +10825,8 @@
                 <a:solidFill>
                   <a:srgbClr val="0F7C0F"/>
                 </a:solidFill>
-                <a:latin typeface="DejaVuSansMono-Oblique"/>
+                <a:latin typeface="DejaVuSansMono-Bold"/>
+                <a:cs typeface="Helvetica" panose="020B0604020202020204" pitchFamily="34" charset="0"/>
               </a:rPr>
               <a:t># =&gt; [7]</a:t>
             </a:r>
@@ -10676,7 +10837,8 @@
                 <a:solidFill>
                   <a:srgbClr val="000000"/>
                 </a:solidFill>
-                <a:latin typeface="DejaVuSansMono"/>
+                <a:latin typeface="DejaVuSansMono-Bold"/>
+                <a:cs typeface="Helvetica" panose="020B0604020202020204" pitchFamily="34" charset="0"/>
               </a:rPr>
               <a:t>a[-3, 2] </a:t>
             </a:r>
@@ -10685,11 +10847,15 @@
                 <a:solidFill>
                   <a:srgbClr val="0F7C0F"/>
                 </a:solidFill>
-                <a:latin typeface="DejaVuSansMono-Oblique"/>
+                <a:latin typeface="DejaVuSansMono-Bold"/>
+                <a:cs typeface="Helvetica" panose="020B0604020202020204" pitchFamily="34" charset="0"/>
               </a:rPr>
               <a:t># =&gt; [5, 7]</a:t>
             </a:r>
-            <a:endParaRPr lang="es-CO" sz="1400" dirty="0"/>
+            <a:endParaRPr lang="es-CO" sz="1400" dirty="0">
+              <a:latin typeface="DejaVuSansMono-Bold"/>
+              <a:cs typeface="Helvetica" panose="020B0604020202020204" pitchFamily="34" charset="0"/>
+            </a:endParaRPr>
           </a:p>
         </p:txBody>
       </p:sp>
@@ -10728,6 +10894,8 @@
                     <a:lumOff val="25000"/>
                   </a:schemeClr>
                 </a:solidFill>
+                <a:latin typeface="Helvetica" panose="020B0604020202020204" pitchFamily="34" charset="0"/>
+                <a:cs typeface="Helvetica" panose="020B0604020202020204" pitchFamily="34" charset="0"/>
               </a:rPr>
               <a:t>You can also index arrays with a pair of numbers, [</a:t>
             </a:r>
@@ -10739,6 +10907,8 @@
                     <a:lumOff val="25000"/>
                   </a:schemeClr>
                 </a:solidFill>
+                <a:latin typeface="Helvetica" panose="020B0604020202020204" pitchFamily="34" charset="0"/>
+                <a:cs typeface="Helvetica" panose="020B0604020202020204" pitchFamily="34" charset="0"/>
               </a:rPr>
               <a:t>start,count</a:t>
             </a:r>
@@ -10750,6 +10920,8 @@
                     <a:lumOff val="25000"/>
                   </a:schemeClr>
                 </a:solidFill>
+                <a:latin typeface="Helvetica" panose="020B0604020202020204" pitchFamily="34" charset="0"/>
+                <a:cs typeface="Helvetica" panose="020B0604020202020204" pitchFamily="34" charset="0"/>
               </a:rPr>
               <a:t>].</a:t>
             </a:r>
@@ -10760,6 +10932,8 @@
                   <a:lumOff val="25000"/>
                 </a:schemeClr>
               </a:solidFill>
+              <a:latin typeface="Helvetica" panose="020B0604020202020204" pitchFamily="34" charset="0"/>
+              <a:cs typeface="Helvetica" panose="020B0604020202020204" pitchFamily="34" charset="0"/>
             </a:endParaRPr>
           </a:p>
         </p:txBody>
@@ -10799,6 +10973,8 @@
                     <a:lumOff val="25000"/>
                   </a:schemeClr>
                 </a:solidFill>
+                <a:latin typeface="Helvetica" panose="020B0604020202020204" pitchFamily="34" charset="0"/>
+                <a:cs typeface="Helvetica" panose="020B0604020202020204" pitchFamily="34" charset="0"/>
               </a:rPr>
               <a:t>Finally, you can index arrays using ranges, in which start and end positions are separated by two or three periods. The two-period form includes the end position; the three-period </a:t>
             </a:r>
@@ -10810,6 +10986,8 @@
                     <a:lumOff val="25000"/>
                   </a:schemeClr>
                 </a:solidFill>
+                <a:latin typeface="Helvetica" panose="020B0604020202020204" pitchFamily="34" charset="0"/>
+                <a:cs typeface="Helvetica" panose="020B0604020202020204" pitchFamily="34" charset="0"/>
               </a:rPr>
               <a:t>form</a:t>
             </a:r>
@@ -10821,6 +10999,8 @@
                     <a:lumOff val="25000"/>
                   </a:schemeClr>
                 </a:solidFill>
+                <a:latin typeface="Helvetica" panose="020B0604020202020204" pitchFamily="34" charset="0"/>
+                <a:cs typeface="Helvetica" panose="020B0604020202020204" pitchFamily="34" charset="0"/>
               </a:rPr>
               <a:t> </a:t>
             </a:r>
@@ -10832,6 +11012,8 @@
                     <a:lumOff val="25000"/>
                   </a:schemeClr>
                 </a:solidFill>
+                <a:latin typeface="Helvetica" panose="020B0604020202020204" pitchFamily="34" charset="0"/>
+                <a:cs typeface="Helvetica" panose="020B0604020202020204" pitchFamily="34" charset="0"/>
               </a:rPr>
               <a:t>does</a:t>
             </a:r>
@@ -10843,6 +11025,8 @@
                     <a:lumOff val="25000"/>
                   </a:schemeClr>
                 </a:solidFill>
+                <a:latin typeface="Helvetica" panose="020B0604020202020204" pitchFamily="34" charset="0"/>
+                <a:cs typeface="Helvetica" panose="020B0604020202020204" pitchFamily="34" charset="0"/>
               </a:rPr>
               <a:t> </a:t>
             </a:r>
@@ -10854,6 +11038,8 @@
                     <a:lumOff val="25000"/>
                   </a:schemeClr>
                 </a:solidFill>
+                <a:latin typeface="Helvetica" panose="020B0604020202020204" pitchFamily="34" charset="0"/>
+                <a:cs typeface="Helvetica" panose="020B0604020202020204" pitchFamily="34" charset="0"/>
               </a:rPr>
               <a:t>not</a:t>
             </a:r>
@@ -10865,6 +11051,8 @@
                     <a:lumOff val="25000"/>
                   </a:schemeClr>
                 </a:solidFill>
+                <a:latin typeface="Helvetica" panose="020B0604020202020204" pitchFamily="34" charset="0"/>
+                <a:cs typeface="Helvetica" panose="020B0604020202020204" pitchFamily="34" charset="0"/>
               </a:rPr>
               <a:t>:</a:t>
             </a:r>
@@ -10903,7 +11091,8 @@
                 <a:solidFill>
                   <a:srgbClr val="000000"/>
                 </a:solidFill>
-                <a:latin typeface="DejaVuSansMono"/>
+                <a:latin typeface="DejaVuSansMono-Bold"/>
+                <a:cs typeface="Helvetica" panose="020B0604020202020204" pitchFamily="34" charset="0"/>
               </a:rPr>
               <a:t>a = [ 1, 3, 5, 7, 9 ]</a:t>
             </a:r>
@@ -10914,7 +11103,8 @@
                 <a:solidFill>
                   <a:srgbClr val="000000"/>
                 </a:solidFill>
-                <a:latin typeface="DejaVuSansMono"/>
+                <a:latin typeface="DejaVuSansMono-Bold"/>
+                <a:cs typeface="Helvetica" panose="020B0604020202020204" pitchFamily="34" charset="0"/>
               </a:rPr>
               <a:t>a[1..3] </a:t>
             </a:r>
@@ -10923,7 +11113,8 @@
                 <a:solidFill>
                   <a:srgbClr val="0F7C0F"/>
                 </a:solidFill>
-                <a:latin typeface="DejaVuSansMono-Oblique"/>
+                <a:latin typeface="DejaVuSansMono-Bold"/>
+                <a:cs typeface="Helvetica" panose="020B0604020202020204" pitchFamily="34" charset="0"/>
               </a:rPr>
               <a:t># =&gt; [3, 5, 7]</a:t>
             </a:r>
@@ -10934,7 +11125,8 @@
                 <a:solidFill>
                   <a:srgbClr val="000000"/>
                 </a:solidFill>
-                <a:latin typeface="DejaVuSansMono"/>
+                <a:latin typeface="DejaVuSansMono-Bold"/>
+                <a:cs typeface="Helvetica" panose="020B0604020202020204" pitchFamily="34" charset="0"/>
               </a:rPr>
               <a:t>a[1...3] </a:t>
             </a:r>
@@ -10943,7 +11135,8 @@
                 <a:solidFill>
                   <a:srgbClr val="0F7C0F"/>
                 </a:solidFill>
-                <a:latin typeface="DejaVuSansMono-Oblique"/>
+                <a:latin typeface="DejaVuSansMono-Bold"/>
+                <a:cs typeface="Helvetica" panose="020B0604020202020204" pitchFamily="34" charset="0"/>
               </a:rPr>
               <a:t># =&gt; [3, 5]</a:t>
             </a:r>
@@ -10954,7 +11147,8 @@
                 <a:solidFill>
                   <a:srgbClr val="000000"/>
                 </a:solidFill>
-                <a:latin typeface="DejaVuSansMono"/>
+                <a:latin typeface="DejaVuSansMono-Bold"/>
+                <a:cs typeface="Helvetica" panose="020B0604020202020204" pitchFamily="34" charset="0"/>
               </a:rPr>
               <a:t>a[3..3] </a:t>
             </a:r>
@@ -10963,7 +11157,8 @@
                 <a:solidFill>
                   <a:srgbClr val="0F7C0F"/>
                 </a:solidFill>
-                <a:latin typeface="DejaVuSansMono-Oblique"/>
+                <a:latin typeface="DejaVuSansMono-Bold"/>
+                <a:cs typeface="Helvetica" panose="020B0604020202020204" pitchFamily="34" charset="0"/>
               </a:rPr>
               <a:t># =&gt; [7]</a:t>
             </a:r>
@@ -10974,7 +11169,8 @@
                 <a:solidFill>
                   <a:srgbClr val="000000"/>
                 </a:solidFill>
-                <a:latin typeface="DejaVuSansMono"/>
+                <a:latin typeface="DejaVuSansMono-Bold"/>
+                <a:cs typeface="Helvetica" panose="020B0604020202020204" pitchFamily="34" charset="0"/>
               </a:rPr>
               <a:t>a[-3..-1] </a:t>
             </a:r>
@@ -10983,11 +11179,15 @@
                 <a:solidFill>
                   <a:srgbClr val="0F7C0F"/>
                 </a:solidFill>
-                <a:latin typeface="DejaVuSansMono-Oblique"/>
+                <a:latin typeface="DejaVuSansMono-Bold"/>
+                <a:cs typeface="Helvetica" panose="020B0604020202020204" pitchFamily="34" charset="0"/>
               </a:rPr>
               <a:t># =&gt; [5, 7, 9]</a:t>
             </a:r>
-            <a:endParaRPr lang="es-CO" sz="1400" dirty="0"/>
+            <a:endParaRPr lang="es-CO" sz="1400" dirty="0">
+              <a:latin typeface="DejaVuSansMono-Bold"/>
+              <a:cs typeface="Helvetica" panose="020B0604020202020204" pitchFamily="34" charset="0"/>
+            </a:endParaRPr>
           </a:p>
         </p:txBody>
       </p:sp>
@@ -11020,36 +11220,58 @@
           <a:p>
             <a:r>
               <a:rPr lang="en-US" sz="1200" dirty="0">
-                <a:latin typeface="PalatinoLinotype-Roman"/>
+                <a:latin typeface="Helvetica" panose="020B0604020202020204" pitchFamily="34" charset="0"/>
+                <a:cs typeface="Helvetica" panose="020B0604020202020204" pitchFamily="34" charset="0"/>
               </a:rPr>
               <a:t>*Arrays have a large number of other useful methods  </a:t>
             </a:r>
             <a:r>
-              <a:rPr lang="es-CO" sz="1200" dirty="0"/>
+              <a:rPr lang="es-CO" sz="1200" dirty="0">
+                <a:latin typeface="Helvetica" panose="020B0604020202020204" pitchFamily="34" charset="0"/>
+                <a:cs typeface="Helvetica" panose="020B0604020202020204" pitchFamily="34" charset="0"/>
+              </a:rPr>
               <a:t>(</a:t>
             </a:r>
             <a:r>
-              <a:rPr lang="es-CO" sz="1200" dirty="0" err="1"/>
+              <a:rPr lang="es-CO" sz="1200" dirty="0" err="1">
+                <a:latin typeface="Helvetica" panose="020B0604020202020204" pitchFamily="34" charset="0"/>
+                <a:cs typeface="Helvetica" panose="020B0604020202020204" pitchFamily="34" charset="0"/>
+              </a:rPr>
               <a:t>push</a:t>
             </a:r>
             <a:r>
-              <a:rPr lang="es-CO" sz="1200" dirty="0"/>
+              <a:rPr lang="es-CO" sz="1200" dirty="0">
+                <a:latin typeface="Helvetica" panose="020B0604020202020204" pitchFamily="34" charset="0"/>
+                <a:cs typeface="Helvetica" panose="020B0604020202020204" pitchFamily="34" charset="0"/>
+              </a:rPr>
               <a:t>, pop. shift, </a:t>
             </a:r>
             <a:r>
-              <a:rPr lang="es-CO" sz="1200" dirty="0" err="1"/>
+              <a:rPr lang="es-CO" sz="1200" dirty="0" err="1">
+                <a:latin typeface="Helvetica" panose="020B0604020202020204" pitchFamily="34" charset="0"/>
+                <a:cs typeface="Helvetica" panose="020B0604020202020204" pitchFamily="34" charset="0"/>
+              </a:rPr>
               <a:t>first</a:t>
             </a:r>
             <a:r>
-              <a:rPr lang="es-CO" sz="1200" dirty="0"/>
+              <a:rPr lang="es-CO" sz="1200" dirty="0">
+                <a:latin typeface="Helvetica" panose="020B0604020202020204" pitchFamily="34" charset="0"/>
+                <a:cs typeface="Helvetica" panose="020B0604020202020204" pitchFamily="34" charset="0"/>
+              </a:rPr>
               <a:t>, </a:t>
             </a:r>
             <a:r>
-              <a:rPr lang="es-CO" sz="1200" dirty="0" err="1"/>
+              <a:rPr lang="es-CO" sz="1200" dirty="0" err="1">
+                <a:latin typeface="Helvetica" panose="020B0604020202020204" pitchFamily="34" charset="0"/>
+                <a:cs typeface="Helvetica" panose="020B0604020202020204" pitchFamily="34" charset="0"/>
+              </a:rPr>
               <a:t>last</a:t>
             </a:r>
             <a:r>
-              <a:rPr lang="es-CO" sz="1200" dirty="0"/>
+              <a:rPr lang="es-CO" sz="1200" dirty="0">
+                <a:latin typeface="Helvetica" panose="020B0604020202020204" pitchFamily="34" charset="0"/>
+                <a:cs typeface="Helvetica" panose="020B0604020202020204" pitchFamily="34" charset="0"/>
+              </a:rPr>
               <a:t>) </a:t>
             </a:r>
           </a:p>
@@ -11107,7 +11329,10 @@
           <a:lstStyle/>
           <a:p>
             <a:r>
-              <a:rPr lang="es-CO" dirty="0"/>
+              <a:rPr lang="es-CO" dirty="0">
+                <a:latin typeface="Helvetica" panose="020B0604020202020204" pitchFamily="34" charset="0"/>
+                <a:cs typeface="Helvetica" panose="020B0604020202020204" pitchFamily="34" charset="0"/>
+              </a:rPr>
               <a:t>Hashes</a:t>
             </a:r>
           </a:p>
@@ -11142,15 +11367,24 @@
           <a:lstStyle/>
           <a:p>
             <a:r>
-              <a:rPr lang="en-US" dirty="0"/>
+              <a:rPr lang="en-US" dirty="0">
+                <a:latin typeface="Helvetica" panose="020B0604020202020204" pitchFamily="34" charset="0"/>
+                <a:cs typeface="Helvetica" panose="020B0604020202020204" pitchFamily="34" charset="0"/>
+              </a:rPr>
               <a:t>The example that follows uses hash literals—a list of </a:t>
             </a:r>
             <a:r>
-              <a:rPr lang="en-US" i="1" dirty="0"/>
+              <a:rPr lang="en-US" i="1" dirty="0">
+                <a:latin typeface="Helvetica" panose="020B0604020202020204" pitchFamily="34" charset="0"/>
+                <a:cs typeface="Helvetica" panose="020B0604020202020204" pitchFamily="34" charset="0"/>
+              </a:rPr>
               <a:t>key value </a:t>
             </a:r>
             <a:r>
-              <a:rPr lang="en-US" dirty="0"/>
+              <a:rPr lang="en-US" dirty="0">
+                <a:latin typeface="Helvetica" panose="020B0604020202020204" pitchFamily="34" charset="0"/>
+                <a:cs typeface="Helvetica" panose="020B0604020202020204" pitchFamily="34" charset="0"/>
+              </a:rPr>
               <a:t>pairs between braces:</a:t>
             </a:r>
           </a:p>
@@ -11163,7 +11397,8 @@
                 <a:solidFill>
                   <a:srgbClr val="000000"/>
                 </a:solidFill>
-                <a:latin typeface="DejaVuSansMono"/>
+                <a:latin typeface="DejaVuSansMono-Bold"/>
+                <a:cs typeface="Helvetica" panose="020B0604020202020204" pitchFamily="34" charset="0"/>
               </a:rPr>
               <a:t>h = { dog: </a:t>
             </a:r>
@@ -11172,7 +11407,8 @@
                 <a:solidFill>
                   <a:srgbClr val="191191"/>
                 </a:solidFill>
-                <a:latin typeface="DejaVuSansMono-Oblique"/>
+                <a:latin typeface="DejaVuSansMono-Bold"/>
+                <a:cs typeface="Helvetica" panose="020B0604020202020204" pitchFamily="34" charset="0"/>
               </a:rPr>
               <a:t>'canine'</a:t>
             </a:r>
@@ -11181,7 +11417,8 @@
                 <a:solidFill>
                   <a:srgbClr val="000000"/>
                 </a:solidFill>
-                <a:latin typeface="DejaVuSansMono"/>
+                <a:latin typeface="DejaVuSansMono-Bold"/>
+                <a:cs typeface="Helvetica" panose="020B0604020202020204" pitchFamily="34" charset="0"/>
               </a:rPr>
               <a:t>, cat: </a:t>
             </a:r>
@@ -11190,7 +11427,8 @@
                 <a:solidFill>
                   <a:srgbClr val="191191"/>
                 </a:solidFill>
-                <a:latin typeface="DejaVuSansMono-Oblique"/>
+                <a:latin typeface="DejaVuSansMono-Bold"/>
+                <a:cs typeface="Helvetica" panose="020B0604020202020204" pitchFamily="34" charset="0"/>
               </a:rPr>
               <a:t>'feline'</a:t>
             </a:r>
@@ -11199,7 +11437,8 @@
                 <a:solidFill>
                   <a:srgbClr val="000000"/>
                 </a:solidFill>
-                <a:latin typeface="DejaVuSansMono"/>
+                <a:latin typeface="DejaVuSansMono-Bold"/>
+                <a:cs typeface="Helvetica" panose="020B0604020202020204" pitchFamily="34" charset="0"/>
               </a:rPr>
               <a:t>, donkey: </a:t>
             </a:r>
@@ -11208,7 +11447,8 @@
                 <a:solidFill>
                   <a:srgbClr val="191191"/>
                 </a:solidFill>
-                <a:latin typeface="DejaVuSansMono-Oblique"/>
+                <a:latin typeface="DejaVuSansMono-Bold"/>
+                <a:cs typeface="Helvetica" panose="020B0604020202020204" pitchFamily="34" charset="0"/>
               </a:rPr>
               <a:t>'asinine’ </a:t>
             </a:r>
@@ -11217,7 +11457,8 @@
                 <a:solidFill>
                   <a:srgbClr val="000000"/>
                 </a:solidFill>
-                <a:latin typeface="DejaVuSansMono"/>
+                <a:latin typeface="DejaVuSansMono-Bold"/>
+                <a:cs typeface="Helvetica" panose="020B0604020202020204" pitchFamily="34" charset="0"/>
               </a:rPr>
               <a:t>}</a:t>
             </a:r>
@@ -11231,7 +11472,8 @@
                 <a:solidFill>
                   <a:srgbClr val="000000"/>
                 </a:solidFill>
-                <a:latin typeface="DejaVuSansMono"/>
+                <a:latin typeface="DejaVuSansMono-Bold"/>
+                <a:cs typeface="Helvetica" panose="020B0604020202020204" pitchFamily="34" charset="0"/>
               </a:rPr>
               <a:t>h.length</a:t>
             </a:r>
@@ -11240,7 +11482,8 @@
                 <a:solidFill>
                   <a:srgbClr val="000000"/>
                 </a:solidFill>
-                <a:latin typeface="DejaVuSansMono"/>
+                <a:latin typeface="DejaVuSansMono-Bold"/>
+                <a:cs typeface="Helvetica" panose="020B0604020202020204" pitchFamily="34" charset="0"/>
               </a:rPr>
               <a:t> </a:t>
             </a:r>
@@ -11249,7 +11492,8 @@
                 <a:solidFill>
                   <a:srgbClr val="0F7C0F"/>
                 </a:solidFill>
-                <a:latin typeface="DejaVuSansMono-Oblique"/>
+                <a:latin typeface="DejaVuSansMono-Bold"/>
+                <a:cs typeface="Helvetica" panose="020B0604020202020204" pitchFamily="34" charset="0"/>
               </a:rPr>
               <a:t># =&gt; 3</a:t>
             </a:r>
@@ -11263,7 +11507,8 @@
                 <a:solidFill>
                   <a:srgbClr val="000000"/>
                 </a:solidFill>
-                <a:latin typeface="DejaVuSansMono"/>
+                <a:latin typeface="DejaVuSansMono-Bold"/>
+                <a:cs typeface="Helvetica" panose="020B0604020202020204" pitchFamily="34" charset="0"/>
               </a:rPr>
               <a:t>h[</a:t>
             </a:r>
@@ -11272,7 +11517,8 @@
                 <a:solidFill>
                   <a:srgbClr val="191191"/>
                 </a:solidFill>
-                <a:latin typeface="DejaVuSansMono-Oblique"/>
+                <a:latin typeface="DejaVuSansMono-Bold"/>
+                <a:cs typeface="Helvetica" panose="020B0604020202020204" pitchFamily="34" charset="0"/>
               </a:rPr>
               <a:t>'</a:t>
             </a:r>
@@ -11281,7 +11527,8 @@
                 <a:solidFill>
                   <a:srgbClr val="191191"/>
                 </a:solidFill>
-                <a:latin typeface="DejaVuSansMono-Oblique"/>
+                <a:latin typeface="DejaVuSansMono-Bold"/>
+                <a:cs typeface="Helvetica" panose="020B0604020202020204" pitchFamily="34" charset="0"/>
               </a:rPr>
               <a:t>dog</a:t>
             </a:r>
@@ -11290,7 +11537,8 @@
                 <a:solidFill>
                   <a:srgbClr val="191191"/>
                 </a:solidFill>
-                <a:latin typeface="DejaVuSansMono-Oblique"/>
+                <a:latin typeface="DejaVuSansMono-Bold"/>
+                <a:cs typeface="Helvetica" panose="020B0604020202020204" pitchFamily="34" charset="0"/>
               </a:rPr>
               <a:t>'</a:t>
             </a:r>
@@ -11299,7 +11547,8 @@
                 <a:solidFill>
                   <a:srgbClr val="000000"/>
                 </a:solidFill>
-                <a:latin typeface="DejaVuSansMono"/>
+                <a:latin typeface="DejaVuSansMono-Bold"/>
+                <a:cs typeface="Helvetica" panose="020B0604020202020204" pitchFamily="34" charset="0"/>
               </a:rPr>
               <a:t>] </a:t>
             </a:r>
@@ -11308,7 +11557,8 @@
                 <a:solidFill>
                   <a:srgbClr val="0F7C0F"/>
                 </a:solidFill>
-                <a:latin typeface="DejaVuSansMono-Oblique"/>
+                <a:latin typeface="DejaVuSansMono-Bold"/>
+                <a:cs typeface="Helvetica" panose="020B0604020202020204" pitchFamily="34" charset="0"/>
               </a:rPr>
               <a:t># =&gt; "</a:t>
             </a:r>
@@ -11317,7 +11567,8 @@
                 <a:solidFill>
                   <a:srgbClr val="0F7C0F"/>
                 </a:solidFill>
-                <a:latin typeface="DejaVuSansMono-Oblique"/>
+                <a:latin typeface="DejaVuSansMono-Bold"/>
+                <a:cs typeface="Helvetica" panose="020B0604020202020204" pitchFamily="34" charset="0"/>
               </a:rPr>
               <a:t>canine</a:t>
             </a:r>
@@ -11326,7 +11577,8 @@
                 <a:solidFill>
                   <a:srgbClr val="0F7C0F"/>
                 </a:solidFill>
-                <a:latin typeface="DejaVuSansMono-Oblique"/>
+                <a:latin typeface="DejaVuSansMono-Bold"/>
+                <a:cs typeface="Helvetica" panose="020B0604020202020204" pitchFamily="34" charset="0"/>
               </a:rPr>
               <a:t>"</a:t>
             </a:r>
@@ -11340,7 +11592,8 @@
                 <a:solidFill>
                   <a:srgbClr val="000000"/>
                 </a:solidFill>
-                <a:latin typeface="DejaVuSansMono"/>
+                <a:latin typeface="DejaVuSansMono-Bold"/>
+                <a:cs typeface="Helvetica" panose="020B0604020202020204" pitchFamily="34" charset="0"/>
               </a:rPr>
               <a:t>h[</a:t>
             </a:r>
@@ -11349,7 +11602,8 @@
                 <a:solidFill>
                   <a:srgbClr val="191191"/>
                 </a:solidFill>
-                <a:latin typeface="DejaVuSansMono-Oblique"/>
+                <a:latin typeface="DejaVuSansMono-Bold"/>
+                <a:cs typeface="Helvetica" panose="020B0604020202020204" pitchFamily="34" charset="0"/>
               </a:rPr>
               <a:t>'</a:t>
             </a:r>
@@ -11358,7 +11612,8 @@
                 <a:solidFill>
                   <a:srgbClr val="191191"/>
                 </a:solidFill>
-                <a:latin typeface="DejaVuSansMono-Oblique"/>
+                <a:latin typeface="DejaVuSansMono-Bold"/>
+                <a:cs typeface="Helvetica" panose="020B0604020202020204" pitchFamily="34" charset="0"/>
               </a:rPr>
               <a:t>cow</a:t>
             </a:r>
@@ -11367,7 +11622,8 @@
                 <a:solidFill>
                   <a:srgbClr val="191191"/>
                 </a:solidFill>
-                <a:latin typeface="DejaVuSansMono-Oblique"/>
+                <a:latin typeface="DejaVuSansMono-Bold"/>
+                <a:cs typeface="Helvetica" panose="020B0604020202020204" pitchFamily="34" charset="0"/>
               </a:rPr>
               <a:t>'</a:t>
             </a:r>
@@ -11376,7 +11632,8 @@
                 <a:solidFill>
                   <a:srgbClr val="000000"/>
                 </a:solidFill>
-                <a:latin typeface="DejaVuSansMono"/>
+                <a:latin typeface="DejaVuSansMono-Bold"/>
+                <a:cs typeface="Helvetica" panose="020B0604020202020204" pitchFamily="34" charset="0"/>
               </a:rPr>
               <a:t>] = </a:t>
             </a:r>
@@ -11385,7 +11642,8 @@
                 <a:solidFill>
                   <a:srgbClr val="191191"/>
                 </a:solidFill>
-                <a:latin typeface="DejaVuSansMono-Oblique"/>
+                <a:latin typeface="DejaVuSansMono-Bold"/>
+                <a:cs typeface="Helvetica" panose="020B0604020202020204" pitchFamily="34" charset="0"/>
               </a:rPr>
               <a:t>'</a:t>
             </a:r>
@@ -11394,7 +11652,8 @@
                 <a:solidFill>
                   <a:srgbClr val="191191"/>
                 </a:solidFill>
-                <a:latin typeface="DejaVuSansMono-Oblique"/>
+                <a:latin typeface="DejaVuSansMono-Bold"/>
+                <a:cs typeface="Helvetica" panose="020B0604020202020204" pitchFamily="34" charset="0"/>
               </a:rPr>
               <a:t>bovine</a:t>
             </a:r>
@@ -11403,7 +11662,8 @@
                 <a:solidFill>
                   <a:srgbClr val="191191"/>
                 </a:solidFill>
-                <a:latin typeface="DejaVuSansMono-Oblique"/>
+                <a:latin typeface="DejaVuSansMono-Bold"/>
+                <a:cs typeface="Helvetica" panose="020B0604020202020204" pitchFamily="34" charset="0"/>
               </a:rPr>
               <a:t>'</a:t>
             </a:r>
@@ -11417,7 +11677,8 @@
                 <a:solidFill>
                   <a:srgbClr val="000000"/>
                 </a:solidFill>
-                <a:latin typeface="DejaVuSansMono"/>
+                <a:latin typeface="DejaVuSansMono-Bold"/>
+                <a:cs typeface="Helvetica" panose="020B0604020202020204" pitchFamily="34" charset="0"/>
               </a:rPr>
               <a:t>h[12] = </a:t>
             </a:r>
@@ -11426,7 +11687,8 @@
                 <a:solidFill>
                   <a:srgbClr val="191191"/>
                 </a:solidFill>
-                <a:latin typeface="DejaVuSansMono-Oblique"/>
+                <a:latin typeface="DejaVuSansMono-Bold"/>
+                <a:cs typeface="Helvetica" panose="020B0604020202020204" pitchFamily="34" charset="0"/>
               </a:rPr>
               <a:t>'</a:t>
             </a:r>
@@ -11435,7 +11697,8 @@
                 <a:solidFill>
                   <a:srgbClr val="191191"/>
                 </a:solidFill>
-                <a:latin typeface="DejaVuSansMono-Oblique"/>
+                <a:latin typeface="DejaVuSansMono-Bold"/>
+                <a:cs typeface="Helvetica" panose="020B0604020202020204" pitchFamily="34" charset="0"/>
               </a:rPr>
               <a:t>dodecine</a:t>
             </a:r>
@@ -11444,7 +11707,8 @@
                 <a:solidFill>
                   <a:srgbClr val="191191"/>
                 </a:solidFill>
-                <a:latin typeface="DejaVuSansMono-Oblique"/>
+                <a:latin typeface="DejaVuSansMono-Bold"/>
+                <a:cs typeface="Helvetica" panose="020B0604020202020204" pitchFamily="34" charset="0"/>
               </a:rPr>
               <a:t>'</a:t>
             </a:r>
@@ -11458,7 +11722,8 @@
                 <a:solidFill>
                   <a:srgbClr val="000000"/>
                 </a:solidFill>
-                <a:latin typeface="DejaVuSansMono"/>
+                <a:latin typeface="DejaVuSansMono-Bold"/>
+                <a:cs typeface="Helvetica" panose="020B0604020202020204" pitchFamily="34" charset="0"/>
               </a:rPr>
               <a:t>h[</a:t>
             </a:r>
@@ -11467,7 +11732,8 @@
                 <a:solidFill>
                   <a:srgbClr val="191191"/>
                 </a:solidFill>
-                <a:latin typeface="DejaVuSansMono-Oblique"/>
+                <a:latin typeface="DejaVuSansMono-Bold"/>
+                <a:cs typeface="Helvetica" panose="020B0604020202020204" pitchFamily="34" charset="0"/>
               </a:rPr>
               <a:t>'</a:t>
             </a:r>
@@ -11476,7 +11742,8 @@
                 <a:solidFill>
                   <a:srgbClr val="191191"/>
                 </a:solidFill>
-                <a:latin typeface="DejaVuSansMono-Oblique"/>
+                <a:latin typeface="DejaVuSansMono-Bold"/>
+                <a:cs typeface="Helvetica" panose="020B0604020202020204" pitchFamily="34" charset="0"/>
               </a:rPr>
               <a:t>cat</a:t>
             </a:r>
@@ -11485,7 +11752,8 @@
                 <a:solidFill>
                   <a:srgbClr val="191191"/>
                 </a:solidFill>
-                <a:latin typeface="DejaVuSansMono-Oblique"/>
+                <a:latin typeface="DejaVuSansMono-Bold"/>
+                <a:cs typeface="Helvetica" panose="020B0604020202020204" pitchFamily="34" charset="0"/>
               </a:rPr>
               <a:t>'</a:t>
             </a:r>
@@ -11494,7 +11762,8 @@
                 <a:solidFill>
                   <a:srgbClr val="000000"/>
                 </a:solidFill>
-                <a:latin typeface="DejaVuSansMono"/>
+                <a:latin typeface="DejaVuSansMono-Bold"/>
+                <a:cs typeface="Helvetica" panose="020B0604020202020204" pitchFamily="34" charset="0"/>
               </a:rPr>
               <a:t>] = 99</a:t>
             </a:r>
@@ -11508,7 +11777,8 @@
                 <a:solidFill>
                   <a:srgbClr val="000000"/>
                 </a:solidFill>
-                <a:latin typeface="DejaVuSansMono"/>
+                <a:latin typeface="DejaVuSansMono-Bold"/>
+                <a:cs typeface="Helvetica" panose="020B0604020202020204" pitchFamily="34" charset="0"/>
               </a:rPr>
               <a:t>h </a:t>
             </a:r>
@@ -11517,7 +11787,8 @@
                 <a:solidFill>
                   <a:srgbClr val="0F7C0F"/>
                 </a:solidFill>
-                <a:latin typeface="DejaVuSansMono-Oblique"/>
+                <a:latin typeface="DejaVuSansMono-Bold"/>
+                <a:cs typeface="Helvetica" panose="020B0604020202020204" pitchFamily="34" charset="0"/>
               </a:rPr>
               <a:t># =&gt; {"dog"=&gt;"canine", "cat"=&gt;99, "donkey"=&gt;"asinine", "cow"=&gt;"bovine",</a:t>
             </a:r>
@@ -11531,7 +11802,8 @@
                 <a:solidFill>
                   <a:srgbClr val="0F7C0F"/>
                 </a:solidFill>
-                <a:latin typeface="DejaVuSansMono-Oblique"/>
+                <a:latin typeface="DejaVuSansMono-Bold"/>
+                <a:cs typeface="Helvetica" panose="020B0604020202020204" pitchFamily="34" charset="0"/>
               </a:rPr>
               <a:t># .. 12=&gt;"</a:t>
             </a:r>
@@ -11540,7 +11812,8 @@
                 <a:solidFill>
                   <a:srgbClr val="0F7C0F"/>
                 </a:solidFill>
-                <a:latin typeface="DejaVuSansMono-Oblique"/>
+                <a:latin typeface="DejaVuSansMono-Bold"/>
+                <a:cs typeface="Helvetica" panose="020B0604020202020204" pitchFamily="34" charset="0"/>
               </a:rPr>
               <a:t>dodecine</a:t>
             </a:r>
@@ -11549,11 +11822,15 @@
                 <a:solidFill>
                   <a:srgbClr val="0F7C0F"/>
                 </a:solidFill>
-                <a:latin typeface="DejaVuSansMono-Oblique"/>
+                <a:latin typeface="DejaVuSansMono-Bold"/>
+                <a:cs typeface="Helvetica" panose="020B0604020202020204" pitchFamily="34" charset="0"/>
               </a:rPr>
               <a:t>"}</a:t>
             </a:r>
-            <a:endParaRPr lang="es-CO" dirty="0"/>
+            <a:endParaRPr lang="es-CO" dirty="0">
+              <a:latin typeface="DejaVuSansMono-Bold"/>
+              <a:cs typeface="Helvetica" panose="020B0604020202020204" pitchFamily="34" charset="0"/>
+            </a:endParaRPr>
           </a:p>
         </p:txBody>
       </p:sp>
@@ -11609,14 +11886,23 @@
           <a:lstStyle/>
           <a:p>
             <a:r>
-              <a:rPr lang="es-CO" dirty="0"/>
+              <a:rPr lang="es-CO" dirty="0">
+                <a:latin typeface="Helvetica" panose="020B0604020202020204" pitchFamily="34" charset="0"/>
+                <a:cs typeface="Helvetica" panose="020B0604020202020204" pitchFamily="34" charset="0"/>
+              </a:rPr>
               <a:t>Blocks and </a:t>
             </a:r>
             <a:r>
-              <a:rPr lang="es-CO" dirty="0" err="1"/>
+              <a:rPr lang="es-CO" dirty="0" err="1">
+                <a:latin typeface="Helvetica" panose="020B0604020202020204" pitchFamily="34" charset="0"/>
+                <a:cs typeface="Helvetica" panose="020B0604020202020204" pitchFamily="34" charset="0"/>
+              </a:rPr>
               <a:t>Iterators</a:t>
             </a:r>
-            <a:endParaRPr lang="es-CO" dirty="0"/>
+            <a:endParaRPr lang="es-CO" dirty="0">
+              <a:latin typeface="Helvetica" panose="020B0604020202020204" pitchFamily="34" charset="0"/>
+              <a:cs typeface="Helvetica" panose="020B0604020202020204" pitchFamily="34" charset="0"/>
+            </a:endParaRPr>
           </a:p>
         </p:txBody>
       </p:sp>
@@ -11642,13 +11928,19 @@
           <a:lstStyle/>
           <a:p>
             <a:r>
-              <a:rPr lang="en-US" dirty="0"/>
+              <a:rPr lang="en-US" dirty="0">
+                <a:latin typeface="Helvetica" panose="020B0604020202020204" pitchFamily="34" charset="0"/>
+                <a:cs typeface="Helvetica" panose="020B0604020202020204" pitchFamily="34" charset="0"/>
+              </a:rPr>
               <a:t>This is an incredibly powerful feature. One of our reviewers commented at this point: “This is pretty interesting and important, so if you weren’t paying attention before, you should probably start now.” We’ d have to agree.</a:t>
             </a:r>
           </a:p>
           <a:p>
             <a:r>
-              <a:rPr lang="en-US" dirty="0"/>
+              <a:rPr lang="en-US" dirty="0">
+                <a:latin typeface="Helvetica" panose="020B0604020202020204" pitchFamily="34" charset="0"/>
+                <a:cs typeface="Helvetica" panose="020B0604020202020204" pitchFamily="34" charset="0"/>
+              </a:rPr>
               <a:t>You can use code blocks to implement </a:t>
             </a:r>
             <a:r>
@@ -11659,14 +11951,22 @@
                     <a:lumOff val="40000"/>
                   </a:schemeClr>
                 </a:solidFill>
+                <a:latin typeface="Helvetica" panose="020B0604020202020204" pitchFamily="34" charset="0"/>
+                <a:cs typeface="Helvetica" panose="020B0604020202020204" pitchFamily="34" charset="0"/>
               </a:rPr>
               <a:t>callbacks</a:t>
             </a:r>
             <a:r>
-              <a:rPr lang="en-US" dirty="0"/>
+              <a:rPr lang="en-US" dirty="0">
+                <a:latin typeface="Helvetica" panose="020B0604020202020204" pitchFamily="34" charset="0"/>
+                <a:cs typeface="Helvetica" panose="020B0604020202020204" pitchFamily="34" charset="0"/>
+              </a:rPr>
               <a:t> (but they’re simpler than Java’s anonymous inner classes), to pass around chunks of code (but they’re more flexible than C’s function pointers), and to implement iterators.</a:t>
             </a:r>
-            <a:endParaRPr lang="es-CO" dirty="0"/>
+            <a:endParaRPr lang="es-CO" dirty="0">
+              <a:latin typeface="Helvetica" panose="020B0604020202020204" pitchFamily="34" charset="0"/>
+              <a:cs typeface="Helvetica" panose="020B0604020202020204" pitchFamily="34" charset="0"/>
+            </a:endParaRPr>
           </a:p>
         </p:txBody>
       </p:sp>
@@ -11722,14 +12022,23 @@
           <a:lstStyle/>
           <a:p>
             <a:r>
-              <a:rPr lang="es-CO" dirty="0"/>
+              <a:rPr lang="es-CO" dirty="0">
+                <a:latin typeface="Helvetica" panose="020B0604020202020204" pitchFamily="34" charset="0"/>
+                <a:cs typeface="Helvetica" panose="020B0604020202020204" pitchFamily="34" charset="0"/>
+              </a:rPr>
               <a:t>Blocks and </a:t>
             </a:r>
             <a:r>
-              <a:rPr lang="es-CO" dirty="0" err="1"/>
+              <a:rPr lang="es-CO" dirty="0" err="1">
+                <a:latin typeface="Helvetica" panose="020B0604020202020204" pitchFamily="34" charset="0"/>
+                <a:cs typeface="Helvetica" panose="020B0604020202020204" pitchFamily="34" charset="0"/>
+              </a:rPr>
               <a:t>Iterators</a:t>
             </a:r>
-            <a:endParaRPr lang="es-CO" dirty="0"/>
+            <a:endParaRPr lang="es-CO" dirty="0">
+              <a:latin typeface="Helvetica" panose="020B0604020202020204" pitchFamily="34" charset="0"/>
+              <a:cs typeface="Helvetica" panose="020B0604020202020204" pitchFamily="34" charset="0"/>
+            </a:endParaRPr>
           </a:p>
         </p:txBody>
       </p:sp>
@@ -11755,7 +12064,10 @@
           <a:lstStyle/>
           <a:p>
             <a:r>
-              <a:rPr lang="en-US" dirty="0"/>
+              <a:rPr lang="en-US" dirty="0">
+                <a:latin typeface="Helvetica" panose="020B0604020202020204" pitchFamily="34" charset="0"/>
+                <a:cs typeface="Helvetica" panose="020B0604020202020204" pitchFamily="34" charset="0"/>
+              </a:rPr>
               <a:t>Code blocks are just chunks of code between </a:t>
             </a:r>
             <a:r>
@@ -11766,11 +12078,16 @@
                     <a:lumOff val="40000"/>
                   </a:schemeClr>
                 </a:solidFill>
+                <a:latin typeface="Helvetica" panose="020B0604020202020204" pitchFamily="34" charset="0"/>
+                <a:cs typeface="Helvetica" panose="020B0604020202020204" pitchFamily="34" charset="0"/>
               </a:rPr>
               <a:t>braces ({})</a:t>
             </a:r>
             <a:r>
-              <a:rPr lang="en-US" dirty="0"/>
+              <a:rPr lang="en-US" dirty="0">
+                <a:latin typeface="Helvetica" panose="020B0604020202020204" pitchFamily="34" charset="0"/>
+                <a:cs typeface="Helvetica" panose="020B0604020202020204" pitchFamily="34" charset="0"/>
+              </a:rPr>
               <a:t> or between </a:t>
             </a:r>
             <a:r>
@@ -11781,11 +12098,16 @@
                     <a:lumOff val="40000"/>
                   </a:schemeClr>
                 </a:solidFill>
+                <a:latin typeface="Helvetica" panose="020B0604020202020204" pitchFamily="34" charset="0"/>
+                <a:cs typeface="Helvetica" panose="020B0604020202020204" pitchFamily="34" charset="0"/>
               </a:rPr>
               <a:t>do</a:t>
             </a:r>
             <a:r>
-              <a:rPr lang="en-US" dirty="0"/>
+              <a:rPr lang="en-US" dirty="0">
+                <a:latin typeface="Helvetica" panose="020B0604020202020204" pitchFamily="34" charset="0"/>
+                <a:cs typeface="Helvetica" panose="020B0604020202020204" pitchFamily="34" charset="0"/>
+              </a:rPr>
               <a:t> and </a:t>
             </a:r>
             <a:r>
@@ -11796,15 +12118,23 @@
                     <a:lumOff val="40000"/>
                   </a:schemeClr>
                 </a:solidFill>
+                <a:latin typeface="Helvetica" panose="020B0604020202020204" pitchFamily="34" charset="0"/>
+                <a:cs typeface="Helvetica" panose="020B0604020202020204" pitchFamily="34" charset="0"/>
               </a:rPr>
               <a:t>end</a:t>
             </a:r>
             <a:r>
-              <a:rPr lang="en-US" dirty="0"/>
+              <a:rPr lang="en-US" dirty="0">
+                <a:latin typeface="Helvetica" panose="020B0604020202020204" pitchFamily="34" charset="0"/>
+                <a:cs typeface="Helvetica" panose="020B0604020202020204" pitchFamily="34" charset="0"/>
+              </a:rPr>
               <a:t>. This is a code </a:t>
             </a:r>
             <a:r>
-              <a:rPr lang="es-CO" dirty="0"/>
+              <a:rPr lang="es-CO" dirty="0">
+                <a:latin typeface="Helvetica" panose="020B0604020202020204" pitchFamily="34" charset="0"/>
+                <a:cs typeface="Helvetica" panose="020B0604020202020204" pitchFamily="34" charset="0"/>
+              </a:rPr>
               <a:t>block:</a:t>
             </a:r>
           </a:p>
@@ -11817,16 +12147,28 @@
                 <a:solidFill>
                   <a:srgbClr val="000000"/>
                 </a:solidFill>
-                <a:latin typeface="DejaVuSansMono"/>
-              </a:rPr>
-              <a:t>	{ </a:t>
+                <a:latin typeface="Helvetica" panose="020B0604020202020204" pitchFamily="34" charset="0"/>
+                <a:cs typeface="Helvetica" panose="020B0604020202020204" pitchFamily="34" charset="0"/>
+              </a:rPr>
+              <a:t>	</a:t>
+            </a:r>
+            <a:r>
+              <a:rPr lang="es-CO" dirty="0">
+                <a:solidFill>
+                  <a:srgbClr val="000000"/>
+                </a:solidFill>
+                <a:latin typeface="DejaVuSansMono-Bold"/>
+                <a:cs typeface="Helvetica" panose="020B0604020202020204" pitchFamily="34" charset="0"/>
+              </a:rPr>
+              <a:t>{ </a:t>
             </a:r>
             <a:r>
               <a:rPr lang="es-CO" dirty="0" err="1">
                 <a:solidFill>
                   <a:srgbClr val="000000"/>
                 </a:solidFill>
-                <a:latin typeface="DejaVuSansMono"/>
+                <a:latin typeface="DejaVuSansMono-Bold"/>
+                <a:cs typeface="Helvetica" panose="020B0604020202020204" pitchFamily="34" charset="0"/>
               </a:rPr>
               <a:t>puts</a:t>
             </a:r>
@@ -11835,7 +12177,8 @@
                 <a:solidFill>
                   <a:srgbClr val="000000"/>
                 </a:solidFill>
-                <a:latin typeface="DejaVuSansMono"/>
+                <a:latin typeface="DejaVuSansMono-Bold"/>
+                <a:cs typeface="Helvetica" panose="020B0604020202020204" pitchFamily="34" charset="0"/>
               </a:rPr>
               <a:t> </a:t>
             </a:r>
@@ -11844,7 +12187,8 @@
                 <a:solidFill>
                   <a:srgbClr val="191191"/>
                 </a:solidFill>
-                <a:latin typeface="DejaVuSansMono-Oblique"/>
+                <a:latin typeface="DejaVuSansMono-Bold"/>
+                <a:cs typeface="Helvetica" panose="020B0604020202020204" pitchFamily="34" charset="0"/>
               </a:rPr>
               <a:t>"</a:t>
             </a:r>
@@ -11853,7 +12197,8 @@
                 <a:solidFill>
                   <a:srgbClr val="191191"/>
                 </a:solidFill>
-                <a:latin typeface="DejaVuSansMono-Oblique"/>
+                <a:latin typeface="DejaVuSansMono-Bold"/>
+                <a:cs typeface="Helvetica" panose="020B0604020202020204" pitchFamily="34" charset="0"/>
               </a:rPr>
               <a:t>Hello</a:t>
             </a:r>
@@ -11862,7 +12207,8 @@
                 <a:solidFill>
                   <a:srgbClr val="191191"/>
                 </a:solidFill>
-                <a:latin typeface="DejaVuSansMono-Oblique"/>
+                <a:latin typeface="DejaVuSansMono-Bold"/>
+                <a:cs typeface="Helvetica" panose="020B0604020202020204" pitchFamily="34" charset="0"/>
               </a:rPr>
               <a:t>" </a:t>
             </a:r>
@@ -11871,7 +12217,8 @@
                 <a:solidFill>
                   <a:srgbClr val="000000"/>
                 </a:solidFill>
-                <a:latin typeface="DejaVuSansMono"/>
+                <a:latin typeface="DejaVuSansMono-Bold"/>
+                <a:cs typeface="Helvetica" panose="020B0604020202020204" pitchFamily="34" charset="0"/>
               </a:rPr>
               <a:t>}</a:t>
             </a:r>
@@ -11882,7 +12229,8 @@
                 <a:solidFill>
                   <a:srgbClr val="000000"/>
                 </a:solidFill>
-                <a:latin typeface="PalatinoLinotype-Roman"/>
+                <a:latin typeface="Helvetica" panose="020B0604020202020204" pitchFamily="34" charset="0"/>
+                <a:cs typeface="Helvetica" panose="020B0604020202020204" pitchFamily="34" charset="0"/>
               </a:rPr>
               <a:t>This is also a code block:</a:t>
             </a:r>
@@ -11897,6 +12245,7 @@
                   <a:srgbClr val="91117D"/>
                 </a:solidFill>
                 <a:latin typeface="DejaVuSansMono-Bold"/>
+                <a:cs typeface="Helvetica" panose="020B0604020202020204" pitchFamily="34" charset="0"/>
               </a:rPr>
               <a:t>do</a:t>
             </a:r>
@@ -11910,7 +12259,8 @@
                 <a:solidFill>
                   <a:srgbClr val="000000"/>
                 </a:solidFill>
-                <a:latin typeface="DejaVuSansMono"/>
+                <a:latin typeface="Helvetica" panose="020B0604020202020204" pitchFamily="34" charset="0"/>
+                <a:cs typeface="Helvetica" panose="020B0604020202020204" pitchFamily="34" charset="0"/>
               </a:rPr>
               <a:t>	</a:t>
             </a:r>
@@ -11919,7 +12269,8 @@
                 <a:solidFill>
                   <a:srgbClr val="000000"/>
                 </a:solidFill>
-                <a:latin typeface="DejaVuSansMono"/>
+                <a:latin typeface="DejaVuSansMono-Bold"/>
+                <a:cs typeface="Helvetica" panose="020B0604020202020204" pitchFamily="34" charset="0"/>
               </a:rPr>
               <a:t>club.enroll</a:t>
             </a:r>
@@ -11928,7 +12279,8 @@
                 <a:solidFill>
                   <a:srgbClr val="000000"/>
                 </a:solidFill>
-                <a:latin typeface="DejaVuSansMono"/>
+                <a:latin typeface="DejaVuSansMono-Bold"/>
+                <a:cs typeface="Helvetica" panose="020B0604020202020204" pitchFamily="34" charset="0"/>
               </a:rPr>
               <a:t>(</a:t>
             </a:r>
@@ -11937,7 +12289,8 @@
                 <a:solidFill>
                   <a:srgbClr val="000000"/>
                 </a:solidFill>
-                <a:latin typeface="DejaVuSansMono"/>
+                <a:latin typeface="DejaVuSansMono-Bold"/>
+                <a:cs typeface="Helvetica" panose="020B0604020202020204" pitchFamily="34" charset="0"/>
               </a:rPr>
               <a:t>person</a:t>
             </a:r>
@@ -11946,7 +12299,8 @@
                 <a:solidFill>
                   <a:srgbClr val="000000"/>
                 </a:solidFill>
-                <a:latin typeface="DejaVuSansMono"/>
+                <a:latin typeface="DejaVuSansMono-Bold"/>
+                <a:cs typeface="Helvetica" panose="020B0604020202020204" pitchFamily="34" charset="0"/>
               </a:rPr>
               <a:t>)</a:t>
             </a:r>
@@ -11960,7 +12314,8 @@
                 <a:solidFill>
                   <a:srgbClr val="000000"/>
                 </a:solidFill>
-                <a:latin typeface="DejaVuSansMono"/>
+                <a:latin typeface="Helvetica" panose="020B0604020202020204" pitchFamily="34" charset="0"/>
+                <a:cs typeface="Helvetica" panose="020B0604020202020204" pitchFamily="34" charset="0"/>
               </a:rPr>
               <a:t>	</a:t>
             </a:r>
@@ -11969,7 +12324,8 @@
                 <a:solidFill>
                   <a:srgbClr val="000000"/>
                 </a:solidFill>
-                <a:latin typeface="DejaVuSansMono"/>
+                <a:latin typeface="DejaVuSansMono-Bold"/>
+                <a:cs typeface="Helvetica" panose="020B0604020202020204" pitchFamily="34" charset="0"/>
               </a:rPr>
               <a:t>person.socialize</a:t>
             </a:r>
@@ -11977,7 +12333,8 @@
               <a:solidFill>
                 <a:srgbClr val="000000"/>
               </a:solidFill>
-              <a:latin typeface="DejaVuSansMono"/>
+              <a:latin typeface="DejaVuSansMono-Bold"/>
+              <a:cs typeface="Helvetica" panose="020B0604020202020204" pitchFamily="34" charset="0"/>
             </a:endParaRPr>
           </a:p>
           <a:p>
@@ -11990,10 +12347,14 @@
                   <a:srgbClr val="91117D"/>
                 </a:solidFill>
                 <a:latin typeface="DejaVuSansMono-Bold"/>
+                <a:cs typeface="Helvetica" panose="020B0604020202020204" pitchFamily="34" charset="0"/>
               </a:rPr>
               <a:t>end</a:t>
             </a:r>
-            <a:endParaRPr lang="es-CO" dirty="0"/>
+            <a:endParaRPr lang="es-CO" dirty="0">
+              <a:latin typeface="DejaVuSansMono-Bold"/>
+              <a:cs typeface="Helvetica" panose="020B0604020202020204" pitchFamily="34" charset="0"/>
+            </a:endParaRPr>
           </a:p>
         </p:txBody>
       </p:sp>
@@ -12049,14 +12410,23 @@
           <a:lstStyle/>
           <a:p>
             <a:r>
-              <a:rPr lang="es-CO" dirty="0"/>
+              <a:rPr lang="es-CO" dirty="0">
+                <a:latin typeface="Helvetica" panose="020B0604020202020204" pitchFamily="34" charset="0"/>
+                <a:cs typeface="Helvetica" panose="020B0604020202020204" pitchFamily="34" charset="0"/>
+              </a:rPr>
               <a:t>Blocks and </a:t>
             </a:r>
             <a:r>
-              <a:rPr lang="es-CO" dirty="0" err="1"/>
+              <a:rPr lang="es-CO" dirty="0" err="1">
+                <a:latin typeface="Helvetica" panose="020B0604020202020204" pitchFamily="34" charset="0"/>
+                <a:cs typeface="Helvetica" panose="020B0604020202020204" pitchFamily="34" charset="0"/>
+              </a:rPr>
               <a:t>Iterators</a:t>
             </a:r>
-            <a:endParaRPr lang="es-CO" dirty="0"/>
+            <a:endParaRPr lang="es-CO" dirty="0">
+              <a:latin typeface="Helvetica" panose="020B0604020202020204" pitchFamily="34" charset="0"/>
+              <a:cs typeface="Helvetica" panose="020B0604020202020204" pitchFamily="34" charset="0"/>
+            </a:endParaRPr>
           </a:p>
         </p:txBody>
       </p:sp>
@@ -12084,7 +12454,10 @@
           <a:lstStyle/>
           <a:p>
             <a:r>
-              <a:rPr lang="en-US" dirty="0"/>
+              <a:rPr lang="en-US" dirty="0">
+                <a:latin typeface="Helvetica" panose="020B0604020202020204" pitchFamily="34" charset="0"/>
+                <a:cs typeface="Helvetica" panose="020B0604020202020204" pitchFamily="34" charset="0"/>
+              </a:rPr>
               <a:t>A method can then invoke an associated block one or more times using the Ruby </a:t>
             </a:r>
             <a:r>
@@ -12092,11 +12465,16 @@
                 <a:solidFill>
                   <a:srgbClr val="FF0000"/>
                 </a:solidFill>
+                <a:latin typeface="Helvetica" panose="020B0604020202020204" pitchFamily="34" charset="0"/>
+                <a:cs typeface="Helvetica" panose="020B0604020202020204" pitchFamily="34" charset="0"/>
               </a:rPr>
               <a:t>yield statement</a:t>
             </a:r>
             <a:r>
-              <a:rPr lang="en-US" dirty="0"/>
+              <a:rPr lang="en-US" dirty="0">
+                <a:latin typeface="Helvetica" panose="020B0604020202020204" pitchFamily="34" charset="0"/>
+                <a:cs typeface="Helvetica" panose="020B0604020202020204" pitchFamily="34" charset="0"/>
+              </a:rPr>
               <a:t>. You can think of yield as being something like a method call that invokes the block associated with the call to the method containing the yield.</a:t>
             </a:r>
           </a:p>
@@ -12321,7 +12699,7 @@
                 </a:solidFill>
                 <a:latin typeface="DejaVuSansMono-Bold"/>
               </a:rPr>
-              <a:t>End</a:t>
+              <a:t>end</a:t>
             </a:r>
             <a:endParaRPr lang="es-CO" b="1" dirty="0">
               <a:solidFill>
@@ -12332,14 +12710,18 @@
           </a:p>
           <a:p>
             <a:r>
-              <a:rPr lang="en-US" dirty="0"/>
+              <a:rPr lang="en-US" dirty="0">
+                <a:latin typeface="Helvetica" panose="020B0604020202020204" pitchFamily="34" charset="0"/>
+                <a:cs typeface="Helvetica" panose="020B0604020202020204" pitchFamily="34" charset="0"/>
+              </a:rPr>
               <a:t>The code in the block (puts "In the block") is executed twice, once for each call to yield.</a:t>
             </a:r>
             <a:endParaRPr lang="es-CO" b="1" dirty="0">
               <a:solidFill>
                 <a:srgbClr val="91117D"/>
               </a:solidFill>
-              <a:latin typeface="DejaVuSansMono-Bold"/>
+              <a:latin typeface="Helvetica" panose="020B0604020202020204" pitchFamily="34" charset="0"/>
+              <a:cs typeface="Helvetica" panose="020B0604020202020204" pitchFamily="34" charset="0"/>
             </a:endParaRPr>
           </a:p>
           <a:p>
@@ -12705,14 +13087,23 @@
           <a:lstStyle/>
           <a:p>
             <a:r>
-              <a:rPr lang="es-CO" dirty="0"/>
+              <a:rPr lang="es-CO" dirty="0">
+                <a:latin typeface="Helvetica" panose="020B0604020202020204" pitchFamily="34" charset="0"/>
+                <a:cs typeface="Helvetica" panose="020B0604020202020204" pitchFamily="34" charset="0"/>
+              </a:rPr>
               <a:t>Blocks and </a:t>
             </a:r>
             <a:r>
-              <a:rPr lang="es-CO" dirty="0" err="1"/>
+              <a:rPr lang="es-CO" dirty="0" err="1">
+                <a:latin typeface="Helvetica" panose="020B0604020202020204" pitchFamily="34" charset="0"/>
+                <a:cs typeface="Helvetica" panose="020B0604020202020204" pitchFamily="34" charset="0"/>
+              </a:rPr>
               <a:t>Iterators</a:t>
             </a:r>
-            <a:endParaRPr lang="es-CO" dirty="0"/>
+            <a:endParaRPr lang="es-CO" dirty="0">
+              <a:latin typeface="Helvetica" panose="020B0604020202020204" pitchFamily="34" charset="0"/>
+              <a:cs typeface="Helvetica" panose="020B0604020202020204" pitchFamily="34" charset="0"/>
+            </a:endParaRPr>
           </a:p>
         </p:txBody>
       </p:sp>
@@ -12738,15 +13129,24 @@
           <a:lstStyle/>
           <a:p>
             <a:r>
-              <a:rPr lang="en-US" dirty="0"/>
+              <a:rPr lang="en-US" dirty="0">
+                <a:latin typeface="Helvetica" panose="020B0604020202020204" pitchFamily="34" charset="0"/>
+                <a:cs typeface="Helvetica" panose="020B0604020202020204" pitchFamily="34" charset="0"/>
+              </a:rPr>
               <a:t>Code blocks are used throughout the Ruby library to implement </a:t>
             </a:r>
             <a:r>
-              <a:rPr lang="en-US" i="1" dirty="0"/>
+              <a:rPr lang="en-US" i="1" dirty="0">
+                <a:latin typeface="Helvetica" panose="020B0604020202020204" pitchFamily="34" charset="0"/>
+                <a:cs typeface="Helvetica" panose="020B0604020202020204" pitchFamily="34" charset="0"/>
+              </a:rPr>
               <a:t>iterators</a:t>
             </a:r>
             <a:r>
-              <a:rPr lang="en-US" dirty="0"/>
+              <a:rPr lang="en-US" dirty="0">
+                <a:latin typeface="Helvetica" panose="020B0604020202020204" pitchFamily="34" charset="0"/>
+                <a:cs typeface="Helvetica" panose="020B0604020202020204" pitchFamily="34" charset="0"/>
+              </a:rPr>
               <a:t>, which are methods that return successive elements from some kind of collection, such as an array:</a:t>
             </a:r>
           </a:p>
@@ -12754,7 +13154,10 @@
             <a:pPr marL="0" indent="0">
               <a:buNone/>
             </a:pPr>
-            <a:endParaRPr lang="es-CO" sz="1600" dirty="0"/>
+            <a:endParaRPr lang="es-CO" sz="1600" dirty="0">
+              <a:latin typeface="Helvetica" panose="020B0604020202020204" pitchFamily="34" charset="0"/>
+              <a:cs typeface="Helvetica" panose="020B0604020202020204" pitchFamily="34" charset="0"/>
+            </a:endParaRPr>
           </a:p>
         </p:txBody>
       </p:sp>
@@ -13379,10 +13782,16 @@
           <a:lstStyle/>
           <a:p>
             <a:r>
-              <a:rPr lang="en-US" dirty="0"/>
+              <a:rPr lang="en-US" dirty="0">
+                <a:latin typeface="Helvetica" panose="020B0604020202020204" pitchFamily="34" charset="0"/>
+                <a:cs typeface="Helvetica" panose="020B0604020202020204" pitchFamily="34" charset="0"/>
+              </a:rPr>
               <a:t>Ruby Is an Object-Oriented Language</a:t>
             </a:r>
-            <a:endParaRPr lang="es-CO" dirty="0"/>
+            <a:endParaRPr lang="es-CO" dirty="0">
+              <a:latin typeface="Helvetica" panose="020B0604020202020204" pitchFamily="34" charset="0"/>
+              <a:cs typeface="Helvetica" panose="020B0604020202020204" pitchFamily="34" charset="0"/>
+            </a:endParaRPr>
           </a:p>
         </p:txBody>
       </p:sp>
@@ -13415,14 +13824,23 @@
           <a:lstStyle/>
           <a:p>
             <a:r>
-              <a:rPr lang="en-US" dirty="0"/>
+              <a:rPr lang="en-US" dirty="0">
+                <a:latin typeface="Helvetica" panose="020B0604020202020204" pitchFamily="34" charset="0"/>
+                <a:cs typeface="Helvetica" panose="020B0604020202020204" pitchFamily="34" charset="0"/>
+              </a:rPr>
               <a:t>(Perl, Smalltalk, Eiffel, Ada y Lisp) </a:t>
             </a:r>
             <a:r>
-              <a:rPr lang="es-CO" dirty="0"/>
+              <a:rPr lang="es-CO" dirty="0">
+                <a:latin typeface="Helvetica" panose="020B0604020202020204" pitchFamily="34" charset="0"/>
+                <a:cs typeface="Helvetica" panose="020B0604020202020204" pitchFamily="34" charset="0"/>
+              </a:rPr>
               <a:t>funcional como la imperativa, más poderoso que Perl, y más orientado a objetos que Python</a:t>
             </a:r>
-            <a:endParaRPr lang="en-US" dirty="0"/>
+            <a:endParaRPr lang="en-US" dirty="0">
+              <a:latin typeface="Helvetica" panose="020B0604020202020204" pitchFamily="34" charset="0"/>
+              <a:cs typeface="Helvetica" panose="020B0604020202020204" pitchFamily="34" charset="0"/>
+            </a:endParaRPr>
           </a:p>
           <a:p>
             <a:r>
@@ -13430,7 +13848,8 @@
                 <a:solidFill>
                   <a:srgbClr val="000000"/>
                 </a:solidFill>
-                <a:latin typeface="DejaVuSansMono"/>
+                <a:latin typeface="DejaVuSansMono-Bold"/>
+                <a:cs typeface="Helvetica" panose="020B0604020202020204" pitchFamily="34" charset="0"/>
               </a:rPr>
               <a:t>song1</a:t>
             </a:r>
@@ -13439,7 +13858,8 @@
                 <a:solidFill>
                   <a:srgbClr val="000000"/>
                 </a:solidFill>
-                <a:latin typeface="DejaVuSansMono"/>
+                <a:latin typeface="DejaVuSansMono-Bold"/>
+                <a:cs typeface="Helvetica" panose="020B0604020202020204" pitchFamily="34" charset="0"/>
               </a:rPr>
               <a:t> = </a:t>
             </a:r>
@@ -13448,7 +13868,8 @@
                 <a:solidFill>
                   <a:srgbClr val="000000"/>
                 </a:solidFill>
-                <a:latin typeface="DejaVuSansMono"/>
+                <a:latin typeface="DejaVuSansMono-Bold"/>
+                <a:cs typeface="Helvetica" panose="020B0604020202020204" pitchFamily="34" charset="0"/>
               </a:rPr>
               <a:t>Song.new</a:t>
             </a:r>
@@ -13457,7 +13878,8 @@
                 <a:solidFill>
                   <a:srgbClr val="000000"/>
                 </a:solidFill>
-                <a:latin typeface="DejaVuSansMono"/>
+                <a:latin typeface="DejaVuSansMono-Bold"/>
+                <a:cs typeface="Helvetica" panose="020B0604020202020204" pitchFamily="34" charset="0"/>
               </a:rPr>
               <a:t>(</a:t>
             </a:r>
@@ -13466,7 +13888,8 @@
                 <a:solidFill>
                   <a:srgbClr val="191191"/>
                 </a:solidFill>
-                <a:latin typeface="DejaVuSansMono-Oblique"/>
+                <a:latin typeface="DejaVuSansMono-Bold"/>
+                <a:cs typeface="Helvetica" panose="020B0604020202020204" pitchFamily="34" charset="0"/>
               </a:rPr>
               <a:t>"Ruby Tuesday"</a:t>
             </a:r>
@@ -13475,7 +13898,8 @@
                 <a:solidFill>
                   <a:srgbClr val="000000"/>
                 </a:solidFill>
-                <a:latin typeface="DejaVuSansMono"/>
+                <a:latin typeface="DejaVuSansMono-Bold"/>
+                <a:cs typeface="Helvetica" panose="020B0604020202020204" pitchFamily="34" charset="0"/>
               </a:rPr>
               <a:t>)</a:t>
             </a:r>
@@ -13486,7 +13910,8 @@
                 <a:solidFill>
                   <a:srgbClr val="000000"/>
                 </a:solidFill>
-                <a:latin typeface="DejaVuSansMono"/>
+                <a:latin typeface="DejaVuSansMono-Bold"/>
+                <a:cs typeface="Helvetica" panose="020B0604020202020204" pitchFamily="34" charset="0"/>
               </a:rPr>
               <a:t>song2</a:t>
             </a:r>
@@ -13495,7 +13920,8 @@
                 <a:solidFill>
                   <a:srgbClr val="000000"/>
                 </a:solidFill>
-                <a:latin typeface="DejaVuSansMono"/>
+                <a:latin typeface="DejaVuSansMono-Bold"/>
+                <a:cs typeface="Helvetica" panose="020B0604020202020204" pitchFamily="34" charset="0"/>
               </a:rPr>
               <a:t> = </a:t>
             </a:r>
@@ -13504,7 +13930,8 @@
                 <a:solidFill>
                   <a:srgbClr val="000000"/>
                 </a:solidFill>
-                <a:latin typeface="DejaVuSansMono"/>
+                <a:latin typeface="DejaVuSansMono-Bold"/>
+                <a:cs typeface="Helvetica" panose="020B0604020202020204" pitchFamily="34" charset="0"/>
               </a:rPr>
               <a:t>Song.new</a:t>
             </a:r>
@@ -13513,7 +13940,8 @@
                 <a:solidFill>
                   <a:srgbClr val="000000"/>
                 </a:solidFill>
-                <a:latin typeface="DejaVuSansMono"/>
+                <a:latin typeface="DejaVuSansMono-Bold"/>
+                <a:cs typeface="Helvetica" panose="020B0604020202020204" pitchFamily="34" charset="0"/>
               </a:rPr>
               <a:t>(</a:t>
             </a:r>
@@ -13522,7 +13950,8 @@
                 <a:solidFill>
                   <a:srgbClr val="191191"/>
                 </a:solidFill>
-                <a:latin typeface="DejaVuSansMono-Oblique"/>
+                <a:latin typeface="DejaVuSansMono-Bold"/>
+                <a:cs typeface="Helvetica" panose="020B0604020202020204" pitchFamily="34" charset="0"/>
               </a:rPr>
               <a:t>"Enveloped in Python"</a:t>
             </a:r>
@@ -13531,7 +13960,8 @@
                 <a:solidFill>
                   <a:srgbClr val="000000"/>
                 </a:solidFill>
-                <a:latin typeface="DejaVuSansMono"/>
+                <a:latin typeface="DejaVuSansMono-Bold"/>
+                <a:cs typeface="Helvetica" panose="020B0604020202020204" pitchFamily="34" charset="0"/>
               </a:rPr>
               <a:t>)</a:t>
             </a:r>
@@ -13542,7 +13972,8 @@
                 <a:solidFill>
                   <a:srgbClr val="0F7C0F"/>
                 </a:solidFill>
-                <a:latin typeface="DejaVuSansMono-Oblique"/>
+                <a:latin typeface="DejaVuSansMono-Bold"/>
+                <a:cs typeface="Helvetica" panose="020B0604020202020204" pitchFamily="34" charset="0"/>
               </a:rPr>
               <a:t># and so </a:t>
             </a:r>
@@ -13551,11 +13982,15 @@
                 <a:solidFill>
                   <a:srgbClr val="0F7C0F"/>
                 </a:solidFill>
-                <a:latin typeface="DejaVuSansMono-Oblique"/>
+                <a:latin typeface="DejaVuSansMono-Bold"/>
+                <a:cs typeface="Helvetica" panose="020B0604020202020204" pitchFamily="34" charset="0"/>
               </a:rPr>
               <a:t>on</a:t>
             </a:r>
-            <a:endParaRPr lang="en-US" dirty="0"/>
+            <a:endParaRPr lang="en-US" dirty="0">
+              <a:latin typeface="DejaVuSansMono-Bold"/>
+              <a:cs typeface="Helvetica" panose="020B0604020202020204" pitchFamily="34" charset="0"/>
+            </a:endParaRPr>
           </a:p>
         </p:txBody>
       </p:sp>
@@ -13611,41 +14046,71 @@
           <a:lstStyle/>
           <a:p>
             <a:r>
-              <a:rPr lang="es-CO" dirty="0" err="1"/>
+              <a:rPr lang="es-CO" dirty="0" err="1">
+                <a:latin typeface="Helvetica" panose="020B0604020202020204" pitchFamily="34" charset="0"/>
+                <a:cs typeface="Helvetica" panose="020B0604020202020204" pitchFamily="34" charset="0"/>
+              </a:rPr>
               <a:t>Sharing</a:t>
             </a:r>
             <a:r>
-              <a:rPr lang="es-CO" dirty="0"/>
+              <a:rPr lang="es-CO" dirty="0">
+                <a:latin typeface="Helvetica" panose="020B0604020202020204" pitchFamily="34" charset="0"/>
+                <a:cs typeface="Helvetica" panose="020B0604020202020204" pitchFamily="34" charset="0"/>
+              </a:rPr>
               <a:t> </a:t>
             </a:r>
             <a:r>
-              <a:rPr lang="es-CO" dirty="0" err="1"/>
+              <a:rPr lang="es-CO" dirty="0" err="1">
+                <a:latin typeface="Helvetica" panose="020B0604020202020204" pitchFamily="34" charset="0"/>
+                <a:cs typeface="Helvetica" panose="020B0604020202020204" pitchFamily="34" charset="0"/>
+              </a:rPr>
               <a:t>Functionality</a:t>
             </a:r>
             <a:r>
-              <a:rPr lang="es-CO" dirty="0"/>
+              <a:rPr lang="es-CO" dirty="0">
+                <a:latin typeface="Helvetica" panose="020B0604020202020204" pitchFamily="34" charset="0"/>
+                <a:cs typeface="Helvetica" panose="020B0604020202020204" pitchFamily="34" charset="0"/>
+              </a:rPr>
               <a:t>: </a:t>
             </a:r>
             <a:r>
-              <a:rPr lang="es-CO" dirty="0" err="1"/>
+              <a:rPr lang="es-CO" dirty="0" err="1">
+                <a:latin typeface="Helvetica" panose="020B0604020202020204" pitchFamily="34" charset="0"/>
+                <a:cs typeface="Helvetica" panose="020B0604020202020204" pitchFamily="34" charset="0"/>
+              </a:rPr>
               <a:t>Inheritance</a:t>
             </a:r>
             <a:r>
-              <a:rPr lang="es-CO" dirty="0"/>
+              <a:rPr lang="es-CO" dirty="0">
+                <a:latin typeface="Helvetica" panose="020B0604020202020204" pitchFamily="34" charset="0"/>
+                <a:cs typeface="Helvetica" panose="020B0604020202020204" pitchFamily="34" charset="0"/>
+              </a:rPr>
               <a:t>,</a:t>
             </a:r>
             <a:br>
-              <a:rPr lang="es-CO" dirty="0"/>
+              <a:rPr lang="es-CO" dirty="0">
+                <a:latin typeface="Helvetica" panose="020B0604020202020204" pitchFamily="34" charset="0"/>
+                <a:cs typeface="Helvetica" panose="020B0604020202020204" pitchFamily="34" charset="0"/>
+              </a:rPr>
             </a:br>
             <a:r>
-              <a:rPr lang="es-CO" dirty="0"/>
+              <a:rPr lang="es-CO" dirty="0">
+                <a:latin typeface="Helvetica" panose="020B0604020202020204" pitchFamily="34" charset="0"/>
+                <a:cs typeface="Helvetica" panose="020B0604020202020204" pitchFamily="34" charset="0"/>
+              </a:rPr>
               <a:t>Modules, and </a:t>
             </a:r>
             <a:r>
-              <a:rPr lang="es-CO" dirty="0" err="1"/>
+              <a:rPr lang="es-CO" dirty="0" err="1">
+                <a:latin typeface="Helvetica" panose="020B0604020202020204" pitchFamily="34" charset="0"/>
+                <a:cs typeface="Helvetica" panose="020B0604020202020204" pitchFamily="34" charset="0"/>
+              </a:rPr>
               <a:t>Mixins</a:t>
             </a:r>
-            <a:endParaRPr lang="es-CO" dirty="0"/>
+            <a:endParaRPr lang="es-CO" dirty="0">
+              <a:latin typeface="Helvetica" panose="020B0604020202020204" pitchFamily="34" charset="0"/>
+              <a:cs typeface="Helvetica" panose="020B0604020202020204" pitchFamily="34" charset="0"/>
+            </a:endParaRPr>
           </a:p>
         </p:txBody>
       </p:sp>
@@ -13673,22 +14138,37 @@
           <a:lstStyle/>
           <a:p>
             <a:r>
-              <a:rPr lang="en-US" i="1" dirty="0"/>
+              <a:rPr lang="en-US" i="1" dirty="0">
+                <a:latin typeface="Helvetica" panose="020B0604020202020204" pitchFamily="34" charset="0"/>
+                <a:cs typeface="Helvetica" panose="020B0604020202020204" pitchFamily="34" charset="0"/>
+              </a:rPr>
               <a:t>class-level inheritance</a:t>
             </a:r>
             <a:r>
-              <a:rPr lang="en-US" dirty="0"/>
+              <a:rPr lang="en-US" dirty="0">
+                <a:latin typeface="Helvetica" panose="020B0604020202020204" pitchFamily="34" charset="0"/>
+                <a:cs typeface="Helvetica" panose="020B0604020202020204" pitchFamily="34" charset="0"/>
+              </a:rPr>
               <a:t>, is common in object-oriented languages. We’ll then look at </a:t>
             </a:r>
             <a:r>
-              <a:rPr lang="en-US" i="1" dirty="0" err="1"/>
+              <a:rPr lang="en-US" i="1" dirty="0" err="1">
+                <a:latin typeface="Helvetica" panose="020B0604020202020204" pitchFamily="34" charset="0"/>
+                <a:cs typeface="Helvetica" panose="020B0604020202020204" pitchFamily="34" charset="0"/>
+              </a:rPr>
               <a:t>mixins</a:t>
             </a:r>
             <a:r>
-              <a:rPr lang="en-US" dirty="0"/>
+              <a:rPr lang="en-US" dirty="0">
+                <a:latin typeface="Helvetica" panose="020B0604020202020204" pitchFamily="34" charset="0"/>
+                <a:cs typeface="Helvetica" panose="020B0604020202020204" pitchFamily="34" charset="0"/>
+              </a:rPr>
               <a:t>, a technique that is often preferable to inheritance. We’ll wind up with a discussion of when to use each</a:t>
             </a:r>
-            <a:endParaRPr lang="es-CO" sz="11500" dirty="0"/>
+            <a:endParaRPr lang="es-CO" sz="11500" dirty="0">
+              <a:latin typeface="Helvetica" panose="020B0604020202020204" pitchFamily="34" charset="0"/>
+              <a:cs typeface="Helvetica" panose="020B0604020202020204" pitchFamily="34" charset="0"/>
+            </a:endParaRPr>
           </a:p>
         </p:txBody>
       </p:sp>
@@ -13744,18 +14224,30 @@
           <a:lstStyle/>
           <a:p>
             <a:r>
-              <a:rPr lang="es-CO" dirty="0" err="1"/>
+              <a:rPr lang="es-CO" dirty="0" err="1">
+                <a:latin typeface="Helvetica" panose="020B0604020202020204" pitchFamily="34" charset="0"/>
+                <a:cs typeface="Helvetica" panose="020B0604020202020204" pitchFamily="34" charset="0"/>
+              </a:rPr>
               <a:t>Inheritance</a:t>
             </a:r>
             <a:r>
-              <a:rPr lang="es-CO" dirty="0"/>
+              <a:rPr lang="es-CO" dirty="0">
+                <a:latin typeface="Helvetica" panose="020B0604020202020204" pitchFamily="34" charset="0"/>
+                <a:cs typeface="Helvetica" panose="020B0604020202020204" pitchFamily="34" charset="0"/>
+              </a:rPr>
               <a:t> and </a:t>
             </a:r>
             <a:r>
-              <a:rPr lang="es-CO" dirty="0" err="1"/>
+              <a:rPr lang="es-CO" dirty="0" err="1">
+                <a:latin typeface="Helvetica" panose="020B0604020202020204" pitchFamily="34" charset="0"/>
+                <a:cs typeface="Helvetica" panose="020B0604020202020204" pitchFamily="34" charset="0"/>
+              </a:rPr>
               <a:t>Messages</a:t>
             </a:r>
-            <a:endParaRPr lang="es-CO" dirty="0"/>
+            <a:endParaRPr lang="es-CO" dirty="0">
+              <a:latin typeface="Helvetica" panose="020B0604020202020204" pitchFamily="34" charset="0"/>
+              <a:cs typeface="Helvetica" panose="020B0604020202020204" pitchFamily="34" charset="0"/>
+            </a:endParaRPr>
           </a:p>
         </p:txBody>
       </p:sp>
@@ -14452,18 +14944,30 @@
           <a:lstStyle/>
           <a:p>
             <a:r>
-              <a:rPr lang="es-CO" dirty="0" err="1"/>
+              <a:rPr lang="es-CO" dirty="0" err="1">
+                <a:latin typeface="Helvetica" panose="020B0604020202020204" pitchFamily="34" charset="0"/>
+                <a:cs typeface="Helvetica" panose="020B0604020202020204" pitchFamily="34" charset="0"/>
+              </a:rPr>
               <a:t>Inheritance</a:t>
             </a:r>
             <a:r>
-              <a:rPr lang="es-CO" dirty="0"/>
+              <a:rPr lang="es-CO" dirty="0">
+                <a:latin typeface="Helvetica" panose="020B0604020202020204" pitchFamily="34" charset="0"/>
+                <a:cs typeface="Helvetica" panose="020B0604020202020204" pitchFamily="34" charset="0"/>
+              </a:rPr>
               <a:t> and </a:t>
             </a:r>
             <a:r>
-              <a:rPr lang="es-CO" dirty="0" err="1"/>
+              <a:rPr lang="es-CO" dirty="0" err="1">
+                <a:latin typeface="Helvetica" panose="020B0604020202020204" pitchFamily="34" charset="0"/>
+                <a:cs typeface="Helvetica" panose="020B0604020202020204" pitchFamily="34" charset="0"/>
+              </a:rPr>
               <a:t>Messages</a:t>
             </a:r>
-            <a:endParaRPr lang="es-CO" dirty="0"/>
+            <a:endParaRPr lang="es-CO" dirty="0">
+              <a:latin typeface="Helvetica" panose="020B0604020202020204" pitchFamily="34" charset="0"/>
+              <a:cs typeface="Helvetica" panose="020B0604020202020204" pitchFamily="34" charset="0"/>
+            </a:endParaRPr>
           </a:p>
         </p:txBody>
       </p:sp>
@@ -15082,7 +15586,10 @@
           <a:lstStyle/>
           <a:p>
             <a:r>
-              <a:rPr lang="es-CO" dirty="0"/>
+              <a:rPr lang="es-CO" dirty="0">
+                <a:latin typeface="Helvetica" panose="020B0604020202020204" pitchFamily="34" charset="0"/>
+                <a:cs typeface="Helvetica" panose="020B0604020202020204" pitchFamily="34" charset="0"/>
+              </a:rPr>
               <a:t>Modules</a:t>
             </a:r>
           </a:p>
@@ -15110,56 +15617,92 @@
           <a:lstStyle/>
           <a:p>
             <a:r>
-              <a:rPr lang="en-US" dirty="0"/>
+              <a:rPr lang="en-US" dirty="0">
+                <a:latin typeface="Helvetica" panose="020B0604020202020204" pitchFamily="34" charset="0"/>
+                <a:cs typeface="Helvetica" panose="020B0604020202020204" pitchFamily="34" charset="0"/>
+              </a:rPr>
               <a:t>Modules are a way of grouping together methods, classes, and constants. Modules give you </a:t>
             </a:r>
             <a:r>
-              <a:rPr lang="es-CO" dirty="0" err="1"/>
+              <a:rPr lang="es-CO" dirty="0" err="1">
+                <a:latin typeface="Helvetica" panose="020B0604020202020204" pitchFamily="34" charset="0"/>
+                <a:cs typeface="Helvetica" panose="020B0604020202020204" pitchFamily="34" charset="0"/>
+              </a:rPr>
               <a:t>two</a:t>
             </a:r>
             <a:r>
-              <a:rPr lang="es-CO" dirty="0"/>
+              <a:rPr lang="es-CO" dirty="0">
+                <a:latin typeface="Helvetica" panose="020B0604020202020204" pitchFamily="34" charset="0"/>
+                <a:cs typeface="Helvetica" panose="020B0604020202020204" pitchFamily="34" charset="0"/>
+              </a:rPr>
               <a:t> </a:t>
             </a:r>
             <a:r>
-              <a:rPr lang="es-CO" dirty="0" err="1"/>
+              <a:rPr lang="es-CO" dirty="0" err="1">
+                <a:latin typeface="Helvetica" panose="020B0604020202020204" pitchFamily="34" charset="0"/>
+                <a:cs typeface="Helvetica" panose="020B0604020202020204" pitchFamily="34" charset="0"/>
+              </a:rPr>
               <a:t>major</a:t>
             </a:r>
             <a:r>
-              <a:rPr lang="es-CO" dirty="0"/>
+              <a:rPr lang="es-CO" dirty="0">
+                <a:latin typeface="Helvetica" panose="020B0604020202020204" pitchFamily="34" charset="0"/>
+                <a:cs typeface="Helvetica" panose="020B0604020202020204" pitchFamily="34" charset="0"/>
+              </a:rPr>
               <a:t> </a:t>
             </a:r>
             <a:r>
-              <a:rPr lang="es-CO" dirty="0" err="1"/>
+              <a:rPr lang="es-CO" dirty="0" err="1">
+                <a:latin typeface="Helvetica" panose="020B0604020202020204" pitchFamily="34" charset="0"/>
+                <a:cs typeface="Helvetica" panose="020B0604020202020204" pitchFamily="34" charset="0"/>
+              </a:rPr>
               <a:t>benefits</a:t>
             </a:r>
             <a:r>
-              <a:rPr lang="es-CO" dirty="0"/>
+              <a:rPr lang="es-CO" dirty="0">
+                <a:latin typeface="Helvetica" panose="020B0604020202020204" pitchFamily="34" charset="0"/>
+                <a:cs typeface="Helvetica" panose="020B0604020202020204" pitchFamily="34" charset="0"/>
+              </a:rPr>
               <a:t>:</a:t>
             </a:r>
           </a:p>
           <a:p>
             <a:pPr lvl="1"/>
             <a:r>
-              <a:rPr lang="en-US" dirty="0"/>
+              <a:rPr lang="en-US" dirty="0">
+                <a:latin typeface="Helvetica" panose="020B0604020202020204" pitchFamily="34" charset="0"/>
+                <a:cs typeface="Helvetica" panose="020B0604020202020204" pitchFamily="34" charset="0"/>
+              </a:rPr>
               <a:t>Modules provide a namespace and prevent name clashes.</a:t>
             </a:r>
           </a:p>
           <a:p>
             <a:pPr lvl="1"/>
             <a:r>
-              <a:rPr lang="en-US" dirty="0"/>
+              <a:rPr lang="en-US" dirty="0">
+                <a:latin typeface="Helvetica" panose="020B0604020202020204" pitchFamily="34" charset="0"/>
+                <a:cs typeface="Helvetica" panose="020B0604020202020204" pitchFamily="34" charset="0"/>
+              </a:rPr>
               <a:t>Modules support the </a:t>
             </a:r>
             <a:r>
-              <a:rPr lang="en-US" dirty="0" err="1"/>
+              <a:rPr lang="en-US" dirty="0" err="1">
+                <a:latin typeface="Helvetica" panose="020B0604020202020204" pitchFamily="34" charset="0"/>
+                <a:cs typeface="Helvetica" panose="020B0604020202020204" pitchFamily="34" charset="0"/>
+              </a:rPr>
               <a:t>mixin</a:t>
             </a:r>
             <a:r>
-              <a:rPr lang="en-US" dirty="0"/>
+              <a:rPr lang="en-US" dirty="0">
+                <a:latin typeface="Helvetica" panose="020B0604020202020204" pitchFamily="34" charset="0"/>
+                <a:cs typeface="Helvetica" panose="020B0604020202020204" pitchFamily="34" charset="0"/>
+              </a:rPr>
               <a:t> facility.</a:t>
             </a:r>
-            <a:endParaRPr lang="es-CO" dirty="0"/>
+            <a:endParaRPr lang="es-CO" dirty="0">
+              <a:latin typeface="Helvetica" panose="020B0604020202020204" pitchFamily="34" charset="0"/>
+              <a:cs typeface="Helvetica" panose="020B0604020202020204" pitchFamily="34" charset="0"/>
+            </a:endParaRPr>
           </a:p>
         </p:txBody>
       </p:sp>
@@ -15215,10 +15758,16 @@
           <a:lstStyle/>
           <a:p>
             <a:r>
-              <a:rPr lang="es-CO" dirty="0" err="1"/>
+              <a:rPr lang="es-CO" dirty="0" err="1">
+                <a:latin typeface="Helvetica" panose="020B0604020202020204" pitchFamily="34" charset="0"/>
+                <a:cs typeface="Helvetica" panose="020B0604020202020204" pitchFamily="34" charset="0"/>
+              </a:rPr>
               <a:t>Namespaces</a:t>
             </a:r>
-            <a:endParaRPr lang="es-CO" dirty="0"/>
+            <a:endParaRPr lang="es-CO" dirty="0">
+              <a:latin typeface="Helvetica" panose="020B0604020202020204" pitchFamily="34" charset="0"/>
+              <a:cs typeface="Helvetica" panose="020B0604020202020204" pitchFamily="34" charset="0"/>
+            </a:endParaRPr>
           </a:p>
         </p:txBody>
       </p:sp>
@@ -15238,7 +15787,12 @@
             <p:ph idx="1"/>
           </p:nvPr>
         </p:nvSpPr>
-        <p:spPr/>
+        <p:spPr>
+          <a:xfrm>
+            <a:off x="2589211" y="2133600"/>
+            <a:ext cx="9072701" cy="3777622"/>
+          </a:xfrm>
+        </p:spPr>
         <p:txBody>
           <a:bodyPr>
             <a:normAutofit lnSpcReduction="10000"/>
@@ -16135,10 +16689,16 @@
           <a:lstStyle/>
           <a:p>
             <a:r>
-              <a:rPr lang="es-CO" dirty="0" err="1"/>
+              <a:rPr lang="es-CO" dirty="0" err="1">
+                <a:latin typeface="Helvetica" panose="020B0604020202020204" pitchFamily="34" charset="0"/>
+                <a:cs typeface="Helvetica" panose="020B0604020202020204" pitchFamily="34" charset="0"/>
+              </a:rPr>
               <a:t>Mixins</a:t>
             </a:r>
-            <a:endParaRPr lang="es-CO" dirty="0"/>
+            <a:endParaRPr lang="es-CO" dirty="0">
+              <a:latin typeface="Helvetica" panose="020B0604020202020204" pitchFamily="34" charset="0"/>
+              <a:cs typeface="Helvetica" panose="020B0604020202020204" pitchFamily="34" charset="0"/>
+            </a:endParaRPr>
           </a:p>
         </p:txBody>
       </p:sp>
@@ -16164,21 +16724,33 @@
           <a:lstStyle/>
           <a:p>
             <a:r>
-              <a:rPr lang="en-US" dirty="0"/>
+              <a:rPr lang="en-US" dirty="0">
+                <a:latin typeface="Helvetica" panose="020B0604020202020204" pitchFamily="34" charset="0"/>
+                <a:cs typeface="Helvetica" panose="020B0604020202020204" pitchFamily="34" charset="0"/>
+              </a:rPr>
               <a:t>Modules have another, wonderful use. At a stroke, they pretty much eliminate the need for inheritance, providing a facility called a </a:t>
             </a:r>
             <a:r>
-              <a:rPr lang="en-US" i="1" dirty="0" err="1"/>
+              <a:rPr lang="en-US" i="1" dirty="0" err="1">
+                <a:latin typeface="Helvetica" panose="020B0604020202020204" pitchFamily="34" charset="0"/>
+                <a:cs typeface="Helvetica" panose="020B0604020202020204" pitchFamily="34" charset="0"/>
+              </a:rPr>
               <a:t>mixin</a:t>
             </a:r>
             <a:r>
-              <a:rPr lang="en-US" dirty="0"/>
+              <a:rPr lang="en-US" dirty="0">
+                <a:latin typeface="Helvetica" panose="020B0604020202020204" pitchFamily="34" charset="0"/>
+                <a:cs typeface="Helvetica" panose="020B0604020202020204" pitchFamily="34" charset="0"/>
+              </a:rPr>
               <a:t>.</a:t>
             </a:r>
           </a:p>
           <a:p>
             <a:r>
-              <a:rPr lang="en-US" dirty="0"/>
+              <a:rPr lang="en-US" dirty="0">
+                <a:latin typeface="Helvetica" panose="020B0604020202020204" pitchFamily="34" charset="0"/>
+                <a:cs typeface="Helvetica" panose="020B0604020202020204" pitchFamily="34" charset="0"/>
+              </a:rPr>
               <a:t>“What happens if I define instance methods within a module?” Good question. A module can’t have instances, because a module isn’t a class. However, you can </a:t>
             </a:r>
             <a:r>
@@ -16189,34 +16761,57 @@
                     <a:lumOff val="40000"/>
                   </a:schemeClr>
                 </a:solidFill>
+                <a:latin typeface="Helvetica" panose="020B0604020202020204" pitchFamily="34" charset="0"/>
+                <a:cs typeface="Helvetica" panose="020B0604020202020204" pitchFamily="34" charset="0"/>
               </a:rPr>
               <a:t>include</a:t>
             </a:r>
             <a:r>
-              <a:rPr lang="en-US" i="1" dirty="0"/>
+              <a:rPr lang="en-US" i="1" dirty="0">
+                <a:latin typeface="Helvetica" panose="020B0604020202020204" pitchFamily="34" charset="0"/>
+                <a:cs typeface="Helvetica" panose="020B0604020202020204" pitchFamily="34" charset="0"/>
+              </a:rPr>
               <a:t> </a:t>
             </a:r>
             <a:r>
-              <a:rPr lang="en-US" dirty="0"/>
+              <a:rPr lang="en-US" dirty="0">
+                <a:latin typeface="Helvetica" panose="020B0604020202020204" pitchFamily="34" charset="0"/>
+                <a:cs typeface="Helvetica" panose="020B0604020202020204" pitchFamily="34" charset="0"/>
+              </a:rPr>
               <a:t>a module within a class definition. When this happens, all the module’s instance methods are suddenly available as methods in the class as well. They get </a:t>
             </a:r>
             <a:r>
-              <a:rPr lang="en-US" i="1" dirty="0"/>
+              <a:rPr lang="en-US" i="1" dirty="0">
+                <a:latin typeface="Helvetica" panose="020B0604020202020204" pitchFamily="34" charset="0"/>
+                <a:cs typeface="Helvetica" panose="020B0604020202020204" pitchFamily="34" charset="0"/>
+              </a:rPr>
               <a:t>mixed in</a:t>
             </a:r>
             <a:r>
-              <a:rPr lang="en-US" dirty="0"/>
+              <a:rPr lang="en-US" dirty="0">
+                <a:latin typeface="Helvetica" panose="020B0604020202020204" pitchFamily="34" charset="0"/>
+                <a:cs typeface="Helvetica" panose="020B0604020202020204" pitchFamily="34" charset="0"/>
+              </a:rPr>
               <a:t>. In fact, mixed-in modules effectively behave as </a:t>
             </a:r>
             <a:r>
-              <a:rPr lang="en-US" dirty="0" err="1"/>
+              <a:rPr lang="en-US" dirty="0" err="1">
+                <a:latin typeface="Helvetica" panose="020B0604020202020204" pitchFamily="34" charset="0"/>
+                <a:cs typeface="Helvetica" panose="020B0604020202020204" pitchFamily="34" charset="0"/>
+              </a:rPr>
               <a:t>superclasses</a:t>
             </a:r>
             <a:r>
-              <a:rPr lang="en-US" dirty="0"/>
+              <a:rPr lang="en-US" dirty="0">
+                <a:latin typeface="Helvetica" panose="020B0604020202020204" pitchFamily="34" charset="0"/>
+                <a:cs typeface="Helvetica" panose="020B0604020202020204" pitchFamily="34" charset="0"/>
+              </a:rPr>
               <a:t>.</a:t>
             </a:r>
-            <a:endParaRPr lang="es-CO" dirty="0"/>
+            <a:endParaRPr lang="es-CO" dirty="0">
+              <a:latin typeface="Helvetica" panose="020B0604020202020204" pitchFamily="34" charset="0"/>
+              <a:cs typeface="Helvetica" panose="020B0604020202020204" pitchFamily="34" charset="0"/>
+            </a:endParaRPr>
           </a:p>
         </p:txBody>
       </p:sp>
@@ -16272,10 +16867,16 @@
           <a:lstStyle/>
           <a:p>
             <a:r>
-              <a:rPr lang="es-CO" dirty="0" err="1"/>
+              <a:rPr lang="es-CO" dirty="0" err="1">
+                <a:latin typeface="Helvetica" panose="020B0604020202020204" pitchFamily="34" charset="0"/>
+                <a:cs typeface="Helvetica" panose="020B0604020202020204" pitchFamily="34" charset="0"/>
+              </a:rPr>
               <a:t>Mixins</a:t>
             </a:r>
-            <a:endParaRPr lang="es-CO" dirty="0"/>
+            <a:endParaRPr lang="es-CO" dirty="0">
+              <a:latin typeface="Helvetica" panose="020B0604020202020204" pitchFamily="34" charset="0"/>
+              <a:cs typeface="Helvetica" panose="020B0604020202020204" pitchFamily="34" charset="0"/>
+            </a:endParaRPr>
           </a:p>
         </p:txBody>
       </p:sp>
@@ -17372,10 +17973,16 @@
           <a:lstStyle/>
           <a:p>
             <a:r>
-              <a:rPr lang="es-CO" dirty="0" err="1"/>
+              <a:rPr lang="es-CO" dirty="0" err="1">
+                <a:latin typeface="Helvetica" panose="020B0604020202020204" pitchFamily="34" charset="0"/>
+                <a:cs typeface="Helvetica" panose="020B0604020202020204" pitchFamily="34" charset="0"/>
+              </a:rPr>
               <a:t>Mixins</a:t>
             </a:r>
-            <a:endParaRPr lang="es-CO" dirty="0"/>
+            <a:endParaRPr lang="es-CO" dirty="0">
+              <a:latin typeface="Helvetica" panose="020B0604020202020204" pitchFamily="34" charset="0"/>
+              <a:cs typeface="Helvetica" panose="020B0604020202020204" pitchFamily="34" charset="0"/>
+            </a:endParaRPr>
           </a:p>
         </p:txBody>
       </p:sp>
@@ -17403,11 +18010,17 @@
           <a:lstStyle/>
           <a:p>
             <a:r>
-              <a:rPr lang="es-CO" dirty="0" err="1"/>
+              <a:rPr lang="es-CO" dirty="0" err="1">
+                <a:latin typeface="Helvetica" panose="020B0604020202020204" pitchFamily="34" charset="0"/>
+                <a:cs typeface="Helvetica" panose="020B0604020202020204" pitchFamily="34" charset="0"/>
+              </a:rPr>
               <a:t>The</a:t>
             </a:r>
             <a:r>
-              <a:rPr lang="es-CO" dirty="0"/>
+              <a:rPr lang="es-CO" dirty="0">
+                <a:latin typeface="Helvetica" panose="020B0604020202020204" pitchFamily="34" charset="0"/>
+                <a:cs typeface="Helvetica" panose="020B0604020202020204" pitchFamily="34" charset="0"/>
+              </a:rPr>
               <a:t> Ruby </a:t>
             </a:r>
             <a:r>
@@ -17418,26 +18031,43 @@
                     <a:lumOff val="40000"/>
                   </a:schemeClr>
                 </a:solidFill>
+                <a:latin typeface="Helvetica" panose="020B0604020202020204" pitchFamily="34" charset="0"/>
+                <a:cs typeface="Helvetica" panose="020B0604020202020204" pitchFamily="34" charset="0"/>
               </a:rPr>
               <a:t>include</a:t>
             </a:r>
             <a:r>
-              <a:rPr lang="es-CO" dirty="0"/>
+              <a:rPr lang="es-CO" dirty="0">
+                <a:latin typeface="Helvetica" panose="020B0604020202020204" pitchFamily="34" charset="0"/>
+                <a:cs typeface="Helvetica" panose="020B0604020202020204" pitchFamily="34" charset="0"/>
+              </a:rPr>
               <a:t> </a:t>
             </a:r>
             <a:r>
-              <a:rPr lang="en-US" dirty="0"/>
+              <a:rPr lang="en-US" dirty="0">
+                <a:latin typeface="Helvetica" panose="020B0604020202020204" pitchFamily="34" charset="0"/>
+                <a:cs typeface="Helvetica" panose="020B0604020202020204" pitchFamily="34" charset="0"/>
+              </a:rPr>
               <a:t>statement simply makes a reference to a module. If that module is in a separate file, you must use require (or its less commonly used cousin, load) to drag that file in before using </a:t>
             </a:r>
             <a:r>
-              <a:rPr lang="es-CO" dirty="0" err="1"/>
+              <a:rPr lang="es-CO" dirty="0" err="1">
+                <a:latin typeface="Helvetica" panose="020B0604020202020204" pitchFamily="34" charset="0"/>
+                <a:cs typeface="Helvetica" panose="020B0604020202020204" pitchFamily="34" charset="0"/>
+              </a:rPr>
               <a:t>include</a:t>
             </a:r>
-            <a:endParaRPr lang="en-US" dirty="0"/>
-          </a:p>
-          <a:p>
-            <a:r>
-              <a:rPr lang="en-US" dirty="0"/>
+            <a:endParaRPr lang="en-US" dirty="0">
+              <a:latin typeface="Helvetica" panose="020B0604020202020204" pitchFamily="34" charset="0"/>
+              <a:cs typeface="Helvetica" panose="020B0604020202020204" pitchFamily="34" charset="0"/>
+            </a:endParaRPr>
+          </a:p>
+          <a:p>
+            <a:r>
+              <a:rPr lang="en-US" dirty="0">
+                <a:latin typeface="Helvetica" panose="020B0604020202020204" pitchFamily="34" charset="0"/>
+                <a:cs typeface="Helvetica" panose="020B0604020202020204" pitchFamily="34" charset="0"/>
+              </a:rPr>
               <a:t>Ruby </a:t>
             </a:r>
             <a:r>
@@ -17448,19 +18078,30 @@
                     <a:lumOff val="40000"/>
                   </a:schemeClr>
                 </a:solidFill>
+                <a:latin typeface="Helvetica" panose="020B0604020202020204" pitchFamily="34" charset="0"/>
+                <a:cs typeface="Helvetica" panose="020B0604020202020204" pitchFamily="34" charset="0"/>
               </a:rPr>
               <a:t>include</a:t>
             </a:r>
             <a:r>
-              <a:rPr lang="en-US" dirty="0"/>
+              <a:rPr lang="en-US" dirty="0">
+                <a:latin typeface="Helvetica" panose="020B0604020202020204" pitchFamily="34" charset="0"/>
+                <a:cs typeface="Helvetica" panose="020B0604020202020204" pitchFamily="34" charset="0"/>
+              </a:rPr>
               <a:t> does not simply copy the module’s instance methods into the class. Instead, it makes a reference from the class to the included module. If multiple classes include that module, they’ll all point to the same thing. If you change the definition of a method within a module, even while your program is running, all classes that include that module will exhibit the new behavior n, load) to drag that file in before using </a:t>
             </a:r>
             <a:r>
-              <a:rPr lang="es-CO" dirty="0" err="1"/>
+              <a:rPr lang="es-CO" dirty="0" err="1">
+                <a:latin typeface="Helvetica" panose="020B0604020202020204" pitchFamily="34" charset="0"/>
+                <a:cs typeface="Helvetica" panose="020B0604020202020204" pitchFamily="34" charset="0"/>
+              </a:rPr>
               <a:t>include</a:t>
             </a:r>
             <a:r>
-              <a:rPr lang="es-CO" dirty="0"/>
+              <a:rPr lang="es-CO" dirty="0">
+                <a:latin typeface="Helvetica" panose="020B0604020202020204" pitchFamily="34" charset="0"/>
+                <a:cs typeface="Helvetica" panose="020B0604020202020204" pitchFamily="34" charset="0"/>
+              </a:rPr>
               <a:t>.</a:t>
             </a:r>
           </a:p>
@@ -17518,10 +18159,16 @@
           <a:lstStyle/>
           <a:p>
             <a:r>
-              <a:rPr lang="es-CO" dirty="0" err="1"/>
+              <a:rPr lang="es-CO" dirty="0" err="1">
+                <a:latin typeface="Helvetica" panose="020B0604020202020204" pitchFamily="34" charset="0"/>
+                <a:cs typeface="Helvetica" panose="020B0604020202020204" pitchFamily="34" charset="0"/>
+              </a:rPr>
               <a:t>Mixins</a:t>
             </a:r>
-            <a:endParaRPr lang="es-CO" dirty="0"/>
+            <a:endParaRPr lang="es-CO" dirty="0">
+              <a:latin typeface="Helvetica" panose="020B0604020202020204" pitchFamily="34" charset="0"/>
+              <a:cs typeface="Helvetica" panose="020B0604020202020204" pitchFamily="34" charset="0"/>
+            </a:endParaRPr>
           </a:p>
         </p:txBody>
       </p:sp>
@@ -18720,6 +19367,7 @@
           </a:bodyPr>
           <a:lstStyle/>
           <a:p>
+            <a:pPr algn="just"/>
             <a:r>
               <a:rPr lang="en-US" sz="1400" dirty="0" err="1">
                 <a:solidFill>
@@ -18728,6 +19376,8 @@
                     <a:lumOff val="25000"/>
                   </a:schemeClr>
                 </a:solidFill>
+                <a:latin typeface="Helvetica" panose="020B0604020202020204" pitchFamily="34" charset="0"/>
+                <a:cs typeface="Helvetica" panose="020B0604020202020204" pitchFamily="34" charset="0"/>
               </a:rPr>
               <a:t>Mixins</a:t>
             </a:r>
@@ -18739,6 +19389,8 @@
                     <a:lumOff val="25000"/>
                   </a:schemeClr>
                 </a:solidFill>
+                <a:latin typeface="Helvetica" panose="020B0604020202020204" pitchFamily="34" charset="0"/>
+                <a:cs typeface="Helvetica" panose="020B0604020202020204" pitchFamily="34" charset="0"/>
               </a:rPr>
               <a:t> give you a wonderfully controlled way of adding functionality to classes </a:t>
             </a:r>
@@ -18750,6 +19402,8 @@
                     <a:lumOff val="25000"/>
                   </a:schemeClr>
                 </a:solidFill>
+                <a:latin typeface="Helvetica" panose="020B0604020202020204" pitchFamily="34" charset="0"/>
+                <a:cs typeface="Helvetica" panose="020B0604020202020204" pitchFamily="34" charset="0"/>
               </a:rPr>
               <a:t>However</a:t>
             </a:r>
@@ -18761,6 +19415,8 @@
                     <a:lumOff val="25000"/>
                   </a:schemeClr>
                 </a:solidFill>
+                <a:latin typeface="Helvetica" panose="020B0604020202020204" pitchFamily="34" charset="0"/>
+                <a:cs typeface="Helvetica" panose="020B0604020202020204" pitchFamily="34" charset="0"/>
               </a:rPr>
               <a:t>, </a:t>
             </a:r>
@@ -18772,6 +19428,8 @@
                     <a:lumOff val="25000"/>
                   </a:schemeClr>
                 </a:solidFill>
+                <a:latin typeface="Helvetica" panose="020B0604020202020204" pitchFamily="34" charset="0"/>
+                <a:cs typeface="Helvetica" panose="020B0604020202020204" pitchFamily="34" charset="0"/>
               </a:rPr>
               <a:t>their true power comes out when the code in the </a:t>
             </a:r>
@@ -18783,6 +19441,8 @@
                     <a:lumOff val="25000"/>
                   </a:schemeClr>
                 </a:solidFill>
+                <a:latin typeface="Helvetica" panose="020B0604020202020204" pitchFamily="34" charset="0"/>
+                <a:cs typeface="Helvetica" panose="020B0604020202020204" pitchFamily="34" charset="0"/>
               </a:rPr>
               <a:t>mixin</a:t>
             </a:r>
@@ -18794,6 +19454,8 @@
                     <a:lumOff val="25000"/>
                   </a:schemeClr>
                 </a:solidFill>
+                <a:latin typeface="Helvetica" panose="020B0604020202020204" pitchFamily="34" charset="0"/>
+                <a:cs typeface="Helvetica" panose="020B0604020202020204" pitchFamily="34" charset="0"/>
               </a:rPr>
               <a:t> starts to interact with code in the </a:t>
             </a:r>
@@ -18805,6 +19467,8 @@
                     <a:lumOff val="25000"/>
                   </a:schemeClr>
                 </a:solidFill>
+                <a:latin typeface="Helvetica" panose="020B0604020202020204" pitchFamily="34" charset="0"/>
+                <a:cs typeface="Helvetica" panose="020B0604020202020204" pitchFamily="34" charset="0"/>
               </a:rPr>
               <a:t>class</a:t>
             </a:r>
@@ -18816,6 +19480,8 @@
                     <a:lumOff val="25000"/>
                   </a:schemeClr>
                 </a:solidFill>
+                <a:latin typeface="Helvetica" panose="020B0604020202020204" pitchFamily="34" charset="0"/>
+                <a:cs typeface="Helvetica" panose="020B0604020202020204" pitchFamily="34" charset="0"/>
               </a:rPr>
               <a:t> </a:t>
             </a:r>
@@ -18827,6 +19493,8 @@
                     <a:lumOff val="25000"/>
                   </a:schemeClr>
                 </a:solidFill>
+                <a:latin typeface="Helvetica" panose="020B0604020202020204" pitchFamily="34" charset="0"/>
+                <a:cs typeface="Helvetica" panose="020B0604020202020204" pitchFamily="34" charset="0"/>
               </a:rPr>
               <a:t>that</a:t>
             </a:r>
@@ -18838,6 +19506,8 @@
                     <a:lumOff val="25000"/>
                   </a:schemeClr>
                 </a:solidFill>
+                <a:latin typeface="Helvetica" panose="020B0604020202020204" pitchFamily="34" charset="0"/>
+                <a:cs typeface="Helvetica" panose="020B0604020202020204" pitchFamily="34" charset="0"/>
               </a:rPr>
               <a:t> uses </a:t>
             </a:r>
@@ -18849,6 +19519,8 @@
                     <a:lumOff val="25000"/>
                   </a:schemeClr>
                 </a:solidFill>
+                <a:latin typeface="Helvetica" panose="020B0604020202020204" pitchFamily="34" charset="0"/>
+                <a:cs typeface="Helvetica" panose="020B0604020202020204" pitchFamily="34" charset="0"/>
               </a:rPr>
               <a:t>it</a:t>
             </a:r>
@@ -18860,6 +19532,8 @@
                     <a:lumOff val="25000"/>
                   </a:schemeClr>
                 </a:solidFill>
+                <a:latin typeface="Helvetica" panose="020B0604020202020204" pitchFamily="34" charset="0"/>
+                <a:cs typeface="Helvetica" panose="020B0604020202020204" pitchFamily="34" charset="0"/>
               </a:rPr>
               <a:t>.</a:t>
             </a:r>
@@ -18918,10 +19592,16 @@
           <a:lstStyle/>
           <a:p>
             <a:r>
-              <a:rPr lang="es-CO" dirty="0" err="1"/>
+              <a:rPr lang="es-CO" dirty="0" err="1">
+                <a:latin typeface="Helvetica" panose="020B0604020202020204" pitchFamily="34" charset="0"/>
+                <a:cs typeface="Helvetica" panose="020B0604020202020204" pitchFamily="34" charset="0"/>
+              </a:rPr>
               <a:t>Mixins</a:t>
             </a:r>
-            <a:endParaRPr lang="es-CO" dirty="0"/>
+            <a:endParaRPr lang="es-CO" dirty="0">
+              <a:latin typeface="Helvetica" panose="020B0604020202020204" pitchFamily="34" charset="0"/>
+              <a:cs typeface="Helvetica" panose="020B0604020202020204" pitchFamily="34" charset="0"/>
+            </a:endParaRPr>
           </a:p>
         </p:txBody>
       </p:sp>
@@ -18947,7 +19627,10 @@
           <a:lstStyle/>
           <a:p>
             <a:r>
-              <a:rPr lang="en-US" dirty="0"/>
+              <a:rPr lang="en-US" dirty="0">
+                <a:latin typeface="Helvetica" panose="020B0604020202020204" pitchFamily="34" charset="0"/>
+                <a:cs typeface="Helvetica" panose="020B0604020202020204" pitchFamily="34" charset="0"/>
+              </a:rPr>
               <a:t>Ruby offers an interesting and powerful compromise, giving you the </a:t>
             </a:r>
             <a:r>
@@ -18958,34 +19641,57 @@
                     <a:lumOff val="40000"/>
                   </a:schemeClr>
                 </a:solidFill>
+                <a:latin typeface="Helvetica" panose="020B0604020202020204" pitchFamily="34" charset="0"/>
+                <a:cs typeface="Helvetica" panose="020B0604020202020204" pitchFamily="34" charset="0"/>
               </a:rPr>
               <a:t>simplicity of single inheritance and the power of multiple inheritance</a:t>
             </a:r>
             <a:r>
-              <a:rPr lang="en-US" dirty="0"/>
+              <a:rPr lang="en-US" dirty="0">
+                <a:latin typeface="Helvetica" panose="020B0604020202020204" pitchFamily="34" charset="0"/>
+                <a:cs typeface="Helvetica" panose="020B0604020202020204" pitchFamily="34" charset="0"/>
+              </a:rPr>
               <a:t>. A Ruby class has only one direct parent, so Ruby is a single-inheritance language. However, Ruby classes can include the functionality of any number of </a:t>
             </a:r>
             <a:r>
-              <a:rPr lang="en-US" i="1" dirty="0" err="1"/>
+              <a:rPr lang="en-US" i="1" dirty="0" err="1">
+                <a:latin typeface="Helvetica" panose="020B0604020202020204" pitchFamily="34" charset="0"/>
+                <a:cs typeface="Helvetica" panose="020B0604020202020204" pitchFamily="34" charset="0"/>
+              </a:rPr>
               <a:t>mixins</a:t>
             </a:r>
             <a:r>
-              <a:rPr lang="en-US" i="1" dirty="0"/>
+              <a:rPr lang="en-US" i="1" dirty="0">
+                <a:latin typeface="Helvetica" panose="020B0604020202020204" pitchFamily="34" charset="0"/>
+                <a:cs typeface="Helvetica" panose="020B0604020202020204" pitchFamily="34" charset="0"/>
+              </a:rPr>
               <a:t> </a:t>
             </a:r>
             <a:r>
-              <a:rPr lang="en-US" dirty="0"/>
+              <a:rPr lang="en-US" dirty="0">
+                <a:latin typeface="Helvetica" panose="020B0604020202020204" pitchFamily="34" charset="0"/>
+                <a:cs typeface="Helvetica" panose="020B0604020202020204" pitchFamily="34" charset="0"/>
+              </a:rPr>
               <a:t>(a </a:t>
             </a:r>
             <a:r>
-              <a:rPr lang="en-US" dirty="0" err="1"/>
+              <a:rPr lang="en-US" dirty="0" err="1">
+                <a:latin typeface="Helvetica" panose="020B0604020202020204" pitchFamily="34" charset="0"/>
+                <a:cs typeface="Helvetica" panose="020B0604020202020204" pitchFamily="34" charset="0"/>
+              </a:rPr>
               <a:t>mixin</a:t>
             </a:r>
             <a:r>
-              <a:rPr lang="en-US" dirty="0"/>
+              <a:rPr lang="en-US" dirty="0">
+                <a:latin typeface="Helvetica" panose="020B0604020202020204" pitchFamily="34" charset="0"/>
+                <a:cs typeface="Helvetica" panose="020B0604020202020204" pitchFamily="34" charset="0"/>
+              </a:rPr>
               <a:t> is like a partial class definition). This provides a controlled multiple-inheritance-like capability with none of the drawbacks.</a:t>
             </a:r>
-            <a:endParaRPr lang="es-CO" dirty="0"/>
+            <a:endParaRPr lang="es-CO" dirty="0">
+              <a:latin typeface="Helvetica" panose="020B0604020202020204" pitchFamily="34" charset="0"/>
+              <a:cs typeface="Helvetica" panose="020B0604020202020204" pitchFamily="34" charset="0"/>
+            </a:endParaRPr>
           </a:p>
         </p:txBody>
       </p:sp>
@@ -19004,7 +19710,7 @@
         <p:spPr>
           <a:xfrm>
             <a:off x="3948217" y="5757333"/>
-            <a:ext cx="4876656" cy="307777"/>
+            <a:ext cx="4411785" cy="307777"/>
           </a:xfrm>
           <a:prstGeom prst="rect">
             <a:avLst/>
@@ -19024,6 +19730,8 @@
                     <a:lumOff val="25000"/>
                   </a:schemeClr>
                 </a:solidFill>
+                <a:latin typeface="Helvetica" panose="020B0604020202020204" pitchFamily="34" charset="0"/>
+                <a:cs typeface="Helvetica" panose="020B0604020202020204" pitchFamily="34" charset="0"/>
               </a:rPr>
               <a:t>*</a:t>
             </a:r>
@@ -19035,6 +19743,8 @@
                     <a:lumOff val="25000"/>
                   </a:schemeClr>
                 </a:solidFill>
+                <a:latin typeface="Helvetica" panose="020B0604020202020204" pitchFamily="34" charset="0"/>
+                <a:cs typeface="Helvetica" panose="020B0604020202020204" pitchFamily="34" charset="0"/>
               </a:rPr>
               <a:t>Enumerable</a:t>
             </a:r>
@@ -19046,6 +19756,8 @@
                     <a:lumOff val="25000"/>
                   </a:schemeClr>
                 </a:solidFill>
+                <a:latin typeface="Helvetica" panose="020B0604020202020204" pitchFamily="34" charset="0"/>
+                <a:cs typeface="Helvetica" panose="020B0604020202020204" pitchFamily="34" charset="0"/>
               </a:rPr>
               <a:t>, </a:t>
             </a:r>
@@ -19057,6 +19769,8 @@
                     <a:lumOff val="25000"/>
                   </a:schemeClr>
                 </a:solidFill>
+                <a:latin typeface="Helvetica" panose="020B0604020202020204" pitchFamily="34" charset="0"/>
+                <a:cs typeface="Helvetica" panose="020B0604020202020204" pitchFamily="34" charset="0"/>
               </a:rPr>
               <a:t>What happens to instance variables in a </a:t>
             </a:r>
@@ -19068,6 +19782,8 @@
                     <a:lumOff val="25000"/>
                   </a:schemeClr>
                 </a:solidFill>
+                <a:latin typeface="Helvetica" panose="020B0604020202020204" pitchFamily="34" charset="0"/>
+                <a:cs typeface="Helvetica" panose="020B0604020202020204" pitchFamily="34" charset="0"/>
               </a:rPr>
               <a:t>mixin</a:t>
             </a:r>
@@ -19079,16 +19795,22 @@
                     <a:lumOff val="25000"/>
                   </a:schemeClr>
                 </a:solidFill>
+                <a:latin typeface="Helvetica" panose="020B0604020202020204" pitchFamily="34" charset="0"/>
+                <a:cs typeface="Helvetica" panose="020B0604020202020204" pitchFamily="34" charset="0"/>
               </a:rPr>
               <a:t>?</a:t>
             </a:r>
             <a:r>
               <a:rPr lang="es-CO" sz="1400" dirty="0">
-                <a:latin typeface="PalatinoLinotype-Roman"/>
+                <a:latin typeface="Helvetica" panose="020B0604020202020204" pitchFamily="34" charset="0"/>
+                <a:cs typeface="Helvetica" panose="020B0604020202020204" pitchFamily="34" charset="0"/>
               </a:rPr>
               <a:t>.</a:t>
             </a:r>
-            <a:endParaRPr lang="es-CO" sz="1200" dirty="0"/>
+            <a:endParaRPr lang="es-CO" sz="1200" dirty="0">
+              <a:latin typeface="Helvetica" panose="020B0604020202020204" pitchFamily="34" charset="0"/>
+              <a:cs typeface="Helvetica" panose="020B0604020202020204" pitchFamily="34" charset="0"/>
+            </a:endParaRPr>
           </a:p>
         </p:txBody>
       </p:sp>
@@ -19144,19 +19866,31 @@
           <a:lstStyle/>
           <a:p>
             <a:r>
-              <a:rPr lang="es-CO" dirty="0" err="1"/>
+              <a:rPr lang="es-CO" dirty="0" err="1">
+                <a:latin typeface="Helvetica" panose="020B0604020202020204" pitchFamily="34" charset="0"/>
+                <a:cs typeface="Helvetica" panose="020B0604020202020204" pitchFamily="34" charset="0"/>
+              </a:rPr>
               <a:t>Classes</a:t>
             </a:r>
             <a:r>
-              <a:rPr lang="es-CO" dirty="0"/>
+              <a:rPr lang="es-CO" dirty="0">
+                <a:latin typeface="Helvetica" panose="020B0604020202020204" pitchFamily="34" charset="0"/>
+                <a:cs typeface="Helvetica" panose="020B0604020202020204" pitchFamily="34" charset="0"/>
+              </a:rPr>
               <a:t>, </a:t>
             </a:r>
             <a:r>
-              <a:rPr lang="es-CO" dirty="0" err="1"/>
+              <a:rPr lang="es-CO" dirty="0" err="1">
+                <a:latin typeface="Helvetica" panose="020B0604020202020204" pitchFamily="34" charset="0"/>
+                <a:cs typeface="Helvetica" panose="020B0604020202020204" pitchFamily="34" charset="0"/>
+              </a:rPr>
               <a:t>Objects</a:t>
             </a:r>
             <a:r>
-              <a:rPr lang="es-CO" dirty="0"/>
+              <a:rPr lang="es-CO" dirty="0">
+                <a:latin typeface="Helvetica" panose="020B0604020202020204" pitchFamily="34" charset="0"/>
+                <a:cs typeface="Helvetica" panose="020B0604020202020204" pitchFamily="34" charset="0"/>
+              </a:rPr>
               <a:t>, and Variables</a:t>
             </a:r>
           </a:p>
@@ -19197,25 +19931,38 @@
                   <a:srgbClr val="91117D"/>
                 </a:solidFill>
                 <a:latin typeface="DejaVuSansMono-Bold"/>
+                <a:cs typeface="Helvetica" panose="020B0604020202020204" pitchFamily="34" charset="0"/>
               </a:rPr>
               <a:t>class</a:t>
             </a:r>
             <a:r>
-              <a:rPr lang="es-CO" b="1" dirty="0"/>
+              <a:rPr lang="es-CO" b="1" dirty="0">
+                <a:latin typeface="DejaVuSansMono-Bold"/>
+                <a:cs typeface="Helvetica" panose="020B0604020202020204" pitchFamily="34" charset="0"/>
+              </a:rPr>
               <a:t> </a:t>
             </a:r>
             <a:r>
-              <a:rPr lang="es-CO" dirty="0" err="1"/>
+              <a:rPr lang="es-CO" dirty="0" err="1">
+                <a:latin typeface="DejaVuSansMono-Bold"/>
+                <a:cs typeface="Helvetica" panose="020B0604020202020204" pitchFamily="34" charset="0"/>
+              </a:rPr>
               <a:t>BookInStock</a:t>
             </a:r>
-            <a:endParaRPr lang="es-CO" dirty="0"/>
+            <a:endParaRPr lang="es-CO" dirty="0">
+              <a:latin typeface="DejaVuSansMono-Bold"/>
+              <a:cs typeface="Helvetica" panose="020B0604020202020204" pitchFamily="34" charset="0"/>
+            </a:endParaRPr>
           </a:p>
           <a:p>
             <a:pPr marL="0" indent="0">
               <a:buNone/>
             </a:pPr>
             <a:r>
-              <a:rPr lang="es-CO" dirty="0"/>
+              <a:rPr lang="es-CO" dirty="0">
+                <a:latin typeface="DejaVuSansMono-Bold"/>
+                <a:cs typeface="Helvetica" panose="020B0604020202020204" pitchFamily="34" charset="0"/>
+              </a:rPr>
               <a:t>…</a:t>
             </a:r>
           </a:p>
@@ -19229,6 +19976,7 @@
                   <a:srgbClr val="91117D"/>
                 </a:solidFill>
                 <a:latin typeface="DejaVuSansMono-Bold"/>
+                <a:cs typeface="Helvetica" panose="020B0604020202020204" pitchFamily="34" charset="0"/>
               </a:rPr>
               <a:t>End</a:t>
             </a:r>
@@ -19237,11 +19985,15 @@
                 <a:srgbClr val="91117D"/>
               </a:solidFill>
               <a:latin typeface="DejaVuSansMono-Bold"/>
+              <a:cs typeface="Helvetica" panose="020B0604020202020204" pitchFamily="34" charset="0"/>
             </a:endParaRPr>
           </a:p>
           <a:p>
             <a:r>
-              <a:rPr lang="en-US" dirty="0"/>
+              <a:rPr lang="en-US" dirty="0">
+                <a:latin typeface="Helvetica" panose="020B0604020202020204" pitchFamily="34" charset="0"/>
+                <a:cs typeface="Helvetica" panose="020B0604020202020204" pitchFamily="34" charset="0"/>
+              </a:rPr>
               <a:t>we can create new instances of this class using new:</a:t>
             </a:r>
           </a:p>
@@ -19250,36 +20002,60 @@
               <a:buNone/>
             </a:pPr>
             <a:r>
-              <a:rPr lang="es-CO" dirty="0" err="1"/>
+              <a:rPr lang="es-CO" dirty="0" err="1">
+                <a:latin typeface="DejaVuSansMono-Bold"/>
+                <a:cs typeface="Helvetica" panose="020B0604020202020204" pitchFamily="34" charset="0"/>
+              </a:rPr>
               <a:t>a_book</a:t>
             </a:r>
             <a:r>
-              <a:rPr lang="es-CO" dirty="0"/>
+              <a:rPr lang="es-CO" dirty="0">
+                <a:latin typeface="DejaVuSansMono-Bold"/>
+                <a:cs typeface="Helvetica" panose="020B0604020202020204" pitchFamily="34" charset="0"/>
+              </a:rPr>
               <a:t> = </a:t>
             </a:r>
             <a:r>
-              <a:rPr lang="es-CO" dirty="0" err="1"/>
+              <a:rPr lang="es-CO" dirty="0" err="1">
+                <a:latin typeface="DejaVuSansMono-Bold"/>
+                <a:cs typeface="Helvetica" panose="020B0604020202020204" pitchFamily="34" charset="0"/>
+              </a:rPr>
               <a:t>BookInStock.new</a:t>
             </a:r>
-            <a:endParaRPr lang="es-CO" dirty="0"/>
+            <a:endParaRPr lang="es-CO" dirty="0">
+              <a:latin typeface="DejaVuSansMono-Bold"/>
+              <a:cs typeface="Helvetica" panose="020B0604020202020204" pitchFamily="34" charset="0"/>
+            </a:endParaRPr>
           </a:p>
           <a:p>
             <a:pPr marL="0" indent="0">
               <a:buNone/>
             </a:pPr>
             <a:r>
-              <a:rPr lang="es-CO" dirty="0" err="1"/>
+              <a:rPr lang="es-CO" dirty="0" err="1">
+                <a:latin typeface="DejaVuSansMono-Bold"/>
+                <a:cs typeface="Helvetica" panose="020B0604020202020204" pitchFamily="34" charset="0"/>
+              </a:rPr>
               <a:t>another_boo</a:t>
             </a:r>
             <a:r>
-              <a:rPr lang="es-CO" dirty="0"/>
+              <a:rPr lang="es-CO" dirty="0">
+                <a:latin typeface="DejaVuSansMono-Bold"/>
+                <a:cs typeface="Helvetica" panose="020B0604020202020204" pitchFamily="34" charset="0"/>
+              </a:rPr>
               <a:t> k = </a:t>
             </a:r>
             <a:r>
-              <a:rPr lang="es-CO" dirty="0" err="1"/>
+              <a:rPr lang="es-CO" dirty="0" err="1">
+                <a:latin typeface="DejaVuSansMono-Bold"/>
+                <a:cs typeface="Helvetica" panose="020B0604020202020204" pitchFamily="34" charset="0"/>
+              </a:rPr>
               <a:t>BookInStock.new</a:t>
             </a:r>
-            <a:endParaRPr lang="es-CO" dirty="0"/>
+            <a:endParaRPr lang="es-CO" dirty="0">
+              <a:latin typeface="DejaVuSansMono-Bold"/>
+              <a:cs typeface="Helvetica" panose="020B0604020202020204" pitchFamily="34" charset="0"/>
+            </a:endParaRPr>
           </a:p>
         </p:txBody>
       </p:sp>
@@ -19365,14 +20141,23 @@
           <a:lstStyle/>
           <a:p>
             <a:r>
-              <a:rPr lang="es-CO" dirty="0"/>
+              <a:rPr lang="es-CO" dirty="0">
+                <a:latin typeface="Helvetica" panose="020B0604020202020204" pitchFamily="34" charset="0"/>
+                <a:cs typeface="Helvetica" panose="020B0604020202020204" pitchFamily="34" charset="0"/>
+              </a:rPr>
               <a:t>Standard </a:t>
             </a:r>
             <a:r>
-              <a:rPr lang="es-CO" dirty="0" err="1"/>
+              <a:rPr lang="es-CO" dirty="0" err="1">
+                <a:latin typeface="Helvetica" panose="020B0604020202020204" pitchFamily="34" charset="0"/>
+                <a:cs typeface="Helvetica" panose="020B0604020202020204" pitchFamily="34" charset="0"/>
+              </a:rPr>
               <a:t>Types</a:t>
             </a:r>
-            <a:endParaRPr lang="es-CO" dirty="0"/>
+            <a:endParaRPr lang="es-CO" dirty="0">
+              <a:latin typeface="Helvetica" panose="020B0604020202020204" pitchFamily="34" charset="0"/>
+              <a:cs typeface="Helvetica" panose="020B0604020202020204" pitchFamily="34" charset="0"/>
+            </a:endParaRPr>
           </a:p>
         </p:txBody>
       </p:sp>
@@ -19398,27 +20183,48 @@
           <a:lstStyle/>
           <a:p>
             <a:r>
-              <a:rPr lang="es-CO" sz="2400" dirty="0" err="1"/>
+              <a:rPr lang="es-CO" sz="2400" dirty="0" err="1">
+                <a:latin typeface="Helvetica" panose="020B0604020202020204" pitchFamily="34" charset="0"/>
+                <a:cs typeface="Helvetica" panose="020B0604020202020204" pitchFamily="34" charset="0"/>
+              </a:rPr>
               <a:t>Numbers</a:t>
             </a:r>
-            <a:endParaRPr lang="es-CO" dirty="0"/>
-          </a:p>
-          <a:p>
-            <a:r>
-              <a:rPr lang="es-CO" sz="2400" dirty="0" err="1"/>
+            <a:endParaRPr lang="es-CO" dirty="0">
+              <a:latin typeface="Helvetica" panose="020B0604020202020204" pitchFamily="34" charset="0"/>
+              <a:cs typeface="Helvetica" panose="020B0604020202020204" pitchFamily="34" charset="0"/>
+            </a:endParaRPr>
+          </a:p>
+          <a:p>
+            <a:r>
+              <a:rPr lang="es-CO" sz="2400" dirty="0" err="1">
+                <a:latin typeface="Helvetica" panose="020B0604020202020204" pitchFamily="34" charset="0"/>
+                <a:cs typeface="Helvetica" panose="020B0604020202020204" pitchFamily="34" charset="0"/>
+              </a:rPr>
               <a:t>Strings</a:t>
             </a:r>
-            <a:endParaRPr lang="es-CO" dirty="0"/>
-          </a:p>
-          <a:p>
-            <a:r>
-              <a:rPr lang="es-CO" sz="2400" dirty="0" err="1"/>
+            <a:endParaRPr lang="es-CO" dirty="0">
+              <a:latin typeface="Helvetica" panose="020B0604020202020204" pitchFamily="34" charset="0"/>
+              <a:cs typeface="Helvetica" panose="020B0604020202020204" pitchFamily="34" charset="0"/>
+            </a:endParaRPr>
+          </a:p>
+          <a:p>
+            <a:r>
+              <a:rPr lang="es-CO" sz="2400" dirty="0" err="1">
+                <a:latin typeface="Helvetica" panose="020B0604020202020204" pitchFamily="34" charset="0"/>
+                <a:cs typeface="Helvetica" panose="020B0604020202020204" pitchFamily="34" charset="0"/>
+              </a:rPr>
               <a:t>Ranges</a:t>
             </a:r>
-            <a:endParaRPr lang="es-CO" dirty="0"/>
-          </a:p>
-          <a:p>
-            <a:endParaRPr lang="es-CO" dirty="0"/>
+            <a:endParaRPr lang="es-CO" dirty="0">
+              <a:latin typeface="Helvetica" panose="020B0604020202020204" pitchFamily="34" charset="0"/>
+              <a:cs typeface="Helvetica" panose="020B0604020202020204" pitchFamily="34" charset="0"/>
+            </a:endParaRPr>
+          </a:p>
+          <a:p>
+            <a:endParaRPr lang="es-CO" dirty="0">
+              <a:latin typeface="Helvetica" panose="020B0604020202020204" pitchFamily="34" charset="0"/>
+              <a:cs typeface="Helvetica" panose="020B0604020202020204" pitchFamily="34" charset="0"/>
+            </a:endParaRPr>
           </a:p>
         </p:txBody>
       </p:sp>
@@ -19474,10 +20280,16 @@
           <a:lstStyle/>
           <a:p>
             <a:r>
-              <a:rPr lang="es-CO" dirty="0" err="1"/>
+              <a:rPr lang="es-CO" dirty="0" err="1">
+                <a:latin typeface="Helvetica" panose="020B0604020202020204" pitchFamily="34" charset="0"/>
+                <a:cs typeface="Helvetica" panose="020B0604020202020204" pitchFamily="34" charset="0"/>
+              </a:rPr>
               <a:t>Numbers</a:t>
             </a:r>
-            <a:endParaRPr lang="es-CO" dirty="0"/>
+            <a:endParaRPr lang="es-CO" dirty="0">
+              <a:latin typeface="Helvetica" panose="020B0604020202020204" pitchFamily="34" charset="0"/>
+              <a:cs typeface="Helvetica" panose="020B0604020202020204" pitchFamily="34" charset="0"/>
+            </a:endParaRPr>
           </a:p>
         </p:txBody>
       </p:sp>
@@ -19503,7 +20315,10 @@
           <a:lstStyle/>
           <a:p>
             <a:r>
-              <a:rPr lang="en-US" dirty="0"/>
+              <a:rPr lang="en-US" dirty="0">
+                <a:latin typeface="Helvetica" panose="020B0604020202020204" pitchFamily="34" charset="0"/>
+                <a:cs typeface="Helvetica" panose="020B0604020202020204" pitchFamily="34" charset="0"/>
+              </a:rPr>
               <a:t>automatically manages the conversion back and forth: </a:t>
             </a:r>
           </a:p>
@@ -20249,6 +21064,8 @@
                     <a:lumOff val="25000"/>
                   </a:schemeClr>
                 </a:solidFill>
+                <a:latin typeface="Helvetica" panose="020B0604020202020204" pitchFamily="34" charset="0"/>
+                <a:cs typeface="Helvetica" panose="020B0604020202020204" pitchFamily="34" charset="0"/>
               </a:rPr>
               <a:t>optional base indicator (0 for octal, </a:t>
             </a:r>
@@ -20260,6 +21077,8 @@
                     <a:lumOff val="25000"/>
                   </a:schemeClr>
                 </a:solidFill>
+                <a:latin typeface="Helvetica" panose="020B0604020202020204" pitchFamily="34" charset="0"/>
+                <a:cs typeface="Helvetica" panose="020B0604020202020204" pitchFamily="34" charset="0"/>
               </a:rPr>
               <a:t>0d</a:t>
             </a:r>
@@ -20271,6 +21090,8 @@
                     <a:lumOff val="25000"/>
                   </a:schemeClr>
                 </a:solidFill>
+                <a:latin typeface="Helvetica" panose="020B0604020202020204" pitchFamily="34" charset="0"/>
+                <a:cs typeface="Helvetica" panose="020B0604020202020204" pitchFamily="34" charset="0"/>
               </a:rPr>
               <a:t> for decimal [the default], </a:t>
             </a:r>
@@ -20282,6 +21103,8 @@
                     <a:lumOff val="25000"/>
                   </a:schemeClr>
                 </a:solidFill>
+                <a:latin typeface="Helvetica" panose="020B0604020202020204" pitchFamily="34" charset="0"/>
+                <a:cs typeface="Helvetica" panose="020B0604020202020204" pitchFamily="34" charset="0"/>
               </a:rPr>
               <a:t>0x</a:t>
             </a:r>
@@ -20293,6 +21116,8 @@
                     <a:lumOff val="25000"/>
                   </a:schemeClr>
                 </a:solidFill>
+                <a:latin typeface="Helvetica" panose="020B0604020202020204" pitchFamily="34" charset="0"/>
+                <a:cs typeface="Helvetica" panose="020B0604020202020204" pitchFamily="34" charset="0"/>
               </a:rPr>
               <a:t> for hex, or </a:t>
             </a:r>
@@ -20304,6 +21129,8 @@
                     <a:lumOff val="25000"/>
                   </a:schemeClr>
                 </a:solidFill>
+                <a:latin typeface="Helvetica" panose="020B0604020202020204" pitchFamily="34" charset="0"/>
+                <a:cs typeface="Helvetica" panose="020B0604020202020204" pitchFamily="34" charset="0"/>
               </a:rPr>
               <a:t>0b</a:t>
             </a:r>
@@ -20315,6 +21142,8 @@
                     <a:lumOff val="25000"/>
                   </a:schemeClr>
                 </a:solidFill>
+                <a:latin typeface="Helvetica" panose="020B0604020202020204" pitchFamily="34" charset="0"/>
+                <a:cs typeface="Helvetica" panose="020B0604020202020204" pitchFamily="34" charset="0"/>
               </a:rPr>
               <a:t> for binary)</a:t>
             </a:r>
@@ -20325,6 +21154,8 @@
                   <a:lumOff val="25000"/>
                 </a:schemeClr>
               </a:solidFill>
+              <a:latin typeface="Helvetica" panose="020B0604020202020204" pitchFamily="34" charset="0"/>
+              <a:cs typeface="Helvetica" panose="020B0604020202020204" pitchFamily="34" charset="0"/>
             </a:endParaRPr>
           </a:p>
         </p:txBody>
@@ -20381,10 +21212,16 @@
           <a:lstStyle/>
           <a:p>
             <a:r>
-              <a:rPr lang="es-CO" dirty="0" err="1"/>
+              <a:rPr lang="es-CO" dirty="0" err="1">
+                <a:latin typeface="Helvetica" panose="020B0604020202020204" pitchFamily="34" charset="0"/>
+                <a:cs typeface="Helvetica" panose="020B0604020202020204" pitchFamily="34" charset="0"/>
+              </a:rPr>
               <a:t>Numbers</a:t>
             </a:r>
-            <a:endParaRPr lang="es-CO" dirty="0"/>
+            <a:endParaRPr lang="es-CO" dirty="0">
+              <a:latin typeface="Helvetica" panose="020B0604020202020204" pitchFamily="34" charset="0"/>
+              <a:cs typeface="Helvetica" panose="020B0604020202020204" pitchFamily="34" charset="0"/>
+            </a:endParaRPr>
           </a:p>
         </p:txBody>
       </p:sp>
@@ -20410,7 +21247,10 @@
           <a:lstStyle/>
           <a:p>
             <a:r>
-              <a:rPr lang="en-US" dirty="0"/>
+              <a:rPr lang="en-US" dirty="0">
+                <a:latin typeface="Helvetica" panose="020B0604020202020204" pitchFamily="34" charset="0"/>
+                <a:cs typeface="Helvetica" panose="020B0604020202020204" pitchFamily="34" charset="0"/>
+              </a:rPr>
               <a:t>Ruby includes support for rational and complex numbers</a:t>
             </a:r>
           </a:p>
@@ -20440,7 +21280,10 @@
           </a:p>
           <a:p>
             <a:r>
-              <a:rPr lang="en-US" dirty="0"/>
+              <a:rPr lang="en-US" dirty="0">
+                <a:latin typeface="Helvetica" panose="020B0604020202020204" pitchFamily="34" charset="0"/>
+                <a:cs typeface="Helvetica" panose="020B0604020202020204" pitchFamily="34" charset="0"/>
+              </a:rPr>
               <a:t>use the </a:t>
             </a:r>
             <a:r>
@@ -20451,11 +21294,16 @@
                     <a:lumOff val="40000"/>
                   </a:schemeClr>
                 </a:solidFill>
+                <a:latin typeface="Helvetica" panose="020B0604020202020204" pitchFamily="34" charset="0"/>
+                <a:cs typeface="Helvetica" panose="020B0604020202020204" pitchFamily="34" charset="0"/>
               </a:rPr>
               <a:t>Integer</a:t>
             </a:r>
             <a:r>
-              <a:rPr lang="en-US" dirty="0"/>
+              <a:rPr lang="en-US" dirty="0">
+                <a:latin typeface="Helvetica" panose="020B0604020202020204" pitchFamily="34" charset="0"/>
+                <a:cs typeface="Helvetica" panose="020B0604020202020204" pitchFamily="34" charset="0"/>
+              </a:rPr>
               <a:t> method to convert the </a:t>
             </a:r>
             <a:r>
@@ -20466,6 +21314,8 @@
                     <a:lumOff val="40000"/>
                   </a:schemeClr>
                 </a:solidFill>
+                <a:latin typeface="Helvetica" panose="020B0604020202020204" pitchFamily="34" charset="0"/>
+                <a:cs typeface="Helvetica" panose="020B0604020202020204" pitchFamily="34" charset="0"/>
               </a:rPr>
               <a:t>strings</a:t>
             </a:r>
@@ -20477,6 +21327,8 @@
                     <a:lumOff val="40000"/>
                   </a:schemeClr>
                 </a:solidFill>
+                <a:latin typeface="Helvetica" panose="020B0604020202020204" pitchFamily="34" charset="0"/>
+                <a:cs typeface="Helvetica" panose="020B0604020202020204" pitchFamily="34" charset="0"/>
               </a:rPr>
               <a:t> </a:t>
             </a:r>
@@ -20488,6 +21340,8 @@
                     <a:lumOff val="40000"/>
                   </a:schemeClr>
                 </a:solidFill>
+                <a:latin typeface="Helvetica" panose="020B0604020202020204" pitchFamily="34" charset="0"/>
+                <a:cs typeface="Helvetica" panose="020B0604020202020204" pitchFamily="34" charset="0"/>
               </a:rPr>
               <a:t>to</a:t>
             </a:r>
@@ -20499,6 +21353,8 @@
                     <a:lumOff val="40000"/>
                   </a:schemeClr>
                 </a:solidFill>
+                <a:latin typeface="Helvetica" panose="020B0604020202020204" pitchFamily="34" charset="0"/>
+                <a:cs typeface="Helvetica" panose="020B0604020202020204" pitchFamily="34" charset="0"/>
               </a:rPr>
               <a:t> </a:t>
             </a:r>
@@ -20510,11 +21366,16 @@
                     <a:lumOff val="40000"/>
                   </a:schemeClr>
                 </a:solidFill>
+                <a:latin typeface="Helvetica" panose="020B0604020202020204" pitchFamily="34" charset="0"/>
+                <a:cs typeface="Helvetica" panose="020B0604020202020204" pitchFamily="34" charset="0"/>
               </a:rPr>
               <a:t>integers</a:t>
             </a:r>
             <a:r>
-              <a:rPr lang="es-CO" dirty="0"/>
+              <a:rPr lang="es-CO" dirty="0">
+                <a:latin typeface="Helvetica" panose="020B0604020202020204" pitchFamily="34" charset="0"/>
+                <a:cs typeface="Helvetica" panose="020B0604020202020204" pitchFamily="34" charset="0"/>
+              </a:rPr>
               <a:t>:</a:t>
             </a:r>
           </a:p>
@@ -20948,10 +21809,16 @@
           <a:lstStyle/>
           <a:p>
             <a:r>
-              <a:rPr lang="es-CO" dirty="0" err="1"/>
+              <a:rPr lang="es-CO" dirty="0" err="1">
+                <a:latin typeface="Helvetica" panose="020B0604020202020204" pitchFamily="34" charset="0"/>
+                <a:cs typeface="Helvetica" panose="020B0604020202020204" pitchFamily="34" charset="0"/>
+              </a:rPr>
               <a:t>Numbers</a:t>
             </a:r>
-            <a:endParaRPr lang="es-CO" dirty="0"/>
+            <a:endParaRPr lang="es-CO" dirty="0">
+              <a:latin typeface="Helvetica" panose="020B0604020202020204" pitchFamily="34" charset="0"/>
+              <a:cs typeface="Helvetica" panose="020B0604020202020204" pitchFamily="34" charset="0"/>
+            </a:endParaRPr>
           </a:p>
         </p:txBody>
       </p:sp>
@@ -20982,22 +21849,37 @@
           <a:lstStyle/>
           <a:p>
             <a:r>
-              <a:rPr lang="es-CO" dirty="0"/>
+              <a:rPr lang="es-CO" dirty="0">
+                <a:latin typeface="Helvetica" panose="020B0604020202020204" pitchFamily="34" charset="0"/>
+                <a:cs typeface="Helvetica" panose="020B0604020202020204" pitchFamily="34" charset="0"/>
+              </a:rPr>
               <a:t>Looping </a:t>
             </a:r>
             <a:r>
-              <a:rPr lang="es-CO" dirty="0" err="1"/>
+              <a:rPr lang="es-CO" dirty="0" err="1">
+                <a:latin typeface="Helvetica" panose="020B0604020202020204" pitchFamily="34" charset="0"/>
+                <a:cs typeface="Helvetica" panose="020B0604020202020204" pitchFamily="34" charset="0"/>
+              </a:rPr>
               <a:t>Using</a:t>
             </a:r>
             <a:r>
-              <a:rPr lang="es-CO" dirty="0"/>
+              <a:rPr lang="es-CO" dirty="0">
+                <a:latin typeface="Helvetica" panose="020B0604020202020204" pitchFamily="34" charset="0"/>
+                <a:cs typeface="Helvetica" panose="020B0604020202020204" pitchFamily="34" charset="0"/>
+              </a:rPr>
               <a:t> </a:t>
             </a:r>
             <a:r>
-              <a:rPr lang="es-CO" dirty="0" err="1"/>
+              <a:rPr lang="es-CO" dirty="0" err="1">
+                <a:latin typeface="Helvetica" panose="020B0604020202020204" pitchFamily="34" charset="0"/>
+                <a:cs typeface="Helvetica" panose="020B0604020202020204" pitchFamily="34" charset="0"/>
+              </a:rPr>
               <a:t>Numbers</a:t>
             </a:r>
-            <a:endParaRPr lang="es-CO" dirty="0"/>
+            <a:endParaRPr lang="es-CO" dirty="0">
+              <a:latin typeface="Helvetica" panose="020B0604020202020204" pitchFamily="34" charset="0"/>
+              <a:cs typeface="Helvetica" panose="020B0604020202020204" pitchFamily="34" charset="0"/>
+            </a:endParaRPr>
           </a:p>
           <a:p>
             <a:endParaRPr lang="es-CO" b="1" dirty="0"/>
@@ -21040,7 +21922,20 @@
                   </a:schemeClr>
                 </a:solidFill>
               </a:rPr>
-              <a:t>	As with other iterators, if you leave the block off, the call returns an 	Enumerator object:</a:t>
+              <a:t>	</a:t>
+            </a:r>
+            <a:r>
+              <a:rPr lang="en-US" sz="1600" dirty="0">
+                <a:solidFill>
+                  <a:schemeClr val="tx1">
+                    <a:lumMod val="75000"/>
+                    <a:lumOff val="25000"/>
+                  </a:schemeClr>
+                </a:solidFill>
+                <a:latin typeface="Helvetica" panose="020B0604020202020204" pitchFamily="34" charset="0"/>
+                <a:cs typeface="Helvetica" panose="020B0604020202020204" pitchFamily="34" charset="0"/>
+              </a:rPr>
+              <a:t>As with other iterators, if you leave the block off, the call returns an 	Enumerator object:</a:t>
             </a:r>
           </a:p>
           <a:p>
@@ -21755,10 +22650,16 @@
           <a:lstStyle/>
           <a:p>
             <a:r>
-              <a:rPr lang="es-CO" dirty="0" err="1"/>
+              <a:rPr lang="es-CO" dirty="0" err="1">
+                <a:latin typeface="Helvetica" panose="020B0604020202020204" pitchFamily="34" charset="0"/>
+                <a:cs typeface="Helvetica" panose="020B0604020202020204" pitchFamily="34" charset="0"/>
+              </a:rPr>
               <a:t>Strings</a:t>
             </a:r>
-            <a:endParaRPr lang="es-CO" dirty="0"/>
+            <a:endParaRPr lang="es-CO" dirty="0">
+              <a:latin typeface="Helvetica" panose="020B0604020202020204" pitchFamily="34" charset="0"/>
+              <a:cs typeface="Helvetica" panose="020B0604020202020204" pitchFamily="34" charset="0"/>
+            </a:endParaRPr>
           </a:p>
         </p:txBody>
       </p:sp>
@@ -22013,6 +22914,8 @@
                     <a:lumOff val="25000"/>
                   </a:schemeClr>
                 </a:solidFill>
+                <a:latin typeface="Helvetica" panose="020B0604020202020204" pitchFamily="34" charset="0"/>
+                <a:cs typeface="Helvetica" panose="020B0604020202020204" pitchFamily="34" charset="0"/>
               </a:rPr>
               <a:t>You have three more ways to construct string literals: %q, %Q, and here documents. %q and %Q start delimited single- and double-quoted strings (you can think of %q as a thin quote, as in ', and %Q as a thick quote, as in "):</a:t>
             </a:r>
@@ -22236,10 +23139,16 @@
           <a:lstStyle/>
           <a:p>
             <a:r>
-              <a:rPr lang="es-CO" dirty="0" err="1"/>
+              <a:rPr lang="es-CO" dirty="0" err="1">
+                <a:latin typeface="Helvetica" panose="020B0604020202020204" pitchFamily="34" charset="0"/>
+                <a:cs typeface="Helvetica" panose="020B0604020202020204" pitchFamily="34" charset="0"/>
+              </a:rPr>
               <a:t>Strings</a:t>
             </a:r>
-            <a:endParaRPr lang="es-CO" dirty="0"/>
+            <a:endParaRPr lang="es-CO" dirty="0">
+              <a:latin typeface="Helvetica" panose="020B0604020202020204" pitchFamily="34" charset="0"/>
+              <a:cs typeface="Helvetica" panose="020B0604020202020204" pitchFamily="34" charset="0"/>
+            </a:endParaRPr>
           </a:p>
         </p:txBody>
       </p:sp>
@@ -22615,7 +23524,7 @@
         <p:spPr>
           <a:xfrm>
             <a:off x="3817511" y="6233890"/>
-            <a:ext cx="5160387" cy="276999"/>
+            <a:ext cx="4594528" cy="276999"/>
           </a:xfrm>
           <a:prstGeom prst="rect">
             <a:avLst/>
@@ -22635,6 +23544,8 @@
                     <a:lumOff val="25000"/>
                   </a:schemeClr>
                 </a:solidFill>
+                <a:latin typeface="Helvetica" panose="020B0604020202020204" pitchFamily="34" charset="0"/>
+                <a:cs typeface="Helvetica" panose="020B0604020202020204" pitchFamily="34" charset="0"/>
               </a:rPr>
               <a:t>*"\n, </a:t>
             </a:r>
@@ -22646,6 +23557,8 @@
                     <a:lumOff val="25000"/>
                   </a:schemeClr>
                 </a:solidFill>
+                <a:latin typeface="Helvetica" panose="020B0604020202020204" pitchFamily="34" charset="0"/>
+                <a:cs typeface="Helvetica" panose="020B0604020202020204" pitchFamily="34" charset="0"/>
               </a:rPr>
               <a:t>File.open</a:t>
             </a:r>
@@ -22657,6 +23570,8 @@
                     <a:lumOff val="25000"/>
                   </a:schemeClr>
                 </a:solidFill>
+                <a:latin typeface="Helvetica" panose="020B0604020202020204" pitchFamily="34" charset="0"/>
+                <a:cs typeface="Helvetica" panose="020B0604020202020204" pitchFamily="34" charset="0"/>
               </a:rPr>
               <a:t>(), l</a:t>
             </a:r>
@@ -22668,6 +23583,8 @@
                     <a:lumOff val="25000"/>
                   </a:schemeClr>
                 </a:solidFill>
+                <a:latin typeface="Helvetica" panose="020B0604020202020204" pitchFamily="34" charset="0"/>
+                <a:cs typeface="Helvetica" panose="020B0604020202020204" pitchFamily="34" charset="0"/>
               </a:rPr>
               <a:t>ine.chomp.split</a:t>
             </a:r>
@@ -22679,6 +23596,8 @@
                     <a:lumOff val="25000"/>
                   </a:schemeClr>
                 </a:solidFill>
+                <a:latin typeface="Helvetica" panose="020B0604020202020204" pitchFamily="34" charset="0"/>
+                <a:cs typeface="Helvetica" panose="020B0604020202020204" pitchFamily="34" charset="0"/>
               </a:rPr>
               <a:t>(/\s*\|\s*/), </a:t>
             </a:r>
@@ -22690,6 +23609,8 @@
                     <a:lumOff val="25000"/>
                   </a:schemeClr>
                 </a:solidFill>
+                <a:latin typeface="Helvetica" panose="020B0604020202020204" pitchFamily="34" charset="0"/>
+                <a:cs typeface="Helvetica" panose="020B0604020202020204" pitchFamily="34" charset="0"/>
               </a:rPr>
               <a:t>name.squeeze</a:t>
             </a:r>
@@ -22701,6 +23622,8 @@
                     <a:lumOff val="25000"/>
                   </a:schemeClr>
                 </a:solidFill>
+                <a:latin typeface="Helvetica" panose="020B0604020202020204" pitchFamily="34" charset="0"/>
+                <a:cs typeface="Helvetica" panose="020B0604020202020204" pitchFamily="34" charset="0"/>
               </a:rPr>
               <a:t>!(" "),  "</a:t>
             </a:r>
@@ -22759,10 +23682,16 @@
           <a:lstStyle/>
           <a:p>
             <a:r>
-              <a:rPr lang="es-CO" dirty="0" err="1"/>
+              <a:rPr lang="es-CO" dirty="0" err="1">
+                <a:latin typeface="Helvetica" panose="020B0604020202020204" pitchFamily="34" charset="0"/>
+                <a:cs typeface="Helvetica" panose="020B0604020202020204" pitchFamily="34" charset="0"/>
+              </a:rPr>
               <a:t>Ranges</a:t>
             </a:r>
-            <a:endParaRPr lang="es-CO" dirty="0"/>
+            <a:endParaRPr lang="es-CO" dirty="0">
+              <a:latin typeface="Helvetica" panose="020B0604020202020204" pitchFamily="34" charset="0"/>
+              <a:cs typeface="Helvetica" panose="020B0604020202020204" pitchFamily="34" charset="0"/>
+            </a:endParaRPr>
           </a:p>
         </p:txBody>
       </p:sp>
@@ -22788,7 +23717,10 @@
           <a:lstStyle/>
           <a:p>
             <a:r>
-              <a:rPr lang="en-US" sz="1600" dirty="0"/>
+              <a:rPr lang="en-US" sz="1600" dirty="0">
+                <a:latin typeface="Helvetica" panose="020B0604020202020204" pitchFamily="34" charset="0"/>
+                <a:cs typeface="Helvetica" panose="020B0604020202020204" pitchFamily="34" charset="0"/>
+              </a:rPr>
               <a:t>sequences are created using the </a:t>
             </a:r>
             <a:r>
@@ -22799,11 +23731,16 @@
                     <a:lumOff val="40000"/>
                   </a:schemeClr>
                 </a:solidFill>
+                <a:latin typeface="Helvetica" panose="020B0604020202020204" pitchFamily="34" charset="0"/>
+                <a:cs typeface="Helvetica" panose="020B0604020202020204" pitchFamily="34" charset="0"/>
               </a:rPr>
               <a:t>..</a:t>
             </a:r>
             <a:r>
-              <a:rPr lang="en-US" sz="1600" dirty="0"/>
+              <a:rPr lang="en-US" sz="1600" dirty="0">
+                <a:latin typeface="Helvetica" panose="020B0604020202020204" pitchFamily="34" charset="0"/>
+                <a:cs typeface="Helvetica" panose="020B0604020202020204" pitchFamily="34" charset="0"/>
+              </a:rPr>
               <a:t> and </a:t>
             </a:r>
             <a:r>
@@ -22814,11 +23751,16 @@
                     <a:lumOff val="40000"/>
                   </a:schemeClr>
                 </a:solidFill>
+                <a:latin typeface="Helvetica" panose="020B0604020202020204" pitchFamily="34" charset="0"/>
+                <a:cs typeface="Helvetica" panose="020B0604020202020204" pitchFamily="34" charset="0"/>
               </a:rPr>
               <a:t>...</a:t>
             </a:r>
             <a:r>
-              <a:rPr lang="en-US" sz="1600" dirty="0"/>
+              <a:rPr lang="en-US" sz="1600" dirty="0">
+                <a:latin typeface="Helvetica" panose="020B0604020202020204" pitchFamily="34" charset="0"/>
+                <a:cs typeface="Helvetica" panose="020B0604020202020204" pitchFamily="34" charset="0"/>
+              </a:rPr>
               <a:t> range operators. The two-dot form creates an inclusive range, and the three-dot form creates a range that excludes the specified high value:</a:t>
             </a:r>
           </a:p>
@@ -22836,26 +23778,44 @@
           </a:p>
           <a:p>
             <a:r>
-              <a:rPr lang="en-US" sz="1600" dirty="0"/>
+              <a:rPr lang="en-US" sz="1600" dirty="0">
+                <a:latin typeface="Helvetica" panose="020B0604020202020204" pitchFamily="34" charset="0"/>
+                <a:cs typeface="Helvetica" panose="020B0604020202020204" pitchFamily="34" charset="0"/>
+              </a:rPr>
               <a:t>Ranges have methods that let you iterate over them and test their contents </a:t>
             </a:r>
             <a:r>
-              <a:rPr lang="en-US" dirty="0"/>
+              <a:rPr lang="en-US" dirty="0">
+                <a:latin typeface="Helvetica" panose="020B0604020202020204" pitchFamily="34" charset="0"/>
+                <a:cs typeface="Helvetica" panose="020B0604020202020204" pitchFamily="34" charset="0"/>
+              </a:rPr>
               <a:t>in a </a:t>
             </a:r>
             <a:r>
-              <a:rPr lang="en-US" sz="1600" dirty="0"/>
+              <a:rPr lang="en-US" sz="1600" dirty="0">
+                <a:latin typeface="Helvetica" panose="020B0604020202020204" pitchFamily="34" charset="0"/>
+                <a:cs typeface="Helvetica" panose="020B0604020202020204" pitchFamily="34" charset="0"/>
+              </a:rPr>
               <a:t>variety of </a:t>
             </a:r>
             <a:r>
-              <a:rPr lang="es-CO" sz="1600" dirty="0" err="1"/>
+              <a:rPr lang="es-CO" sz="1600" dirty="0" err="1">
+                <a:latin typeface="Helvetica" panose="020B0604020202020204" pitchFamily="34" charset="0"/>
+                <a:cs typeface="Helvetica" panose="020B0604020202020204" pitchFamily="34" charset="0"/>
+              </a:rPr>
               <a:t>ways</a:t>
             </a:r>
             <a:r>
-              <a:rPr lang="es-CO" sz="1600" dirty="0"/>
+              <a:rPr lang="es-CO" sz="1600" dirty="0">
+                <a:latin typeface="Helvetica" panose="020B0604020202020204" pitchFamily="34" charset="0"/>
+                <a:cs typeface="Helvetica" panose="020B0604020202020204" pitchFamily="34" charset="0"/>
+              </a:rPr>
               <a:t>:</a:t>
             </a:r>
-            <a:endParaRPr lang="es-CO" dirty="0"/>
+            <a:endParaRPr lang="es-CO" dirty="0">
+              <a:latin typeface="Helvetica" panose="020B0604020202020204" pitchFamily="34" charset="0"/>
+              <a:cs typeface="Helvetica" panose="020B0604020202020204" pitchFamily="34" charset="0"/>
+            </a:endParaRPr>
           </a:p>
         </p:txBody>
       </p:sp>
@@ -23516,10 +24476,16 @@
           <a:lstStyle/>
           <a:p>
             <a:r>
-              <a:rPr lang="es-CO" dirty="0" err="1"/>
+              <a:rPr lang="es-CO" dirty="0" err="1">
+                <a:latin typeface="Helvetica" panose="020B0604020202020204" pitchFamily="34" charset="0"/>
+                <a:cs typeface="Helvetica" panose="020B0604020202020204" pitchFamily="34" charset="0"/>
+              </a:rPr>
               <a:t>Ranges</a:t>
             </a:r>
-            <a:endParaRPr lang="es-CO" dirty="0"/>
+            <a:endParaRPr lang="es-CO" dirty="0">
+              <a:latin typeface="Helvetica" panose="020B0604020202020204" pitchFamily="34" charset="0"/>
+              <a:cs typeface="Helvetica" panose="020B0604020202020204" pitchFamily="34" charset="0"/>
+            </a:endParaRPr>
           </a:p>
         </p:txBody>
       </p:sp>
@@ -23545,7 +24511,10 @@
           <a:lstStyle/>
           <a:p>
             <a:r>
-              <a:rPr lang="es-CO" dirty="0"/>
+              <a:rPr lang="es-CO" dirty="0">
+                <a:latin typeface="Helvetica" panose="020B0604020202020204" pitchFamily="34" charset="0"/>
+                <a:cs typeface="Helvetica" panose="020B0604020202020204" pitchFamily="34" charset="0"/>
+              </a:rPr>
               <a:t>Ejemplo</a:t>
             </a:r>
           </a:p>
@@ -24120,14 +25089,23 @@
           <a:lstStyle/>
           <a:p>
             <a:r>
-              <a:rPr lang="es-CO" dirty="0"/>
+              <a:rPr lang="es-CO" dirty="0">
+                <a:latin typeface="Helvetica" panose="020B0604020202020204" pitchFamily="34" charset="0"/>
+                <a:cs typeface="Helvetica" panose="020B0604020202020204" pitchFamily="34" charset="0"/>
+              </a:rPr>
               <a:t>Regular </a:t>
             </a:r>
             <a:r>
-              <a:rPr lang="es-CO" dirty="0" err="1"/>
+              <a:rPr lang="es-CO" dirty="0" err="1">
+                <a:latin typeface="Helvetica" panose="020B0604020202020204" pitchFamily="34" charset="0"/>
+                <a:cs typeface="Helvetica" panose="020B0604020202020204" pitchFamily="34" charset="0"/>
+              </a:rPr>
               <a:t>Expressions</a:t>
             </a:r>
-            <a:endParaRPr lang="es-CO" dirty="0"/>
+            <a:endParaRPr lang="es-CO" dirty="0">
+              <a:latin typeface="Helvetica" panose="020B0604020202020204" pitchFamily="34" charset="0"/>
+              <a:cs typeface="Helvetica" panose="020B0604020202020204" pitchFamily="34" charset="0"/>
+            </a:endParaRPr>
           </a:p>
         </p:txBody>
       </p:sp>
@@ -24155,19 +25133,28 @@
           <a:lstStyle/>
           <a:p>
             <a:r>
-              <a:rPr lang="en-US" dirty="0"/>
+              <a:rPr lang="en-US" dirty="0">
+                <a:latin typeface="Helvetica" panose="020B0604020202020204" pitchFamily="34" charset="0"/>
+                <a:cs typeface="Helvetica" panose="020B0604020202020204" pitchFamily="34" charset="0"/>
+              </a:rPr>
               <a:t>You can test a string to see whether it matches a pattern.</a:t>
             </a:r>
           </a:p>
           <a:p>
             <a:r>
-              <a:rPr lang="en-US" dirty="0"/>
+              <a:rPr lang="en-US" dirty="0">
+                <a:latin typeface="Helvetica" panose="020B0604020202020204" pitchFamily="34" charset="0"/>
+                <a:cs typeface="Helvetica" panose="020B0604020202020204" pitchFamily="34" charset="0"/>
+              </a:rPr>
               <a:t>You can extract from a string the sections that match all or part of a pattern.</a:t>
             </a:r>
           </a:p>
           <a:p>
             <a:r>
-              <a:rPr lang="en-US" dirty="0"/>
+              <a:rPr lang="en-US" dirty="0">
+                <a:latin typeface="Helvetica" panose="020B0604020202020204" pitchFamily="34" charset="0"/>
+                <a:cs typeface="Helvetica" panose="020B0604020202020204" pitchFamily="34" charset="0"/>
+              </a:rPr>
               <a:t>You can change the string, replacing parts that match a pattern.</a:t>
             </a:r>
           </a:p>
@@ -24176,7 +25163,10 @@
               <a:buNone/>
             </a:pPr>
             <a:r>
-              <a:rPr lang="en-US" dirty="0"/>
+              <a:rPr lang="en-US" dirty="0">
+                <a:latin typeface="Helvetica" panose="020B0604020202020204" pitchFamily="34" charset="0"/>
+                <a:cs typeface="Helvetica" panose="020B0604020202020204" pitchFamily="34" charset="0"/>
+              </a:rPr>
               <a:t>Ruby provides built-in support that makes pattern matching and substitution convenient and concise. </a:t>
             </a:r>
           </a:p>
@@ -24189,12 +25179,16 @@
                 <a:solidFill>
                   <a:srgbClr val="000000"/>
                 </a:solidFill>
-                <a:latin typeface="DejaVuSansMono"/>
+                <a:latin typeface="Helvetica" panose="020B0604020202020204" pitchFamily="34" charset="0"/>
+                <a:cs typeface="Helvetica" panose="020B0604020202020204" pitchFamily="34" charset="0"/>
               </a:rPr>
               <a:t>	</a:t>
             </a:r>
             <a:r>
-              <a:rPr lang="en-US" dirty="0"/>
+              <a:rPr lang="en-US" dirty="0">
+                <a:latin typeface="Helvetica" panose="020B0604020202020204" pitchFamily="34" charset="0"/>
+                <a:cs typeface="Helvetica" panose="020B0604020202020204" pitchFamily="34" charset="0"/>
+              </a:rPr>
               <a:t>Class</a:t>
             </a:r>
             <a:r>
@@ -24202,7 +25196,8 @@
                 <a:solidFill>
                   <a:srgbClr val="000000"/>
                 </a:solidFill>
-                <a:latin typeface="DejaVuSansMono"/>
+                <a:latin typeface="Helvetica" panose="020B0604020202020204" pitchFamily="34" charset="0"/>
+                <a:cs typeface="Helvetica" panose="020B0604020202020204" pitchFamily="34" charset="0"/>
               </a:rPr>
               <a:t> </a:t>
             </a:r>
@@ -24211,7 +25206,8 @@
                 <a:solidFill>
                   <a:srgbClr val="000000"/>
                 </a:solidFill>
-                <a:latin typeface="DejaVuSansMono"/>
+                <a:latin typeface="Helvetica" panose="020B0604020202020204" pitchFamily="34" charset="0"/>
+                <a:cs typeface="Helvetica" panose="020B0604020202020204" pitchFamily="34" charset="0"/>
               </a:rPr>
               <a:t>Regexp.new</a:t>
             </a:r>
@@ -24220,7 +25216,8 @@
                 <a:solidFill>
                   <a:srgbClr val="000000"/>
                 </a:solidFill>
-                <a:latin typeface="DejaVuSansMono"/>
+                <a:latin typeface="Helvetica" panose="020B0604020202020204" pitchFamily="34" charset="0"/>
+                <a:cs typeface="Helvetica" panose="020B0604020202020204" pitchFamily="34" charset="0"/>
               </a:rPr>
               <a:t>(</a:t>
             </a:r>
@@ -24229,7 +25226,8 @@
                 <a:solidFill>
                   <a:srgbClr val="191191"/>
                 </a:solidFill>
-                <a:latin typeface="DejaVuSansMono-Oblique"/>
+                <a:latin typeface="Helvetica" panose="020B0604020202020204" pitchFamily="34" charset="0"/>
+                <a:cs typeface="Helvetica" panose="020B0604020202020204" pitchFamily="34" charset="0"/>
               </a:rPr>
               <a:t>""</a:t>
             </a:r>
@@ -24238,11 +25236,15 @@
                 <a:solidFill>
                   <a:srgbClr val="000000"/>
                 </a:solidFill>
-                <a:latin typeface="DejaVuSansMono"/>
+                <a:latin typeface="Helvetica" panose="020B0604020202020204" pitchFamily="34" charset="0"/>
+                <a:cs typeface="Helvetica" panose="020B0604020202020204" pitchFamily="34" charset="0"/>
               </a:rPr>
               <a:t>)</a:t>
             </a:r>
-            <a:endParaRPr lang="es-CO" sz="4400" dirty="0"/>
+            <a:endParaRPr lang="es-CO" sz="4400" dirty="0">
+              <a:latin typeface="Helvetica" panose="020B0604020202020204" pitchFamily="34" charset="0"/>
+              <a:cs typeface="Helvetica" panose="020B0604020202020204" pitchFamily="34" charset="0"/>
+            </a:endParaRPr>
           </a:p>
         </p:txBody>
       </p:sp>
@@ -24298,10 +25300,16 @@
           <a:lstStyle/>
           <a:p>
             <a:r>
-              <a:rPr lang="es-CO" dirty="0" err="1"/>
+              <a:rPr lang="es-CO" dirty="0" err="1">
+                <a:latin typeface="Helvetica" panose="020B0604020202020204" pitchFamily="34" charset="0"/>
+                <a:cs typeface="Helvetica" panose="020B0604020202020204" pitchFamily="34" charset="0"/>
+              </a:rPr>
               <a:t>Methods</a:t>
             </a:r>
-            <a:endParaRPr lang="es-CO" dirty="0"/>
+            <a:endParaRPr lang="es-CO" dirty="0">
+              <a:latin typeface="Helvetica" panose="020B0604020202020204" pitchFamily="34" charset="0"/>
+              <a:cs typeface="Helvetica" panose="020B0604020202020204" pitchFamily="34" charset="0"/>
+            </a:endParaRPr>
           </a:p>
         </p:txBody>
       </p:sp>
@@ -24327,7 +25335,10 @@
           <a:lstStyle/>
           <a:p>
             <a:r>
-              <a:rPr lang="en-US" dirty="0"/>
+              <a:rPr lang="en-US" dirty="0">
+                <a:latin typeface="Helvetica" panose="020B0604020202020204" pitchFamily="34" charset="0"/>
+                <a:cs typeface="Helvetica" panose="020B0604020202020204" pitchFamily="34" charset="0"/>
+              </a:rPr>
               <a:t>As we’ve seen, a method is defined using the keyword </a:t>
             </a:r>
             <a:r>
@@ -24338,19 +25349,30 @@
                     <a:lumOff val="40000"/>
                   </a:schemeClr>
                 </a:solidFill>
+                <a:latin typeface="Helvetica" panose="020B0604020202020204" pitchFamily="34" charset="0"/>
+                <a:cs typeface="Helvetica" panose="020B0604020202020204" pitchFamily="34" charset="0"/>
               </a:rPr>
               <a:t>def</a:t>
             </a:r>
             <a:r>
-              <a:rPr lang="en-US" dirty="0"/>
+              <a:rPr lang="en-US" dirty="0">
+                <a:latin typeface="Helvetica" panose="020B0604020202020204" pitchFamily="34" charset="0"/>
+                <a:cs typeface="Helvetica" panose="020B0604020202020204" pitchFamily="34" charset="0"/>
+              </a:rPr>
               <a:t>. Method names should begin with a lowercase letter or </a:t>
             </a:r>
             <a:r>
-              <a:rPr lang="en-US" dirty="0" err="1"/>
+              <a:rPr lang="en-US" dirty="0" err="1">
+                <a:latin typeface="Helvetica" panose="020B0604020202020204" pitchFamily="34" charset="0"/>
+                <a:cs typeface="Helvetica" panose="020B0604020202020204" pitchFamily="34" charset="0"/>
+              </a:rPr>
               <a:t>underscore,followed</a:t>
             </a:r>
             <a:r>
-              <a:rPr lang="en-US" dirty="0"/>
+              <a:rPr lang="en-US" dirty="0">
+                <a:latin typeface="Helvetica" panose="020B0604020202020204" pitchFamily="34" charset="0"/>
+                <a:cs typeface="Helvetica" panose="020B0604020202020204" pitchFamily="34" charset="0"/>
+              </a:rPr>
               <a:t> by letters, digits, and underscores.</a:t>
             </a:r>
           </a:p>
@@ -25042,7 +26064,7 @@
         <p:spPr>
           <a:xfrm>
             <a:off x="5342599" y="6049224"/>
-            <a:ext cx="1010213" cy="276999"/>
+            <a:ext cx="946093" cy="276999"/>
           </a:xfrm>
           <a:prstGeom prst="rect">
             <a:avLst/>
@@ -25062,6 +26084,8 @@
                     <a:lumOff val="25000"/>
                   </a:schemeClr>
                 </a:solidFill>
+                <a:latin typeface="Helvetica" panose="020B0604020202020204" pitchFamily="34" charset="0"/>
+                <a:cs typeface="Helvetica" panose="020B0604020202020204" pitchFamily="34" charset="0"/>
               </a:rPr>
               <a:t>*</a:t>
             </a:r>
@@ -25073,6 +26097,8 @@
                     <a:lumOff val="25000"/>
                   </a:schemeClr>
                 </a:solidFill>
+                <a:latin typeface="Helvetica" panose="020B0604020202020204" pitchFamily="34" charset="0"/>
+                <a:cs typeface="Helvetica" panose="020B0604020202020204" pitchFamily="34" charset="0"/>
               </a:rPr>
               <a:t>ticket.sort</a:t>
             </a:r>
@@ -25084,6 +26110,8 @@
                     <a:lumOff val="25000"/>
                   </a:schemeClr>
                 </a:solidFill>
+                <a:latin typeface="Helvetica" panose="020B0604020202020204" pitchFamily="34" charset="0"/>
+                <a:cs typeface="Helvetica" panose="020B0604020202020204" pitchFamily="34" charset="0"/>
               </a:rPr>
               <a:t>!</a:t>
             </a:r>
@@ -25142,19 +26170,31 @@
           <a:lstStyle/>
           <a:p>
             <a:r>
-              <a:rPr lang="es-CO" dirty="0" err="1"/>
+              <a:rPr lang="es-CO" dirty="0" err="1">
+                <a:latin typeface="Helvetica" panose="020B0604020202020204" pitchFamily="34" charset="0"/>
+                <a:cs typeface="Helvetica" panose="020B0604020202020204" pitchFamily="34" charset="0"/>
+              </a:rPr>
               <a:t>Classes</a:t>
             </a:r>
             <a:r>
-              <a:rPr lang="es-CO" dirty="0"/>
+              <a:rPr lang="es-CO" dirty="0">
+                <a:latin typeface="Helvetica" panose="020B0604020202020204" pitchFamily="34" charset="0"/>
+                <a:cs typeface="Helvetica" panose="020B0604020202020204" pitchFamily="34" charset="0"/>
+              </a:rPr>
               <a:t>, </a:t>
             </a:r>
             <a:r>
-              <a:rPr lang="es-CO" dirty="0" err="1"/>
+              <a:rPr lang="es-CO" dirty="0" err="1">
+                <a:latin typeface="Helvetica" panose="020B0604020202020204" pitchFamily="34" charset="0"/>
+                <a:cs typeface="Helvetica" panose="020B0604020202020204" pitchFamily="34" charset="0"/>
+              </a:rPr>
               <a:t>Objects</a:t>
             </a:r>
             <a:r>
-              <a:rPr lang="es-CO" dirty="0"/>
+              <a:rPr lang="es-CO" dirty="0">
+                <a:latin typeface="Helvetica" panose="020B0604020202020204" pitchFamily="34" charset="0"/>
+                <a:cs typeface="Helvetica" panose="020B0604020202020204" pitchFamily="34" charset="0"/>
+              </a:rPr>
               <a:t>, and Variables</a:t>
             </a:r>
           </a:p>
@@ -25192,6 +26232,7 @@
                   <a:srgbClr val="91117D"/>
                 </a:solidFill>
                 <a:latin typeface="DejaVuSansMono-Bold"/>
+                <a:cs typeface="Helvetica" panose="020B0604020202020204" pitchFamily="34" charset="0"/>
               </a:rPr>
               <a:t>class</a:t>
             </a:r>
@@ -25201,6 +26242,7 @@
                   <a:srgbClr val="91117D"/>
                 </a:solidFill>
                 <a:latin typeface="DejaVuSansMono-Bold"/>
+                <a:cs typeface="Helvetica" panose="020B0604020202020204" pitchFamily="34" charset="0"/>
               </a:rPr>
               <a:t> </a:t>
             </a:r>
@@ -25209,7 +26251,8 @@
                 <a:solidFill>
                   <a:srgbClr val="000000"/>
                 </a:solidFill>
-                <a:latin typeface="DejaVuSansMono"/>
+                <a:latin typeface="DejaVuSansMono-Bold"/>
+                <a:cs typeface="Helvetica" panose="020B0604020202020204" pitchFamily="34" charset="0"/>
               </a:rPr>
               <a:t>BookInStock</a:t>
             </a:r>
@@ -25217,7 +26260,8 @@
               <a:solidFill>
                 <a:srgbClr val="000000"/>
               </a:solidFill>
-              <a:latin typeface="DejaVuSansMono"/>
+              <a:latin typeface="DejaVuSansMono-Bold"/>
+              <a:cs typeface="Helvetica" panose="020B0604020202020204" pitchFamily="34" charset="0"/>
             </a:endParaRPr>
           </a:p>
           <a:p>
@@ -25230,6 +26274,7 @@
                   <a:srgbClr val="91117D"/>
                 </a:solidFill>
                 <a:latin typeface="DejaVuSansMono-Bold"/>
+                <a:cs typeface="Helvetica" panose="020B0604020202020204" pitchFamily="34" charset="0"/>
               </a:rPr>
               <a:t>def</a:t>
             </a:r>
@@ -25239,6 +26284,7 @@
                   <a:srgbClr val="91117D"/>
                 </a:solidFill>
                 <a:latin typeface="DejaVuSansMono-Bold"/>
+                <a:cs typeface="Helvetica" panose="020B0604020202020204" pitchFamily="34" charset="0"/>
               </a:rPr>
               <a:t> </a:t>
             </a:r>
@@ -25250,7 +26296,8 @@
                 <a:highlight>
                   <a:srgbClr val="FFFF00"/>
                 </a:highlight>
-                <a:latin typeface="DejaVuSansMono"/>
+                <a:latin typeface="DejaVuSansMono-Bold"/>
+                <a:cs typeface="Helvetica" panose="020B0604020202020204" pitchFamily="34" charset="0"/>
               </a:rPr>
               <a:t>initialize</a:t>
             </a:r>
@@ -25259,7 +26306,8 @@
                 <a:solidFill>
                   <a:srgbClr val="000000"/>
                 </a:solidFill>
-                <a:latin typeface="DejaVuSansMono"/>
+                <a:latin typeface="DejaVuSansMono-Bold"/>
+                <a:cs typeface="Helvetica" panose="020B0604020202020204" pitchFamily="34" charset="0"/>
               </a:rPr>
               <a:t>(</a:t>
             </a:r>
@@ -25268,7 +26316,8 @@
                 <a:solidFill>
                   <a:srgbClr val="000000"/>
                 </a:solidFill>
-                <a:latin typeface="DejaVuSansMono"/>
+                <a:latin typeface="DejaVuSansMono-Bold"/>
+                <a:cs typeface="Helvetica" panose="020B0604020202020204" pitchFamily="34" charset="0"/>
               </a:rPr>
               <a:t>isbn</a:t>
             </a:r>
@@ -25277,7 +26326,8 @@
                 <a:solidFill>
                   <a:srgbClr val="000000"/>
                 </a:solidFill>
-                <a:latin typeface="DejaVuSansMono"/>
+                <a:latin typeface="DejaVuSansMono-Bold"/>
+                <a:cs typeface="Helvetica" panose="020B0604020202020204" pitchFamily="34" charset="0"/>
               </a:rPr>
               <a:t>, </a:t>
             </a:r>
@@ -25286,7 +26336,8 @@
                 <a:solidFill>
                   <a:srgbClr val="000000"/>
                 </a:solidFill>
-                <a:latin typeface="DejaVuSansMono"/>
+                <a:latin typeface="DejaVuSansMono-Bold"/>
+                <a:cs typeface="Helvetica" panose="020B0604020202020204" pitchFamily="34" charset="0"/>
               </a:rPr>
               <a:t>price</a:t>
             </a:r>
@@ -25295,7 +26346,8 @@
                 <a:solidFill>
                   <a:srgbClr val="000000"/>
                 </a:solidFill>
-                <a:latin typeface="DejaVuSansMono"/>
+                <a:latin typeface="DejaVuSansMono-Bold"/>
+                <a:cs typeface="Helvetica" panose="020B0604020202020204" pitchFamily="34" charset="0"/>
               </a:rPr>
               <a:t>)</a:t>
             </a:r>
@@ -25309,7 +26361,8 @@
                 <a:solidFill>
                   <a:srgbClr val="000000"/>
                 </a:solidFill>
-                <a:latin typeface="DejaVuSansMono"/>
+                <a:latin typeface="DejaVuSansMono-Bold"/>
+                <a:cs typeface="Helvetica" panose="020B0604020202020204" pitchFamily="34" charset="0"/>
               </a:rPr>
               <a:t>@</a:t>
             </a:r>
@@ -25318,7 +26371,8 @@
                 <a:solidFill>
                   <a:srgbClr val="000000"/>
                 </a:solidFill>
-                <a:latin typeface="DejaVuSansMono"/>
+                <a:latin typeface="DejaVuSansMono-Bold"/>
+                <a:cs typeface="Helvetica" panose="020B0604020202020204" pitchFamily="34" charset="0"/>
               </a:rPr>
               <a:t>isbn</a:t>
             </a:r>
@@ -25327,7 +26381,8 @@
                 <a:solidFill>
                   <a:srgbClr val="000000"/>
                 </a:solidFill>
-                <a:latin typeface="DejaVuSansMono"/>
+                <a:latin typeface="DejaVuSansMono-Bold"/>
+                <a:cs typeface="Helvetica" panose="020B0604020202020204" pitchFamily="34" charset="0"/>
               </a:rPr>
               <a:t> = </a:t>
             </a:r>
@@ -25336,7 +26391,8 @@
                 <a:solidFill>
                   <a:srgbClr val="000000"/>
                 </a:solidFill>
-                <a:latin typeface="DejaVuSansMono"/>
+                <a:latin typeface="DejaVuSansMono-Bold"/>
+                <a:cs typeface="Helvetica" panose="020B0604020202020204" pitchFamily="34" charset="0"/>
               </a:rPr>
               <a:t>isbn</a:t>
             </a:r>
@@ -25344,7 +26400,8 @@
               <a:solidFill>
                 <a:srgbClr val="000000"/>
               </a:solidFill>
-              <a:latin typeface="DejaVuSansMono"/>
+              <a:latin typeface="DejaVuSansMono-Bold"/>
+              <a:cs typeface="Helvetica" panose="020B0604020202020204" pitchFamily="34" charset="0"/>
             </a:endParaRPr>
           </a:p>
           <a:p>
@@ -25356,7 +26413,8 @@
                 <a:solidFill>
                   <a:srgbClr val="000000"/>
                 </a:solidFill>
-                <a:latin typeface="DejaVuSansMono"/>
+                <a:latin typeface="DejaVuSansMono-Bold"/>
+                <a:cs typeface="Helvetica" panose="020B0604020202020204" pitchFamily="34" charset="0"/>
               </a:rPr>
               <a:t>@</a:t>
             </a:r>
@@ -25365,7 +26423,8 @@
                 <a:solidFill>
                   <a:srgbClr val="000000"/>
                 </a:solidFill>
-                <a:latin typeface="DejaVuSansMono"/>
+                <a:latin typeface="DejaVuSansMono-Bold"/>
+                <a:cs typeface="Helvetica" panose="020B0604020202020204" pitchFamily="34" charset="0"/>
               </a:rPr>
               <a:t>price</a:t>
             </a:r>
@@ -25374,7 +26433,8 @@
                 <a:solidFill>
                   <a:srgbClr val="000000"/>
                 </a:solidFill>
-                <a:latin typeface="DejaVuSansMono"/>
+                <a:latin typeface="DejaVuSansMono-Bold"/>
+                <a:cs typeface="Helvetica" panose="020B0604020202020204" pitchFamily="34" charset="0"/>
               </a:rPr>
               <a:t> = </a:t>
             </a:r>
@@ -25383,7 +26443,8 @@
                 <a:solidFill>
                   <a:srgbClr val="000000"/>
                 </a:solidFill>
-                <a:latin typeface="DejaVuSansMono"/>
+                <a:latin typeface="DejaVuSansMono-Bold"/>
+                <a:cs typeface="Helvetica" panose="020B0604020202020204" pitchFamily="34" charset="0"/>
               </a:rPr>
               <a:t>Float</a:t>
             </a:r>
@@ -25392,7 +26453,8 @@
                 <a:solidFill>
                   <a:srgbClr val="000000"/>
                 </a:solidFill>
-                <a:latin typeface="DejaVuSansMono"/>
+                <a:latin typeface="DejaVuSansMono-Bold"/>
+                <a:cs typeface="Helvetica" panose="020B0604020202020204" pitchFamily="34" charset="0"/>
               </a:rPr>
               <a:t>(</a:t>
             </a:r>
@@ -25401,7 +26463,8 @@
                 <a:solidFill>
                   <a:srgbClr val="000000"/>
                 </a:solidFill>
-                <a:latin typeface="DejaVuSansMono"/>
+                <a:latin typeface="DejaVuSansMono-Bold"/>
+                <a:cs typeface="Helvetica" panose="020B0604020202020204" pitchFamily="34" charset="0"/>
               </a:rPr>
               <a:t>price</a:t>
             </a:r>
@@ -25410,7 +26473,8 @@
                 <a:solidFill>
                   <a:srgbClr val="000000"/>
                 </a:solidFill>
-                <a:latin typeface="DejaVuSansMono"/>
+                <a:latin typeface="DejaVuSansMono-Bold"/>
+                <a:cs typeface="Helvetica" panose="020B0604020202020204" pitchFamily="34" charset="0"/>
               </a:rPr>
               <a:t>)</a:t>
             </a:r>
@@ -25425,6 +26489,7 @@
                   <a:srgbClr val="91117D"/>
                 </a:solidFill>
                 <a:latin typeface="DejaVuSansMono-Bold"/>
+                <a:cs typeface="Helvetica" panose="020B0604020202020204" pitchFamily="34" charset="0"/>
               </a:rPr>
               <a:t>end</a:t>
             </a:r>
@@ -25433,6 +26498,7 @@
                 <a:srgbClr val="91117D"/>
               </a:solidFill>
               <a:latin typeface="DejaVuSansMono-Bold"/>
+              <a:cs typeface="Helvetica" panose="020B0604020202020204" pitchFamily="34" charset="0"/>
             </a:endParaRPr>
           </a:p>
           <a:p>
@@ -25445,19 +26511,24 @@
                   <a:srgbClr val="91117D"/>
                 </a:solidFill>
                 <a:latin typeface="DejaVuSansMono-Bold"/>
-              </a:rPr>
-              <a:t>End</a:t>
+                <a:cs typeface="Helvetica" panose="020B0604020202020204" pitchFamily="34" charset="0"/>
+              </a:rPr>
+              <a:t>end</a:t>
             </a:r>
             <a:endParaRPr lang="es-CO" b="1" dirty="0">
               <a:solidFill>
                 <a:srgbClr val="91117D"/>
               </a:solidFill>
               <a:latin typeface="DejaVuSansMono-Bold"/>
+              <a:cs typeface="Helvetica" panose="020B0604020202020204" pitchFamily="34" charset="0"/>
             </a:endParaRPr>
           </a:p>
           <a:p>
             <a:r>
-              <a:rPr lang="en-US" dirty="0"/>
+              <a:rPr lang="en-US" dirty="0">
+                <a:latin typeface="Helvetica" panose="020B0604020202020204" pitchFamily="34" charset="0"/>
+                <a:cs typeface="Helvetica" panose="020B0604020202020204" pitchFamily="34" charset="0"/>
+              </a:rPr>
               <a:t>initialize is a special method in Ruby programs. When you call </a:t>
             </a:r>
             <a:r>
@@ -25468,6 +26539,8 @@
                     <a:lumOff val="40000"/>
                   </a:schemeClr>
                 </a:solidFill>
+                <a:latin typeface="Helvetica" panose="020B0604020202020204" pitchFamily="34" charset="0"/>
+                <a:cs typeface="Helvetica" panose="020B0604020202020204" pitchFamily="34" charset="0"/>
               </a:rPr>
               <a:t>BookInStock.new</a:t>
             </a:r>
@@ -25479,45 +26552,74 @@
                     <a:lumOff val="40000"/>
                   </a:schemeClr>
                 </a:solidFill>
+                <a:latin typeface="Helvetica" panose="020B0604020202020204" pitchFamily="34" charset="0"/>
+                <a:cs typeface="Helvetica" panose="020B0604020202020204" pitchFamily="34" charset="0"/>
               </a:rPr>
               <a:t> </a:t>
             </a:r>
             <a:r>
-              <a:rPr lang="en-US" dirty="0"/>
+              <a:rPr lang="en-US" dirty="0">
+                <a:latin typeface="Helvetica" panose="020B0604020202020204" pitchFamily="34" charset="0"/>
+                <a:cs typeface="Helvetica" panose="020B0604020202020204" pitchFamily="34" charset="0"/>
+              </a:rPr>
               <a:t>to create a </a:t>
             </a:r>
             <a:r>
-              <a:rPr lang="en-US" dirty="0" err="1"/>
+              <a:rPr lang="en-US" dirty="0" err="1">
+                <a:latin typeface="Helvetica" panose="020B0604020202020204" pitchFamily="34" charset="0"/>
+                <a:cs typeface="Helvetica" panose="020B0604020202020204" pitchFamily="34" charset="0"/>
+              </a:rPr>
               <a:t>newobject</a:t>
             </a:r>
             <a:r>
-              <a:rPr lang="en-US" dirty="0"/>
+              <a:rPr lang="en-US" dirty="0">
+                <a:latin typeface="Helvetica" panose="020B0604020202020204" pitchFamily="34" charset="0"/>
+                <a:cs typeface="Helvetica" panose="020B0604020202020204" pitchFamily="34" charset="0"/>
+              </a:rPr>
               <a:t>, Ruby allocates some memory to hold an uninitialized object and then calls that object’s </a:t>
             </a:r>
             <a:r>
-              <a:rPr lang="es-CO" dirty="0" err="1"/>
+              <a:rPr lang="es-CO" dirty="0" err="1">
+                <a:latin typeface="Helvetica" panose="020B0604020202020204" pitchFamily="34" charset="0"/>
+                <a:cs typeface="Helvetica" panose="020B0604020202020204" pitchFamily="34" charset="0"/>
+              </a:rPr>
               <a:t>initialize</a:t>
             </a:r>
             <a:r>
-              <a:rPr lang="es-CO" dirty="0"/>
+              <a:rPr lang="es-CO" dirty="0">
+                <a:latin typeface="Helvetica" panose="020B0604020202020204" pitchFamily="34" charset="0"/>
+                <a:cs typeface="Helvetica" panose="020B0604020202020204" pitchFamily="34" charset="0"/>
+              </a:rPr>
               <a:t> </a:t>
             </a:r>
             <a:r>
-              <a:rPr lang="es-CO" dirty="0" err="1"/>
+              <a:rPr lang="es-CO" dirty="0" err="1">
+                <a:latin typeface="Helvetica" panose="020B0604020202020204" pitchFamily="34" charset="0"/>
+                <a:cs typeface="Helvetica" panose="020B0604020202020204" pitchFamily="34" charset="0"/>
+              </a:rPr>
               <a:t>method</a:t>
             </a:r>
-            <a:endParaRPr lang="es-CO" dirty="0"/>
+            <a:endParaRPr lang="es-CO" dirty="0">
+              <a:latin typeface="Helvetica" panose="020B0604020202020204" pitchFamily="34" charset="0"/>
+              <a:cs typeface="Helvetica" panose="020B0604020202020204" pitchFamily="34" charset="0"/>
+            </a:endParaRPr>
           </a:p>
           <a:p>
             <a:pPr marL="0" indent="0">
               <a:buNone/>
             </a:pPr>
             <a:r>
-              <a:rPr lang="en-US" dirty="0" err="1"/>
+              <a:rPr lang="en-US" dirty="0" err="1">
+                <a:latin typeface="DejaVuSansMono-Bold"/>
+                <a:cs typeface="Helvetica" panose="020B0604020202020204" pitchFamily="34" charset="0"/>
+              </a:rPr>
               <a:t>b1</a:t>
             </a:r>
             <a:r>
-              <a:rPr lang="en-US" dirty="0"/>
+              <a:rPr lang="en-US" dirty="0">
+                <a:latin typeface="DejaVuSansMono-Bold"/>
+                <a:cs typeface="Helvetica" panose="020B0604020202020204" pitchFamily="34" charset="0"/>
+              </a:rPr>
               <a:t> = </a:t>
             </a:r>
             <a:r>
@@ -25528,30 +26630,50 @@
                     <a:lumOff val="40000"/>
                   </a:schemeClr>
                 </a:solidFill>
+                <a:latin typeface="DejaVuSansMono-Bold"/>
+                <a:cs typeface="Helvetica" panose="020B0604020202020204" pitchFamily="34" charset="0"/>
               </a:rPr>
               <a:t>BookInStock.new</a:t>
             </a:r>
             <a:r>
-              <a:rPr lang="en-US" dirty="0"/>
+              <a:rPr lang="en-US" dirty="0">
+                <a:latin typeface="DejaVuSansMono-Bold"/>
+                <a:cs typeface="Helvetica" panose="020B0604020202020204" pitchFamily="34" charset="0"/>
+              </a:rPr>
               <a:t>(</a:t>
             </a:r>
             <a:r>
-              <a:rPr lang="en-US" i="1" dirty="0"/>
+              <a:rPr lang="en-US" i="1" dirty="0">
+                <a:latin typeface="DejaVuSansMono-Bold"/>
+                <a:cs typeface="Helvetica" panose="020B0604020202020204" pitchFamily="34" charset="0"/>
+              </a:rPr>
               <a:t>"</a:t>
             </a:r>
             <a:r>
-              <a:rPr lang="en-US" i="1" dirty="0" err="1"/>
+              <a:rPr lang="en-US" i="1" dirty="0" err="1">
+                <a:latin typeface="DejaVuSansMono-Bold"/>
+                <a:cs typeface="Helvetica" panose="020B0604020202020204" pitchFamily="34" charset="0"/>
+              </a:rPr>
               <a:t>isbn1</a:t>
             </a:r>
             <a:r>
-              <a:rPr lang="en-US" i="1" dirty="0"/>
+              <a:rPr lang="en-US" i="1" dirty="0">
+                <a:latin typeface="DejaVuSansMono-Bold"/>
+                <a:cs typeface="Helvetica" panose="020B0604020202020204" pitchFamily="34" charset="0"/>
+              </a:rPr>
               <a:t>"</a:t>
             </a:r>
             <a:r>
-              <a:rPr lang="en-US" dirty="0"/>
+              <a:rPr lang="en-US" dirty="0">
+                <a:latin typeface="DejaVuSansMono-Bold"/>
+                <a:cs typeface="Helvetica" panose="020B0604020202020204" pitchFamily="34" charset="0"/>
+              </a:rPr>
               <a:t>, 3)</a:t>
             </a:r>
-            <a:endParaRPr lang="es-CO" dirty="0"/>
+            <a:endParaRPr lang="es-CO" dirty="0">
+              <a:latin typeface="DejaVuSansMono-Bold"/>
+              <a:cs typeface="Helvetica" panose="020B0604020202020204" pitchFamily="34" charset="0"/>
+            </a:endParaRPr>
           </a:p>
         </p:txBody>
       </p:sp>
@@ -25607,10 +26729,16 @@
           <a:lstStyle/>
           <a:p>
             <a:r>
-              <a:rPr lang="es-CO" dirty="0" err="1"/>
+              <a:rPr lang="es-CO" dirty="0" err="1">
+                <a:latin typeface="Helvetica" panose="020B0604020202020204" pitchFamily="34" charset="0"/>
+                <a:cs typeface="Helvetica" panose="020B0604020202020204" pitchFamily="34" charset="0"/>
+              </a:rPr>
               <a:t>Methods</a:t>
             </a:r>
-            <a:endParaRPr lang="es-CO" dirty="0"/>
+            <a:endParaRPr lang="es-CO" dirty="0">
+              <a:latin typeface="Helvetica" panose="020B0604020202020204" pitchFamily="34" charset="0"/>
+              <a:cs typeface="Helvetica" panose="020B0604020202020204" pitchFamily="34" charset="0"/>
+            </a:endParaRPr>
           </a:p>
         </p:txBody>
       </p:sp>
@@ -25636,48 +26764,72 @@
           <a:lstStyle/>
           <a:p>
             <a:r>
-              <a:rPr lang="es-CO" b="1" dirty="0"/>
+              <a:rPr lang="es-CO" b="1" dirty="0">
+                <a:latin typeface="Helvetica" panose="020B0604020202020204" pitchFamily="34" charset="0"/>
+                <a:cs typeface="Helvetica" panose="020B0604020202020204" pitchFamily="34" charset="0"/>
+              </a:rPr>
               <a:t>Variable-</a:t>
             </a:r>
             <a:r>
-              <a:rPr lang="es-CO" b="1" dirty="0" err="1"/>
+              <a:rPr lang="es-CO" b="1" dirty="0" err="1">
+                <a:latin typeface="Helvetica" panose="020B0604020202020204" pitchFamily="34" charset="0"/>
+                <a:cs typeface="Helvetica" panose="020B0604020202020204" pitchFamily="34" charset="0"/>
+              </a:rPr>
               <a:t>Length</a:t>
             </a:r>
             <a:r>
-              <a:rPr lang="es-CO" b="1" dirty="0"/>
+              <a:rPr lang="es-CO" b="1" dirty="0">
+                <a:latin typeface="Helvetica" panose="020B0604020202020204" pitchFamily="34" charset="0"/>
+                <a:cs typeface="Helvetica" panose="020B0604020202020204" pitchFamily="34" charset="0"/>
+              </a:rPr>
               <a:t> </a:t>
             </a:r>
             <a:r>
-              <a:rPr lang="es-CO" b="1" dirty="0" err="1"/>
+              <a:rPr lang="es-CO" b="1" dirty="0" err="1">
+                <a:latin typeface="Helvetica" panose="020B0604020202020204" pitchFamily="34" charset="0"/>
+                <a:cs typeface="Helvetica" panose="020B0604020202020204" pitchFamily="34" charset="0"/>
+              </a:rPr>
               <a:t>Argument</a:t>
             </a:r>
             <a:r>
-              <a:rPr lang="es-CO" b="1" dirty="0"/>
+              <a:rPr lang="es-CO" b="1" dirty="0">
+                <a:latin typeface="Helvetica" panose="020B0604020202020204" pitchFamily="34" charset="0"/>
+                <a:cs typeface="Helvetica" panose="020B0604020202020204" pitchFamily="34" charset="0"/>
+              </a:rPr>
               <a:t> </a:t>
             </a:r>
             <a:r>
-              <a:rPr lang="es-CO" b="1" dirty="0" err="1"/>
+              <a:rPr lang="es-CO" b="1" dirty="0" err="1">
+                <a:latin typeface="Helvetica" panose="020B0604020202020204" pitchFamily="34" charset="0"/>
+                <a:cs typeface="Helvetica" panose="020B0604020202020204" pitchFamily="34" charset="0"/>
+              </a:rPr>
               <a:t>Lists</a:t>
             </a:r>
-            <a:endParaRPr lang="es-CO" b="1" dirty="0"/>
+            <a:endParaRPr lang="es-CO" b="1" dirty="0">
+              <a:latin typeface="Helvetica" panose="020B0604020202020204" pitchFamily="34" charset="0"/>
+              <a:cs typeface="Helvetica" panose="020B0604020202020204" pitchFamily="34" charset="0"/>
+            </a:endParaRPr>
           </a:p>
           <a:p>
             <a:pPr lvl="1"/>
             <a:r>
               <a:rPr lang="en-US" sz="1800" dirty="0">
-                <a:latin typeface="PalatinoLinotype-Roman"/>
+                <a:latin typeface="Helvetica" panose="020B0604020202020204" pitchFamily="34" charset="0"/>
+                <a:cs typeface="Helvetica" panose="020B0604020202020204" pitchFamily="34" charset="0"/>
               </a:rPr>
               <a:t>This is sometimes called </a:t>
             </a:r>
             <a:r>
               <a:rPr lang="en-US" sz="1800" i="1" dirty="0">
-                <a:latin typeface="PalatinoLinotype-Italic"/>
+                <a:latin typeface="Helvetica" panose="020B0604020202020204" pitchFamily="34" charset="0"/>
+                <a:cs typeface="Helvetica" panose="020B0604020202020204" pitchFamily="34" charset="0"/>
               </a:rPr>
               <a:t>splatting an argument </a:t>
             </a:r>
             <a:r>
               <a:rPr lang="en-US" sz="1800" dirty="0">
-                <a:latin typeface="PalatinoLinotype-Roman"/>
+                <a:latin typeface="Helvetica" panose="020B0604020202020204" pitchFamily="34" charset="0"/>
+                <a:cs typeface="Helvetica" panose="020B0604020202020204" pitchFamily="34" charset="0"/>
               </a:rPr>
               <a:t>(presumably because the </a:t>
             </a:r>
@@ -25689,17 +26841,22 @@
                     <a:lumOff val="40000"/>
                   </a:schemeClr>
                 </a:solidFill>
-                <a:latin typeface="PalatinoLinotype-Roman"/>
+                <a:latin typeface="Helvetica" panose="020B0604020202020204" pitchFamily="34" charset="0"/>
+                <a:cs typeface="Helvetica" panose="020B0604020202020204" pitchFamily="34" charset="0"/>
               </a:rPr>
               <a:t>asterisk</a:t>
             </a:r>
             <a:r>
               <a:rPr lang="en-US" sz="1800" dirty="0">
-                <a:latin typeface="PalatinoLinotype-Roman"/>
+                <a:latin typeface="Helvetica" panose="020B0604020202020204" pitchFamily="34" charset="0"/>
+                <a:cs typeface="Helvetica" panose="020B0604020202020204" pitchFamily="34" charset="0"/>
               </a:rPr>
               <a:t> looks somewhat like a bug after hitting the windscreen of a fast-moving car).</a:t>
             </a:r>
-            <a:endParaRPr lang="es-CO" sz="1800" dirty="0"/>
+            <a:endParaRPr lang="es-CO" sz="1800" dirty="0">
+              <a:latin typeface="Helvetica" panose="020B0604020202020204" pitchFamily="34" charset="0"/>
+              <a:cs typeface="Helvetica" panose="020B0604020202020204" pitchFamily="34" charset="0"/>
+            </a:endParaRPr>
           </a:p>
         </p:txBody>
       </p:sp>
@@ -25717,7 +26874,7 @@
         </p:nvSpPr>
         <p:spPr>
           <a:xfrm>
-            <a:off x="3710608" y="3306794"/>
+            <a:off x="3707364" y="3478696"/>
             <a:ext cx="6679095" cy="1754326"/>
           </a:xfrm>
           <a:prstGeom prst="rect">
@@ -26246,10 +27403,16 @@
           <a:lstStyle/>
           <a:p>
             <a:r>
-              <a:rPr lang="es-CO" dirty="0" err="1"/>
+              <a:rPr lang="es-CO" dirty="0" err="1">
+                <a:latin typeface="Helvetica" panose="020B0604020202020204" pitchFamily="34" charset="0"/>
+                <a:cs typeface="Helvetica" panose="020B0604020202020204" pitchFamily="34" charset="0"/>
+              </a:rPr>
               <a:t>Methods</a:t>
             </a:r>
-            <a:endParaRPr lang="es-CO" dirty="0"/>
+            <a:endParaRPr lang="es-CO" dirty="0">
+              <a:latin typeface="Helvetica" panose="020B0604020202020204" pitchFamily="34" charset="0"/>
+              <a:cs typeface="Helvetica" panose="020B0604020202020204" pitchFamily="34" charset="0"/>
+            </a:endParaRPr>
           </a:p>
         </p:txBody>
       </p:sp>
@@ -26275,11 +27438,17 @@
           <a:lstStyle/>
           <a:p>
             <a:r>
-              <a:rPr lang="es-CO" b="1" dirty="0" err="1"/>
+              <a:rPr lang="es-CO" b="1" dirty="0" err="1">
+                <a:latin typeface="Helvetica" panose="020B0604020202020204" pitchFamily="34" charset="0"/>
+                <a:cs typeface="Helvetica" panose="020B0604020202020204" pitchFamily="34" charset="0"/>
+              </a:rPr>
               <a:t>Methods</a:t>
             </a:r>
             <a:r>
-              <a:rPr lang="es-CO" b="1" dirty="0"/>
+              <a:rPr lang="es-CO" b="1" dirty="0">
+                <a:latin typeface="Helvetica" panose="020B0604020202020204" pitchFamily="34" charset="0"/>
+                <a:cs typeface="Helvetica" panose="020B0604020202020204" pitchFamily="34" charset="0"/>
+              </a:rPr>
               <a:t> and Blocks</a:t>
             </a:r>
           </a:p>
@@ -26287,65 +27456,78 @@
             <a:pPr lvl="1"/>
             <a:r>
               <a:rPr lang="es-CO" sz="1800" dirty="0">
-                <a:latin typeface="PalatinoLinotype-Roman"/>
+                <a:latin typeface="Helvetica" panose="020B0604020202020204" pitchFamily="34" charset="0"/>
+                <a:cs typeface="Helvetica" panose="020B0604020202020204" pitchFamily="34" charset="0"/>
               </a:rPr>
               <a:t>a </a:t>
             </a:r>
             <a:r>
               <a:rPr lang="es-CO" sz="1800" dirty="0" err="1">
-                <a:latin typeface="PalatinoLinotype-Roman"/>
+                <a:latin typeface="Helvetica" panose="020B0604020202020204" pitchFamily="34" charset="0"/>
+                <a:cs typeface="Helvetica" panose="020B0604020202020204" pitchFamily="34" charset="0"/>
               </a:rPr>
               <a:t>method</a:t>
             </a:r>
             <a:r>
               <a:rPr lang="es-CO" sz="1800" dirty="0">
-                <a:latin typeface="PalatinoLinotype-Roman"/>
+                <a:latin typeface="Helvetica" panose="020B0604020202020204" pitchFamily="34" charset="0"/>
+                <a:cs typeface="Helvetica" panose="020B0604020202020204" pitchFamily="34" charset="0"/>
               </a:rPr>
               <a:t> </a:t>
             </a:r>
             <a:r>
               <a:rPr lang="es-CO" sz="1800" dirty="0" err="1">
-                <a:latin typeface="PalatinoLinotype-Roman"/>
+                <a:latin typeface="Helvetica" panose="020B0604020202020204" pitchFamily="34" charset="0"/>
+                <a:cs typeface="Helvetica" panose="020B0604020202020204" pitchFamily="34" charset="0"/>
               </a:rPr>
               <a:t>is</a:t>
             </a:r>
             <a:r>
               <a:rPr lang="es-CO" sz="1800" dirty="0">
-                <a:latin typeface="PalatinoLinotype-Roman"/>
+                <a:latin typeface="Helvetica" panose="020B0604020202020204" pitchFamily="34" charset="0"/>
+                <a:cs typeface="Helvetica" panose="020B0604020202020204" pitchFamily="34" charset="0"/>
               </a:rPr>
               <a:t> </a:t>
             </a:r>
             <a:r>
               <a:rPr lang="es-CO" sz="1800" dirty="0" err="1">
-                <a:latin typeface="PalatinoLinotype-Roman"/>
+                <a:latin typeface="Helvetica" panose="020B0604020202020204" pitchFamily="34" charset="0"/>
+                <a:cs typeface="Helvetica" panose="020B0604020202020204" pitchFamily="34" charset="0"/>
               </a:rPr>
               <a:t>called</a:t>
             </a:r>
             <a:r>
               <a:rPr lang="es-CO" sz="1800" dirty="0">
-                <a:latin typeface="PalatinoLinotype-Roman"/>
+                <a:latin typeface="Helvetica" panose="020B0604020202020204" pitchFamily="34" charset="0"/>
+                <a:cs typeface="Helvetica" panose="020B0604020202020204" pitchFamily="34" charset="0"/>
               </a:rPr>
               <a:t> </a:t>
             </a:r>
             <a:r>
               <a:rPr lang="en-US" sz="1800" dirty="0">
-                <a:latin typeface="PalatinoLinotype-Roman"/>
+                <a:latin typeface="Helvetica" panose="020B0604020202020204" pitchFamily="34" charset="0"/>
+                <a:cs typeface="Helvetica" panose="020B0604020202020204" pitchFamily="34" charset="0"/>
               </a:rPr>
               <a:t>it may be associated with a block. Normally, you call the block from within the method using </a:t>
             </a:r>
             <a:r>
               <a:rPr lang="es-CO" sz="1800" dirty="0" err="1">
-                <a:latin typeface="DejaVuSans"/>
+                <a:latin typeface="Helvetica" panose="020B0604020202020204" pitchFamily="34" charset="0"/>
+                <a:cs typeface="Helvetica" panose="020B0604020202020204" pitchFamily="34" charset="0"/>
               </a:rPr>
               <a:t>yield</a:t>
             </a:r>
             <a:r>
               <a:rPr lang="es-CO" dirty="0">
-                <a:latin typeface="PalatinoLinotype-Roman"/>
+                <a:latin typeface="Helvetica" panose="020B0604020202020204" pitchFamily="34" charset="0"/>
+                <a:cs typeface="Helvetica" panose="020B0604020202020204" pitchFamily="34" charset="0"/>
               </a:rPr>
               <a:t>:</a:t>
             </a:r>
-            <a:endParaRPr lang="es-CO" b="1" dirty="0"/>
+            <a:endParaRPr lang="es-CO" b="1" dirty="0">
+              <a:latin typeface="Helvetica" panose="020B0604020202020204" pitchFamily="34" charset="0"/>
+              <a:cs typeface="Helvetica" panose="020B0604020202020204" pitchFamily="34" charset="0"/>
+            </a:endParaRPr>
           </a:p>
         </p:txBody>
       </p:sp>
@@ -26778,10 +27960,16 @@
           <a:lstStyle/>
           <a:p>
             <a:r>
-              <a:rPr lang="es-CO" dirty="0" err="1"/>
+              <a:rPr lang="es-CO" dirty="0" err="1">
+                <a:latin typeface="Helvetica" panose="020B0604020202020204" pitchFamily="34" charset="0"/>
+                <a:cs typeface="Helvetica" panose="020B0604020202020204" pitchFamily="34" charset="0"/>
+              </a:rPr>
               <a:t>Methods</a:t>
             </a:r>
-            <a:endParaRPr lang="es-CO" dirty="0"/>
+            <a:endParaRPr lang="es-CO" dirty="0">
+              <a:latin typeface="Helvetica" panose="020B0604020202020204" pitchFamily="34" charset="0"/>
+              <a:cs typeface="Helvetica" panose="020B0604020202020204" pitchFamily="34" charset="0"/>
+            </a:endParaRPr>
           </a:p>
         </p:txBody>
       </p:sp>
@@ -26810,7 +27998,10 @@
               <a:buNone/>
             </a:pPr>
             <a:r>
-              <a:rPr lang="en-US" dirty="0"/>
+              <a:rPr lang="en-US" dirty="0">
+                <a:latin typeface="Helvetica" panose="020B0604020202020204" pitchFamily="34" charset="0"/>
+                <a:cs typeface="Helvetica" panose="020B0604020202020204" pitchFamily="34" charset="0"/>
+              </a:rPr>
               <a:t>However, if the last parameter in a method definition is prefixed with an </a:t>
             </a:r>
             <a:r>
@@ -26821,36 +28012,50 @@
                     <a:lumOff val="40000"/>
                   </a:schemeClr>
                 </a:solidFill>
+                <a:latin typeface="Helvetica" panose="020B0604020202020204" pitchFamily="34" charset="0"/>
+                <a:cs typeface="Helvetica" panose="020B0604020202020204" pitchFamily="34" charset="0"/>
               </a:rPr>
               <a:t>ampersand</a:t>
             </a:r>
             <a:r>
-              <a:rPr lang="en-US" dirty="0"/>
+              <a:rPr lang="en-US" dirty="0">
+                <a:latin typeface="Helvetica" panose="020B0604020202020204" pitchFamily="34" charset="0"/>
+                <a:cs typeface="Helvetica" panose="020B0604020202020204" pitchFamily="34" charset="0"/>
+              </a:rPr>
               <a:t>, any associated block is converted to a </a:t>
             </a:r>
             <a:r>
               <a:rPr lang="es-CO" dirty="0" err="1">
-                <a:latin typeface="DejaVuSans"/>
+                <a:latin typeface="Helvetica" panose="020B0604020202020204" pitchFamily="34" charset="0"/>
+                <a:cs typeface="Helvetica" panose="020B0604020202020204" pitchFamily="34" charset="0"/>
               </a:rPr>
               <a:t>Proc</a:t>
             </a:r>
             <a:r>
               <a:rPr lang="es-CO" dirty="0">
-                <a:latin typeface="DejaVuSans"/>
+                <a:latin typeface="Helvetica" panose="020B0604020202020204" pitchFamily="34" charset="0"/>
+                <a:cs typeface="Helvetica" panose="020B0604020202020204" pitchFamily="34" charset="0"/>
               </a:rPr>
               <a:t> </a:t>
             </a:r>
             <a:r>
               <a:rPr lang="es-CO" sz="2000" dirty="0" err="1">
-                <a:latin typeface="PalatinoLinotype-Roman"/>
+                <a:latin typeface="Helvetica" panose="020B0604020202020204" pitchFamily="34" charset="0"/>
+                <a:cs typeface="Helvetica" panose="020B0604020202020204" pitchFamily="34" charset="0"/>
               </a:rPr>
               <a:t>object</a:t>
             </a:r>
             <a:r>
-              <a:rPr lang="en-US" dirty="0"/>
+              <a:rPr lang="en-US" dirty="0">
+                <a:latin typeface="Helvetica" panose="020B0604020202020204" pitchFamily="34" charset="0"/>
+                <a:cs typeface="Helvetica" panose="020B0604020202020204" pitchFamily="34" charset="0"/>
+              </a:rPr>
               <a:t>, and that object is assigned to the parameter. This allows you to store the block for use later.</a:t>
             </a:r>
-            <a:endParaRPr lang="es-CO" dirty="0"/>
+            <a:endParaRPr lang="es-CO" dirty="0">
+              <a:latin typeface="Helvetica" panose="020B0604020202020204" pitchFamily="34" charset="0"/>
+              <a:cs typeface="Helvetica" panose="020B0604020202020204" pitchFamily="34" charset="0"/>
+            </a:endParaRPr>
           </a:p>
           <a:p>
             <a:endParaRPr lang="es-CO" b="1" dirty="0"/>
@@ -27526,18 +28731,30 @@
           <a:lstStyle/>
           <a:p>
             <a:r>
-              <a:rPr lang="es-CO" dirty="0" err="1"/>
+              <a:rPr lang="es-CO" dirty="0" err="1">
+                <a:latin typeface="Helvetica" panose="020B0604020202020204" pitchFamily="34" charset="0"/>
+                <a:cs typeface="Helvetica" panose="020B0604020202020204" pitchFamily="34" charset="0"/>
+              </a:rPr>
               <a:t>Exceptions</a:t>
             </a:r>
             <a:r>
-              <a:rPr lang="es-CO" dirty="0"/>
+              <a:rPr lang="es-CO" dirty="0">
+                <a:latin typeface="Helvetica" panose="020B0604020202020204" pitchFamily="34" charset="0"/>
+                <a:cs typeface="Helvetica" panose="020B0604020202020204" pitchFamily="34" charset="0"/>
+              </a:rPr>
               <a:t>, catch, and </a:t>
             </a:r>
             <a:r>
-              <a:rPr lang="es-CO" dirty="0" err="1"/>
+              <a:rPr lang="es-CO" dirty="0" err="1">
+                <a:latin typeface="Helvetica" panose="020B0604020202020204" pitchFamily="34" charset="0"/>
+                <a:cs typeface="Helvetica" panose="020B0604020202020204" pitchFamily="34" charset="0"/>
+              </a:rPr>
               <a:t>throw</a:t>
             </a:r>
-            <a:endParaRPr lang="es-CO" dirty="0"/>
+            <a:endParaRPr lang="es-CO" dirty="0">
+              <a:latin typeface="Helvetica" panose="020B0604020202020204" pitchFamily="34" charset="0"/>
+              <a:cs typeface="Helvetica" panose="020B0604020202020204" pitchFamily="34" charset="0"/>
+            </a:endParaRPr>
           </a:p>
         </p:txBody>
       </p:sp>
@@ -28448,26 +29665,44 @@
           <a:lstStyle/>
           <a:p>
             <a:r>
-              <a:rPr lang="es-CO" dirty="0" err="1"/>
+              <a:rPr lang="es-CO" dirty="0" err="1">
+                <a:latin typeface="Helvetica" panose="020B0604020202020204" pitchFamily="34" charset="0"/>
+                <a:cs typeface="Helvetica" panose="020B0604020202020204" pitchFamily="34" charset="0"/>
+              </a:rPr>
               <a:t>Fibers</a:t>
             </a:r>
             <a:r>
-              <a:rPr lang="es-CO" dirty="0"/>
+              <a:rPr lang="es-CO" dirty="0">
+                <a:latin typeface="Helvetica" panose="020B0604020202020204" pitchFamily="34" charset="0"/>
+                <a:cs typeface="Helvetica" panose="020B0604020202020204" pitchFamily="34" charset="0"/>
+              </a:rPr>
               <a:t>, </a:t>
             </a:r>
             <a:r>
-              <a:rPr lang="es-CO" dirty="0" err="1"/>
+              <a:rPr lang="es-CO" dirty="0" err="1">
+                <a:latin typeface="Helvetica" panose="020B0604020202020204" pitchFamily="34" charset="0"/>
+                <a:cs typeface="Helvetica" panose="020B0604020202020204" pitchFamily="34" charset="0"/>
+              </a:rPr>
               <a:t>Threads</a:t>
             </a:r>
             <a:r>
-              <a:rPr lang="es-CO" dirty="0"/>
+              <a:rPr lang="es-CO" dirty="0">
+                <a:latin typeface="Helvetica" panose="020B0604020202020204" pitchFamily="34" charset="0"/>
+                <a:cs typeface="Helvetica" panose="020B0604020202020204" pitchFamily="34" charset="0"/>
+              </a:rPr>
               <a:t>, and </a:t>
             </a:r>
             <a:r>
-              <a:rPr lang="es-CO" dirty="0" err="1"/>
+              <a:rPr lang="es-CO" dirty="0" err="1">
+                <a:latin typeface="Helvetica" panose="020B0604020202020204" pitchFamily="34" charset="0"/>
+                <a:cs typeface="Helvetica" panose="020B0604020202020204" pitchFamily="34" charset="0"/>
+              </a:rPr>
               <a:t>Processes</a:t>
             </a:r>
-            <a:endParaRPr lang="es-CO" dirty="0"/>
+            <a:endParaRPr lang="es-CO" dirty="0">
+              <a:latin typeface="Helvetica" panose="020B0604020202020204" pitchFamily="34" charset="0"/>
+              <a:cs typeface="Helvetica" panose="020B0604020202020204" pitchFamily="34" charset="0"/>
+            </a:endParaRPr>
           </a:p>
         </p:txBody>
       </p:sp>
@@ -28493,18 +29728,30 @@
           <a:lstStyle/>
           <a:p>
             <a:r>
-              <a:rPr lang="en-US" dirty="0"/>
+              <a:rPr lang="en-US" dirty="0">
+                <a:latin typeface="Helvetica" panose="020B0604020202020204" pitchFamily="34" charset="0"/>
+                <a:cs typeface="Helvetica" panose="020B0604020202020204" pitchFamily="34" charset="0"/>
+              </a:rPr>
               <a:t>Ruby gives you two basic ways to organize your program so that you can run different parts of it apparently “at the same time.” Fibers let you suspend execution of one part of your program and run some other part. For more decoupled execution, you can split up cooperating tasks </a:t>
             </a:r>
             <a:r>
-              <a:rPr lang="en-US" i="1" dirty="0"/>
+              <a:rPr lang="en-US" i="1" dirty="0">
+                <a:latin typeface="Helvetica" panose="020B0604020202020204" pitchFamily="34" charset="0"/>
+                <a:cs typeface="Helvetica" panose="020B0604020202020204" pitchFamily="34" charset="0"/>
+              </a:rPr>
               <a:t>within </a:t>
             </a:r>
             <a:r>
-              <a:rPr lang="en-US" dirty="0"/>
+              <a:rPr lang="en-US" dirty="0">
+                <a:latin typeface="Helvetica" panose="020B0604020202020204" pitchFamily="34" charset="0"/>
+                <a:cs typeface="Helvetica" panose="020B0604020202020204" pitchFamily="34" charset="0"/>
+              </a:rPr>
               <a:t>the program, using multiple threads, or you can split up tasks between different programs, using multiple processes. Let’s look at each in turn.</a:t>
             </a:r>
-            <a:endParaRPr lang="es-CO" dirty="0"/>
+            <a:endParaRPr lang="es-CO" dirty="0">
+              <a:latin typeface="Helvetica" panose="020B0604020202020204" pitchFamily="34" charset="0"/>
+              <a:cs typeface="Helvetica" panose="020B0604020202020204" pitchFamily="34" charset="0"/>
+            </a:endParaRPr>
           </a:p>
         </p:txBody>
       </p:sp>
@@ -28560,10 +29807,16 @@
           <a:lstStyle/>
           <a:p>
             <a:r>
-              <a:rPr lang="es-CO" dirty="0" err="1"/>
+              <a:rPr lang="es-CO" dirty="0" err="1">
+                <a:latin typeface="Helvetica" panose="020B0604020202020204" pitchFamily="34" charset="0"/>
+                <a:cs typeface="Helvetica" panose="020B0604020202020204" pitchFamily="34" charset="0"/>
+              </a:rPr>
               <a:t>Fibers</a:t>
             </a:r>
-            <a:endParaRPr lang="es-CO" dirty="0"/>
+            <a:endParaRPr lang="es-CO" dirty="0">
+              <a:latin typeface="Helvetica" panose="020B0604020202020204" pitchFamily="34" charset="0"/>
+              <a:cs typeface="Helvetica" panose="020B0604020202020204" pitchFamily="34" charset="0"/>
+            </a:endParaRPr>
           </a:p>
         </p:txBody>
       </p:sp>
@@ -30036,10 +31289,16 @@
           <a:lstStyle/>
           <a:p>
             <a:r>
-              <a:rPr lang="es-CO" dirty="0" err="1"/>
+              <a:rPr lang="es-CO" dirty="0" err="1">
+                <a:latin typeface="Helvetica" panose="020B0604020202020204" pitchFamily="34" charset="0"/>
+                <a:cs typeface="Helvetica" panose="020B0604020202020204" pitchFamily="34" charset="0"/>
+              </a:rPr>
               <a:t>Multithreading</a:t>
             </a:r>
-            <a:endParaRPr lang="es-CO" dirty="0"/>
+            <a:endParaRPr lang="es-CO" dirty="0">
+              <a:latin typeface="Helvetica" panose="020B0604020202020204" pitchFamily="34" charset="0"/>
+              <a:cs typeface="Helvetica" panose="020B0604020202020204" pitchFamily="34" charset="0"/>
+            </a:endParaRPr>
           </a:p>
         </p:txBody>
       </p:sp>
@@ -31025,18 +32284,30 @@
           <a:lstStyle/>
           <a:p>
             <a:r>
-              <a:rPr lang="es-CO" dirty="0" err="1"/>
+              <a:rPr lang="es-CO" dirty="0" err="1">
+                <a:latin typeface="Helvetica" panose="020B0604020202020204" pitchFamily="34" charset="0"/>
+                <a:cs typeface="Helvetica" panose="020B0604020202020204" pitchFamily="34" charset="0"/>
+              </a:rPr>
               <a:t>Manipulating</a:t>
             </a:r>
             <a:r>
-              <a:rPr lang="es-CO" dirty="0"/>
+              <a:rPr lang="es-CO" dirty="0">
+                <a:latin typeface="Helvetica" panose="020B0604020202020204" pitchFamily="34" charset="0"/>
+                <a:cs typeface="Helvetica" panose="020B0604020202020204" pitchFamily="34" charset="0"/>
+              </a:rPr>
               <a:t> </a:t>
             </a:r>
             <a:r>
-              <a:rPr lang="es-CO" dirty="0" err="1"/>
+              <a:rPr lang="es-CO" dirty="0" err="1">
+                <a:latin typeface="Helvetica" panose="020B0604020202020204" pitchFamily="34" charset="0"/>
+                <a:cs typeface="Helvetica" panose="020B0604020202020204" pitchFamily="34" charset="0"/>
+              </a:rPr>
               <a:t>Threads</a:t>
             </a:r>
-            <a:endParaRPr lang="es-CO" dirty="0"/>
+            <a:endParaRPr lang="es-CO" dirty="0">
+              <a:latin typeface="Helvetica" panose="020B0604020202020204" pitchFamily="34" charset="0"/>
+              <a:cs typeface="Helvetica" panose="020B0604020202020204" pitchFamily="34" charset="0"/>
+            </a:endParaRPr>
           </a:p>
         </p:txBody>
       </p:sp>
@@ -31601,7 +32872,7 @@
         <p:spPr>
           <a:xfrm>
             <a:off x="5566540" y="6077414"/>
-            <a:ext cx="2016899" cy="276999"/>
+            <a:ext cx="1898277" cy="276999"/>
           </a:xfrm>
           <a:prstGeom prst="rect">
             <a:avLst/>
@@ -31621,6 +32892,8 @@
                     <a:lumOff val="25000"/>
                   </a:schemeClr>
                 </a:solidFill>
+                <a:latin typeface="Helvetica" panose="020B0604020202020204" pitchFamily="34" charset="0"/>
+                <a:cs typeface="Helvetica" panose="020B0604020202020204" pitchFamily="34" charset="0"/>
               </a:rPr>
               <a:t>*</a:t>
             </a:r>
@@ -31632,6 +32905,8 @@
                     <a:lumOff val="25000"/>
                   </a:schemeClr>
                 </a:solidFill>
+                <a:latin typeface="Helvetica" panose="020B0604020202020204" pitchFamily="34" charset="0"/>
+                <a:cs typeface="Helvetica" panose="020B0604020202020204" pitchFamily="34" charset="0"/>
               </a:rPr>
               <a:t>Threads</a:t>
             </a:r>
@@ -31643,6 +32918,8 @@
                     <a:lumOff val="25000"/>
                   </a:schemeClr>
                 </a:solidFill>
+                <a:latin typeface="Helvetica" panose="020B0604020202020204" pitchFamily="34" charset="0"/>
+                <a:cs typeface="Helvetica" panose="020B0604020202020204" pitchFamily="34" charset="0"/>
               </a:rPr>
               <a:t> and </a:t>
             </a:r>
@@ -31654,6 +32931,8 @@
                     <a:lumOff val="25000"/>
                   </a:schemeClr>
                 </a:solidFill>
+                <a:latin typeface="Helvetica" panose="020B0604020202020204" pitchFamily="34" charset="0"/>
+                <a:cs typeface="Helvetica" panose="020B0604020202020204" pitchFamily="34" charset="0"/>
               </a:rPr>
               <a:t>Exceptions</a:t>
             </a:r>
@@ -31664,6 +32943,8 @@
                   <a:lumOff val="25000"/>
                 </a:schemeClr>
               </a:solidFill>
+              <a:latin typeface="Helvetica" panose="020B0604020202020204" pitchFamily="34" charset="0"/>
+              <a:cs typeface="Helvetica" panose="020B0604020202020204" pitchFamily="34" charset="0"/>
             </a:endParaRPr>
           </a:p>
         </p:txBody>
@@ -31725,25 +33006,43 @@
           <a:lstStyle/>
           <a:p>
             <a:r>
-              <a:rPr lang="es-CO" dirty="0"/>
+              <a:rPr lang="es-CO" dirty="0">
+                <a:latin typeface="Helvetica" panose="020B0604020202020204" pitchFamily="34" charset="0"/>
+                <a:cs typeface="Helvetica" panose="020B0604020202020204" pitchFamily="34" charset="0"/>
+              </a:rPr>
               <a:t>Mutual </a:t>
             </a:r>
             <a:r>
-              <a:rPr lang="es-CO" dirty="0" err="1"/>
+              <a:rPr lang="es-CO" dirty="0" err="1">
+                <a:latin typeface="Helvetica" panose="020B0604020202020204" pitchFamily="34" charset="0"/>
+                <a:cs typeface="Helvetica" panose="020B0604020202020204" pitchFamily="34" charset="0"/>
+              </a:rPr>
               <a:t>Exclusion</a:t>
             </a:r>
             <a:r>
-              <a:rPr lang="es-CO" dirty="0"/>
+              <a:rPr lang="es-CO" dirty="0">
+                <a:latin typeface="Helvetica" panose="020B0604020202020204" pitchFamily="34" charset="0"/>
+                <a:cs typeface="Helvetica" panose="020B0604020202020204" pitchFamily="34" charset="0"/>
+              </a:rPr>
               <a:t> </a:t>
             </a:r>
             <a:r>
-              <a:rPr lang="es-CO" dirty="0" err="1"/>
+              <a:rPr lang="es-CO" dirty="0" err="1">
+                <a:latin typeface="Helvetica" panose="020B0604020202020204" pitchFamily="34" charset="0"/>
+                <a:cs typeface="Helvetica" panose="020B0604020202020204" pitchFamily="34" charset="0"/>
+              </a:rPr>
               <a:t>Multithreading</a:t>
             </a:r>
             <a:br>
-              <a:rPr lang="es-CO" b="1" dirty="0"/>
+              <a:rPr lang="es-CO" b="1" dirty="0">
+                <a:latin typeface="Helvetica" panose="020B0604020202020204" pitchFamily="34" charset="0"/>
+                <a:cs typeface="Helvetica" panose="020B0604020202020204" pitchFamily="34" charset="0"/>
+              </a:rPr>
             </a:br>
-            <a:endParaRPr lang="es-CO" dirty="0"/>
+            <a:endParaRPr lang="es-CO" dirty="0">
+              <a:latin typeface="Helvetica" panose="020B0604020202020204" pitchFamily="34" charset="0"/>
+              <a:cs typeface="Helvetica" panose="020B0604020202020204" pitchFamily="34" charset="0"/>
+            </a:endParaRPr>
           </a:p>
         </p:txBody>
       </p:sp>
@@ -31769,7 +33068,10 @@
           <a:lstStyle/>
           <a:p>
             <a:r>
-              <a:rPr lang="en-US" dirty="0"/>
+              <a:rPr lang="en-US" dirty="0">
+                <a:latin typeface="Helvetica" panose="020B0604020202020204" pitchFamily="34" charset="0"/>
+                <a:cs typeface="Helvetica" panose="020B0604020202020204" pitchFamily="34" charset="0"/>
+              </a:rPr>
               <a:t>Let’s start by looking at a simple example of a </a:t>
             </a:r>
             <a:r>
@@ -31780,19 +33082,30 @@
                     <a:lumOff val="40000"/>
                   </a:schemeClr>
                 </a:solidFill>
+                <a:latin typeface="Helvetica" panose="020B0604020202020204" pitchFamily="34" charset="0"/>
+                <a:cs typeface="Helvetica" panose="020B0604020202020204" pitchFamily="34" charset="0"/>
               </a:rPr>
               <a:t>race condition</a:t>
             </a:r>
             <a:r>
-              <a:rPr lang="en-US" dirty="0"/>
+              <a:rPr lang="en-US" dirty="0">
+                <a:latin typeface="Helvetica" panose="020B0604020202020204" pitchFamily="34" charset="0"/>
+                <a:cs typeface="Helvetica" panose="020B0604020202020204" pitchFamily="34" charset="0"/>
+              </a:rPr>
               <a:t>—multiple threads updating a </a:t>
             </a:r>
             <a:r>
-              <a:rPr lang="es-CO" dirty="0" err="1"/>
+              <a:rPr lang="es-CO" dirty="0" err="1">
+                <a:latin typeface="Helvetica" panose="020B0604020202020204" pitchFamily="34" charset="0"/>
+                <a:cs typeface="Helvetica" panose="020B0604020202020204" pitchFamily="34" charset="0"/>
+              </a:rPr>
               <a:t>shared</a:t>
             </a:r>
             <a:r>
-              <a:rPr lang="es-CO" dirty="0"/>
+              <a:rPr lang="es-CO" dirty="0">
+                <a:latin typeface="Helvetica" panose="020B0604020202020204" pitchFamily="34" charset="0"/>
+                <a:cs typeface="Helvetica" panose="020B0604020202020204" pitchFamily="34" charset="0"/>
+              </a:rPr>
               <a:t> variable:</a:t>
             </a:r>
           </a:p>
@@ -33029,10 +34342,16 @@
           <a:lstStyle/>
           <a:p>
             <a:r>
-              <a:rPr lang="es-CO" dirty="0" err="1"/>
+              <a:rPr lang="es-CO" dirty="0" err="1">
+                <a:latin typeface="Helvetica" panose="020B0604020202020204" pitchFamily="34" charset="0"/>
+                <a:cs typeface="Helvetica" panose="020B0604020202020204" pitchFamily="34" charset="0"/>
+              </a:rPr>
               <a:t>Metaprogramming</a:t>
             </a:r>
-            <a:endParaRPr lang="es-CO" dirty="0"/>
+            <a:endParaRPr lang="es-CO" dirty="0">
+              <a:latin typeface="Helvetica" panose="020B0604020202020204" pitchFamily="34" charset="0"/>
+              <a:cs typeface="Helvetica" panose="020B0604020202020204" pitchFamily="34" charset="0"/>
+            </a:endParaRPr>
           </a:p>
         </p:txBody>
       </p:sp>
@@ -33058,51 +34377,84 @@
           <a:lstStyle/>
           <a:p>
             <a:r>
-              <a:rPr lang="es-CO" b="1" dirty="0" err="1"/>
+              <a:rPr lang="es-CO" b="1" dirty="0" err="1">
+                <a:latin typeface="Helvetica" panose="020B0604020202020204" pitchFamily="34" charset="0"/>
+                <a:cs typeface="Helvetica" panose="020B0604020202020204" pitchFamily="34" charset="0"/>
+              </a:rPr>
               <a:t>Writing</a:t>
             </a:r>
             <a:r>
-              <a:rPr lang="es-CO" b="1" dirty="0"/>
+              <a:rPr lang="es-CO" b="1" dirty="0">
+                <a:latin typeface="Helvetica" panose="020B0604020202020204" pitchFamily="34" charset="0"/>
+                <a:cs typeface="Helvetica" panose="020B0604020202020204" pitchFamily="34" charset="0"/>
+              </a:rPr>
               <a:t> </a:t>
             </a:r>
             <a:r>
-              <a:rPr lang="es-CO" b="1" dirty="0" err="1"/>
+              <a:rPr lang="es-CO" b="1" dirty="0" err="1">
+                <a:latin typeface="Helvetica" panose="020B0604020202020204" pitchFamily="34" charset="0"/>
+                <a:cs typeface="Helvetica" panose="020B0604020202020204" pitchFamily="34" charset="0"/>
+              </a:rPr>
               <a:t>code</a:t>
             </a:r>
             <a:r>
-              <a:rPr lang="es-CO" b="1" dirty="0"/>
+              <a:rPr lang="es-CO" b="1" dirty="0">
+                <a:latin typeface="Helvetica" panose="020B0604020202020204" pitchFamily="34" charset="0"/>
+                <a:cs typeface="Helvetica" panose="020B0604020202020204" pitchFamily="34" charset="0"/>
+              </a:rPr>
               <a:t> </a:t>
             </a:r>
             <a:r>
-              <a:rPr lang="es-CO" b="1" dirty="0" err="1"/>
+              <a:rPr lang="es-CO" b="1" dirty="0" err="1">
+                <a:latin typeface="Helvetica" panose="020B0604020202020204" pitchFamily="34" charset="0"/>
+                <a:cs typeface="Helvetica" panose="020B0604020202020204" pitchFamily="34" charset="0"/>
+              </a:rPr>
               <a:t>that</a:t>
             </a:r>
             <a:r>
-              <a:rPr lang="es-CO" b="1" dirty="0"/>
+              <a:rPr lang="es-CO" b="1" dirty="0">
+                <a:latin typeface="Helvetica" panose="020B0604020202020204" pitchFamily="34" charset="0"/>
+                <a:cs typeface="Helvetica" panose="020B0604020202020204" pitchFamily="34" charset="0"/>
+              </a:rPr>
               <a:t> </a:t>
             </a:r>
             <a:r>
-              <a:rPr lang="es-CO" b="1" dirty="0" err="1"/>
+              <a:rPr lang="es-CO" b="1" dirty="0" err="1">
+                <a:latin typeface="Helvetica" panose="020B0604020202020204" pitchFamily="34" charset="0"/>
+                <a:cs typeface="Helvetica" panose="020B0604020202020204" pitchFamily="34" charset="0"/>
+              </a:rPr>
               <a:t>writes</a:t>
             </a:r>
             <a:r>
-              <a:rPr lang="es-CO" b="1" dirty="0"/>
+              <a:rPr lang="es-CO" b="1" dirty="0">
+                <a:latin typeface="Helvetica" panose="020B0604020202020204" pitchFamily="34" charset="0"/>
+                <a:cs typeface="Helvetica" panose="020B0604020202020204" pitchFamily="34" charset="0"/>
+              </a:rPr>
               <a:t> </a:t>
             </a:r>
             <a:r>
-              <a:rPr lang="es-CO" b="1" dirty="0" err="1"/>
+              <a:rPr lang="es-CO" b="1" dirty="0" err="1">
+                <a:latin typeface="Helvetica" panose="020B0604020202020204" pitchFamily="34" charset="0"/>
+                <a:cs typeface="Helvetica" panose="020B0604020202020204" pitchFamily="34" charset="0"/>
+              </a:rPr>
               <a:t>code</a:t>
             </a:r>
             <a:r>
-              <a:rPr lang="es-CO" b="1" dirty="0"/>
+              <a:rPr lang="es-CO" b="1" dirty="0">
+                <a:latin typeface="Helvetica" panose="020B0604020202020204" pitchFamily="34" charset="0"/>
+                <a:cs typeface="Helvetica" panose="020B0604020202020204" pitchFamily="34" charset="0"/>
+              </a:rPr>
               <a:t>.</a:t>
             </a:r>
           </a:p>
           <a:p>
-            <a:pPr marL="0" indent="0">
+            <a:pPr marL="0" indent="0" algn="ctr">
               <a:buNone/>
             </a:pPr>
-            <a:endParaRPr lang="es-CO" dirty="0"/>
+            <a:endParaRPr lang="es-CO" dirty="0">
+              <a:latin typeface="Helvetica" panose="020B0604020202020204" pitchFamily="34" charset="0"/>
+              <a:cs typeface="Helvetica" panose="020B0604020202020204" pitchFamily="34" charset="0"/>
+            </a:endParaRPr>
           </a:p>
         </p:txBody>
       </p:sp>
@@ -33158,18 +34510,30 @@
           <a:lstStyle/>
           <a:p>
             <a:r>
-              <a:rPr lang="es-CO" dirty="0" err="1"/>
+              <a:rPr lang="es-CO" dirty="0" err="1">
+                <a:latin typeface="Helvetica" panose="020B0604020202020204" pitchFamily="34" charset="0"/>
+                <a:cs typeface="Helvetica" panose="020B0604020202020204" pitchFamily="34" charset="0"/>
+              </a:rPr>
               <a:t>Objects</a:t>
             </a:r>
             <a:r>
-              <a:rPr lang="es-CO" dirty="0"/>
+              <a:rPr lang="es-CO" dirty="0">
+                <a:latin typeface="Helvetica" panose="020B0604020202020204" pitchFamily="34" charset="0"/>
+                <a:cs typeface="Helvetica" panose="020B0604020202020204" pitchFamily="34" charset="0"/>
+              </a:rPr>
               <a:t> and </a:t>
             </a:r>
             <a:r>
-              <a:rPr lang="es-CO" dirty="0" err="1"/>
+              <a:rPr lang="es-CO" dirty="0" err="1">
+                <a:latin typeface="Helvetica" panose="020B0604020202020204" pitchFamily="34" charset="0"/>
+                <a:cs typeface="Helvetica" panose="020B0604020202020204" pitchFamily="34" charset="0"/>
+              </a:rPr>
               <a:t>Attributes</a:t>
             </a:r>
-            <a:endParaRPr lang="es-CO" dirty="0"/>
+            <a:endParaRPr lang="es-CO" dirty="0">
+              <a:latin typeface="Helvetica" panose="020B0604020202020204" pitchFamily="34" charset="0"/>
+              <a:cs typeface="Helvetica" panose="020B0604020202020204" pitchFamily="34" charset="0"/>
+            </a:endParaRPr>
           </a:p>
         </p:txBody>
       </p:sp>
@@ -33205,6 +34569,7 @@
                   <a:srgbClr val="91117D"/>
                 </a:solidFill>
                 <a:latin typeface="DejaVuSansMono-Bold"/>
+                <a:cs typeface="Helvetica" panose="020B0604020202020204" pitchFamily="34" charset="0"/>
               </a:rPr>
               <a:t>class</a:t>
             </a:r>
@@ -33214,6 +34579,7 @@
                   <a:srgbClr val="91117D"/>
                 </a:solidFill>
                 <a:latin typeface="DejaVuSansMono-Bold"/>
+                <a:cs typeface="Helvetica" panose="020B0604020202020204" pitchFamily="34" charset="0"/>
               </a:rPr>
               <a:t> </a:t>
             </a:r>
@@ -33222,7 +34588,8 @@
                 <a:solidFill>
                   <a:srgbClr val="000000"/>
                 </a:solidFill>
-                <a:latin typeface="DejaVuSansMono"/>
+                <a:latin typeface="DejaVuSansMono-Bold"/>
+                <a:cs typeface="Helvetica" panose="020B0604020202020204" pitchFamily="34" charset="0"/>
               </a:rPr>
               <a:t>BookInStock</a:t>
             </a:r>
@@ -33230,7 +34597,8 @@
               <a:solidFill>
                 <a:srgbClr val="000000"/>
               </a:solidFill>
-              <a:latin typeface="DejaVuSansMono"/>
+              <a:latin typeface="DejaVuSansMono-Bold"/>
+              <a:cs typeface="Helvetica" panose="020B0604020202020204" pitchFamily="34" charset="0"/>
             </a:endParaRPr>
           </a:p>
           <a:p>
@@ -33242,7 +34610,8 @@
                 <a:solidFill>
                   <a:srgbClr val="000000"/>
                 </a:solidFill>
-                <a:latin typeface="DejaVuSansMono"/>
+                <a:latin typeface="DejaVuSansMono-Bold"/>
+                <a:cs typeface="Helvetica" panose="020B0604020202020204" pitchFamily="34" charset="0"/>
               </a:rPr>
               <a:t>	</a:t>
             </a:r>
@@ -33254,7 +34623,8 @@
                     <a:lumOff val="40000"/>
                   </a:schemeClr>
                 </a:solidFill>
-                <a:latin typeface="DejaVuSansMono"/>
+                <a:latin typeface="DejaVuSansMono-Bold"/>
+                <a:cs typeface="Helvetica" panose="020B0604020202020204" pitchFamily="34" charset="0"/>
               </a:rPr>
               <a:t>attr_reader</a:t>
             </a:r>
@@ -33266,7 +34636,8 @@
                     <a:lumOff val="40000"/>
                   </a:schemeClr>
                 </a:solidFill>
-                <a:latin typeface="DejaVuSansMono"/>
+                <a:latin typeface="DejaVuSansMono-Bold"/>
+                <a:cs typeface="Helvetica" panose="020B0604020202020204" pitchFamily="34" charset="0"/>
               </a:rPr>
               <a:t> :</a:t>
             </a:r>
@@ -33278,7 +34649,8 @@
                     <a:lumOff val="40000"/>
                   </a:schemeClr>
                 </a:solidFill>
-                <a:latin typeface="DejaVuSansMono"/>
+                <a:latin typeface="DejaVuSansMono-Bold"/>
+                <a:cs typeface="Helvetica" panose="020B0604020202020204" pitchFamily="34" charset="0"/>
               </a:rPr>
               <a:t>isbn</a:t>
             </a:r>
@@ -33289,7 +34661,8 @@
                   <a:lumOff val="40000"/>
                 </a:schemeClr>
               </a:solidFill>
-              <a:latin typeface="DejaVuSansMono"/>
+              <a:latin typeface="DejaVuSansMono-Bold"/>
+              <a:cs typeface="Helvetica" panose="020B0604020202020204" pitchFamily="34" charset="0"/>
             </a:endParaRPr>
           </a:p>
           <a:p>
@@ -33301,7 +34674,8 @@
                 <a:solidFill>
                   <a:srgbClr val="000000"/>
                 </a:solidFill>
-                <a:latin typeface="DejaVuSansMono"/>
+                <a:latin typeface="DejaVuSansMono-Bold"/>
+                <a:cs typeface="Helvetica" panose="020B0604020202020204" pitchFamily="34" charset="0"/>
               </a:rPr>
               <a:t>	</a:t>
             </a:r>
@@ -33313,7 +34687,8 @@
                     <a:lumOff val="40000"/>
                   </a:schemeClr>
                 </a:solidFill>
-                <a:latin typeface="DejaVuSansMono"/>
+                <a:latin typeface="DejaVuSansMono-Bold"/>
+                <a:cs typeface="Helvetica" panose="020B0604020202020204" pitchFamily="34" charset="0"/>
               </a:rPr>
               <a:t>attr_accessor</a:t>
             </a:r>
@@ -33325,7 +34700,8 @@
                     <a:lumOff val="40000"/>
                   </a:schemeClr>
                 </a:solidFill>
-                <a:latin typeface="DejaVuSansMono"/>
+                <a:latin typeface="DejaVuSansMono-Bold"/>
+                <a:cs typeface="Helvetica" panose="020B0604020202020204" pitchFamily="34" charset="0"/>
               </a:rPr>
               <a:t> :</a:t>
             </a:r>
@@ -33337,7 +34713,8 @@
                     <a:lumOff val="40000"/>
                   </a:schemeClr>
                 </a:solidFill>
-                <a:latin typeface="DejaVuSansMono"/>
+                <a:latin typeface="DejaVuSansMono-Bold"/>
+                <a:cs typeface="Helvetica" panose="020B0604020202020204" pitchFamily="34" charset="0"/>
               </a:rPr>
               <a:t>price</a:t>
             </a:r>
@@ -33348,7 +34725,8 @@
                   <a:lumOff val="40000"/>
                 </a:schemeClr>
               </a:solidFill>
-              <a:latin typeface="DejaVuSansMono"/>
+              <a:latin typeface="DejaVuSansMono-Bold"/>
+              <a:cs typeface="Helvetica" panose="020B0604020202020204" pitchFamily="34" charset="0"/>
             </a:endParaRPr>
           </a:p>
           <a:p>
@@ -33361,6 +34739,7 @@
                   <a:srgbClr val="91117D"/>
                 </a:solidFill>
                 <a:latin typeface="DejaVuSansMono-Bold"/>
+                <a:cs typeface="Helvetica" panose="020B0604020202020204" pitchFamily="34" charset="0"/>
               </a:rPr>
               <a:t>	</a:t>
             </a:r>
@@ -33370,6 +34749,7 @@
                   <a:srgbClr val="91117D"/>
                 </a:solidFill>
                 <a:latin typeface="DejaVuSansMono-Bold"/>
+                <a:cs typeface="Helvetica" panose="020B0604020202020204" pitchFamily="34" charset="0"/>
               </a:rPr>
               <a:t>def</a:t>
             </a:r>
@@ -33379,6 +34759,7 @@
                   <a:srgbClr val="91117D"/>
                 </a:solidFill>
                 <a:latin typeface="DejaVuSansMono-Bold"/>
+                <a:cs typeface="Helvetica" panose="020B0604020202020204" pitchFamily="34" charset="0"/>
               </a:rPr>
               <a:t> </a:t>
             </a:r>
@@ -33387,7 +34768,8 @@
                 <a:solidFill>
                   <a:srgbClr val="000000"/>
                 </a:solidFill>
-                <a:latin typeface="DejaVuSansMono"/>
+                <a:latin typeface="DejaVuSansMono-Bold"/>
+                <a:cs typeface="Helvetica" panose="020B0604020202020204" pitchFamily="34" charset="0"/>
               </a:rPr>
               <a:t>initialize</a:t>
             </a:r>
@@ -33396,7 +34778,8 @@
                 <a:solidFill>
                   <a:srgbClr val="000000"/>
                 </a:solidFill>
-                <a:latin typeface="DejaVuSansMono"/>
+                <a:latin typeface="DejaVuSansMono-Bold"/>
+                <a:cs typeface="Helvetica" panose="020B0604020202020204" pitchFamily="34" charset="0"/>
               </a:rPr>
               <a:t>(</a:t>
             </a:r>
@@ -33405,7 +34788,8 @@
                 <a:solidFill>
                   <a:srgbClr val="000000"/>
                 </a:solidFill>
-                <a:latin typeface="DejaVuSansMono"/>
+                <a:latin typeface="DejaVuSansMono-Bold"/>
+                <a:cs typeface="Helvetica" panose="020B0604020202020204" pitchFamily="34" charset="0"/>
               </a:rPr>
               <a:t>isbn</a:t>
             </a:r>
@@ -33414,7 +34798,8 @@
                 <a:solidFill>
                   <a:srgbClr val="000000"/>
                 </a:solidFill>
-                <a:latin typeface="DejaVuSansMono"/>
+                <a:latin typeface="DejaVuSansMono-Bold"/>
+                <a:cs typeface="Helvetica" panose="020B0604020202020204" pitchFamily="34" charset="0"/>
               </a:rPr>
               <a:t>, </a:t>
             </a:r>
@@ -33423,7 +34808,8 @@
                 <a:solidFill>
                   <a:srgbClr val="000000"/>
                 </a:solidFill>
-                <a:latin typeface="DejaVuSansMono"/>
+                <a:latin typeface="DejaVuSansMono-Bold"/>
+                <a:cs typeface="Helvetica" panose="020B0604020202020204" pitchFamily="34" charset="0"/>
               </a:rPr>
               <a:t>price</a:t>
             </a:r>
@@ -33432,7 +34818,8 @@
                 <a:solidFill>
                   <a:srgbClr val="000000"/>
                 </a:solidFill>
-                <a:latin typeface="DejaVuSansMono"/>
+                <a:latin typeface="DejaVuSansMono-Bold"/>
+                <a:cs typeface="Helvetica" panose="020B0604020202020204" pitchFamily="34" charset="0"/>
               </a:rPr>
               <a:t>)</a:t>
             </a:r>
@@ -33446,7 +34833,8 @@
                 <a:solidFill>
                   <a:srgbClr val="000000"/>
                 </a:solidFill>
-                <a:latin typeface="DejaVuSansMono"/>
+                <a:latin typeface="DejaVuSansMono-Bold"/>
+                <a:cs typeface="Helvetica" panose="020B0604020202020204" pitchFamily="34" charset="0"/>
               </a:rPr>
               <a:t>		@</a:t>
             </a:r>
@@ -33455,7 +34843,8 @@
                 <a:solidFill>
                   <a:srgbClr val="000000"/>
                 </a:solidFill>
-                <a:latin typeface="DejaVuSansMono"/>
+                <a:latin typeface="DejaVuSansMono-Bold"/>
+                <a:cs typeface="Helvetica" panose="020B0604020202020204" pitchFamily="34" charset="0"/>
               </a:rPr>
               <a:t>isbn</a:t>
             </a:r>
@@ -33464,7 +34853,8 @@
                 <a:solidFill>
                   <a:srgbClr val="000000"/>
                 </a:solidFill>
-                <a:latin typeface="DejaVuSansMono"/>
+                <a:latin typeface="DejaVuSansMono-Bold"/>
+                <a:cs typeface="Helvetica" panose="020B0604020202020204" pitchFamily="34" charset="0"/>
               </a:rPr>
               <a:t> = </a:t>
             </a:r>
@@ -33473,7 +34863,8 @@
                 <a:solidFill>
                   <a:srgbClr val="000000"/>
                 </a:solidFill>
-                <a:latin typeface="DejaVuSansMono"/>
+                <a:latin typeface="DejaVuSansMono-Bold"/>
+                <a:cs typeface="Helvetica" panose="020B0604020202020204" pitchFamily="34" charset="0"/>
               </a:rPr>
               <a:t>isbn</a:t>
             </a:r>
@@ -33481,7 +34872,8 @@
               <a:solidFill>
                 <a:srgbClr val="000000"/>
               </a:solidFill>
-              <a:latin typeface="DejaVuSansMono"/>
+              <a:latin typeface="DejaVuSansMono-Bold"/>
+              <a:cs typeface="Helvetica" panose="020B0604020202020204" pitchFamily="34" charset="0"/>
             </a:endParaRPr>
           </a:p>
           <a:p>
@@ -33493,7 +34885,8 @@
                 <a:solidFill>
                   <a:srgbClr val="000000"/>
                 </a:solidFill>
-                <a:latin typeface="DejaVuSansMono"/>
+                <a:latin typeface="DejaVuSansMono-Bold"/>
+                <a:cs typeface="Helvetica" panose="020B0604020202020204" pitchFamily="34" charset="0"/>
               </a:rPr>
               <a:t>		@</a:t>
             </a:r>
@@ -33502,7 +34895,8 @@
                 <a:solidFill>
                   <a:srgbClr val="000000"/>
                 </a:solidFill>
-                <a:latin typeface="DejaVuSansMono"/>
+                <a:latin typeface="DejaVuSansMono-Bold"/>
+                <a:cs typeface="Helvetica" panose="020B0604020202020204" pitchFamily="34" charset="0"/>
               </a:rPr>
               <a:t>price</a:t>
             </a:r>
@@ -33511,7 +34905,8 @@
                 <a:solidFill>
                   <a:srgbClr val="000000"/>
                 </a:solidFill>
-                <a:latin typeface="DejaVuSansMono"/>
+                <a:latin typeface="DejaVuSansMono-Bold"/>
+                <a:cs typeface="Helvetica" panose="020B0604020202020204" pitchFamily="34" charset="0"/>
               </a:rPr>
               <a:t> = </a:t>
             </a:r>
@@ -33520,7 +34915,8 @@
                 <a:solidFill>
                   <a:srgbClr val="000000"/>
                 </a:solidFill>
-                <a:latin typeface="DejaVuSansMono"/>
+                <a:latin typeface="DejaVuSansMono-Bold"/>
+                <a:cs typeface="Helvetica" panose="020B0604020202020204" pitchFamily="34" charset="0"/>
               </a:rPr>
               <a:t>Float</a:t>
             </a:r>
@@ -33529,7 +34925,8 @@
                 <a:solidFill>
                   <a:srgbClr val="000000"/>
                 </a:solidFill>
-                <a:latin typeface="DejaVuSansMono"/>
+                <a:latin typeface="DejaVuSansMono-Bold"/>
+                <a:cs typeface="Helvetica" panose="020B0604020202020204" pitchFamily="34" charset="0"/>
               </a:rPr>
               <a:t>(</a:t>
             </a:r>
@@ -33538,7 +34935,8 @@
                 <a:solidFill>
                   <a:srgbClr val="000000"/>
                 </a:solidFill>
-                <a:latin typeface="DejaVuSansMono"/>
+                <a:latin typeface="DejaVuSansMono-Bold"/>
+                <a:cs typeface="Helvetica" panose="020B0604020202020204" pitchFamily="34" charset="0"/>
               </a:rPr>
               <a:t>price</a:t>
             </a:r>
@@ -33547,7 +34945,8 @@
                 <a:solidFill>
                   <a:srgbClr val="000000"/>
                 </a:solidFill>
-                <a:latin typeface="DejaVuSansMono"/>
+                <a:latin typeface="DejaVuSansMono-Bold"/>
+                <a:cs typeface="Helvetica" panose="020B0604020202020204" pitchFamily="34" charset="0"/>
               </a:rPr>
               <a:t>)</a:t>
             </a:r>
@@ -33562,6 +34961,7 @@
                   <a:srgbClr val="91117D"/>
                 </a:solidFill>
                 <a:latin typeface="DejaVuSansMono-Bold"/>
+                <a:cs typeface="Helvetica" panose="020B0604020202020204" pitchFamily="34" charset="0"/>
               </a:rPr>
               <a:t>	</a:t>
             </a:r>
@@ -33571,6 +34971,7 @@
                   <a:srgbClr val="91117D"/>
                 </a:solidFill>
                 <a:latin typeface="DejaVuSansMono-Bold"/>
+                <a:cs typeface="Helvetica" panose="020B0604020202020204" pitchFamily="34" charset="0"/>
               </a:rPr>
               <a:t>End</a:t>
             </a:r>
@@ -33579,6 +34980,7 @@
                 <a:srgbClr val="91117D"/>
               </a:solidFill>
               <a:latin typeface="DejaVuSansMono-Bold"/>
+              <a:cs typeface="Helvetica" panose="020B0604020202020204" pitchFamily="34" charset="0"/>
             </a:endParaRPr>
           </a:p>
           <a:p>
@@ -33590,7 +34992,8 @@
                 <a:solidFill>
                   <a:srgbClr val="0F7C0F"/>
                 </a:solidFill>
-                <a:latin typeface="DejaVuSansMono-Oblique"/>
+                <a:latin typeface="DejaVuSansMono-Bold"/>
+                <a:cs typeface="Helvetica" panose="020B0604020202020204" pitchFamily="34" charset="0"/>
               </a:rPr>
               <a:t># ...</a:t>
             </a:r>
@@ -33605,6 +35008,7 @@
                   <a:srgbClr val="91117D"/>
                 </a:solidFill>
                 <a:latin typeface="DejaVuSansMono-Bold"/>
+                <a:cs typeface="Helvetica" panose="020B0604020202020204" pitchFamily="34" charset="0"/>
               </a:rPr>
               <a:t>end</a:t>
             </a:r>
@@ -33613,6 +35017,7 @@
                 <a:srgbClr val="91117D"/>
               </a:solidFill>
               <a:latin typeface="DejaVuSansMono-Bold"/>
+              <a:cs typeface="Helvetica" panose="020B0604020202020204" pitchFamily="34" charset="0"/>
             </a:endParaRPr>
           </a:p>
         </p:txBody>
@@ -33652,6 +35057,8 @@
                     <a:lumOff val="25000"/>
                   </a:schemeClr>
                 </a:solidFill>
+                <a:latin typeface="Helvetica" panose="020B0604020202020204" pitchFamily="34" charset="0"/>
+                <a:cs typeface="Helvetica" panose="020B0604020202020204" pitchFamily="34" charset="0"/>
               </a:rPr>
               <a:t>Because writing accessor methods is such a common idiom, Ruby provides a convenient shortcut. </a:t>
             </a:r>
@@ -33663,6 +35070,8 @@
                     <a:lumOff val="40000"/>
                   </a:schemeClr>
                 </a:solidFill>
+                <a:latin typeface="Helvetica" panose="020B0604020202020204" pitchFamily="34" charset="0"/>
+                <a:cs typeface="Helvetica" panose="020B0604020202020204" pitchFamily="34" charset="0"/>
               </a:rPr>
               <a:t>attr_reader</a:t>
             </a:r>
@@ -33674,6 +35083,8 @@
                     <a:lumOff val="40000"/>
                   </a:schemeClr>
                 </a:solidFill>
+                <a:latin typeface="Helvetica" panose="020B0604020202020204" pitchFamily="34" charset="0"/>
+                <a:cs typeface="Helvetica" panose="020B0604020202020204" pitchFamily="34" charset="0"/>
               </a:rPr>
               <a:t>  </a:t>
             </a:r>
@@ -33685,6 +35096,8 @@
                     <a:lumOff val="25000"/>
                   </a:schemeClr>
                 </a:solidFill>
+                <a:latin typeface="Helvetica" panose="020B0604020202020204" pitchFamily="34" charset="0"/>
+                <a:cs typeface="Helvetica" panose="020B0604020202020204" pitchFamily="34" charset="0"/>
               </a:rPr>
               <a:t>o </a:t>
             </a:r>
@@ -33696,6 +35109,8 @@
                     <a:lumOff val="40000"/>
                   </a:schemeClr>
                 </a:solidFill>
+                <a:latin typeface="Helvetica" panose="020B0604020202020204" pitchFamily="34" charset="0"/>
+                <a:cs typeface="Helvetica" panose="020B0604020202020204" pitchFamily="34" charset="0"/>
               </a:rPr>
               <a:t>attr_accessor</a:t>
             </a:r>
@@ -33707,6 +35122,8 @@
                     <a:lumOff val="40000"/>
                   </a:schemeClr>
                 </a:solidFill>
+                <a:latin typeface="Helvetica" panose="020B0604020202020204" pitchFamily="34" charset="0"/>
+                <a:cs typeface="Helvetica" panose="020B0604020202020204" pitchFamily="34" charset="0"/>
               </a:rPr>
               <a:t> </a:t>
             </a:r>
@@ -33718,6 +35135,8 @@
                     <a:lumOff val="25000"/>
                   </a:schemeClr>
                 </a:solidFill>
+                <a:latin typeface="Helvetica" panose="020B0604020202020204" pitchFamily="34" charset="0"/>
+                <a:cs typeface="Helvetica" panose="020B0604020202020204" pitchFamily="34" charset="0"/>
               </a:rPr>
               <a:t>creates these attribute reader methods for you:</a:t>
             </a:r>
@@ -33728,6 +35147,8 @@
                   <a:lumOff val="25000"/>
                 </a:schemeClr>
               </a:solidFill>
+              <a:latin typeface="Helvetica" panose="020B0604020202020204" pitchFamily="34" charset="0"/>
+              <a:cs typeface="Helvetica" panose="020B0604020202020204" pitchFamily="34" charset="0"/>
             </a:endParaRPr>
           </a:p>
         </p:txBody>
@@ -33764,7 +35185,8 @@
                 <a:solidFill>
                   <a:srgbClr val="000000"/>
                 </a:solidFill>
-                <a:latin typeface="DejaVuSansMono"/>
+                <a:latin typeface="DejaVuSansMono-Bold"/>
+                <a:cs typeface="Helvetica" panose="020B0604020202020204" pitchFamily="34" charset="0"/>
               </a:rPr>
               <a:t>book = </a:t>
             </a:r>
@@ -33773,7 +35195,8 @@
                 <a:solidFill>
                   <a:srgbClr val="000000"/>
                 </a:solidFill>
-                <a:latin typeface="DejaVuSansMono"/>
+                <a:latin typeface="DejaVuSansMono-Bold"/>
+                <a:cs typeface="Helvetica" panose="020B0604020202020204" pitchFamily="34" charset="0"/>
               </a:rPr>
               <a:t>BookInStock.new</a:t>
             </a:r>
@@ -33782,7 +35205,8 @@
                 <a:solidFill>
                   <a:srgbClr val="000000"/>
                 </a:solidFill>
-                <a:latin typeface="DejaVuSansMono"/>
+                <a:latin typeface="DejaVuSansMono-Bold"/>
+                <a:cs typeface="Helvetica" panose="020B0604020202020204" pitchFamily="34" charset="0"/>
               </a:rPr>
               <a:t>(</a:t>
             </a:r>
@@ -33791,7 +35215,8 @@
                 <a:solidFill>
                   <a:srgbClr val="191191"/>
                 </a:solidFill>
-                <a:latin typeface="DejaVuSansMono-Oblique"/>
+                <a:latin typeface="DejaVuSansMono-Bold"/>
+                <a:cs typeface="Helvetica" panose="020B0604020202020204" pitchFamily="34" charset="0"/>
               </a:rPr>
               <a:t>"</a:t>
             </a:r>
@@ -33800,7 +35225,8 @@
                 <a:solidFill>
                   <a:srgbClr val="191191"/>
                 </a:solidFill>
-                <a:latin typeface="DejaVuSansMono-Oblique"/>
+                <a:latin typeface="DejaVuSansMono-Bold"/>
+                <a:cs typeface="Helvetica" panose="020B0604020202020204" pitchFamily="34" charset="0"/>
               </a:rPr>
               <a:t>isbn1</a:t>
             </a:r>
@@ -33809,7 +35235,8 @@
                 <a:solidFill>
                   <a:srgbClr val="191191"/>
                 </a:solidFill>
-                <a:latin typeface="DejaVuSansMono-Oblique"/>
+                <a:latin typeface="DejaVuSansMono-Bold"/>
+                <a:cs typeface="Helvetica" panose="020B0604020202020204" pitchFamily="34" charset="0"/>
               </a:rPr>
               <a:t>"</a:t>
             </a:r>
@@ -33818,7 +35245,8 @@
                 <a:solidFill>
                   <a:srgbClr val="000000"/>
                 </a:solidFill>
-                <a:latin typeface="DejaVuSansMono"/>
+                <a:latin typeface="DejaVuSansMono-Bold"/>
+                <a:cs typeface="Helvetica" panose="020B0604020202020204" pitchFamily="34" charset="0"/>
               </a:rPr>
               <a:t>, 12.34)</a:t>
             </a:r>
@@ -33829,7 +35257,8 @@
                 <a:solidFill>
                   <a:srgbClr val="000000"/>
                 </a:solidFill>
-                <a:latin typeface="DejaVuSansMono"/>
+                <a:latin typeface="DejaVuSansMono-Bold"/>
+                <a:cs typeface="Helvetica" panose="020B0604020202020204" pitchFamily="34" charset="0"/>
               </a:rPr>
               <a:t>puts</a:t>
             </a:r>
@@ -33838,7 +35267,8 @@
                 <a:solidFill>
                   <a:srgbClr val="000000"/>
                 </a:solidFill>
-                <a:latin typeface="DejaVuSansMono"/>
+                <a:latin typeface="DejaVuSansMono-Bold"/>
+                <a:cs typeface="Helvetica" panose="020B0604020202020204" pitchFamily="34" charset="0"/>
               </a:rPr>
               <a:t> </a:t>
             </a:r>
@@ -33847,7 +35277,8 @@
                 <a:solidFill>
                   <a:srgbClr val="191191"/>
                 </a:solidFill>
-                <a:latin typeface="DejaVuSansMono-Oblique"/>
+                <a:latin typeface="DejaVuSansMono-Bold"/>
+                <a:cs typeface="Helvetica" panose="020B0604020202020204" pitchFamily="34" charset="0"/>
               </a:rPr>
               <a:t>"ISBN = </a:t>
             </a:r>
@@ -33856,7 +35287,8 @@
                 <a:solidFill>
                   <a:srgbClr val="000000"/>
                 </a:solidFill>
-                <a:latin typeface="DejaVuSansMono"/>
+                <a:latin typeface="DejaVuSansMono-Bold"/>
+                <a:cs typeface="Helvetica" panose="020B0604020202020204" pitchFamily="34" charset="0"/>
               </a:rPr>
               <a:t>#{</a:t>
             </a:r>
@@ -33865,7 +35297,8 @@
                 <a:solidFill>
                   <a:srgbClr val="000000"/>
                 </a:solidFill>
-                <a:latin typeface="DejaVuSansMono"/>
+                <a:latin typeface="DejaVuSansMono-Bold"/>
+                <a:cs typeface="Helvetica" panose="020B0604020202020204" pitchFamily="34" charset="0"/>
               </a:rPr>
               <a:t>book.isbn</a:t>
             </a:r>
@@ -33874,7 +35307,8 @@
                 <a:solidFill>
                   <a:srgbClr val="000000"/>
                 </a:solidFill>
-                <a:latin typeface="DejaVuSansMono"/>
+                <a:latin typeface="DejaVuSansMono-Bold"/>
+                <a:cs typeface="Helvetica" panose="020B0604020202020204" pitchFamily="34" charset="0"/>
               </a:rPr>
               <a:t>}</a:t>
             </a:r>
@@ -33883,7 +35317,8 @@
                 <a:solidFill>
                   <a:srgbClr val="191191"/>
                 </a:solidFill>
-                <a:latin typeface="DejaVuSansMono-Oblique"/>
+                <a:latin typeface="DejaVuSansMono-Bold"/>
+                <a:cs typeface="Helvetica" panose="020B0604020202020204" pitchFamily="34" charset="0"/>
               </a:rPr>
               <a:t>"</a:t>
             </a:r>
@@ -33894,7 +35329,8 @@
                 <a:solidFill>
                   <a:srgbClr val="000000"/>
                 </a:solidFill>
-                <a:latin typeface="DejaVuSansMono"/>
+                <a:latin typeface="DejaVuSansMono-Bold"/>
+                <a:cs typeface="Helvetica" panose="020B0604020202020204" pitchFamily="34" charset="0"/>
               </a:rPr>
               <a:t>puts</a:t>
             </a:r>
@@ -33903,7 +35339,8 @@
                 <a:solidFill>
                   <a:srgbClr val="000000"/>
                 </a:solidFill>
-                <a:latin typeface="DejaVuSansMono"/>
+                <a:latin typeface="DejaVuSansMono-Bold"/>
+                <a:cs typeface="Helvetica" panose="020B0604020202020204" pitchFamily="34" charset="0"/>
               </a:rPr>
               <a:t> </a:t>
             </a:r>
@@ -33912,7 +35349,8 @@
                 <a:solidFill>
                   <a:srgbClr val="191191"/>
                 </a:solidFill>
-                <a:latin typeface="DejaVuSansMono-Oblique"/>
+                <a:latin typeface="DejaVuSansMono-Bold"/>
+                <a:cs typeface="Helvetica" panose="020B0604020202020204" pitchFamily="34" charset="0"/>
               </a:rPr>
               <a:t>"Price = </a:t>
             </a:r>
@@ -33921,7 +35359,8 @@
                 <a:solidFill>
                   <a:srgbClr val="000000"/>
                 </a:solidFill>
-                <a:latin typeface="DejaVuSansMono"/>
+                <a:latin typeface="DejaVuSansMono-Bold"/>
+                <a:cs typeface="Helvetica" panose="020B0604020202020204" pitchFamily="34" charset="0"/>
               </a:rPr>
               <a:t>#{</a:t>
             </a:r>
@@ -33930,7 +35369,8 @@
                 <a:solidFill>
                   <a:srgbClr val="000000"/>
                 </a:solidFill>
-                <a:latin typeface="DejaVuSansMono"/>
+                <a:latin typeface="DejaVuSansMono-Bold"/>
+                <a:cs typeface="Helvetica" panose="020B0604020202020204" pitchFamily="34" charset="0"/>
               </a:rPr>
               <a:t>book.price</a:t>
             </a:r>
@@ -33939,7 +35379,8 @@
                 <a:solidFill>
                   <a:srgbClr val="000000"/>
                 </a:solidFill>
-                <a:latin typeface="DejaVuSansMono"/>
+                <a:latin typeface="DejaVuSansMono-Bold"/>
+                <a:cs typeface="Helvetica" panose="020B0604020202020204" pitchFamily="34" charset="0"/>
               </a:rPr>
               <a:t>}</a:t>
             </a:r>
@@ -33948,7 +35389,8 @@
                 <a:solidFill>
                   <a:srgbClr val="191191"/>
                 </a:solidFill>
-                <a:latin typeface="DejaVuSansMono-Oblique"/>
+                <a:latin typeface="DejaVuSansMono-Bold"/>
+                <a:cs typeface="Helvetica" panose="020B0604020202020204" pitchFamily="34" charset="0"/>
               </a:rPr>
               <a:t>"</a:t>
             </a:r>
@@ -33960,8 +35402,19 @@
                   <a:srgbClr val="000000"/>
                 </a:solidFill>
                 <a:latin typeface="PalatinoLinotype-Italic"/>
-              </a:rPr>
-              <a:t>produces:</a:t>
+                <a:cs typeface="Helvetica" panose="020B0604020202020204" pitchFamily="34" charset="0"/>
+              </a:rPr>
+              <a:t>produces</a:t>
+            </a:r>
+            <a:r>
+              <a:rPr lang="es-CO" i="1" dirty="0">
+                <a:solidFill>
+                  <a:srgbClr val="000000"/>
+                </a:solidFill>
+                <a:latin typeface="DejaVuSansMono-Bold"/>
+                <a:cs typeface="Helvetica" panose="020B0604020202020204" pitchFamily="34" charset="0"/>
+              </a:rPr>
+              <a:t>:</a:t>
             </a:r>
           </a:p>
           <a:p>
@@ -33970,7 +35423,8 @@
                 <a:solidFill>
                   <a:srgbClr val="000000"/>
                 </a:solidFill>
-                <a:latin typeface="DejaVuSansMono"/>
+                <a:latin typeface="DejaVuSansMono-Bold"/>
+                <a:cs typeface="Helvetica" panose="020B0604020202020204" pitchFamily="34" charset="0"/>
               </a:rPr>
               <a:t>ISBN = </a:t>
             </a:r>
@@ -33979,7 +35433,8 @@
                 <a:solidFill>
                   <a:srgbClr val="000000"/>
                 </a:solidFill>
-                <a:latin typeface="DejaVuSansMono"/>
+                <a:latin typeface="DejaVuSansMono-Bold"/>
+                <a:cs typeface="Helvetica" panose="020B0604020202020204" pitchFamily="34" charset="0"/>
               </a:rPr>
               <a:t>isbn1</a:t>
             </a:r>
@@ -33987,7 +35442,8 @@
               <a:solidFill>
                 <a:srgbClr val="000000"/>
               </a:solidFill>
-              <a:latin typeface="DejaVuSansMono"/>
+              <a:latin typeface="DejaVuSansMono-Bold"/>
+              <a:cs typeface="Helvetica" panose="020B0604020202020204" pitchFamily="34" charset="0"/>
             </a:endParaRPr>
           </a:p>
           <a:p>
@@ -33996,11 +35452,15 @@
                 <a:solidFill>
                   <a:srgbClr val="000000"/>
                 </a:solidFill>
-                <a:latin typeface="DejaVuSansMono"/>
+                <a:latin typeface="DejaVuSansMono-Bold"/>
+                <a:cs typeface="Helvetica" panose="020B0604020202020204" pitchFamily="34" charset="0"/>
               </a:rPr>
               <a:t>Price = 12.34</a:t>
             </a:r>
-            <a:endParaRPr lang="es-CO" dirty="0"/>
+            <a:endParaRPr lang="es-CO" dirty="0">
+              <a:latin typeface="DejaVuSansMono-Bold"/>
+              <a:cs typeface="Helvetica" panose="020B0604020202020204" pitchFamily="34" charset="0"/>
+            </a:endParaRPr>
           </a:p>
         </p:txBody>
       </p:sp>
@@ -34056,10 +35516,16 @@
           <a:lstStyle/>
           <a:p>
             <a:r>
-              <a:rPr lang="es-CO" dirty="0" err="1"/>
+              <a:rPr lang="es-CO" dirty="0" err="1">
+                <a:latin typeface="Helvetica" panose="020B0604020202020204" pitchFamily="34" charset="0"/>
+                <a:cs typeface="Helvetica" panose="020B0604020202020204" pitchFamily="34" charset="0"/>
+              </a:rPr>
               <a:t>Metaprogramming</a:t>
             </a:r>
-            <a:endParaRPr lang="es-CO" dirty="0"/>
+            <a:endParaRPr lang="es-CO" dirty="0">
+              <a:latin typeface="Helvetica" panose="020B0604020202020204" pitchFamily="34" charset="0"/>
+              <a:cs typeface="Helvetica" panose="020B0604020202020204" pitchFamily="34" charset="0"/>
+            </a:endParaRPr>
           </a:p>
         </p:txBody>
       </p:sp>
@@ -34476,10 +35942,16 @@
           <a:lstStyle/>
           <a:p>
             <a:r>
-              <a:rPr lang="es-CO" dirty="0" err="1"/>
+              <a:rPr lang="es-CO" dirty="0" err="1">
+                <a:latin typeface="Helvetica" panose="020B0604020202020204" pitchFamily="34" charset="0"/>
+                <a:cs typeface="Helvetica" panose="020B0604020202020204" pitchFamily="34" charset="0"/>
+              </a:rPr>
               <a:t>Metaprogramming</a:t>
             </a:r>
-            <a:endParaRPr lang="es-CO" dirty="0"/>
+            <a:endParaRPr lang="es-CO" dirty="0">
+              <a:latin typeface="Helvetica" panose="020B0604020202020204" pitchFamily="34" charset="0"/>
+              <a:cs typeface="Helvetica" panose="020B0604020202020204" pitchFamily="34" charset="0"/>
+            </a:endParaRPr>
           </a:p>
         </p:txBody>
       </p:sp>
@@ -35201,18 +36673,30 @@
           <a:lstStyle/>
           <a:p>
             <a:r>
-              <a:rPr lang="es-CO" dirty="0" err="1"/>
+              <a:rPr lang="es-CO" dirty="0" err="1">
+                <a:latin typeface="Helvetica" panose="020B0604020202020204" pitchFamily="34" charset="0"/>
+                <a:cs typeface="Helvetica" panose="020B0604020202020204" pitchFamily="34" charset="0"/>
+              </a:rPr>
               <a:t>Reflection</a:t>
             </a:r>
             <a:r>
-              <a:rPr lang="es-CO" dirty="0"/>
+              <a:rPr lang="es-CO" dirty="0">
+                <a:latin typeface="Helvetica" panose="020B0604020202020204" pitchFamily="34" charset="0"/>
+                <a:cs typeface="Helvetica" panose="020B0604020202020204" pitchFamily="34" charset="0"/>
+              </a:rPr>
               <a:t>, </a:t>
             </a:r>
             <a:r>
-              <a:rPr lang="es-CO" dirty="0" err="1"/>
+              <a:rPr lang="es-CO" dirty="0" err="1">
+                <a:latin typeface="Helvetica" panose="020B0604020202020204" pitchFamily="34" charset="0"/>
+                <a:cs typeface="Helvetica" panose="020B0604020202020204" pitchFamily="34" charset="0"/>
+              </a:rPr>
               <a:t>ObjectSpace</a:t>
             </a:r>
-            <a:endParaRPr lang="es-CO" dirty="0"/>
+            <a:endParaRPr lang="es-CO" dirty="0">
+              <a:latin typeface="Helvetica" panose="020B0604020202020204" pitchFamily="34" charset="0"/>
+              <a:cs typeface="Helvetica" panose="020B0604020202020204" pitchFamily="34" charset="0"/>
+            </a:endParaRPr>
           </a:p>
         </p:txBody>
       </p:sp>
@@ -35238,112 +36722,190 @@
           <a:lstStyle/>
           <a:p>
             <a:r>
-              <a:rPr lang="en-US" dirty="0"/>
+              <a:rPr lang="en-US" dirty="0">
+                <a:latin typeface="Helvetica" panose="020B0604020202020204" pitchFamily="34" charset="0"/>
+                <a:cs typeface="Helvetica" panose="020B0604020202020204" pitchFamily="34" charset="0"/>
+              </a:rPr>
               <a:t>One of the advantages of dynamic languages such as Ruby is the ability to </a:t>
             </a:r>
             <a:r>
-              <a:rPr lang="en-US" i="1" dirty="0"/>
+              <a:rPr lang="en-US" i="1" dirty="0">
+                <a:latin typeface="Helvetica" panose="020B0604020202020204" pitchFamily="34" charset="0"/>
+                <a:cs typeface="Helvetica" panose="020B0604020202020204" pitchFamily="34" charset="0"/>
+              </a:rPr>
               <a:t>introspect</a:t>
             </a:r>
             <a:r>
-              <a:rPr lang="en-US" dirty="0"/>
+              <a:rPr lang="en-US" dirty="0">
+                <a:latin typeface="Helvetica" panose="020B0604020202020204" pitchFamily="34" charset="0"/>
+                <a:cs typeface="Helvetica" panose="020B0604020202020204" pitchFamily="34" charset="0"/>
+              </a:rPr>
               <a:t>—to examine aspects of a program from within the program itself. This is also called </a:t>
             </a:r>
             <a:r>
-              <a:rPr lang="en-US" i="1" dirty="0"/>
+              <a:rPr lang="en-US" i="1" dirty="0">
+                <a:latin typeface="Helvetica" panose="020B0604020202020204" pitchFamily="34" charset="0"/>
+                <a:cs typeface="Helvetica" panose="020B0604020202020204" pitchFamily="34" charset="0"/>
+              </a:rPr>
               <a:t>reflection</a:t>
             </a:r>
             <a:r>
-              <a:rPr lang="en-US" dirty="0"/>
+              <a:rPr lang="en-US" dirty="0">
+                <a:latin typeface="Helvetica" panose="020B0604020202020204" pitchFamily="34" charset="0"/>
+                <a:cs typeface="Helvetica" panose="020B0604020202020204" pitchFamily="34" charset="0"/>
+              </a:rPr>
               <a:t>.</a:t>
             </a:r>
           </a:p>
           <a:p>
             <a:pPr lvl="1"/>
             <a:r>
-              <a:rPr lang="es-CO" dirty="0" err="1"/>
+              <a:rPr lang="es-CO" dirty="0" err="1">
+                <a:latin typeface="Helvetica" panose="020B0604020202020204" pitchFamily="34" charset="0"/>
+                <a:cs typeface="Helvetica" panose="020B0604020202020204" pitchFamily="34" charset="0"/>
+              </a:rPr>
               <a:t>What</a:t>
             </a:r>
             <a:r>
-              <a:rPr lang="es-CO" dirty="0"/>
+              <a:rPr lang="es-CO" dirty="0">
+                <a:latin typeface="Helvetica" panose="020B0604020202020204" pitchFamily="34" charset="0"/>
+                <a:cs typeface="Helvetica" panose="020B0604020202020204" pitchFamily="34" charset="0"/>
+              </a:rPr>
               <a:t> </a:t>
             </a:r>
             <a:r>
-              <a:rPr lang="es-CO" dirty="0" err="1"/>
+              <a:rPr lang="es-CO" dirty="0" err="1">
+                <a:latin typeface="Helvetica" panose="020B0604020202020204" pitchFamily="34" charset="0"/>
+                <a:cs typeface="Helvetica" panose="020B0604020202020204" pitchFamily="34" charset="0"/>
+              </a:rPr>
               <a:t>objects</a:t>
             </a:r>
             <a:r>
-              <a:rPr lang="es-CO" dirty="0"/>
+              <a:rPr lang="es-CO" dirty="0">
+                <a:latin typeface="Helvetica" panose="020B0604020202020204" pitchFamily="34" charset="0"/>
+                <a:cs typeface="Helvetica" panose="020B0604020202020204" pitchFamily="34" charset="0"/>
+              </a:rPr>
               <a:t> </a:t>
             </a:r>
             <a:r>
-              <a:rPr lang="es-CO" dirty="0" err="1"/>
+              <a:rPr lang="es-CO" dirty="0" err="1">
+                <a:latin typeface="Helvetica" panose="020B0604020202020204" pitchFamily="34" charset="0"/>
+                <a:cs typeface="Helvetica" panose="020B0604020202020204" pitchFamily="34" charset="0"/>
+              </a:rPr>
               <a:t>it</a:t>
             </a:r>
             <a:r>
-              <a:rPr lang="es-CO" dirty="0"/>
+              <a:rPr lang="es-CO" dirty="0">
+                <a:latin typeface="Helvetica" panose="020B0604020202020204" pitchFamily="34" charset="0"/>
+                <a:cs typeface="Helvetica" panose="020B0604020202020204" pitchFamily="34" charset="0"/>
+              </a:rPr>
               <a:t> </a:t>
             </a:r>
             <a:r>
-              <a:rPr lang="es-CO" dirty="0" err="1"/>
+              <a:rPr lang="es-CO" dirty="0" err="1">
+                <a:latin typeface="Helvetica" panose="020B0604020202020204" pitchFamily="34" charset="0"/>
+                <a:cs typeface="Helvetica" panose="020B0604020202020204" pitchFamily="34" charset="0"/>
+              </a:rPr>
               <a:t>contains</a:t>
             </a:r>
-            <a:endParaRPr lang="es-CO" dirty="0"/>
+            <a:endParaRPr lang="es-CO" dirty="0">
+              <a:latin typeface="Helvetica" panose="020B0604020202020204" pitchFamily="34" charset="0"/>
+              <a:cs typeface="Helvetica" panose="020B0604020202020204" pitchFamily="34" charset="0"/>
+            </a:endParaRPr>
           </a:p>
           <a:p>
             <a:pPr lvl="1"/>
             <a:r>
-              <a:rPr lang="es-CO" dirty="0" err="1"/>
+              <a:rPr lang="es-CO" dirty="0" err="1">
+                <a:latin typeface="Helvetica" panose="020B0604020202020204" pitchFamily="34" charset="0"/>
+                <a:cs typeface="Helvetica" panose="020B0604020202020204" pitchFamily="34" charset="0"/>
+              </a:rPr>
               <a:t>Its</a:t>
             </a:r>
             <a:r>
-              <a:rPr lang="es-CO" dirty="0"/>
+              <a:rPr lang="es-CO" dirty="0">
+                <a:latin typeface="Helvetica" panose="020B0604020202020204" pitchFamily="34" charset="0"/>
+                <a:cs typeface="Helvetica" panose="020B0604020202020204" pitchFamily="34" charset="0"/>
+              </a:rPr>
               <a:t> </a:t>
             </a:r>
             <a:r>
-              <a:rPr lang="es-CO" dirty="0" err="1"/>
+              <a:rPr lang="es-CO" dirty="0" err="1">
+                <a:latin typeface="Helvetica" panose="020B0604020202020204" pitchFamily="34" charset="0"/>
+                <a:cs typeface="Helvetica" panose="020B0604020202020204" pitchFamily="34" charset="0"/>
+              </a:rPr>
               <a:t>class</a:t>
             </a:r>
             <a:r>
-              <a:rPr lang="es-CO" dirty="0"/>
+              <a:rPr lang="es-CO" dirty="0">
+                <a:latin typeface="Helvetica" panose="020B0604020202020204" pitchFamily="34" charset="0"/>
+                <a:cs typeface="Helvetica" panose="020B0604020202020204" pitchFamily="34" charset="0"/>
+              </a:rPr>
               <a:t> </a:t>
             </a:r>
             <a:r>
-              <a:rPr lang="es-CO" dirty="0" err="1"/>
+              <a:rPr lang="es-CO" dirty="0" err="1">
+                <a:latin typeface="Helvetica" panose="020B0604020202020204" pitchFamily="34" charset="0"/>
+                <a:cs typeface="Helvetica" panose="020B0604020202020204" pitchFamily="34" charset="0"/>
+              </a:rPr>
               <a:t>hierarchy</a:t>
             </a:r>
-            <a:endParaRPr lang="es-CO" dirty="0"/>
+            <a:endParaRPr lang="es-CO" dirty="0">
+              <a:latin typeface="Helvetica" panose="020B0604020202020204" pitchFamily="34" charset="0"/>
+              <a:cs typeface="Helvetica" panose="020B0604020202020204" pitchFamily="34" charset="0"/>
+            </a:endParaRPr>
           </a:p>
           <a:p>
             <a:pPr lvl="1"/>
             <a:r>
-              <a:rPr lang="en-US" dirty="0"/>
+              <a:rPr lang="en-US" dirty="0">
+                <a:latin typeface="Helvetica" panose="020B0604020202020204" pitchFamily="34" charset="0"/>
+                <a:cs typeface="Helvetica" panose="020B0604020202020204" pitchFamily="34" charset="0"/>
+              </a:rPr>
               <a:t>The attributes and methods of objects</a:t>
             </a:r>
           </a:p>
           <a:p>
             <a:pPr lvl="1"/>
             <a:r>
-              <a:rPr lang="es-CO" dirty="0" err="1"/>
+              <a:rPr lang="es-CO" dirty="0" err="1">
+                <a:latin typeface="Helvetica" panose="020B0604020202020204" pitchFamily="34" charset="0"/>
+                <a:cs typeface="Helvetica" panose="020B0604020202020204" pitchFamily="34" charset="0"/>
+              </a:rPr>
               <a:t>Information</a:t>
             </a:r>
             <a:r>
-              <a:rPr lang="es-CO" dirty="0"/>
+              <a:rPr lang="es-CO" dirty="0">
+                <a:latin typeface="Helvetica" panose="020B0604020202020204" pitchFamily="34" charset="0"/>
+                <a:cs typeface="Helvetica" panose="020B0604020202020204" pitchFamily="34" charset="0"/>
+              </a:rPr>
               <a:t> </a:t>
             </a:r>
             <a:r>
-              <a:rPr lang="es-CO" dirty="0" err="1"/>
+              <a:rPr lang="es-CO" dirty="0" err="1">
+                <a:latin typeface="Helvetica" panose="020B0604020202020204" pitchFamily="34" charset="0"/>
+                <a:cs typeface="Helvetica" panose="020B0604020202020204" pitchFamily="34" charset="0"/>
+              </a:rPr>
               <a:t>on</a:t>
             </a:r>
             <a:r>
-              <a:rPr lang="es-CO" dirty="0"/>
+              <a:rPr lang="es-CO" dirty="0">
+                <a:latin typeface="Helvetica" panose="020B0604020202020204" pitchFamily="34" charset="0"/>
+                <a:cs typeface="Helvetica" panose="020B0604020202020204" pitchFamily="34" charset="0"/>
+              </a:rPr>
               <a:t> </a:t>
             </a:r>
             <a:r>
-              <a:rPr lang="es-CO" dirty="0" err="1"/>
+              <a:rPr lang="es-CO" dirty="0" err="1">
+                <a:latin typeface="Helvetica" panose="020B0604020202020204" pitchFamily="34" charset="0"/>
+                <a:cs typeface="Helvetica" panose="020B0604020202020204" pitchFamily="34" charset="0"/>
+              </a:rPr>
               <a:t>methods</a:t>
             </a:r>
-            <a:endParaRPr lang="es-CO" dirty="0"/>
+            <a:endParaRPr lang="es-CO" dirty="0">
+              <a:latin typeface="Helvetica" panose="020B0604020202020204" pitchFamily="34" charset="0"/>
+              <a:cs typeface="Helvetica" panose="020B0604020202020204" pitchFamily="34" charset="0"/>
+            </a:endParaRPr>
           </a:p>
         </p:txBody>
       </p:sp>
@@ -35399,18 +36961,30 @@
           <a:lstStyle/>
           <a:p>
             <a:r>
-              <a:rPr lang="es-CO" dirty="0" err="1"/>
+              <a:rPr lang="es-CO" dirty="0" err="1">
+                <a:latin typeface="Helvetica" panose="020B0604020202020204" pitchFamily="34" charset="0"/>
+                <a:cs typeface="Helvetica" panose="020B0604020202020204" pitchFamily="34" charset="0"/>
+              </a:rPr>
               <a:t>Reflection</a:t>
             </a:r>
             <a:r>
-              <a:rPr lang="es-CO" dirty="0"/>
+              <a:rPr lang="es-CO" dirty="0">
+                <a:latin typeface="Helvetica" panose="020B0604020202020204" pitchFamily="34" charset="0"/>
+                <a:cs typeface="Helvetica" panose="020B0604020202020204" pitchFamily="34" charset="0"/>
+              </a:rPr>
               <a:t>, </a:t>
             </a:r>
             <a:r>
-              <a:rPr lang="es-CO" dirty="0" err="1"/>
+              <a:rPr lang="es-CO" dirty="0" err="1">
+                <a:latin typeface="Helvetica" panose="020B0604020202020204" pitchFamily="34" charset="0"/>
+                <a:cs typeface="Helvetica" panose="020B0604020202020204" pitchFamily="34" charset="0"/>
+              </a:rPr>
               <a:t>ObjectSpace</a:t>
             </a:r>
-            <a:endParaRPr lang="es-CO" dirty="0"/>
+            <a:endParaRPr lang="es-CO" dirty="0">
+              <a:latin typeface="Helvetica" panose="020B0604020202020204" pitchFamily="34" charset="0"/>
+              <a:cs typeface="Helvetica" panose="020B0604020202020204" pitchFamily="34" charset="0"/>
+            </a:endParaRPr>
           </a:p>
         </p:txBody>
       </p:sp>
@@ -35443,19 +37017,31 @@
           <a:lstStyle/>
           <a:p>
             <a:r>
-              <a:rPr lang="es-CO" dirty="0" err="1"/>
+              <a:rPr lang="es-CO" dirty="0" err="1">
+                <a:latin typeface="Helvetica" panose="020B0604020202020204" pitchFamily="34" charset="0"/>
+                <a:cs typeface="Helvetica" panose="020B0604020202020204" pitchFamily="34" charset="0"/>
+              </a:rPr>
               <a:t>Looking</a:t>
             </a:r>
             <a:r>
-              <a:rPr lang="es-CO" dirty="0"/>
+              <a:rPr lang="es-CO" dirty="0">
+                <a:latin typeface="Helvetica" panose="020B0604020202020204" pitchFamily="34" charset="0"/>
+                <a:cs typeface="Helvetica" panose="020B0604020202020204" pitchFamily="34" charset="0"/>
+              </a:rPr>
               <a:t> at </a:t>
             </a:r>
             <a:r>
-              <a:rPr lang="es-CO" dirty="0" err="1"/>
+              <a:rPr lang="es-CO" dirty="0" err="1">
+                <a:latin typeface="Helvetica" panose="020B0604020202020204" pitchFamily="34" charset="0"/>
+                <a:cs typeface="Helvetica" panose="020B0604020202020204" pitchFamily="34" charset="0"/>
+              </a:rPr>
               <a:t>Objects</a:t>
             </a:r>
             <a:r>
-              <a:rPr lang="es-CO" dirty="0"/>
+              <a:rPr lang="es-CO" dirty="0">
+                <a:latin typeface="Helvetica" panose="020B0604020202020204" pitchFamily="34" charset="0"/>
+                <a:cs typeface="Helvetica" panose="020B0604020202020204" pitchFamily="34" charset="0"/>
+              </a:rPr>
               <a:t> </a:t>
             </a:r>
           </a:p>
@@ -35522,26 +37108,44 @@
               </a:spcBef>
             </a:pPr>
             <a:r>
-              <a:rPr lang="es-CO" dirty="0" err="1"/>
+              <a:rPr lang="es-CO" dirty="0" err="1">
+                <a:latin typeface="Helvetica" panose="020B0604020202020204" pitchFamily="34" charset="0"/>
+                <a:cs typeface="Helvetica" panose="020B0604020202020204" pitchFamily="34" charset="0"/>
+              </a:rPr>
               <a:t>Looking</a:t>
             </a:r>
             <a:r>
-              <a:rPr lang="es-CO" dirty="0"/>
+              <a:rPr lang="es-CO" dirty="0">
+                <a:latin typeface="Helvetica" panose="020B0604020202020204" pitchFamily="34" charset="0"/>
+                <a:cs typeface="Helvetica" panose="020B0604020202020204" pitchFamily="34" charset="0"/>
+              </a:rPr>
               <a:t> </a:t>
             </a:r>
             <a:r>
-              <a:rPr lang="es-CO" dirty="0" err="1"/>
+              <a:rPr lang="es-CO" dirty="0" err="1">
+                <a:latin typeface="Helvetica" panose="020B0604020202020204" pitchFamily="34" charset="0"/>
+                <a:cs typeface="Helvetica" panose="020B0604020202020204" pitchFamily="34" charset="0"/>
+              </a:rPr>
               <a:t>Inside</a:t>
             </a:r>
             <a:r>
-              <a:rPr lang="es-CO" dirty="0"/>
+              <a:rPr lang="es-CO" dirty="0">
+                <a:latin typeface="Helvetica" panose="020B0604020202020204" pitchFamily="34" charset="0"/>
+                <a:cs typeface="Helvetica" panose="020B0604020202020204" pitchFamily="34" charset="0"/>
+              </a:rPr>
               <a:t> </a:t>
             </a:r>
             <a:r>
-              <a:rPr lang="es-CO" dirty="0" err="1"/>
+              <a:rPr lang="es-CO" dirty="0" err="1">
+                <a:latin typeface="Helvetica" panose="020B0604020202020204" pitchFamily="34" charset="0"/>
+                <a:cs typeface="Helvetica" panose="020B0604020202020204" pitchFamily="34" charset="0"/>
+              </a:rPr>
               <a:t>Objects</a:t>
             </a:r>
-            <a:endParaRPr lang="es-CO" dirty="0"/>
+            <a:endParaRPr lang="es-CO" dirty="0">
+              <a:latin typeface="Helvetica" panose="020B0604020202020204" pitchFamily="34" charset="0"/>
+              <a:cs typeface="Helvetica" panose="020B0604020202020204" pitchFamily="34" charset="0"/>
+            </a:endParaRPr>
           </a:p>
           <a:p>
             <a:pPr marL="457200" lvl="1" indent="0">
@@ -35635,19 +37239,31 @@
           </a:p>
           <a:p>
             <a:r>
-              <a:rPr lang="es-CO" dirty="0" err="1"/>
+              <a:rPr lang="es-CO" dirty="0" err="1">
+                <a:latin typeface="Helvetica" panose="020B0604020202020204" pitchFamily="34" charset="0"/>
+                <a:cs typeface="Helvetica" panose="020B0604020202020204" pitchFamily="34" charset="0"/>
+              </a:rPr>
               <a:t>Looking</a:t>
             </a:r>
             <a:r>
-              <a:rPr lang="es-CO" dirty="0"/>
+              <a:rPr lang="es-CO" dirty="0">
+                <a:latin typeface="Helvetica" panose="020B0604020202020204" pitchFamily="34" charset="0"/>
+                <a:cs typeface="Helvetica" panose="020B0604020202020204" pitchFamily="34" charset="0"/>
+              </a:rPr>
               <a:t> at </a:t>
             </a:r>
             <a:r>
-              <a:rPr lang="es-CO" dirty="0" err="1"/>
+              <a:rPr lang="es-CO" dirty="0" err="1">
+                <a:latin typeface="Helvetica" panose="020B0604020202020204" pitchFamily="34" charset="0"/>
+                <a:cs typeface="Helvetica" panose="020B0604020202020204" pitchFamily="34" charset="0"/>
+              </a:rPr>
               <a:t>Classes</a:t>
             </a:r>
             <a:r>
-              <a:rPr lang="es-CO" dirty="0"/>
+              <a:rPr lang="es-CO" dirty="0">
+                <a:latin typeface="Helvetica" panose="020B0604020202020204" pitchFamily="34" charset="0"/>
+                <a:cs typeface="Helvetica" panose="020B0604020202020204" pitchFamily="34" charset="0"/>
+              </a:rPr>
               <a:t> </a:t>
             </a:r>
           </a:p>
@@ -35659,26 +37275,44 @@
           </a:p>
           <a:p>
             <a:r>
-              <a:rPr lang="es-CO" dirty="0" err="1"/>
+              <a:rPr lang="es-CO" dirty="0" err="1">
+                <a:latin typeface="Helvetica" panose="020B0604020202020204" pitchFamily="34" charset="0"/>
+                <a:cs typeface="Helvetica" panose="020B0604020202020204" pitchFamily="34" charset="0"/>
+              </a:rPr>
               <a:t>Looking</a:t>
             </a:r>
             <a:r>
-              <a:rPr lang="es-CO" dirty="0"/>
+              <a:rPr lang="es-CO" dirty="0">
+                <a:latin typeface="Helvetica" panose="020B0604020202020204" pitchFamily="34" charset="0"/>
+                <a:cs typeface="Helvetica" panose="020B0604020202020204" pitchFamily="34" charset="0"/>
+              </a:rPr>
               <a:t> </a:t>
             </a:r>
             <a:r>
-              <a:rPr lang="es-CO" dirty="0" err="1"/>
+              <a:rPr lang="es-CO" dirty="0" err="1">
+                <a:latin typeface="Helvetica" panose="020B0604020202020204" pitchFamily="34" charset="0"/>
+                <a:cs typeface="Helvetica" panose="020B0604020202020204" pitchFamily="34" charset="0"/>
+              </a:rPr>
               <a:t>Inside</a:t>
             </a:r>
             <a:r>
-              <a:rPr lang="es-CO" dirty="0"/>
+              <a:rPr lang="es-CO" dirty="0">
+                <a:latin typeface="Helvetica" panose="020B0604020202020204" pitchFamily="34" charset="0"/>
+                <a:cs typeface="Helvetica" panose="020B0604020202020204" pitchFamily="34" charset="0"/>
+              </a:rPr>
               <a:t> </a:t>
             </a:r>
             <a:r>
-              <a:rPr lang="es-CO" dirty="0" err="1"/>
+              <a:rPr lang="es-CO" dirty="0" err="1">
+                <a:latin typeface="Helvetica" panose="020B0604020202020204" pitchFamily="34" charset="0"/>
+                <a:cs typeface="Helvetica" panose="020B0604020202020204" pitchFamily="34" charset="0"/>
+              </a:rPr>
               <a:t>Classes</a:t>
             </a:r>
-            <a:endParaRPr lang="es-CO" dirty="0"/>
+            <a:endParaRPr lang="es-CO" dirty="0">
+              <a:latin typeface="Helvetica" panose="020B0604020202020204" pitchFamily="34" charset="0"/>
+              <a:cs typeface="Helvetica" panose="020B0604020202020204" pitchFamily="34" charset="0"/>
+            </a:endParaRPr>
           </a:p>
           <a:p>
             <a:pPr marL="457200" lvl="1" indent="0">
@@ -35832,26 +37466,44 @@
           </a:p>
           <a:p>
             <a:r>
-              <a:rPr lang="es-CO" dirty="0" err="1"/>
+              <a:rPr lang="es-CO" dirty="0" err="1">
+                <a:latin typeface="Helvetica" panose="020B0604020202020204" pitchFamily="34" charset="0"/>
+                <a:cs typeface="Helvetica" panose="020B0604020202020204" pitchFamily="34" charset="0"/>
+              </a:rPr>
               <a:t>Calling</a:t>
             </a:r>
             <a:r>
-              <a:rPr lang="es-CO" dirty="0"/>
+              <a:rPr lang="es-CO" dirty="0">
+                <a:latin typeface="Helvetica" panose="020B0604020202020204" pitchFamily="34" charset="0"/>
+                <a:cs typeface="Helvetica" panose="020B0604020202020204" pitchFamily="34" charset="0"/>
+              </a:rPr>
               <a:t> </a:t>
             </a:r>
             <a:r>
-              <a:rPr lang="es-CO" dirty="0" err="1"/>
+              <a:rPr lang="es-CO" dirty="0" err="1">
+                <a:latin typeface="Helvetica" panose="020B0604020202020204" pitchFamily="34" charset="0"/>
+                <a:cs typeface="Helvetica" panose="020B0604020202020204" pitchFamily="34" charset="0"/>
+              </a:rPr>
               <a:t>Methods</a:t>
             </a:r>
             <a:r>
-              <a:rPr lang="es-CO" dirty="0"/>
+              <a:rPr lang="es-CO" dirty="0">
+                <a:latin typeface="Helvetica" panose="020B0604020202020204" pitchFamily="34" charset="0"/>
+                <a:cs typeface="Helvetica" panose="020B0604020202020204" pitchFamily="34" charset="0"/>
+              </a:rPr>
               <a:t> </a:t>
             </a:r>
             <a:r>
-              <a:rPr lang="es-CO" dirty="0" err="1"/>
+              <a:rPr lang="es-CO" dirty="0" err="1">
+                <a:latin typeface="Helvetica" panose="020B0604020202020204" pitchFamily="34" charset="0"/>
+                <a:cs typeface="Helvetica" panose="020B0604020202020204" pitchFamily="34" charset="0"/>
+              </a:rPr>
               <a:t>Dynamically</a:t>
             </a:r>
-            <a:endParaRPr lang="es-CO" dirty="0"/>
+            <a:endParaRPr lang="es-CO" dirty="0">
+              <a:latin typeface="Helvetica" panose="020B0604020202020204" pitchFamily="34" charset="0"/>
+              <a:cs typeface="Helvetica" panose="020B0604020202020204" pitchFamily="34" charset="0"/>
+            </a:endParaRPr>
           </a:p>
           <a:p>
             <a:pPr marL="457200" lvl="1" indent="0">
@@ -36105,7 +37757,10 @@
           <a:p>
             <a:pPr algn="ctr"/>
             <a:r>
-              <a:rPr lang="es-CO" dirty="0"/>
+              <a:rPr lang="es-CO" dirty="0">
+                <a:latin typeface="Helvetica" panose="020B0604020202020204" pitchFamily="34" charset="0"/>
+                <a:cs typeface="Helvetica" panose="020B0604020202020204" pitchFamily="34" charset="0"/>
+              </a:rPr>
               <a:t>Gracias</a:t>
             </a:r>
           </a:p>
@@ -36163,14 +37818,23 @@
           <a:lstStyle/>
           <a:p>
             <a:r>
-              <a:rPr lang="es-CO" dirty="0"/>
+              <a:rPr lang="es-CO" dirty="0">
+                <a:latin typeface="Helvetica" panose="020B0604020202020204" pitchFamily="34" charset="0"/>
+                <a:cs typeface="Helvetica" panose="020B0604020202020204" pitchFamily="34" charset="0"/>
+              </a:rPr>
               <a:t>Virtual </a:t>
             </a:r>
             <a:r>
-              <a:rPr lang="es-CO" dirty="0" err="1"/>
+              <a:rPr lang="es-CO" dirty="0" err="1">
+                <a:latin typeface="Helvetica" panose="020B0604020202020204" pitchFamily="34" charset="0"/>
+                <a:cs typeface="Helvetica" panose="020B0604020202020204" pitchFamily="34" charset="0"/>
+              </a:rPr>
               <a:t>Attributes</a:t>
             </a:r>
-            <a:endParaRPr lang="es-CO" dirty="0"/>
+            <a:endParaRPr lang="es-CO" dirty="0">
+              <a:latin typeface="Helvetica" panose="020B0604020202020204" pitchFamily="34" charset="0"/>
+              <a:cs typeface="Helvetica" panose="020B0604020202020204" pitchFamily="34" charset="0"/>
+            </a:endParaRPr>
           </a:p>
         </p:txBody>
       </p:sp>
@@ -36203,7 +37867,10 @@
           <a:lstStyle/>
           <a:p>
             <a:r>
-              <a:rPr lang="en-US" sz="1600" dirty="0"/>
+              <a:rPr lang="en-US" sz="1600" dirty="0">
+                <a:latin typeface="Helvetica" panose="020B0604020202020204" pitchFamily="34" charset="0"/>
+                <a:cs typeface="Helvetica" panose="020B0604020202020204" pitchFamily="34" charset="0"/>
+              </a:rPr>
               <a:t>Here we’ve used attribute methods to create a virtual instance variable. To the outside world, </a:t>
             </a:r>
             <a:r>
@@ -36214,26 +37881,38 @@
                     <a:lumOff val="40000"/>
                   </a:schemeClr>
                 </a:solidFill>
+                <a:latin typeface="Helvetica" panose="020B0604020202020204" pitchFamily="34" charset="0"/>
+                <a:cs typeface="Helvetica" panose="020B0604020202020204" pitchFamily="34" charset="0"/>
               </a:rPr>
               <a:t>price_in_cents</a:t>
             </a:r>
             <a:r>
-              <a:rPr lang="en-US" sz="1600" dirty="0"/>
+              <a:rPr lang="en-US" sz="1600" dirty="0">
+                <a:latin typeface="Helvetica" panose="020B0604020202020204" pitchFamily="34" charset="0"/>
+                <a:cs typeface="Helvetica" panose="020B0604020202020204" pitchFamily="34" charset="0"/>
+              </a:rPr>
               <a:t> seems to be an attribute like any other. Internally, though, it has no corresponding </a:t>
             </a:r>
             <a:r>
-              <a:rPr lang="es-CO" sz="1600" dirty="0" err="1"/>
+              <a:rPr lang="es-CO" sz="1600" dirty="0" err="1">
+                <a:latin typeface="Helvetica" panose="020B0604020202020204" pitchFamily="34" charset="0"/>
+                <a:cs typeface="Helvetica" panose="020B0604020202020204" pitchFamily="34" charset="0"/>
+              </a:rPr>
               <a:t>instance</a:t>
             </a:r>
             <a:r>
-              <a:rPr lang="es-CO" sz="1600" dirty="0"/>
+              <a:rPr lang="es-CO" sz="1600" dirty="0">
+                <a:latin typeface="Helvetica" panose="020B0604020202020204" pitchFamily="34" charset="0"/>
+                <a:cs typeface="Helvetica" panose="020B0604020202020204" pitchFamily="34" charset="0"/>
+              </a:rPr>
               <a:t> variable.</a:t>
             </a:r>
             <a:endParaRPr lang="es-CO" sz="1600" dirty="0">
               <a:solidFill>
                 <a:srgbClr val="000000"/>
               </a:solidFill>
-              <a:latin typeface="DejaVuSansMono"/>
+              <a:latin typeface="Helvetica" panose="020B0604020202020204" pitchFamily="34" charset="0"/>
+              <a:cs typeface="Helvetica" panose="020B0604020202020204" pitchFamily="34" charset="0"/>
             </a:endParaRPr>
           </a:p>
         </p:txBody>
@@ -36270,7 +37949,8 @@
                 <a:solidFill>
                   <a:srgbClr val="000000"/>
                 </a:solidFill>
-                <a:latin typeface="DejaVuSansMono"/>
+                <a:latin typeface="DejaVuSansMono-Bold"/>
+                <a:cs typeface="Helvetica" panose="020B0604020202020204" pitchFamily="34" charset="0"/>
               </a:rPr>
               <a:t>book = </a:t>
             </a:r>
@@ -36279,7 +37959,8 @@
                 <a:solidFill>
                   <a:srgbClr val="000000"/>
                 </a:solidFill>
-                <a:latin typeface="DejaVuSansMono"/>
+                <a:latin typeface="DejaVuSansMono-Bold"/>
+                <a:cs typeface="Helvetica" panose="020B0604020202020204" pitchFamily="34" charset="0"/>
               </a:rPr>
               <a:t>BookInStock.new</a:t>
             </a:r>
@@ -36288,7 +37969,8 @@
                 <a:solidFill>
                   <a:srgbClr val="000000"/>
                 </a:solidFill>
-                <a:latin typeface="DejaVuSansMono"/>
+                <a:latin typeface="DejaVuSansMono-Bold"/>
+                <a:cs typeface="Helvetica" panose="020B0604020202020204" pitchFamily="34" charset="0"/>
               </a:rPr>
               <a:t>(</a:t>
             </a:r>
@@ -36297,7 +37979,8 @@
                 <a:solidFill>
                   <a:srgbClr val="191191"/>
                 </a:solidFill>
-                <a:latin typeface="DejaVuSansMono-Oblique"/>
+                <a:latin typeface="DejaVuSansMono-Bold"/>
+                <a:cs typeface="Helvetica" panose="020B0604020202020204" pitchFamily="34" charset="0"/>
               </a:rPr>
               <a:t>"</a:t>
             </a:r>
@@ -36306,7 +37989,8 @@
                 <a:solidFill>
                   <a:srgbClr val="191191"/>
                 </a:solidFill>
-                <a:latin typeface="DejaVuSansMono-Oblique"/>
+                <a:latin typeface="DejaVuSansMono-Bold"/>
+                <a:cs typeface="Helvetica" panose="020B0604020202020204" pitchFamily="34" charset="0"/>
               </a:rPr>
               <a:t>isbn1</a:t>
             </a:r>
@@ -36315,7 +37999,8 @@
                 <a:solidFill>
                   <a:srgbClr val="191191"/>
                 </a:solidFill>
-                <a:latin typeface="DejaVuSansMono-Oblique"/>
+                <a:latin typeface="DejaVuSansMono-Bold"/>
+                <a:cs typeface="Helvetica" panose="020B0604020202020204" pitchFamily="34" charset="0"/>
               </a:rPr>
               <a:t>"</a:t>
             </a:r>
@@ -36324,7 +38009,8 @@
                 <a:solidFill>
                   <a:srgbClr val="000000"/>
                 </a:solidFill>
-                <a:latin typeface="DejaVuSansMono"/>
+                <a:latin typeface="DejaVuSansMono-Bold"/>
+                <a:cs typeface="Helvetica" panose="020B0604020202020204" pitchFamily="34" charset="0"/>
               </a:rPr>
               <a:t>, 33.80)</a:t>
             </a:r>
@@ -36335,7 +38021,8 @@
                 <a:solidFill>
                   <a:srgbClr val="000000"/>
                 </a:solidFill>
-                <a:latin typeface="DejaVuSansMono"/>
+                <a:latin typeface="DejaVuSansMono-Bold"/>
+                <a:cs typeface="Helvetica" panose="020B0604020202020204" pitchFamily="34" charset="0"/>
               </a:rPr>
               <a:t>puts</a:t>
             </a:r>
@@ -36344,7 +38031,8 @@
                 <a:solidFill>
                   <a:srgbClr val="000000"/>
                 </a:solidFill>
-                <a:latin typeface="DejaVuSansMono"/>
+                <a:latin typeface="DejaVuSansMono-Bold"/>
+                <a:cs typeface="Helvetica" panose="020B0604020202020204" pitchFamily="34" charset="0"/>
               </a:rPr>
               <a:t> </a:t>
             </a:r>
@@ -36353,7 +38041,8 @@
                 <a:solidFill>
                   <a:srgbClr val="191191"/>
                 </a:solidFill>
-                <a:latin typeface="DejaVuSansMono-Oblique"/>
+                <a:latin typeface="DejaVuSansMono-Bold"/>
+                <a:cs typeface="Helvetica" panose="020B0604020202020204" pitchFamily="34" charset="0"/>
               </a:rPr>
               <a:t>"Price = </a:t>
             </a:r>
@@ -36362,7 +38051,8 @@
                 <a:solidFill>
                   <a:srgbClr val="000000"/>
                 </a:solidFill>
-                <a:latin typeface="DejaVuSansMono"/>
+                <a:latin typeface="DejaVuSansMono-Bold"/>
+                <a:cs typeface="Helvetica" panose="020B0604020202020204" pitchFamily="34" charset="0"/>
               </a:rPr>
               <a:t>#{</a:t>
             </a:r>
@@ -36371,7 +38061,8 @@
                 <a:solidFill>
                   <a:srgbClr val="000000"/>
                 </a:solidFill>
-                <a:latin typeface="DejaVuSansMono"/>
+                <a:latin typeface="DejaVuSansMono-Bold"/>
+                <a:cs typeface="Helvetica" panose="020B0604020202020204" pitchFamily="34" charset="0"/>
               </a:rPr>
               <a:t>book.price</a:t>
             </a:r>
@@ -36380,7 +38071,8 @@
                 <a:solidFill>
                   <a:srgbClr val="000000"/>
                 </a:solidFill>
-                <a:latin typeface="DejaVuSansMono"/>
+                <a:latin typeface="DejaVuSansMono-Bold"/>
+                <a:cs typeface="Helvetica" panose="020B0604020202020204" pitchFamily="34" charset="0"/>
               </a:rPr>
               <a:t>}</a:t>
             </a:r>
@@ -36389,7 +38081,8 @@
                 <a:solidFill>
                   <a:srgbClr val="191191"/>
                 </a:solidFill>
-                <a:latin typeface="DejaVuSansMono-Oblique"/>
+                <a:latin typeface="DejaVuSansMono-Bold"/>
+                <a:cs typeface="Helvetica" panose="020B0604020202020204" pitchFamily="34" charset="0"/>
               </a:rPr>
               <a:t>"</a:t>
             </a:r>
@@ -36400,7 +38093,8 @@
                 <a:solidFill>
                   <a:srgbClr val="000000"/>
                 </a:solidFill>
-                <a:latin typeface="DejaVuSansMono"/>
+                <a:latin typeface="DejaVuSansMono-Bold"/>
+                <a:cs typeface="Helvetica" panose="020B0604020202020204" pitchFamily="34" charset="0"/>
               </a:rPr>
               <a:t>puts </a:t>
             </a:r>
@@ -36409,7 +38103,8 @@
                 <a:solidFill>
                   <a:srgbClr val="191191"/>
                 </a:solidFill>
-                <a:latin typeface="DejaVuSansMono-Oblique"/>
+                <a:latin typeface="DejaVuSansMono-Bold"/>
+                <a:cs typeface="Helvetica" panose="020B0604020202020204" pitchFamily="34" charset="0"/>
               </a:rPr>
               <a:t>"Price in cents = </a:t>
             </a:r>
@@ -36418,7 +38113,8 @@
                 <a:solidFill>
                   <a:srgbClr val="000000"/>
                 </a:solidFill>
-                <a:latin typeface="DejaVuSansMono"/>
+                <a:latin typeface="DejaVuSansMono-Bold"/>
+                <a:cs typeface="Helvetica" panose="020B0604020202020204" pitchFamily="34" charset="0"/>
               </a:rPr>
               <a:t>#{</a:t>
             </a:r>
@@ -36427,7 +38123,8 @@
                 <a:solidFill>
                   <a:srgbClr val="000000"/>
                 </a:solidFill>
-                <a:latin typeface="DejaVuSansMono"/>
+                <a:latin typeface="DejaVuSansMono-Bold"/>
+                <a:cs typeface="Helvetica" panose="020B0604020202020204" pitchFamily="34" charset="0"/>
               </a:rPr>
               <a:t>book.price_in_cents</a:t>
             </a:r>
@@ -36436,7 +38133,8 @@
                 <a:solidFill>
                   <a:srgbClr val="000000"/>
                 </a:solidFill>
-                <a:latin typeface="DejaVuSansMono"/>
+                <a:latin typeface="DejaVuSansMono-Bold"/>
+                <a:cs typeface="Helvetica" panose="020B0604020202020204" pitchFamily="34" charset="0"/>
               </a:rPr>
               <a:t>}</a:t>
             </a:r>
@@ -36445,7 +38143,8 @@
                 <a:solidFill>
                   <a:srgbClr val="191191"/>
                 </a:solidFill>
-                <a:latin typeface="DejaVuSansMono-Oblique"/>
+                <a:latin typeface="DejaVuSansMono-Bold"/>
+                <a:cs typeface="Helvetica" panose="020B0604020202020204" pitchFamily="34" charset="0"/>
               </a:rPr>
               <a:t>"</a:t>
             </a:r>
@@ -36456,7 +38155,8 @@
                 <a:solidFill>
                   <a:srgbClr val="000000"/>
                 </a:solidFill>
-                <a:latin typeface="DejaVuSansMono"/>
+                <a:latin typeface="DejaVuSansMono-Bold"/>
+                <a:cs typeface="Helvetica" panose="020B0604020202020204" pitchFamily="34" charset="0"/>
               </a:rPr>
               <a:t>book.</a:t>
             </a:r>
@@ -36468,7 +38168,8 @@
                     <a:lumOff val="40000"/>
                   </a:schemeClr>
                 </a:solidFill>
-                <a:latin typeface="DejaVuSansMono"/>
+                <a:latin typeface="DejaVuSansMono-Bold"/>
+                <a:cs typeface="Helvetica" panose="020B0604020202020204" pitchFamily="34" charset="0"/>
               </a:rPr>
               <a:t>price_in_cents</a:t>
             </a:r>
@@ -36480,7 +38181,8 @@
                     <a:lumOff val="40000"/>
                   </a:schemeClr>
                 </a:solidFill>
-                <a:latin typeface="DejaVuSansMono"/>
+                <a:latin typeface="DejaVuSansMono-Bold"/>
+                <a:cs typeface="Helvetica" panose="020B0604020202020204" pitchFamily="34" charset="0"/>
               </a:rPr>
               <a:t> </a:t>
             </a:r>
@@ -36489,7 +38191,8 @@
                 <a:solidFill>
                   <a:srgbClr val="000000"/>
                 </a:solidFill>
-                <a:latin typeface="DejaVuSansMono"/>
+                <a:latin typeface="DejaVuSansMono-Bold"/>
+                <a:cs typeface="Helvetica" panose="020B0604020202020204" pitchFamily="34" charset="0"/>
               </a:rPr>
               <a:t>= 1234</a:t>
             </a:r>
@@ -36500,7 +38203,8 @@
                 <a:solidFill>
                   <a:srgbClr val="000000"/>
                 </a:solidFill>
-                <a:latin typeface="DejaVuSansMono"/>
+                <a:latin typeface="DejaVuSansMono-Bold"/>
+                <a:cs typeface="Helvetica" panose="020B0604020202020204" pitchFamily="34" charset="0"/>
               </a:rPr>
               <a:t>puts</a:t>
             </a:r>
@@ -36509,7 +38213,8 @@
                 <a:solidFill>
                   <a:srgbClr val="000000"/>
                 </a:solidFill>
-                <a:latin typeface="DejaVuSansMono"/>
+                <a:latin typeface="DejaVuSansMono-Bold"/>
+                <a:cs typeface="Helvetica" panose="020B0604020202020204" pitchFamily="34" charset="0"/>
               </a:rPr>
               <a:t> </a:t>
             </a:r>
@@ -36518,7 +38223,8 @@
                 <a:solidFill>
                   <a:srgbClr val="191191"/>
                 </a:solidFill>
-                <a:latin typeface="DejaVuSansMono-Oblique"/>
+                <a:latin typeface="DejaVuSansMono-Bold"/>
+                <a:cs typeface="Helvetica" panose="020B0604020202020204" pitchFamily="34" charset="0"/>
               </a:rPr>
               <a:t>"Price = </a:t>
             </a:r>
@@ -36527,7 +38233,8 @@
                 <a:solidFill>
                   <a:srgbClr val="000000"/>
                 </a:solidFill>
-                <a:latin typeface="DejaVuSansMono"/>
+                <a:latin typeface="DejaVuSansMono-Bold"/>
+                <a:cs typeface="Helvetica" panose="020B0604020202020204" pitchFamily="34" charset="0"/>
               </a:rPr>
               <a:t>#{</a:t>
             </a:r>
@@ -36536,7 +38243,8 @@
                 <a:solidFill>
                   <a:srgbClr val="000000"/>
                 </a:solidFill>
-                <a:latin typeface="DejaVuSansMono"/>
+                <a:latin typeface="DejaVuSansMono-Bold"/>
+                <a:cs typeface="Helvetica" panose="020B0604020202020204" pitchFamily="34" charset="0"/>
               </a:rPr>
               <a:t>book.price</a:t>
             </a:r>
@@ -36545,7 +38253,8 @@
                 <a:solidFill>
                   <a:srgbClr val="000000"/>
                 </a:solidFill>
-                <a:latin typeface="DejaVuSansMono"/>
+                <a:latin typeface="DejaVuSansMono-Bold"/>
+                <a:cs typeface="Helvetica" panose="020B0604020202020204" pitchFamily="34" charset="0"/>
               </a:rPr>
               <a:t>}</a:t>
             </a:r>
@@ -36554,7 +38263,8 @@
                 <a:solidFill>
                   <a:srgbClr val="191191"/>
                 </a:solidFill>
-                <a:latin typeface="DejaVuSansMono-Oblique"/>
+                <a:latin typeface="DejaVuSansMono-Bold"/>
+                <a:cs typeface="Helvetica" panose="020B0604020202020204" pitchFamily="34" charset="0"/>
               </a:rPr>
               <a:t>"</a:t>
             </a:r>
@@ -36565,7 +38275,8 @@
                 <a:solidFill>
                   <a:srgbClr val="000000"/>
                 </a:solidFill>
-                <a:latin typeface="DejaVuSansMono"/>
+                <a:latin typeface="DejaVuSansMono-Bold"/>
+                <a:cs typeface="Helvetica" panose="020B0604020202020204" pitchFamily="34" charset="0"/>
               </a:rPr>
               <a:t>puts </a:t>
             </a:r>
@@ -36574,7 +38285,8 @@
                 <a:solidFill>
                   <a:srgbClr val="191191"/>
                 </a:solidFill>
-                <a:latin typeface="DejaVuSansMono-Oblique"/>
+                <a:latin typeface="DejaVuSansMono-Bold"/>
+                <a:cs typeface="Helvetica" panose="020B0604020202020204" pitchFamily="34" charset="0"/>
               </a:rPr>
               <a:t>"Price in cents = </a:t>
             </a:r>
@@ -36583,7 +38295,8 @@
                 <a:solidFill>
                   <a:srgbClr val="000000"/>
                 </a:solidFill>
-                <a:latin typeface="DejaVuSansMono"/>
+                <a:latin typeface="DejaVuSansMono-Bold"/>
+                <a:cs typeface="Helvetica" panose="020B0604020202020204" pitchFamily="34" charset="0"/>
               </a:rPr>
               <a:t>#{</a:t>
             </a:r>
@@ -36592,7 +38305,8 @@
                 <a:solidFill>
                   <a:srgbClr val="000000"/>
                 </a:solidFill>
-                <a:latin typeface="DejaVuSansMono"/>
+                <a:latin typeface="DejaVuSansMono-Bold"/>
+                <a:cs typeface="Helvetica" panose="020B0604020202020204" pitchFamily="34" charset="0"/>
               </a:rPr>
               <a:t>book.price_in_cents</a:t>
             </a:r>
@@ -36601,7 +38315,8 @@
                 <a:solidFill>
                   <a:srgbClr val="000000"/>
                 </a:solidFill>
-                <a:latin typeface="DejaVuSansMono"/>
+                <a:latin typeface="DejaVuSansMono-Bold"/>
+                <a:cs typeface="Helvetica" panose="020B0604020202020204" pitchFamily="34" charset="0"/>
               </a:rPr>
               <a:t>}</a:t>
             </a:r>
@@ -36610,7 +38325,8 @@
                 <a:solidFill>
                   <a:srgbClr val="191191"/>
                 </a:solidFill>
-                <a:latin typeface="DejaVuSansMono-Oblique"/>
+                <a:latin typeface="DejaVuSansMono-Bold"/>
+                <a:cs typeface="Helvetica" panose="020B0604020202020204" pitchFamily="34" charset="0"/>
               </a:rPr>
               <a:t>"</a:t>
             </a:r>
@@ -36620,7 +38336,8 @@
               <a:solidFill>
                 <a:srgbClr val="000000"/>
               </a:solidFill>
-              <a:latin typeface="PalatinoLinotype-Italic"/>
+              <a:latin typeface="DejaVuSansMono-Bold"/>
+              <a:cs typeface="Helvetica" panose="020B0604020202020204" pitchFamily="34" charset="0"/>
             </a:endParaRPr>
           </a:p>
           <a:p>
@@ -36630,8 +38347,19 @@
                   <a:srgbClr val="000000"/>
                 </a:solidFill>
                 <a:latin typeface="PalatinoLinotype-Italic"/>
-              </a:rPr>
-              <a:t>produces:</a:t>
+                <a:cs typeface="Helvetica" panose="020B0604020202020204" pitchFamily="34" charset="0"/>
+              </a:rPr>
+              <a:t>produces</a:t>
+            </a:r>
+            <a:r>
+              <a:rPr lang="es-CO" sz="1400" i="1" dirty="0">
+                <a:solidFill>
+                  <a:srgbClr val="000000"/>
+                </a:solidFill>
+                <a:latin typeface="DejaVuSansMono-Bold"/>
+                <a:cs typeface="Helvetica" panose="020B0604020202020204" pitchFamily="34" charset="0"/>
+              </a:rPr>
+              <a:t>:</a:t>
             </a:r>
           </a:p>
           <a:p>
@@ -36640,7 +38368,8 @@
                 <a:solidFill>
                   <a:srgbClr val="000000"/>
                 </a:solidFill>
-                <a:latin typeface="DejaVuSansMono"/>
+                <a:latin typeface="DejaVuSansMono-Bold"/>
+                <a:cs typeface="Helvetica" panose="020B0604020202020204" pitchFamily="34" charset="0"/>
               </a:rPr>
               <a:t>Price = 33.8</a:t>
             </a:r>
@@ -36651,7 +38380,8 @@
                 <a:solidFill>
                   <a:srgbClr val="000000"/>
                 </a:solidFill>
-                <a:latin typeface="DejaVuSansMono"/>
+                <a:latin typeface="DejaVuSansMono-Bold"/>
+                <a:cs typeface="Helvetica" panose="020B0604020202020204" pitchFamily="34" charset="0"/>
               </a:rPr>
               <a:t>Price in cents = 3380</a:t>
             </a:r>
@@ -36662,7 +38392,8 @@
                 <a:solidFill>
                   <a:srgbClr val="000000"/>
                 </a:solidFill>
-                <a:latin typeface="DejaVuSansMono"/>
+                <a:latin typeface="DejaVuSansMono-Bold"/>
+                <a:cs typeface="Helvetica" panose="020B0604020202020204" pitchFamily="34" charset="0"/>
               </a:rPr>
               <a:t>Price = 12.34</a:t>
             </a:r>
@@ -36673,11 +38404,15 @@
                 <a:solidFill>
                   <a:srgbClr val="000000"/>
                 </a:solidFill>
-                <a:latin typeface="DejaVuSansMono"/>
+                <a:latin typeface="DejaVuSansMono-Bold"/>
+                <a:cs typeface="Helvetica" panose="020B0604020202020204" pitchFamily="34" charset="0"/>
               </a:rPr>
               <a:t>Price in cents = 1234</a:t>
             </a:r>
-            <a:endParaRPr lang="es-CO" sz="1400" dirty="0"/>
+            <a:endParaRPr lang="es-CO" sz="1400" dirty="0">
+              <a:latin typeface="DejaVuSansMono-Bold"/>
+              <a:cs typeface="Helvetica" panose="020B0604020202020204" pitchFamily="34" charset="0"/>
+            </a:endParaRPr>
           </a:p>
         </p:txBody>
       </p:sp>
@@ -36714,6 +38449,7 @@
                   <a:srgbClr val="91117D"/>
                 </a:solidFill>
                 <a:latin typeface="DejaVuSansMono-Bold"/>
+                <a:cs typeface="Helvetica" panose="020B0604020202020204" pitchFamily="34" charset="0"/>
               </a:rPr>
               <a:t>class</a:t>
             </a:r>
@@ -36723,6 +38459,7 @@
                   <a:srgbClr val="91117D"/>
                 </a:solidFill>
                 <a:latin typeface="DejaVuSansMono-Bold"/>
+                <a:cs typeface="Helvetica" panose="020B0604020202020204" pitchFamily="34" charset="0"/>
               </a:rPr>
               <a:t> </a:t>
             </a:r>
@@ -36731,7 +38468,8 @@
                 <a:solidFill>
                   <a:srgbClr val="000000"/>
                 </a:solidFill>
-                <a:latin typeface="DejaVuSansMono"/>
+                <a:latin typeface="DejaVuSansMono-Bold"/>
+                <a:cs typeface="Helvetica" panose="020B0604020202020204" pitchFamily="34" charset="0"/>
               </a:rPr>
               <a:t>BookInStock</a:t>
             </a:r>
@@ -36739,7 +38477,8 @@
               <a:solidFill>
                 <a:srgbClr val="000000"/>
               </a:solidFill>
-              <a:latin typeface="DejaVuSansMono"/>
+              <a:latin typeface="DejaVuSansMono-Bold"/>
+              <a:cs typeface="Helvetica" panose="020B0604020202020204" pitchFamily="34" charset="0"/>
             </a:endParaRPr>
           </a:p>
           <a:p>
@@ -36748,7 +38487,8 @@
                 <a:solidFill>
                   <a:srgbClr val="000000"/>
                 </a:solidFill>
-                <a:latin typeface="DejaVuSansMono"/>
+                <a:latin typeface="DejaVuSansMono-Bold"/>
+                <a:cs typeface="Helvetica" panose="020B0604020202020204" pitchFamily="34" charset="0"/>
               </a:rPr>
               <a:t>	</a:t>
             </a:r>
@@ -36757,7 +38497,8 @@
                 <a:solidFill>
                   <a:srgbClr val="000000"/>
                 </a:solidFill>
-                <a:latin typeface="DejaVuSansMono"/>
+                <a:latin typeface="DejaVuSansMono-Bold"/>
+                <a:cs typeface="Helvetica" panose="020B0604020202020204" pitchFamily="34" charset="0"/>
               </a:rPr>
               <a:t>attr_reader</a:t>
             </a:r>
@@ -36766,7 +38507,8 @@
                 <a:solidFill>
                   <a:srgbClr val="000000"/>
                 </a:solidFill>
-                <a:latin typeface="DejaVuSansMono"/>
+                <a:latin typeface="DejaVuSansMono-Bold"/>
+                <a:cs typeface="Helvetica" panose="020B0604020202020204" pitchFamily="34" charset="0"/>
               </a:rPr>
               <a:t> :</a:t>
             </a:r>
@@ -36775,7 +38517,8 @@
                 <a:solidFill>
                   <a:srgbClr val="000000"/>
                 </a:solidFill>
-                <a:latin typeface="DejaVuSansMono"/>
+                <a:latin typeface="DejaVuSansMono-Bold"/>
+                <a:cs typeface="Helvetica" panose="020B0604020202020204" pitchFamily="34" charset="0"/>
               </a:rPr>
               <a:t>isbn</a:t>
             </a:r>
@@ -36783,7 +38526,8 @@
               <a:solidFill>
                 <a:srgbClr val="000000"/>
               </a:solidFill>
-              <a:latin typeface="DejaVuSansMono"/>
+              <a:latin typeface="DejaVuSansMono-Bold"/>
+              <a:cs typeface="Helvetica" panose="020B0604020202020204" pitchFamily="34" charset="0"/>
             </a:endParaRPr>
           </a:p>
           <a:p>
@@ -36792,7 +38536,8 @@
                 <a:solidFill>
                   <a:srgbClr val="000000"/>
                 </a:solidFill>
-                <a:latin typeface="DejaVuSansMono"/>
+                <a:latin typeface="DejaVuSansMono-Bold"/>
+                <a:cs typeface="Helvetica" panose="020B0604020202020204" pitchFamily="34" charset="0"/>
               </a:rPr>
               <a:t>	</a:t>
             </a:r>
@@ -36801,7 +38546,8 @@
                 <a:solidFill>
                   <a:srgbClr val="000000"/>
                 </a:solidFill>
-                <a:latin typeface="DejaVuSansMono"/>
+                <a:latin typeface="DejaVuSansMono-Bold"/>
+                <a:cs typeface="Helvetica" panose="020B0604020202020204" pitchFamily="34" charset="0"/>
               </a:rPr>
               <a:t>attr_accessor</a:t>
             </a:r>
@@ -36810,7 +38556,8 @@
                 <a:solidFill>
                   <a:srgbClr val="000000"/>
                 </a:solidFill>
-                <a:latin typeface="DejaVuSansMono"/>
+                <a:latin typeface="DejaVuSansMono-Bold"/>
+                <a:cs typeface="Helvetica" panose="020B0604020202020204" pitchFamily="34" charset="0"/>
               </a:rPr>
               <a:t> :</a:t>
             </a:r>
@@ -36819,7 +38566,8 @@
                 <a:solidFill>
                   <a:srgbClr val="000000"/>
                 </a:solidFill>
-                <a:latin typeface="DejaVuSansMono"/>
+                <a:latin typeface="DejaVuSansMono-Bold"/>
+                <a:cs typeface="Helvetica" panose="020B0604020202020204" pitchFamily="34" charset="0"/>
               </a:rPr>
               <a:t>price</a:t>
             </a:r>
@@ -36827,7 +38575,8 @@
               <a:solidFill>
                 <a:srgbClr val="000000"/>
               </a:solidFill>
-              <a:latin typeface="DejaVuSansMono"/>
+              <a:latin typeface="DejaVuSansMono-Bold"/>
+              <a:cs typeface="Helvetica" panose="020B0604020202020204" pitchFamily="34" charset="0"/>
             </a:endParaRPr>
           </a:p>
           <a:p>
@@ -36837,6 +38586,7 @@
                   <a:srgbClr val="91117D"/>
                 </a:solidFill>
                 <a:latin typeface="DejaVuSansMono-Bold"/>
+                <a:cs typeface="Helvetica" panose="020B0604020202020204" pitchFamily="34" charset="0"/>
               </a:rPr>
               <a:t>	</a:t>
             </a:r>
@@ -36846,6 +38596,7 @@
                   <a:srgbClr val="91117D"/>
                 </a:solidFill>
                 <a:latin typeface="DejaVuSansMono-Bold"/>
+                <a:cs typeface="Helvetica" panose="020B0604020202020204" pitchFamily="34" charset="0"/>
               </a:rPr>
               <a:t>def</a:t>
             </a:r>
@@ -36855,6 +38606,7 @@
                   <a:srgbClr val="91117D"/>
                 </a:solidFill>
                 <a:latin typeface="DejaVuSansMono-Bold"/>
+                <a:cs typeface="Helvetica" panose="020B0604020202020204" pitchFamily="34" charset="0"/>
               </a:rPr>
               <a:t> </a:t>
             </a:r>
@@ -36863,7 +38615,8 @@
                 <a:solidFill>
                   <a:srgbClr val="000000"/>
                 </a:solidFill>
-                <a:latin typeface="DejaVuSansMono"/>
+                <a:latin typeface="DejaVuSansMono-Bold"/>
+                <a:cs typeface="Helvetica" panose="020B0604020202020204" pitchFamily="34" charset="0"/>
               </a:rPr>
               <a:t>initialize</a:t>
             </a:r>
@@ -36872,7 +38625,8 @@
                 <a:solidFill>
                   <a:srgbClr val="000000"/>
                 </a:solidFill>
-                <a:latin typeface="DejaVuSansMono"/>
+                <a:latin typeface="DejaVuSansMono-Bold"/>
+                <a:cs typeface="Helvetica" panose="020B0604020202020204" pitchFamily="34" charset="0"/>
               </a:rPr>
               <a:t>(</a:t>
             </a:r>
@@ -36881,7 +38635,8 @@
                 <a:solidFill>
                   <a:srgbClr val="000000"/>
                 </a:solidFill>
-                <a:latin typeface="DejaVuSansMono"/>
+                <a:latin typeface="DejaVuSansMono-Bold"/>
+                <a:cs typeface="Helvetica" panose="020B0604020202020204" pitchFamily="34" charset="0"/>
               </a:rPr>
               <a:t>isbn</a:t>
             </a:r>
@@ -36890,7 +38645,8 @@
                 <a:solidFill>
                   <a:srgbClr val="000000"/>
                 </a:solidFill>
-                <a:latin typeface="DejaVuSansMono"/>
+                <a:latin typeface="DejaVuSansMono-Bold"/>
+                <a:cs typeface="Helvetica" panose="020B0604020202020204" pitchFamily="34" charset="0"/>
               </a:rPr>
               <a:t>, </a:t>
             </a:r>
@@ -36899,7 +38655,8 @@
                 <a:solidFill>
                   <a:srgbClr val="000000"/>
                 </a:solidFill>
-                <a:latin typeface="DejaVuSansMono"/>
+                <a:latin typeface="DejaVuSansMono-Bold"/>
+                <a:cs typeface="Helvetica" panose="020B0604020202020204" pitchFamily="34" charset="0"/>
               </a:rPr>
               <a:t>price</a:t>
             </a:r>
@@ -36908,7 +38665,8 @@
                 <a:solidFill>
                   <a:srgbClr val="000000"/>
                 </a:solidFill>
-                <a:latin typeface="DejaVuSansMono"/>
+                <a:latin typeface="DejaVuSansMono-Bold"/>
+                <a:cs typeface="Helvetica" panose="020B0604020202020204" pitchFamily="34" charset="0"/>
               </a:rPr>
               <a:t>)</a:t>
             </a:r>
@@ -36919,7 +38677,8 @@
                 <a:solidFill>
                   <a:srgbClr val="000000"/>
                 </a:solidFill>
-                <a:latin typeface="DejaVuSansMono"/>
+                <a:latin typeface="DejaVuSansMono-Bold"/>
+                <a:cs typeface="Helvetica" panose="020B0604020202020204" pitchFamily="34" charset="0"/>
               </a:rPr>
               <a:t>		@</a:t>
             </a:r>
@@ -36928,7 +38687,8 @@
                 <a:solidFill>
                   <a:srgbClr val="000000"/>
                 </a:solidFill>
-                <a:latin typeface="DejaVuSansMono"/>
+                <a:latin typeface="DejaVuSansMono-Bold"/>
+                <a:cs typeface="Helvetica" panose="020B0604020202020204" pitchFamily="34" charset="0"/>
               </a:rPr>
               <a:t>isbn</a:t>
             </a:r>
@@ -36937,7 +38697,8 @@
                 <a:solidFill>
                   <a:srgbClr val="000000"/>
                 </a:solidFill>
-                <a:latin typeface="DejaVuSansMono"/>
+                <a:latin typeface="DejaVuSansMono-Bold"/>
+                <a:cs typeface="Helvetica" panose="020B0604020202020204" pitchFamily="34" charset="0"/>
               </a:rPr>
               <a:t> = </a:t>
             </a:r>
@@ -36946,7 +38707,8 @@
                 <a:solidFill>
                   <a:srgbClr val="000000"/>
                 </a:solidFill>
-                <a:latin typeface="DejaVuSansMono"/>
+                <a:latin typeface="DejaVuSansMono-Bold"/>
+                <a:cs typeface="Helvetica" panose="020B0604020202020204" pitchFamily="34" charset="0"/>
               </a:rPr>
               <a:t>isbn</a:t>
             </a:r>
@@ -36954,7 +38716,8 @@
               <a:solidFill>
                 <a:srgbClr val="000000"/>
               </a:solidFill>
-              <a:latin typeface="DejaVuSansMono"/>
+              <a:latin typeface="DejaVuSansMono-Bold"/>
+              <a:cs typeface="Helvetica" panose="020B0604020202020204" pitchFamily="34" charset="0"/>
             </a:endParaRPr>
           </a:p>
           <a:p>
@@ -36963,7 +38726,8 @@
                 <a:solidFill>
                   <a:srgbClr val="000000"/>
                 </a:solidFill>
-                <a:latin typeface="DejaVuSansMono"/>
+                <a:latin typeface="DejaVuSansMono-Bold"/>
+                <a:cs typeface="Helvetica" panose="020B0604020202020204" pitchFamily="34" charset="0"/>
               </a:rPr>
               <a:t>		@</a:t>
             </a:r>
@@ -36972,7 +38736,8 @@
                 <a:solidFill>
                   <a:srgbClr val="000000"/>
                 </a:solidFill>
-                <a:latin typeface="DejaVuSansMono"/>
+                <a:latin typeface="DejaVuSansMono-Bold"/>
+                <a:cs typeface="Helvetica" panose="020B0604020202020204" pitchFamily="34" charset="0"/>
               </a:rPr>
               <a:t>price</a:t>
             </a:r>
@@ -36981,7 +38746,8 @@
                 <a:solidFill>
                   <a:srgbClr val="000000"/>
                 </a:solidFill>
-                <a:latin typeface="DejaVuSansMono"/>
+                <a:latin typeface="DejaVuSansMono-Bold"/>
+                <a:cs typeface="Helvetica" panose="020B0604020202020204" pitchFamily="34" charset="0"/>
               </a:rPr>
               <a:t> = </a:t>
             </a:r>
@@ -36990,7 +38756,8 @@
                 <a:solidFill>
                   <a:srgbClr val="000000"/>
                 </a:solidFill>
-                <a:latin typeface="DejaVuSansMono"/>
+                <a:latin typeface="DejaVuSansMono-Bold"/>
+                <a:cs typeface="Helvetica" panose="020B0604020202020204" pitchFamily="34" charset="0"/>
               </a:rPr>
               <a:t>Float</a:t>
             </a:r>
@@ -36999,7 +38766,8 @@
                 <a:solidFill>
                   <a:srgbClr val="000000"/>
                 </a:solidFill>
-                <a:latin typeface="DejaVuSansMono"/>
+                <a:latin typeface="DejaVuSansMono-Bold"/>
+                <a:cs typeface="Helvetica" panose="020B0604020202020204" pitchFamily="34" charset="0"/>
               </a:rPr>
               <a:t>(</a:t>
             </a:r>
@@ -37008,7 +38776,8 @@
                 <a:solidFill>
                   <a:srgbClr val="000000"/>
                 </a:solidFill>
-                <a:latin typeface="DejaVuSansMono"/>
+                <a:latin typeface="DejaVuSansMono-Bold"/>
+                <a:cs typeface="Helvetica" panose="020B0604020202020204" pitchFamily="34" charset="0"/>
               </a:rPr>
               <a:t>price</a:t>
             </a:r>
@@ -37017,7 +38786,8 @@
                 <a:solidFill>
                   <a:srgbClr val="000000"/>
                 </a:solidFill>
-                <a:latin typeface="DejaVuSansMono"/>
+                <a:latin typeface="DejaVuSansMono-Bold"/>
+                <a:cs typeface="Helvetica" panose="020B0604020202020204" pitchFamily="34" charset="0"/>
               </a:rPr>
               <a:t>)</a:t>
             </a:r>
@@ -37029,6 +38799,7 @@
                   <a:srgbClr val="91117D"/>
                 </a:solidFill>
                 <a:latin typeface="DejaVuSansMono-Bold"/>
+                <a:cs typeface="Helvetica" panose="020B0604020202020204" pitchFamily="34" charset="0"/>
               </a:rPr>
               <a:t>	</a:t>
             </a:r>
@@ -37038,6 +38809,7 @@
                   <a:srgbClr val="91117D"/>
                 </a:solidFill>
                 <a:latin typeface="DejaVuSansMono-Bold"/>
+                <a:cs typeface="Helvetica" panose="020B0604020202020204" pitchFamily="34" charset="0"/>
               </a:rPr>
               <a:t>end</a:t>
             </a:r>
@@ -37046,6 +38818,7 @@
                 <a:srgbClr val="91117D"/>
               </a:solidFill>
               <a:latin typeface="DejaVuSansMono-Bold"/>
+              <a:cs typeface="Helvetica" panose="020B0604020202020204" pitchFamily="34" charset="0"/>
             </a:endParaRPr>
           </a:p>
           <a:p>
@@ -37055,6 +38828,7 @@
                   <a:srgbClr val="91117D"/>
                 </a:solidFill>
                 <a:latin typeface="DejaVuSansMono-Bold"/>
+                <a:cs typeface="Helvetica" panose="020B0604020202020204" pitchFamily="34" charset="0"/>
               </a:rPr>
               <a:t>	</a:t>
             </a:r>
@@ -37064,6 +38838,7 @@
                   <a:srgbClr val="91117D"/>
                 </a:solidFill>
                 <a:latin typeface="DejaVuSansMono-Bold"/>
+                <a:cs typeface="Helvetica" panose="020B0604020202020204" pitchFamily="34" charset="0"/>
               </a:rPr>
               <a:t>def</a:t>
             </a:r>
@@ -37073,6 +38848,7 @@
                   <a:srgbClr val="91117D"/>
                 </a:solidFill>
                 <a:latin typeface="DejaVuSansMono-Bold"/>
+                <a:cs typeface="Helvetica" panose="020B0604020202020204" pitchFamily="34" charset="0"/>
               </a:rPr>
               <a:t> </a:t>
             </a:r>
@@ -37084,7 +38860,8 @@
                     <a:lumOff val="40000"/>
                   </a:schemeClr>
                 </a:solidFill>
-                <a:latin typeface="DejaVuSansMono"/>
+                <a:latin typeface="DejaVuSansMono-Bold"/>
+                <a:cs typeface="Helvetica" panose="020B0604020202020204" pitchFamily="34" charset="0"/>
               </a:rPr>
               <a:t>price_in_cents</a:t>
             </a:r>
@@ -37095,7 +38872,8 @@
                   <a:lumOff val="40000"/>
                 </a:schemeClr>
               </a:solidFill>
-              <a:latin typeface="DejaVuSansMono"/>
+              <a:latin typeface="DejaVuSansMono-Bold"/>
+              <a:cs typeface="Helvetica" panose="020B0604020202020204" pitchFamily="34" charset="0"/>
             </a:endParaRPr>
           </a:p>
           <a:p>
@@ -37104,7 +38882,8 @@
                 <a:solidFill>
                   <a:srgbClr val="000000"/>
                 </a:solidFill>
-                <a:latin typeface="DejaVuSansMono"/>
+                <a:latin typeface="DejaVuSansMono-Bold"/>
+                <a:cs typeface="Helvetica" panose="020B0604020202020204" pitchFamily="34" charset="0"/>
               </a:rPr>
               <a:t>		</a:t>
             </a:r>
@@ -37113,7 +38892,8 @@
                 <a:solidFill>
                   <a:srgbClr val="000000"/>
                 </a:solidFill>
-                <a:latin typeface="DejaVuSansMono"/>
+                <a:latin typeface="DejaVuSansMono-Bold"/>
+                <a:cs typeface="Helvetica" panose="020B0604020202020204" pitchFamily="34" charset="0"/>
               </a:rPr>
               <a:t>Integer</a:t>
             </a:r>
@@ -37122,7 +38902,8 @@
                 <a:solidFill>
                   <a:srgbClr val="000000"/>
                 </a:solidFill>
-                <a:latin typeface="DejaVuSansMono"/>
+                <a:latin typeface="DejaVuSansMono-Bold"/>
+                <a:cs typeface="Helvetica" panose="020B0604020202020204" pitchFamily="34" charset="0"/>
               </a:rPr>
               <a:t>(</a:t>
             </a:r>
@@ -37131,7 +38912,8 @@
                 <a:solidFill>
                   <a:srgbClr val="000000"/>
                 </a:solidFill>
-                <a:latin typeface="DejaVuSansMono"/>
+                <a:latin typeface="DejaVuSansMono-Bold"/>
+                <a:cs typeface="Helvetica" panose="020B0604020202020204" pitchFamily="34" charset="0"/>
               </a:rPr>
               <a:t>price</a:t>
             </a:r>
@@ -37140,7 +38922,8 @@
                 <a:solidFill>
                   <a:srgbClr val="000000"/>
                 </a:solidFill>
-                <a:latin typeface="DejaVuSansMono"/>
+                <a:latin typeface="DejaVuSansMono-Bold"/>
+                <a:cs typeface="Helvetica" panose="020B0604020202020204" pitchFamily="34" charset="0"/>
               </a:rPr>
               <a:t>*100 + 0.5)</a:t>
             </a:r>
@@ -37152,6 +38935,7 @@
                   <a:srgbClr val="91117D"/>
                 </a:solidFill>
                 <a:latin typeface="DejaVuSansMono-Bold"/>
+                <a:cs typeface="Helvetica" panose="020B0604020202020204" pitchFamily="34" charset="0"/>
               </a:rPr>
               <a:t>	</a:t>
             </a:r>
@@ -37161,6 +38945,7 @@
                   <a:srgbClr val="91117D"/>
                 </a:solidFill>
                 <a:latin typeface="DejaVuSansMono-Bold"/>
+                <a:cs typeface="Helvetica" panose="020B0604020202020204" pitchFamily="34" charset="0"/>
               </a:rPr>
               <a:t>end</a:t>
             </a:r>
@@ -37169,6 +38954,7 @@
                 <a:srgbClr val="91117D"/>
               </a:solidFill>
               <a:latin typeface="DejaVuSansMono-Bold"/>
+              <a:cs typeface="Helvetica" panose="020B0604020202020204" pitchFamily="34" charset="0"/>
             </a:endParaRPr>
           </a:p>
           <a:p>
@@ -37178,6 +38964,7 @@
                   <a:srgbClr val="91117D"/>
                 </a:solidFill>
                 <a:latin typeface="DejaVuSansMono-Bold"/>
+                <a:cs typeface="Helvetica" panose="020B0604020202020204" pitchFamily="34" charset="0"/>
               </a:rPr>
               <a:t>	def </a:t>
             </a:r>
@@ -37189,7 +38976,8 @@
                     <a:lumOff val="40000"/>
                   </a:schemeClr>
                 </a:solidFill>
-                <a:latin typeface="DejaVuSansMono"/>
+                <a:latin typeface="DejaVuSansMono-Bold"/>
+                <a:cs typeface="Helvetica" panose="020B0604020202020204" pitchFamily="34" charset="0"/>
               </a:rPr>
               <a:t>price_in_cents</a:t>
             </a:r>
@@ -37201,7 +38989,8 @@
                     <a:lumOff val="40000"/>
                   </a:schemeClr>
                 </a:solidFill>
-                <a:latin typeface="DejaVuSansMono"/>
+                <a:latin typeface="DejaVuSansMono-Bold"/>
+                <a:cs typeface="Helvetica" panose="020B0604020202020204" pitchFamily="34" charset="0"/>
               </a:rPr>
               <a:t>=(cents)</a:t>
             </a:r>
@@ -37212,7 +39001,8 @@
                 <a:solidFill>
                   <a:srgbClr val="000000"/>
                 </a:solidFill>
-                <a:latin typeface="DejaVuSansMono"/>
+                <a:latin typeface="DejaVuSansMono-Bold"/>
+                <a:cs typeface="Helvetica" panose="020B0604020202020204" pitchFamily="34" charset="0"/>
               </a:rPr>
               <a:t>		@</a:t>
             </a:r>
@@ -37221,7 +39011,8 @@
                 <a:solidFill>
                   <a:srgbClr val="000000"/>
                 </a:solidFill>
-                <a:latin typeface="DejaVuSansMono"/>
+                <a:latin typeface="DejaVuSansMono-Bold"/>
+                <a:cs typeface="Helvetica" panose="020B0604020202020204" pitchFamily="34" charset="0"/>
               </a:rPr>
               <a:t>price</a:t>
             </a:r>
@@ -37230,7 +39021,8 @@
                 <a:solidFill>
                   <a:srgbClr val="000000"/>
                 </a:solidFill>
-                <a:latin typeface="DejaVuSansMono"/>
+                <a:latin typeface="DejaVuSansMono-Bold"/>
+                <a:cs typeface="Helvetica" panose="020B0604020202020204" pitchFamily="34" charset="0"/>
               </a:rPr>
               <a:t> = cents / 100.0</a:t>
             </a:r>
@@ -37242,6 +39034,7 @@
                   <a:srgbClr val="91117D"/>
                 </a:solidFill>
                 <a:latin typeface="DejaVuSansMono-Bold"/>
+                <a:cs typeface="Helvetica" panose="020B0604020202020204" pitchFamily="34" charset="0"/>
               </a:rPr>
               <a:t>	</a:t>
             </a:r>
@@ -37251,6 +39044,7 @@
                   <a:srgbClr val="91117D"/>
                 </a:solidFill>
                 <a:latin typeface="DejaVuSansMono-Bold"/>
+                <a:cs typeface="Helvetica" panose="020B0604020202020204" pitchFamily="34" charset="0"/>
               </a:rPr>
               <a:t>end</a:t>
             </a:r>
@@ -37259,6 +39053,7 @@
                 <a:srgbClr val="91117D"/>
               </a:solidFill>
               <a:latin typeface="DejaVuSansMono-Bold"/>
+              <a:cs typeface="Helvetica" panose="020B0604020202020204" pitchFamily="34" charset="0"/>
             </a:endParaRPr>
           </a:p>
           <a:p>
@@ -37267,7 +39062,8 @@
                 <a:solidFill>
                   <a:srgbClr val="0F7C0F"/>
                 </a:solidFill>
-                <a:latin typeface="DejaVuSansMono-Oblique"/>
+                <a:latin typeface="DejaVuSansMono-Bold"/>
+                <a:cs typeface="Helvetica" panose="020B0604020202020204" pitchFamily="34" charset="0"/>
               </a:rPr>
               <a:t># ...</a:t>
             </a:r>
@@ -37279,10 +39075,14 @@
                   <a:srgbClr val="91117D"/>
                 </a:solidFill>
                 <a:latin typeface="DejaVuSansMono-Bold"/>
+                <a:cs typeface="Helvetica" panose="020B0604020202020204" pitchFamily="34" charset="0"/>
               </a:rPr>
               <a:t>end</a:t>
             </a:r>
-            <a:endParaRPr lang="es-CO" sz="1600" dirty="0"/>
+            <a:endParaRPr lang="es-CO" sz="1600" dirty="0">
+              <a:latin typeface="DejaVuSansMono-Bold"/>
+              <a:cs typeface="Helvetica" panose="020B0604020202020204" pitchFamily="34" charset="0"/>
+            </a:endParaRPr>
           </a:p>
         </p:txBody>
       </p:sp>
@@ -37338,14 +39138,23 @@
           <a:lstStyle/>
           <a:p>
             <a:r>
-              <a:rPr lang="es-CO" dirty="0"/>
+              <a:rPr lang="es-CO" dirty="0">
+                <a:latin typeface="Helvetica" panose="020B0604020202020204" pitchFamily="34" charset="0"/>
+                <a:cs typeface="Helvetica" panose="020B0604020202020204" pitchFamily="34" charset="0"/>
+              </a:rPr>
               <a:t>Access Control </a:t>
             </a:r>
             <a:r>
-              <a:rPr lang="en-US" dirty="0"/>
+              <a:rPr lang="en-US" dirty="0">
+                <a:latin typeface="Helvetica" panose="020B0604020202020204" pitchFamily="34" charset="0"/>
+                <a:cs typeface="Helvetica" panose="020B0604020202020204" pitchFamily="34" charset="0"/>
+              </a:rPr>
               <a:t>to the methods</a:t>
             </a:r>
-            <a:endParaRPr lang="es-CO" dirty="0"/>
+            <a:endParaRPr lang="es-CO" dirty="0">
+              <a:latin typeface="Helvetica" panose="020B0604020202020204" pitchFamily="34" charset="0"/>
+              <a:cs typeface="Helvetica" panose="020B0604020202020204" pitchFamily="34" charset="0"/>
+            </a:endParaRPr>
           </a:p>
         </p:txBody>
       </p:sp>
@@ -37380,15 +39189,23 @@
                     <a:lumOff val="40000"/>
                   </a:schemeClr>
                 </a:solidFill>
+                <a:latin typeface="Helvetica" panose="020B0604020202020204" pitchFamily="34" charset="0"/>
+                <a:cs typeface="Helvetica" panose="020B0604020202020204" pitchFamily="34" charset="0"/>
               </a:rPr>
               <a:t>Public</a:t>
             </a:r>
             <a:r>
-              <a:rPr lang="en-US" i="1" dirty="0"/>
+              <a:rPr lang="en-US" i="1" dirty="0">
+                <a:latin typeface="Helvetica" panose="020B0604020202020204" pitchFamily="34" charset="0"/>
+                <a:cs typeface="Helvetica" panose="020B0604020202020204" pitchFamily="34" charset="0"/>
+              </a:rPr>
               <a:t> methods </a:t>
             </a:r>
             <a:r>
-              <a:rPr lang="en-US" dirty="0"/>
+              <a:rPr lang="en-US" dirty="0">
+                <a:latin typeface="Helvetica" panose="020B0604020202020204" pitchFamily="34" charset="0"/>
+                <a:cs typeface="Helvetica" panose="020B0604020202020204" pitchFamily="34" charset="0"/>
+              </a:rPr>
               <a:t>can be called by anyone—no access control is enforced. Methods are public by default (except for initialize, which is always private).</a:t>
             </a:r>
           </a:p>
@@ -37401,15 +39218,23 @@
                     <a:lumOff val="40000"/>
                   </a:schemeClr>
                 </a:solidFill>
+                <a:latin typeface="Helvetica" panose="020B0604020202020204" pitchFamily="34" charset="0"/>
+                <a:cs typeface="Helvetica" panose="020B0604020202020204" pitchFamily="34" charset="0"/>
               </a:rPr>
               <a:t>Protected</a:t>
             </a:r>
             <a:r>
-              <a:rPr lang="en-US" i="1" dirty="0"/>
+              <a:rPr lang="en-US" i="1" dirty="0">
+                <a:latin typeface="Helvetica" panose="020B0604020202020204" pitchFamily="34" charset="0"/>
+                <a:cs typeface="Helvetica" panose="020B0604020202020204" pitchFamily="34" charset="0"/>
+              </a:rPr>
               <a:t> methods </a:t>
             </a:r>
             <a:r>
-              <a:rPr lang="en-US" dirty="0"/>
+              <a:rPr lang="en-US" dirty="0">
+                <a:latin typeface="Helvetica" panose="020B0604020202020204" pitchFamily="34" charset="0"/>
+                <a:cs typeface="Helvetica" panose="020B0604020202020204" pitchFamily="34" charset="0"/>
+              </a:rPr>
               <a:t>can be invoked only by objects of the defining class and its subclasses. Access is kept within the family.</a:t>
             </a:r>
           </a:p>
@@ -37422,26 +39247,43 @@
                     <a:lumOff val="40000"/>
                   </a:schemeClr>
                 </a:solidFill>
+                <a:latin typeface="Helvetica" panose="020B0604020202020204" pitchFamily="34" charset="0"/>
+                <a:cs typeface="Helvetica" panose="020B0604020202020204" pitchFamily="34" charset="0"/>
               </a:rPr>
               <a:t>Private</a:t>
             </a:r>
             <a:r>
-              <a:rPr lang="en-US" i="1" dirty="0"/>
+              <a:rPr lang="en-US" i="1" dirty="0">
+                <a:latin typeface="Helvetica" panose="020B0604020202020204" pitchFamily="34" charset="0"/>
+                <a:cs typeface="Helvetica" panose="020B0604020202020204" pitchFamily="34" charset="0"/>
+              </a:rPr>
               <a:t> methods </a:t>
             </a:r>
             <a:r>
-              <a:rPr lang="en-US" dirty="0"/>
+              <a:rPr lang="en-US" dirty="0">
+                <a:latin typeface="Helvetica" panose="020B0604020202020204" pitchFamily="34" charset="0"/>
+                <a:cs typeface="Helvetica" panose="020B0604020202020204" pitchFamily="34" charset="0"/>
+              </a:rPr>
               <a:t>cannot be called with an explicit receiver—the receiver is always the </a:t>
             </a:r>
             <a:r>
-              <a:rPr lang="en-US" dirty="0" err="1"/>
+              <a:rPr lang="en-US" dirty="0" err="1">
+                <a:latin typeface="Helvetica" panose="020B0604020202020204" pitchFamily="34" charset="0"/>
+                <a:cs typeface="Helvetica" panose="020B0604020202020204" pitchFamily="34" charset="0"/>
+              </a:rPr>
               <a:t>bcurrent</a:t>
             </a:r>
             <a:r>
-              <a:rPr lang="en-US" dirty="0"/>
+              <a:rPr lang="en-US" dirty="0">
+                <a:latin typeface="Helvetica" panose="020B0604020202020204" pitchFamily="34" charset="0"/>
+                <a:cs typeface="Helvetica" panose="020B0604020202020204" pitchFamily="34" charset="0"/>
+              </a:rPr>
               <a:t> object, also known as self. This means that private methods can be called only in the context of the current object; you can’t invoke another object’s private methods.</a:t>
             </a:r>
-            <a:endParaRPr lang="es-CO" dirty="0"/>
+            <a:endParaRPr lang="es-CO" dirty="0">
+              <a:latin typeface="Helvetica" panose="020B0604020202020204" pitchFamily="34" charset="0"/>
+              <a:cs typeface="Helvetica" panose="020B0604020202020204" pitchFamily="34" charset="0"/>
+            </a:endParaRPr>
           </a:p>
         </p:txBody>
       </p:sp>
@@ -37497,42 +39339,23 @@
           <a:lstStyle/>
           <a:p>
             <a:r>
-              <a:rPr lang="es-CO" dirty="0" err="1"/>
+              <a:rPr lang="es-CO" dirty="0" err="1">
+                <a:latin typeface="Helvetica" panose="020B0604020202020204" pitchFamily="34" charset="0"/>
+                <a:cs typeface="Helvetica" panose="020B0604020202020204" pitchFamily="34" charset="0"/>
+              </a:rPr>
               <a:t>Specifying</a:t>
             </a:r>
             <a:r>
-              <a:rPr lang="es-CO" dirty="0"/>
+              <a:rPr lang="es-CO" dirty="0">
+                <a:latin typeface="Helvetica" panose="020B0604020202020204" pitchFamily="34" charset="0"/>
+                <a:cs typeface="Helvetica" panose="020B0604020202020204" pitchFamily="34" charset="0"/>
+              </a:rPr>
               <a:t> Access Control</a:t>
             </a:r>
-            <a:endParaRPr lang="es-CO" sz="2400" dirty="0"/>
-          </a:p>
-        </p:txBody>
-      </p:sp>
-      <p:sp>
-        <p:nvSpPr>
-          <p:cNvPr id="3" name="Marcador de contenido 2">
-            <a:extLst>
-              <a:ext uri="{FF2B5EF4-FFF2-40B4-BE49-F238E27FC236}">
-                <a16:creationId xmlns:a16="http://schemas.microsoft.com/office/drawing/2014/main" id="{D60C7D71-147D-4542-9099-DB50A4891CEC}"/>
-              </a:ext>
-            </a:extLst>
-          </p:cNvPr>
-          <p:cNvSpPr>
-            <a:spLocks noGrp="1"/>
-          </p:cNvSpPr>
-          <p:nvPr>
-            <p:ph idx="1"/>
-          </p:nvPr>
-        </p:nvSpPr>
-        <p:spPr/>
-        <p:txBody>
-          <a:bodyPr/>
-          <a:lstStyle/>
-          <a:p>
-            <a:pPr marL="0" indent="0">
-              <a:buNone/>
-            </a:pPr>
-            <a:endParaRPr lang="es-CO" dirty="0"/>
+            <a:endParaRPr lang="es-CO" sz="2400" dirty="0">
+              <a:latin typeface="Helvetica" panose="020B0604020202020204" pitchFamily="34" charset="0"/>
+              <a:cs typeface="Helvetica" panose="020B0604020202020204" pitchFamily="34" charset="0"/>
+            </a:endParaRPr>
           </a:p>
         </p:txBody>
       </p:sp>
@@ -37551,7 +39374,7 @@
         <p:spPr>
           <a:xfrm>
             <a:off x="4015408" y="2133600"/>
-            <a:ext cx="7182678" cy="4031873"/>
+            <a:ext cx="4611757" cy="4031873"/>
           </a:xfrm>
           <a:prstGeom prst="rect">
             <a:avLst/>
@@ -37569,6 +39392,7 @@
                   <a:srgbClr val="91117D"/>
                 </a:solidFill>
                 <a:latin typeface="DejaVuSansMono-Bold"/>
+                <a:cs typeface="Helvetica" panose="020B0604020202020204" pitchFamily="34" charset="0"/>
               </a:rPr>
               <a:t>class</a:t>
             </a:r>
@@ -37578,6 +39402,7 @@
                   <a:srgbClr val="91117D"/>
                 </a:solidFill>
                 <a:latin typeface="DejaVuSansMono-Bold"/>
+                <a:cs typeface="Helvetica" panose="020B0604020202020204" pitchFamily="34" charset="0"/>
               </a:rPr>
               <a:t> </a:t>
             </a:r>
@@ -37586,7 +39411,8 @@
                 <a:solidFill>
                   <a:srgbClr val="000000"/>
                 </a:solidFill>
-                <a:latin typeface="DejaVuSansMono"/>
+                <a:latin typeface="DejaVuSansMono-Bold"/>
+                <a:cs typeface="Helvetica" panose="020B0604020202020204" pitchFamily="34" charset="0"/>
               </a:rPr>
               <a:t>MyClass</a:t>
             </a:r>
@@ -37594,7 +39420,8 @@
               <a:solidFill>
                 <a:srgbClr val="000000"/>
               </a:solidFill>
-              <a:latin typeface="DejaVuSansMono"/>
+              <a:latin typeface="DejaVuSansMono-Bold"/>
+              <a:cs typeface="Helvetica" panose="020B0604020202020204" pitchFamily="34" charset="0"/>
             </a:endParaRPr>
           </a:p>
           <a:p>
@@ -37604,6 +39431,7 @@
                   <a:srgbClr val="91117D"/>
                 </a:solidFill>
                 <a:latin typeface="DejaVuSansMono-Bold"/>
+                <a:cs typeface="Helvetica" panose="020B0604020202020204" pitchFamily="34" charset="0"/>
               </a:rPr>
               <a:t>	</a:t>
             </a:r>
@@ -37613,6 +39441,7 @@
                   <a:srgbClr val="91117D"/>
                 </a:solidFill>
                 <a:latin typeface="DejaVuSansMono-Bold"/>
+                <a:cs typeface="Helvetica" panose="020B0604020202020204" pitchFamily="34" charset="0"/>
               </a:rPr>
               <a:t>def</a:t>
             </a:r>
@@ -37622,6 +39451,7 @@
                   <a:srgbClr val="91117D"/>
                 </a:solidFill>
                 <a:latin typeface="DejaVuSansMono-Bold"/>
+                <a:cs typeface="Helvetica" panose="020B0604020202020204" pitchFamily="34" charset="0"/>
               </a:rPr>
               <a:t> </a:t>
             </a:r>
@@ -37630,7 +39460,8 @@
                 <a:solidFill>
                   <a:srgbClr val="000000"/>
                 </a:solidFill>
-                <a:latin typeface="DejaVuSansMono"/>
+                <a:latin typeface="DejaVuSansMono-Bold"/>
+                <a:cs typeface="Helvetica" panose="020B0604020202020204" pitchFamily="34" charset="0"/>
               </a:rPr>
               <a:t>method1</a:t>
             </a:r>
@@ -37639,7 +39470,8 @@
                 <a:solidFill>
                   <a:srgbClr val="000000"/>
                 </a:solidFill>
-                <a:latin typeface="DejaVuSansMono"/>
+                <a:latin typeface="DejaVuSansMono-Bold"/>
+                <a:cs typeface="Helvetica" panose="020B0604020202020204" pitchFamily="34" charset="0"/>
               </a:rPr>
               <a:t> </a:t>
             </a:r>
@@ -37648,7 +39480,8 @@
                 <a:solidFill>
                   <a:srgbClr val="0F7C0F"/>
                 </a:solidFill>
-                <a:latin typeface="DejaVuSansMono-Oblique"/>
+                <a:latin typeface="DejaVuSansMono-Bold"/>
+                <a:cs typeface="Helvetica" panose="020B0604020202020204" pitchFamily="34" charset="0"/>
               </a:rPr>
               <a:t># default </a:t>
             </a:r>
@@ -37657,7 +39490,8 @@
                 <a:solidFill>
                   <a:srgbClr val="0F7C0F"/>
                 </a:solidFill>
-                <a:latin typeface="DejaVuSansMono-Oblique"/>
+                <a:latin typeface="DejaVuSansMono-Bold"/>
+                <a:cs typeface="Helvetica" panose="020B0604020202020204" pitchFamily="34" charset="0"/>
               </a:rPr>
               <a:t>is</a:t>
             </a:r>
@@ -37666,7 +39500,8 @@
                 <a:solidFill>
                   <a:srgbClr val="0F7C0F"/>
                 </a:solidFill>
-                <a:latin typeface="DejaVuSansMono-Oblique"/>
+                <a:latin typeface="DejaVuSansMono-Bold"/>
+                <a:cs typeface="Helvetica" panose="020B0604020202020204" pitchFamily="34" charset="0"/>
               </a:rPr>
               <a:t> '</a:t>
             </a:r>
@@ -37675,7 +39510,8 @@
                 <a:solidFill>
                   <a:srgbClr val="0F7C0F"/>
                 </a:solidFill>
-                <a:latin typeface="DejaVuSansMono-Oblique"/>
+                <a:latin typeface="DejaVuSansMono-Bold"/>
+                <a:cs typeface="Helvetica" panose="020B0604020202020204" pitchFamily="34" charset="0"/>
               </a:rPr>
               <a:t>public</a:t>
             </a:r>
@@ -37684,7 +39520,8 @@
                 <a:solidFill>
                   <a:srgbClr val="0F7C0F"/>
                 </a:solidFill>
-                <a:latin typeface="DejaVuSansMono-Oblique"/>
+                <a:latin typeface="DejaVuSansMono-Bold"/>
+                <a:cs typeface="Helvetica" panose="020B0604020202020204" pitchFamily="34" charset="0"/>
               </a:rPr>
               <a:t>’</a:t>
             </a:r>
@@ -37695,7 +39532,8 @@
                 <a:solidFill>
                   <a:srgbClr val="0F7C0F"/>
                 </a:solidFill>
-                <a:latin typeface="DejaVuSansMono-Oblique"/>
+                <a:latin typeface="DejaVuSansMono-Bold"/>
+                <a:cs typeface="Helvetica" panose="020B0604020202020204" pitchFamily="34" charset="0"/>
               </a:rPr>
               <a:t>		#...</a:t>
             </a:r>
@@ -37707,6 +39545,7 @@
                   <a:srgbClr val="91117D"/>
                 </a:solidFill>
                 <a:latin typeface="DejaVuSansMono-Bold"/>
+                <a:cs typeface="Helvetica" panose="020B0604020202020204" pitchFamily="34" charset="0"/>
               </a:rPr>
               <a:t>	</a:t>
             </a:r>
@@ -37716,6 +39555,7 @@
                   <a:srgbClr val="91117D"/>
                 </a:solidFill>
                 <a:latin typeface="DejaVuSansMono-Bold"/>
+                <a:cs typeface="Helvetica" panose="020B0604020202020204" pitchFamily="34" charset="0"/>
               </a:rPr>
               <a:t>end</a:t>
             </a:r>
@@ -37724,6 +39564,7 @@
                 <a:srgbClr val="91117D"/>
               </a:solidFill>
               <a:latin typeface="DejaVuSansMono-Bold"/>
+              <a:cs typeface="Helvetica" panose="020B0604020202020204" pitchFamily="34" charset="0"/>
             </a:endParaRPr>
           </a:p>
           <a:p>
@@ -37732,7 +39573,8 @@
                 <a:solidFill>
                   <a:srgbClr val="000000"/>
                 </a:solidFill>
-                <a:latin typeface="DejaVuSansMono"/>
+                <a:latin typeface="DejaVuSansMono-Bold"/>
+                <a:cs typeface="Helvetica" panose="020B0604020202020204" pitchFamily="34" charset="0"/>
               </a:rPr>
               <a:t>protected </a:t>
             </a:r>
@@ -37741,7 +39583,8 @@
                 <a:solidFill>
                   <a:srgbClr val="0F7C0F"/>
                 </a:solidFill>
-                <a:latin typeface="DejaVuSansMono-Oblique"/>
+                <a:latin typeface="DejaVuSansMono-Bold"/>
+                <a:cs typeface="Helvetica" panose="020B0604020202020204" pitchFamily="34" charset="0"/>
               </a:rPr>
               <a:t># subsequent methods will be 'protected’</a:t>
             </a:r>
@@ -37753,6 +39596,7 @@
                   <a:srgbClr val="91117D"/>
                 </a:solidFill>
                 <a:latin typeface="DejaVuSansMono-Bold"/>
+                <a:cs typeface="Helvetica" panose="020B0604020202020204" pitchFamily="34" charset="0"/>
               </a:rPr>
               <a:t>	def </a:t>
             </a:r>
@@ -37761,7 +39605,8 @@
                 <a:solidFill>
                   <a:srgbClr val="000000"/>
                 </a:solidFill>
-                <a:latin typeface="DejaVuSansMono"/>
+                <a:latin typeface="DejaVuSansMono-Bold"/>
+                <a:cs typeface="Helvetica" panose="020B0604020202020204" pitchFamily="34" charset="0"/>
               </a:rPr>
               <a:t>method2</a:t>
             </a:r>
@@ -37770,7 +39615,8 @@
                 <a:solidFill>
                   <a:srgbClr val="000000"/>
                 </a:solidFill>
-                <a:latin typeface="DejaVuSansMono"/>
+                <a:latin typeface="DejaVuSansMono-Bold"/>
+                <a:cs typeface="Helvetica" panose="020B0604020202020204" pitchFamily="34" charset="0"/>
               </a:rPr>
               <a:t> </a:t>
             </a:r>
@@ -37779,7 +39625,8 @@
                 <a:solidFill>
                   <a:srgbClr val="0F7C0F"/>
                 </a:solidFill>
-                <a:latin typeface="DejaVuSansMono-Oblique"/>
+                <a:latin typeface="DejaVuSansMono-Bold"/>
+                <a:cs typeface="Helvetica" panose="020B0604020202020204" pitchFamily="34" charset="0"/>
               </a:rPr>
               <a:t># will be 'protected’</a:t>
             </a:r>
@@ -37790,7 +39637,8 @@
                 <a:solidFill>
                   <a:srgbClr val="0F7C0F"/>
                 </a:solidFill>
-                <a:latin typeface="DejaVuSansMono-Oblique"/>
+                <a:latin typeface="DejaVuSansMono-Bold"/>
+                <a:cs typeface="Helvetica" panose="020B0604020202020204" pitchFamily="34" charset="0"/>
               </a:rPr>
               <a:t>		#...</a:t>
             </a:r>
@@ -37802,6 +39650,7 @@
                   <a:srgbClr val="91117D"/>
                 </a:solidFill>
                 <a:latin typeface="DejaVuSansMono-Bold"/>
+                <a:cs typeface="Helvetica" panose="020B0604020202020204" pitchFamily="34" charset="0"/>
               </a:rPr>
               <a:t>	</a:t>
             </a:r>
@@ -37811,6 +39660,7 @@
                   <a:srgbClr val="91117D"/>
                 </a:solidFill>
                 <a:latin typeface="DejaVuSansMono-Bold"/>
+                <a:cs typeface="Helvetica" panose="020B0604020202020204" pitchFamily="34" charset="0"/>
               </a:rPr>
               <a:t>end</a:t>
             </a:r>
@@ -37820,6 +39670,7 @@
                   <a:srgbClr val="91117D"/>
                 </a:solidFill>
                 <a:latin typeface="DejaVuSansMono-Bold"/>
+                <a:cs typeface="Helvetica" panose="020B0604020202020204" pitchFamily="34" charset="0"/>
               </a:rPr>
               <a:t> </a:t>
             </a:r>
@@ -37832,6 +39683,7 @@
                   <a:srgbClr val="FFFF00"/>
                 </a:highlight>
                 <a:latin typeface="DejaVuSansMono-Bold"/>
+                <a:cs typeface="Helvetica" panose="020B0604020202020204" pitchFamily="34" charset="0"/>
               </a:rPr>
               <a:t>…</a:t>
             </a:r>
@@ -37842,7 +39694,8 @@
                 <a:solidFill>
                   <a:srgbClr val="000000"/>
                 </a:solidFill>
-                <a:latin typeface="DejaVuSansMono"/>
+                <a:latin typeface="DejaVuSansMono-Bold"/>
+                <a:cs typeface="Helvetica" panose="020B0604020202020204" pitchFamily="34" charset="0"/>
               </a:rPr>
               <a:t>private </a:t>
             </a:r>
@@ -37851,7 +39704,8 @@
                 <a:solidFill>
                   <a:srgbClr val="0F7C0F"/>
                 </a:solidFill>
-                <a:latin typeface="DejaVuSansMono-Oblique"/>
+                <a:latin typeface="DejaVuSansMono-Bold"/>
+                <a:cs typeface="Helvetica" panose="020B0604020202020204" pitchFamily="34" charset="0"/>
               </a:rPr>
               <a:t># subsequent methods will be 'private’</a:t>
             </a:r>
@@ -37863,6 +39717,7 @@
                   <a:srgbClr val="91117D"/>
                 </a:solidFill>
                 <a:latin typeface="DejaVuSansMono-Bold"/>
+                <a:cs typeface="Helvetica" panose="020B0604020202020204" pitchFamily="34" charset="0"/>
               </a:rPr>
               <a:t>	def </a:t>
             </a:r>
@@ -37871,7 +39726,8 @@
                 <a:solidFill>
                   <a:srgbClr val="000000"/>
                 </a:solidFill>
-                <a:latin typeface="DejaVuSansMono"/>
+                <a:latin typeface="DejaVuSansMono-Bold"/>
+                <a:cs typeface="Helvetica" panose="020B0604020202020204" pitchFamily="34" charset="0"/>
               </a:rPr>
               <a:t>method3</a:t>
             </a:r>
@@ -37880,7 +39736,8 @@
                 <a:solidFill>
                   <a:srgbClr val="000000"/>
                 </a:solidFill>
-                <a:latin typeface="DejaVuSansMono"/>
+                <a:latin typeface="DejaVuSansMono-Bold"/>
+                <a:cs typeface="Helvetica" panose="020B0604020202020204" pitchFamily="34" charset="0"/>
               </a:rPr>
               <a:t> </a:t>
             </a:r>
@@ -37889,7 +39746,8 @@
                 <a:solidFill>
                   <a:srgbClr val="0F7C0F"/>
                 </a:solidFill>
-                <a:latin typeface="DejaVuSansMono-Oblique"/>
+                <a:latin typeface="DejaVuSansMono-Bold"/>
+                <a:cs typeface="Helvetica" panose="020B0604020202020204" pitchFamily="34" charset="0"/>
               </a:rPr>
               <a:t># will be 'private’</a:t>
             </a:r>
@@ -37900,7 +39758,8 @@
                 <a:solidFill>
                   <a:srgbClr val="0F7C0F"/>
                 </a:solidFill>
-                <a:latin typeface="DejaVuSansMono-Oblique"/>
+                <a:latin typeface="DejaVuSansMono-Bold"/>
+                <a:cs typeface="Helvetica" panose="020B0604020202020204" pitchFamily="34" charset="0"/>
               </a:rPr>
               <a:t>		#...</a:t>
             </a:r>
@@ -37912,6 +39771,7 @@
                   <a:srgbClr val="91117D"/>
                 </a:solidFill>
                 <a:latin typeface="DejaVuSansMono-Bold"/>
+                <a:cs typeface="Helvetica" panose="020B0604020202020204" pitchFamily="34" charset="0"/>
               </a:rPr>
               <a:t>	</a:t>
             </a:r>
@@ -37921,6 +39781,7 @@
                   <a:srgbClr val="91117D"/>
                 </a:solidFill>
                 <a:latin typeface="DejaVuSansMono-Bold"/>
+                <a:cs typeface="Helvetica" panose="020B0604020202020204" pitchFamily="34" charset="0"/>
               </a:rPr>
               <a:t>end</a:t>
             </a:r>
@@ -37930,6 +39791,7 @@
                   <a:srgbClr val="91117D"/>
                 </a:solidFill>
                 <a:latin typeface="DejaVuSansMono-Bold"/>
+                <a:cs typeface="Helvetica" panose="020B0604020202020204" pitchFamily="34" charset="0"/>
               </a:rPr>
               <a:t> </a:t>
             </a:r>
@@ -37942,6 +39804,7 @@
                   <a:srgbClr val="FFFF00"/>
                 </a:highlight>
                 <a:latin typeface="DejaVuSansMono-Bold"/>
+                <a:cs typeface="Helvetica" panose="020B0604020202020204" pitchFamily="34" charset="0"/>
               </a:rPr>
               <a:t>…</a:t>
             </a:r>
@@ -37952,7 +39815,8 @@
                 <a:solidFill>
                   <a:srgbClr val="000000"/>
                 </a:solidFill>
-                <a:latin typeface="DejaVuSansMono"/>
+                <a:latin typeface="DejaVuSansMono-Bold"/>
+                <a:cs typeface="Helvetica" panose="020B0604020202020204" pitchFamily="34" charset="0"/>
               </a:rPr>
               <a:t>public </a:t>
             </a:r>
@@ -37961,7 +39825,8 @@
                 <a:solidFill>
                   <a:srgbClr val="0F7C0F"/>
                 </a:solidFill>
-                <a:latin typeface="DejaVuSansMono-Oblique"/>
+                <a:latin typeface="DejaVuSansMono-Bold"/>
+                <a:cs typeface="Helvetica" panose="020B0604020202020204" pitchFamily="34" charset="0"/>
               </a:rPr>
               <a:t># subsequent methods will be 'public’</a:t>
             </a:r>
@@ -37973,6 +39838,7 @@
                   <a:srgbClr val="91117D"/>
                 </a:solidFill>
                 <a:latin typeface="DejaVuSansMono-Bold"/>
+                <a:cs typeface="Helvetica" panose="020B0604020202020204" pitchFamily="34" charset="0"/>
               </a:rPr>
               <a:t>	def </a:t>
             </a:r>
@@ -37981,7 +39847,8 @@
                 <a:solidFill>
                   <a:srgbClr val="000000"/>
                 </a:solidFill>
-                <a:latin typeface="DejaVuSansMono"/>
+                <a:latin typeface="DejaVuSansMono-Bold"/>
+                <a:cs typeface="Helvetica" panose="020B0604020202020204" pitchFamily="34" charset="0"/>
               </a:rPr>
               <a:t>method4</a:t>
             </a:r>
@@ -37990,7 +39857,8 @@
                 <a:solidFill>
                   <a:srgbClr val="000000"/>
                 </a:solidFill>
-                <a:latin typeface="DejaVuSansMono"/>
+                <a:latin typeface="DejaVuSansMono-Bold"/>
+                <a:cs typeface="Helvetica" panose="020B0604020202020204" pitchFamily="34" charset="0"/>
               </a:rPr>
               <a:t> </a:t>
             </a:r>
@@ -37999,7 +39867,8 @@
                 <a:solidFill>
                   <a:srgbClr val="0F7C0F"/>
                 </a:solidFill>
-                <a:latin typeface="DejaVuSansMono-Oblique"/>
+                <a:latin typeface="DejaVuSansMono-Bold"/>
+                <a:cs typeface="Helvetica" panose="020B0604020202020204" pitchFamily="34" charset="0"/>
               </a:rPr>
               <a:t># so this will be 'public’</a:t>
             </a:r>
@@ -38010,7 +39879,8 @@
                 <a:solidFill>
                   <a:srgbClr val="0F7C0F"/>
                 </a:solidFill>
-                <a:latin typeface="DejaVuSansMono-Oblique"/>
+                <a:latin typeface="DejaVuSansMono-Bold"/>
+                <a:cs typeface="Helvetica" panose="020B0604020202020204" pitchFamily="34" charset="0"/>
               </a:rPr>
               <a:t>		#...</a:t>
             </a:r>
@@ -38022,6 +39892,7 @@
                   <a:srgbClr val="91117D"/>
                 </a:solidFill>
                 <a:latin typeface="DejaVuSansMono-Bold"/>
+                <a:cs typeface="Helvetica" panose="020B0604020202020204" pitchFamily="34" charset="0"/>
               </a:rPr>
               <a:t>	</a:t>
             </a:r>
@@ -38031,6 +39902,7 @@
                   <a:srgbClr val="91117D"/>
                 </a:solidFill>
                 <a:latin typeface="DejaVuSansMono-Bold"/>
+                <a:cs typeface="Helvetica" panose="020B0604020202020204" pitchFamily="34" charset="0"/>
               </a:rPr>
               <a:t>end</a:t>
             </a:r>
@@ -38040,6 +39912,7 @@
                   <a:srgbClr val="91117D"/>
                 </a:solidFill>
                 <a:latin typeface="DejaVuSansMono-Bold"/>
+                <a:cs typeface="Helvetica" panose="020B0604020202020204" pitchFamily="34" charset="0"/>
               </a:rPr>
               <a:t> </a:t>
             </a:r>
@@ -38052,6 +39925,7 @@
                   <a:srgbClr val="FFFF00"/>
                 </a:highlight>
                 <a:latin typeface="DejaVuSansMono-Bold"/>
+                <a:cs typeface="Helvetica" panose="020B0604020202020204" pitchFamily="34" charset="0"/>
               </a:rPr>
               <a:t>…</a:t>
             </a:r>
@@ -38063,6 +39937,7 @@
                   <a:srgbClr val="91117D"/>
                 </a:solidFill>
                 <a:latin typeface="DejaVuSansMono-Bold"/>
+                <a:cs typeface="Helvetica" panose="020B0604020202020204" pitchFamily="34" charset="0"/>
               </a:rPr>
               <a:t>end</a:t>
             </a:r>
@@ -38071,10 +39946,14 @@
                 <a:srgbClr val="91117D"/>
               </a:solidFill>
               <a:latin typeface="DejaVuSansMono-Bold"/>
+              <a:cs typeface="Helvetica" panose="020B0604020202020204" pitchFamily="34" charset="0"/>
             </a:endParaRPr>
           </a:p>
           <a:p>
-            <a:endParaRPr lang="es-CO" dirty="0"/>
+            <a:endParaRPr lang="es-CO" dirty="0">
+              <a:latin typeface="DejaVuSansMono-Bold"/>
+              <a:cs typeface="Helvetica" panose="020B0604020202020204" pitchFamily="34" charset="0"/>
+            </a:endParaRPr>
           </a:p>
         </p:txBody>
       </p:sp>
@@ -38130,11 +40009,17 @@
           <a:lstStyle/>
           <a:p>
             <a:r>
-              <a:rPr lang="es-CO" dirty="0" err="1"/>
+              <a:rPr lang="es-CO" dirty="0" err="1">
+                <a:latin typeface="Helvetica" panose="020B0604020202020204" pitchFamily="34" charset="0"/>
+                <a:cs typeface="Helvetica" panose="020B0604020202020204" pitchFamily="34" charset="0"/>
+              </a:rPr>
               <a:t>Specifying</a:t>
             </a:r>
             <a:r>
-              <a:rPr lang="es-CO" dirty="0"/>
+              <a:rPr lang="es-CO" dirty="0">
+                <a:latin typeface="Helvetica" panose="020B0604020202020204" pitchFamily="34" charset="0"/>
+                <a:cs typeface="Helvetica" panose="020B0604020202020204" pitchFamily="34" charset="0"/>
+              </a:rPr>
               <a:t> Access Control</a:t>
             </a:r>
           </a:p>
@@ -38162,31 +40047,52 @@
           <a:lstStyle/>
           <a:p>
             <a:r>
-              <a:rPr lang="en-US" dirty="0"/>
+              <a:rPr lang="en-US" dirty="0">
+                <a:latin typeface="Helvetica" panose="020B0604020202020204" pitchFamily="34" charset="0"/>
+                <a:cs typeface="Helvetica" panose="020B0604020202020204" pitchFamily="34" charset="0"/>
+              </a:rPr>
               <a:t>Alternatively, you can set access levels of named methods by listing them as arguments to </a:t>
             </a:r>
             <a:r>
-              <a:rPr lang="es-CO" dirty="0" err="1"/>
+              <a:rPr lang="es-CO" dirty="0" err="1">
+                <a:latin typeface="Helvetica" panose="020B0604020202020204" pitchFamily="34" charset="0"/>
+                <a:cs typeface="Helvetica" panose="020B0604020202020204" pitchFamily="34" charset="0"/>
+              </a:rPr>
               <a:t>the</a:t>
             </a:r>
             <a:r>
-              <a:rPr lang="es-CO" dirty="0"/>
+              <a:rPr lang="es-CO" dirty="0">
+                <a:latin typeface="Helvetica" panose="020B0604020202020204" pitchFamily="34" charset="0"/>
+                <a:cs typeface="Helvetica" panose="020B0604020202020204" pitchFamily="34" charset="0"/>
+              </a:rPr>
               <a:t> </a:t>
             </a:r>
             <a:r>
-              <a:rPr lang="es-CO" dirty="0" err="1"/>
+              <a:rPr lang="es-CO" dirty="0" err="1">
+                <a:latin typeface="Helvetica" panose="020B0604020202020204" pitchFamily="34" charset="0"/>
+                <a:cs typeface="Helvetica" panose="020B0604020202020204" pitchFamily="34" charset="0"/>
+              </a:rPr>
               <a:t>access</a:t>
             </a:r>
             <a:r>
-              <a:rPr lang="es-CO" dirty="0"/>
+              <a:rPr lang="es-CO" dirty="0">
+                <a:latin typeface="Helvetica" panose="020B0604020202020204" pitchFamily="34" charset="0"/>
+                <a:cs typeface="Helvetica" panose="020B0604020202020204" pitchFamily="34" charset="0"/>
+              </a:rPr>
               <a:t> control </a:t>
             </a:r>
             <a:r>
-              <a:rPr lang="es-CO" dirty="0" err="1"/>
+              <a:rPr lang="es-CO" dirty="0" err="1">
+                <a:latin typeface="Helvetica" panose="020B0604020202020204" pitchFamily="34" charset="0"/>
+                <a:cs typeface="Helvetica" panose="020B0604020202020204" pitchFamily="34" charset="0"/>
+              </a:rPr>
               <a:t>functions</a:t>
             </a:r>
             <a:r>
-              <a:rPr lang="es-CO" dirty="0"/>
+              <a:rPr lang="es-CO" dirty="0">
+                <a:latin typeface="Helvetica" panose="020B0604020202020204" pitchFamily="34" charset="0"/>
+                <a:cs typeface="Helvetica" panose="020B0604020202020204" pitchFamily="34" charset="0"/>
+              </a:rPr>
               <a:t>:</a:t>
             </a:r>
           </a:p>
@@ -38225,6 +40131,7 @@
                   <a:srgbClr val="91117D"/>
                 </a:solidFill>
                 <a:latin typeface="DejaVuSansMono-Bold"/>
+                <a:cs typeface="Helvetica" panose="020B0604020202020204" pitchFamily="34" charset="0"/>
               </a:rPr>
               <a:t>class</a:t>
             </a:r>
@@ -38234,6 +40141,7 @@
                   <a:srgbClr val="91117D"/>
                 </a:solidFill>
                 <a:latin typeface="DejaVuSansMono-Bold"/>
+                <a:cs typeface="Helvetica" panose="020B0604020202020204" pitchFamily="34" charset="0"/>
               </a:rPr>
               <a:t> </a:t>
             </a:r>
@@ -38242,7 +40150,8 @@
                 <a:solidFill>
                   <a:srgbClr val="000000"/>
                 </a:solidFill>
-                <a:latin typeface="DejaVuSansMono"/>
+                <a:latin typeface="DejaVuSansMono-Bold"/>
+                <a:cs typeface="Helvetica" panose="020B0604020202020204" pitchFamily="34" charset="0"/>
               </a:rPr>
               <a:t>MyClass</a:t>
             </a:r>
@@ -38250,7 +40159,8 @@
               <a:solidFill>
                 <a:srgbClr val="000000"/>
               </a:solidFill>
-              <a:latin typeface="DejaVuSansMono"/>
+              <a:latin typeface="DejaVuSansMono-Bold"/>
+              <a:cs typeface="Helvetica" panose="020B0604020202020204" pitchFamily="34" charset="0"/>
             </a:endParaRPr>
           </a:p>
           <a:p>
@@ -38260,6 +40170,7 @@
                   <a:srgbClr val="91117D"/>
                 </a:solidFill>
                 <a:latin typeface="DejaVuSansMono-Bold"/>
+                <a:cs typeface="Helvetica" panose="020B0604020202020204" pitchFamily="34" charset="0"/>
               </a:rPr>
               <a:t>	</a:t>
             </a:r>
@@ -38269,6 +40180,7 @@
                   <a:srgbClr val="91117D"/>
                 </a:solidFill>
                 <a:latin typeface="DejaVuSansMono-Bold"/>
+                <a:cs typeface="Helvetica" panose="020B0604020202020204" pitchFamily="34" charset="0"/>
               </a:rPr>
               <a:t>def</a:t>
             </a:r>
@@ -38278,6 +40190,7 @@
                   <a:srgbClr val="91117D"/>
                 </a:solidFill>
                 <a:latin typeface="DejaVuSansMono-Bold"/>
+                <a:cs typeface="Helvetica" panose="020B0604020202020204" pitchFamily="34" charset="0"/>
               </a:rPr>
               <a:t> </a:t>
             </a:r>
@@ -38286,7 +40199,8 @@
                 <a:solidFill>
                   <a:srgbClr val="000000"/>
                 </a:solidFill>
-                <a:latin typeface="DejaVuSansMono"/>
+                <a:latin typeface="DejaVuSansMono-Bold"/>
+                <a:cs typeface="Helvetica" panose="020B0604020202020204" pitchFamily="34" charset="0"/>
               </a:rPr>
               <a:t>method1</a:t>
             </a:r>
@@ -38294,7 +40208,8 @@
               <a:solidFill>
                 <a:srgbClr val="000000"/>
               </a:solidFill>
-              <a:latin typeface="DejaVuSansMono"/>
+              <a:latin typeface="DejaVuSansMono-Bold"/>
+              <a:cs typeface="Helvetica" panose="020B0604020202020204" pitchFamily="34" charset="0"/>
             </a:endParaRPr>
           </a:p>
           <a:p>
@@ -38304,6 +40219,7 @@
                   <a:srgbClr val="91117D"/>
                 </a:solidFill>
                 <a:latin typeface="DejaVuSansMono-Bold"/>
+                <a:cs typeface="Helvetica" panose="020B0604020202020204" pitchFamily="34" charset="0"/>
               </a:rPr>
               <a:t>	</a:t>
             </a:r>
@@ -38313,6 +40229,7 @@
                   <a:srgbClr val="91117D"/>
                 </a:solidFill>
                 <a:latin typeface="DejaVuSansMono-Bold"/>
+                <a:cs typeface="Helvetica" panose="020B0604020202020204" pitchFamily="34" charset="0"/>
               </a:rPr>
               <a:t>end</a:t>
             </a:r>
@@ -38321,6 +40238,7 @@
                 <a:srgbClr val="91117D"/>
               </a:solidFill>
               <a:latin typeface="DejaVuSansMono-Bold"/>
+              <a:cs typeface="Helvetica" panose="020B0604020202020204" pitchFamily="34" charset="0"/>
             </a:endParaRPr>
           </a:p>
           <a:p>
@@ -38330,6 +40248,7 @@
                   <a:srgbClr val="91117D"/>
                 </a:solidFill>
                 <a:latin typeface="DejaVuSansMono-Bold"/>
+                <a:cs typeface="Helvetica" panose="020B0604020202020204" pitchFamily="34" charset="0"/>
               </a:rPr>
               <a:t>	</a:t>
             </a:r>
@@ -38339,6 +40258,7 @@
                   <a:srgbClr val="91117D"/>
                 </a:solidFill>
                 <a:latin typeface="DejaVuSansMono-Bold"/>
+                <a:cs typeface="Helvetica" panose="020B0604020202020204" pitchFamily="34" charset="0"/>
               </a:rPr>
               <a:t>def</a:t>
             </a:r>
@@ -38348,6 +40268,7 @@
                   <a:srgbClr val="91117D"/>
                 </a:solidFill>
                 <a:latin typeface="DejaVuSansMono-Bold"/>
+                <a:cs typeface="Helvetica" panose="020B0604020202020204" pitchFamily="34" charset="0"/>
               </a:rPr>
               <a:t> </a:t>
             </a:r>
@@ -38356,7 +40277,8 @@
                 <a:solidFill>
                   <a:srgbClr val="000000"/>
                 </a:solidFill>
-                <a:latin typeface="DejaVuSansMono"/>
+                <a:latin typeface="DejaVuSansMono-Bold"/>
+                <a:cs typeface="Helvetica" panose="020B0604020202020204" pitchFamily="34" charset="0"/>
               </a:rPr>
               <a:t>method2</a:t>
             </a:r>
@@ -38364,7 +40286,8 @@
               <a:solidFill>
                 <a:srgbClr val="000000"/>
               </a:solidFill>
-              <a:latin typeface="DejaVuSansMono"/>
+              <a:latin typeface="DejaVuSansMono-Bold"/>
+              <a:cs typeface="Helvetica" panose="020B0604020202020204" pitchFamily="34" charset="0"/>
             </a:endParaRPr>
           </a:p>
           <a:p>
@@ -38374,6 +40297,7 @@
                   <a:srgbClr val="91117D"/>
                 </a:solidFill>
                 <a:latin typeface="DejaVuSansMono-Bold"/>
+                <a:cs typeface="Helvetica" panose="020B0604020202020204" pitchFamily="34" charset="0"/>
               </a:rPr>
               <a:t>	</a:t>
             </a:r>
@@ -38383,6 +40307,7 @@
                   <a:srgbClr val="91117D"/>
                 </a:solidFill>
                 <a:latin typeface="DejaVuSansMono-Bold"/>
+                <a:cs typeface="Helvetica" panose="020B0604020202020204" pitchFamily="34" charset="0"/>
               </a:rPr>
               <a:t>end</a:t>
             </a:r>
@@ -38391,6 +40316,7 @@
                 <a:srgbClr val="91117D"/>
               </a:solidFill>
               <a:latin typeface="DejaVuSansMono-Bold"/>
+              <a:cs typeface="Helvetica" panose="020B0604020202020204" pitchFamily="34" charset="0"/>
             </a:endParaRPr>
           </a:p>
           <a:p>
@@ -38399,7 +40325,8 @@
                 <a:solidFill>
                   <a:srgbClr val="0F7C0F"/>
                 </a:solidFill>
-                <a:latin typeface="DejaVuSansMono-Oblique"/>
+                <a:latin typeface="DejaVuSansMono-Bold"/>
+                <a:cs typeface="Helvetica" panose="020B0604020202020204" pitchFamily="34" charset="0"/>
               </a:rPr>
               <a:t># ... and so </a:t>
             </a:r>
@@ -38408,7 +40335,8 @@
                 <a:solidFill>
                   <a:srgbClr val="0F7C0F"/>
                 </a:solidFill>
-                <a:latin typeface="DejaVuSansMono-Oblique"/>
+                <a:latin typeface="DejaVuSansMono-Bold"/>
+                <a:cs typeface="Helvetica" panose="020B0604020202020204" pitchFamily="34" charset="0"/>
               </a:rPr>
               <a:t>on</a:t>
             </a:r>
@@ -38416,7 +40344,8 @@
               <a:solidFill>
                 <a:srgbClr val="0F7C0F"/>
               </a:solidFill>
-              <a:latin typeface="DejaVuSansMono-Oblique"/>
+              <a:latin typeface="DejaVuSansMono-Bold"/>
+              <a:cs typeface="Helvetica" panose="020B0604020202020204" pitchFamily="34" charset="0"/>
             </a:endParaRPr>
           </a:p>
           <a:p>
@@ -38424,7 +40353,8 @@
               <a:solidFill>
                 <a:srgbClr val="0F7C0F"/>
               </a:solidFill>
-              <a:latin typeface="DejaVuSansMono-Oblique"/>
+              <a:latin typeface="DejaVuSansMono-Bold"/>
+              <a:cs typeface="Helvetica" panose="020B0604020202020204" pitchFamily="34" charset="0"/>
             </a:endParaRPr>
           </a:p>
           <a:p>
@@ -38433,7 +40363,8 @@
                 <a:solidFill>
                   <a:srgbClr val="000000"/>
                 </a:solidFill>
-                <a:latin typeface="DejaVuSansMono"/>
+                <a:latin typeface="DejaVuSansMono-Bold"/>
+                <a:cs typeface="Helvetica" panose="020B0604020202020204" pitchFamily="34" charset="0"/>
               </a:rPr>
               <a:t>	</a:t>
             </a:r>
@@ -38442,7 +40373,8 @@
                 <a:solidFill>
                   <a:srgbClr val="000000"/>
                 </a:solidFill>
-                <a:latin typeface="DejaVuSansMono"/>
+                <a:latin typeface="DejaVuSansMono-Bold"/>
+                <a:cs typeface="Helvetica" panose="020B0604020202020204" pitchFamily="34" charset="0"/>
               </a:rPr>
               <a:t>public</a:t>
             </a:r>
@@ -38451,7 +40383,8 @@
                 <a:solidFill>
                   <a:srgbClr val="000000"/>
                 </a:solidFill>
-                <a:latin typeface="DejaVuSansMono"/>
+                <a:latin typeface="DejaVuSansMono-Bold"/>
+                <a:cs typeface="Helvetica" panose="020B0604020202020204" pitchFamily="34" charset="0"/>
               </a:rPr>
               <a:t> 		:</a:t>
             </a:r>
@@ -38460,7 +40393,8 @@
                 <a:solidFill>
                   <a:srgbClr val="000000"/>
                 </a:solidFill>
-                <a:latin typeface="DejaVuSansMono"/>
+                <a:latin typeface="DejaVuSansMono-Bold"/>
+                <a:cs typeface="Helvetica" panose="020B0604020202020204" pitchFamily="34" charset="0"/>
               </a:rPr>
               <a:t>method1</a:t>
             </a:r>
@@ -38469,7 +40403,8 @@
                 <a:solidFill>
                   <a:srgbClr val="000000"/>
                 </a:solidFill>
-                <a:latin typeface="DejaVuSansMono"/>
+                <a:latin typeface="DejaVuSansMono-Bold"/>
+                <a:cs typeface="Helvetica" panose="020B0604020202020204" pitchFamily="34" charset="0"/>
               </a:rPr>
               <a:t>, :</a:t>
             </a:r>
@@ -38478,7 +40413,8 @@
                 <a:solidFill>
                   <a:srgbClr val="000000"/>
                 </a:solidFill>
-                <a:latin typeface="DejaVuSansMono"/>
+                <a:latin typeface="DejaVuSansMono-Bold"/>
+                <a:cs typeface="Helvetica" panose="020B0604020202020204" pitchFamily="34" charset="0"/>
               </a:rPr>
               <a:t>method4</a:t>
             </a:r>
@@ -38486,7 +40422,8 @@
               <a:solidFill>
                 <a:srgbClr val="000000"/>
               </a:solidFill>
-              <a:latin typeface="DejaVuSansMono"/>
+              <a:latin typeface="DejaVuSansMono-Bold"/>
+              <a:cs typeface="Helvetica" panose="020B0604020202020204" pitchFamily="34" charset="0"/>
             </a:endParaRPr>
           </a:p>
           <a:p>
@@ -38495,7 +40432,8 @@
                 <a:solidFill>
                   <a:srgbClr val="000000"/>
                 </a:solidFill>
-                <a:latin typeface="DejaVuSansMono"/>
+                <a:latin typeface="DejaVuSansMono-Bold"/>
+                <a:cs typeface="Helvetica" panose="020B0604020202020204" pitchFamily="34" charset="0"/>
               </a:rPr>
               <a:t>	</a:t>
             </a:r>
@@ -38504,7 +40442,8 @@
                 <a:solidFill>
                   <a:srgbClr val="000000"/>
                 </a:solidFill>
-                <a:latin typeface="DejaVuSansMono"/>
+                <a:latin typeface="DejaVuSansMono-Bold"/>
+                <a:cs typeface="Helvetica" panose="020B0604020202020204" pitchFamily="34" charset="0"/>
               </a:rPr>
               <a:t>protected</a:t>
             </a:r>
@@ -38513,7 +40452,8 @@
                 <a:solidFill>
                   <a:srgbClr val="000000"/>
                 </a:solidFill>
-                <a:latin typeface="DejaVuSansMono"/>
+                <a:latin typeface="DejaVuSansMono-Bold"/>
+                <a:cs typeface="Helvetica" panose="020B0604020202020204" pitchFamily="34" charset="0"/>
               </a:rPr>
               <a:t> 	:</a:t>
             </a:r>
@@ -38522,7 +40462,8 @@
                 <a:solidFill>
                   <a:srgbClr val="000000"/>
                 </a:solidFill>
-                <a:latin typeface="DejaVuSansMono"/>
+                <a:latin typeface="DejaVuSansMono-Bold"/>
+                <a:cs typeface="Helvetica" panose="020B0604020202020204" pitchFamily="34" charset="0"/>
               </a:rPr>
               <a:t>method2</a:t>
             </a:r>
@@ -38530,7 +40471,8 @@
               <a:solidFill>
                 <a:srgbClr val="000000"/>
               </a:solidFill>
-              <a:latin typeface="DejaVuSansMono"/>
+              <a:latin typeface="DejaVuSansMono-Bold"/>
+              <a:cs typeface="Helvetica" panose="020B0604020202020204" pitchFamily="34" charset="0"/>
             </a:endParaRPr>
           </a:p>
           <a:p>
@@ -38539,7 +40481,8 @@
                 <a:solidFill>
                   <a:srgbClr val="000000"/>
                 </a:solidFill>
-                <a:latin typeface="DejaVuSansMono"/>
+                <a:latin typeface="DejaVuSansMono-Bold"/>
+                <a:cs typeface="Helvetica" panose="020B0604020202020204" pitchFamily="34" charset="0"/>
               </a:rPr>
               <a:t>	</a:t>
             </a:r>
@@ -38548,7 +40491,8 @@
                 <a:solidFill>
                   <a:srgbClr val="000000"/>
                 </a:solidFill>
-                <a:latin typeface="DejaVuSansMono"/>
+                <a:latin typeface="DejaVuSansMono-Bold"/>
+                <a:cs typeface="Helvetica" panose="020B0604020202020204" pitchFamily="34" charset="0"/>
               </a:rPr>
               <a:t>private</a:t>
             </a:r>
@@ -38557,7 +40501,8 @@
                 <a:solidFill>
                   <a:srgbClr val="000000"/>
                 </a:solidFill>
-                <a:latin typeface="DejaVuSansMono"/>
+                <a:latin typeface="DejaVuSansMono-Bold"/>
+                <a:cs typeface="Helvetica" panose="020B0604020202020204" pitchFamily="34" charset="0"/>
               </a:rPr>
               <a:t> 		:</a:t>
             </a:r>
@@ -38566,7 +40511,8 @@
                 <a:solidFill>
                   <a:srgbClr val="000000"/>
                 </a:solidFill>
-                <a:latin typeface="DejaVuSansMono"/>
+                <a:latin typeface="DejaVuSansMono-Bold"/>
+                <a:cs typeface="Helvetica" panose="020B0604020202020204" pitchFamily="34" charset="0"/>
               </a:rPr>
               <a:t>method3</a:t>
             </a:r>
@@ -38574,7 +40520,8 @@
               <a:solidFill>
                 <a:srgbClr val="000000"/>
               </a:solidFill>
-              <a:latin typeface="DejaVuSansMono"/>
+              <a:latin typeface="DejaVuSansMono-Bold"/>
+              <a:cs typeface="Helvetica" panose="020B0604020202020204" pitchFamily="34" charset="0"/>
             </a:endParaRPr>
           </a:p>
           <a:p>
@@ -38584,10 +40531,14 @@
                   <a:srgbClr val="91117D"/>
                 </a:solidFill>
                 <a:latin typeface="DejaVuSansMono-Bold"/>
+                <a:cs typeface="Helvetica" panose="020B0604020202020204" pitchFamily="34" charset="0"/>
               </a:rPr>
               <a:t>end</a:t>
             </a:r>
-            <a:endParaRPr lang="es-CO" dirty="0"/>
+            <a:endParaRPr lang="es-CO" dirty="0">
+              <a:latin typeface="DejaVuSansMono-Bold"/>
+              <a:cs typeface="Helvetica" panose="020B0604020202020204" pitchFamily="34" charset="0"/>
+            </a:endParaRPr>
           </a:p>
         </p:txBody>
       </p:sp>
